--- a/Assets/Animation Retargeting/PPT Data/Animation Retargeting Example.pptx
+++ b/Assets/Animation Retargeting/PPT Data/Animation Retargeting Example.pptx
@@ -2,7 +2,7 @@
 <file path=ppt/presentation.xml><?xml version="1.0" encoding="utf-8"?>
 <p:presentation xmlns:a="http://schemas.openxmlformats.org/drawingml/2006/main" xmlns:r="http://schemas.openxmlformats.org/officeDocument/2006/relationships" xmlns:p="http://schemas.openxmlformats.org/presentationml/2006/main" xmlns:p14="http://schemas.microsoft.com/office/powerpoint/2010/main" saveSubsetFonts="1" firstSlideNum="0">
   <p:sldMasterIdLst>
-    <p:sldMasterId id="2147486994" r:id="rId12"/>
+    <p:sldMasterId id="2147487017" r:id="rId12"/>
   </p:sldMasterIdLst>
   <p:notesMasterIdLst>
     <p:notesMasterId r:id="rId14"/>
@@ -15,13 +15,14 @@
     <p:sldId id="338" r:id="rId24"/>
     <p:sldId id="339" r:id="rId26"/>
     <p:sldId id="340" r:id="rId28"/>
-    <p:sldId id="336" r:id="rId29"/>
-    <p:sldId id="351" r:id="rId30"/>
-    <p:sldId id="341" r:id="rId31"/>
-    <p:sldId id="342" r:id="rId32"/>
-    <p:sldId id="347" r:id="rId33"/>
-    <p:sldId id="348" r:id="rId35"/>
-    <p:sldId id="349" r:id="rId37"/>
+    <p:sldId id="336" r:id="rId30"/>
+    <p:sldId id="351" r:id="rId32"/>
+    <p:sldId id="341" r:id="rId33"/>
+    <p:sldId id="342" r:id="rId34"/>
+    <p:sldId id="352" r:id="rId35"/>
+    <p:sldId id="347" r:id="rId36"/>
+    <p:sldId id="348" r:id="rId37"/>
+    <p:sldId id="349" r:id="rId38"/>
     <p:sldId id="350" r:id="rId39"/>
   </p:sldIdLst>
   <p:sldSz cx="12192000" cy="6858000"/>
@@ -937,7 +938,7 @@
         <p:spPr>
           <a:xfrm rot="0">
             <a:off x="685800" y="1143000"/>
-            <a:ext cx="5497195" cy="3096895"/>
+            <a:ext cx="5497830" cy="3097530"/>
           </a:xfrm>
           <a:prstGeom prst="rect"/>
           <a:noFill/>
@@ -976,7 +977,7 @@
         <p:spPr>
           <a:xfrm rot="0">
             <a:off x="685800" y="4400550"/>
-            <a:ext cx="5497195" cy="3611245"/>
+            <a:ext cx="5497830" cy="3611880"/>
           </a:xfrm>
           <a:prstGeom prst="rect"/>
         </p:spPr>
@@ -1006,7 +1007,7 @@
         <p:spPr>
           <a:xfrm rot="0">
             <a:off x="3884930" y="8685530"/>
-            <a:ext cx="2982595" cy="469265"/>
+            <a:ext cx="2983230" cy="469900"/>
           </a:xfrm>
           <a:prstGeom prst="rect"/>
         </p:spPr>
@@ -1221,7 +1222,7 @@
         <p:spPr>
           <a:xfrm rot="0">
             <a:off x="685800" y="1143000"/>
-            <a:ext cx="5497830" cy="3097530"/>
+            <a:ext cx="5497195" cy="3096895"/>
           </a:xfrm>
           <a:prstGeom prst="rect"/>
           <a:noFill/>
@@ -1260,7 +1261,7 @@
         <p:spPr>
           <a:xfrm rot="0">
             <a:off x="685800" y="4400550"/>
-            <a:ext cx="5497830" cy="3611880"/>
+            <a:ext cx="5497195" cy="3611245"/>
           </a:xfrm>
           <a:prstGeom prst="rect"/>
         </p:spPr>
@@ -1290,7 +1291,7 @@
         <p:spPr>
           <a:xfrm rot="0">
             <a:off x="3884930" y="8685530"/>
-            <a:ext cx="2983230" cy="469900"/>
+            <a:ext cx="2982595" cy="469265"/>
           </a:xfrm>
           <a:prstGeom prst="rect"/>
         </p:spPr>
@@ -1334,6 +1335,148 @@
 </file>
 
 <file path=ppt/notesSlides/notesSlide15.xml><?xml version="1.0" encoding="utf-8"?>
+<p:notes xmlns:a="http://schemas.openxmlformats.org/drawingml/2006/main" xmlns:r="http://schemas.openxmlformats.org/officeDocument/2006/relationships" xmlns:p="http://schemas.openxmlformats.org/presentationml/2006/main">
+  <p:cSld>
+    <p:spTree>
+      <p:nvGrpSpPr>
+        <p:cNvPr id="1" name=""/>
+        <p:cNvGrpSpPr/>
+        <p:nvPr/>
+      </p:nvGrpSpPr>
+      <p:grpSpPr>
+        <a:xfrm>
+          <a:off x="0" y="0"/>
+          <a:ext cx="0" cy="0"/>
+          <a:chOff x="0" y="0"/>
+          <a:chExt cx="0" cy="0"/>
+        </a:xfrm>
+      </p:grpSpPr>
+      <p:sp>
+        <p:nvSpPr>
+          <p:cNvPr id="2" name="슬라이드 이미지 개체 틀 3"/>
+          <p:cNvSpPr>
+            <a:spLocks noChangeAspect="1"/>
+          </p:cNvSpPr>
+          <p:nvPr>
+            <p:ph type="sldImg" idx="2"/>
+          </p:nvPr>
+        </p:nvSpPr>
+        <p:spPr>
+          <a:xfrm rot="0">
+            <a:off x="685800" y="1143000"/>
+            <a:ext cx="5497830" cy="3097530"/>
+          </a:xfrm>
+          <a:prstGeom prst="rect"/>
+          <a:noFill/>
+          <a:ln w="12700" cap="flat" cmpd="sng">
+            <a:solidFill>
+              <a:srgbClr val="000000">
+                <a:alpha val="100000"/>
+              </a:srgbClr>
+            </a:solidFill>
+            <a:prstDash val="solid"/>
+          </a:ln>
+        </p:spPr>
+        <p:txBody>
+          <a:bodyPr wrap="square" lIns="91440" tIns="45720" rIns="91440" bIns="45720" numCol="1" vert="horz" anchor="ctr">
+            <a:noAutofit/>
+          </a:bodyPr>
+          <a:lstStyle/>
+          <a:p>
+            <a:pPr marL="0" indent="0" latinLnBrk="0">
+              <a:buFontTx/>
+              <a:buNone/>
+            </a:pPr>
+          </a:p>
+        </p:txBody>
+      </p:sp>
+      <p:sp>
+        <p:nvSpPr>
+          <p:cNvPr id="3" name="슬라이드 노트 개체 틀 4"/>
+          <p:cNvSpPr txBox="1">
+            <a:spLocks/>
+          </p:cNvSpPr>
+          <p:nvPr>
+            <p:ph type="body" idx="3"/>
+          </p:nvPr>
+        </p:nvSpPr>
+        <p:spPr>
+          <a:xfrm rot="0">
+            <a:off x="685800" y="4400550"/>
+            <a:ext cx="5497830" cy="3611880"/>
+          </a:xfrm>
+          <a:prstGeom prst="rect"/>
+        </p:spPr>
+        <p:txBody>
+          <a:bodyPr wrap="square" lIns="91440" tIns="45720" rIns="91440" bIns="45720" numCol="1" vert="horz" anchor="t">
+            <a:noAutofit/>
+          </a:bodyPr>
+          <a:lstStyle/>
+          <a:p>
+            <a:pPr marL="0" indent="0" latinLnBrk="0">
+              <a:buFontTx/>
+              <a:buNone/>
+            </a:pPr>
+          </a:p>
+        </p:txBody>
+      </p:sp>
+      <p:sp>
+        <p:nvSpPr>
+          <p:cNvPr id="4" name="슬라이드 번호 개체 틀 6"/>
+          <p:cNvSpPr txBox="1">
+            <a:spLocks/>
+          </p:cNvSpPr>
+          <p:nvPr>
+            <p:ph type="sldNum" idx="5"/>
+          </p:nvPr>
+        </p:nvSpPr>
+        <p:spPr>
+          <a:xfrm rot="0">
+            <a:off x="3884930" y="8685530"/>
+            <a:ext cx="2983230" cy="469900"/>
+          </a:xfrm>
+          <a:prstGeom prst="rect"/>
+        </p:spPr>
+        <p:txBody>
+          <a:bodyPr wrap="square" lIns="91440" tIns="45720" rIns="91440" bIns="45720" numCol="1" vert="horz" anchor="b">
+            <a:noAutofit/>
+          </a:bodyPr>
+          <a:lstStyle>
+            <a:lvl1pPr marL="0" indent="0" algn="r" latinLnBrk="0">
+              <a:buFontTx/>
+              <a:buNone/>
+              <a:defRPr lang="en-GB" altLang="en-US" sz="1200"/>
+            </a:lvl1pPr>
+          </a:lstStyle>
+          <a:p>
+            <a:pPr marL="0" indent="0" latinLnBrk="0">
+              <a:buFontTx/>
+              <a:buNone/>
+            </a:pPr>
+            <a:fld id="{B9320F77-B9A0-41C5-862A-B4B631284C64}" type="slidenum">
+              <a:rPr lang="ko-KR" altLang="en-US"/>
+              <a:t>‹#›</a:t>
+            </a:fld>
+          </a:p>
+        </p:txBody>
+      </p:sp>
+    </p:spTree>
+  </p:cSld>
+  <p:clrMapOvr>
+    <a:masterClrMapping/>
+  </p:clrMapOvr>
+  <mc:AlternateContent xmlns:mc="http://schemas.openxmlformats.org/markup-compatibility/2006">
+    <mc:Choice xmlns:p14="http://schemas.microsoft.com/office/powerpoint/2010/main" Requires="p14">
+      <p:transition spd="slow" p14:dur="0"/>
+    </mc:Choice>
+    <mc:Fallback>
+      <p:transition spd="slow"/>
+    </mc:Fallback>
+  </mc:AlternateContent>
+</p:notes>
+</file>
+
+<file path=ppt/notesSlides/notesSlide16.xml><?xml version="1.0" encoding="utf-8"?>
 <p:notes xmlns:a="http://schemas.openxmlformats.org/drawingml/2006/main" xmlns:r="http://schemas.openxmlformats.org/officeDocument/2006/relationships" xmlns:p="http://schemas.openxmlformats.org/presentationml/2006/main">
   <p:cSld>
     <p:spTree>
@@ -8048,7 +8191,7 @@
       </p:pic>
       <p:pic>
         <p:nvPicPr>
-          <p:cNvPr id="106" name="그림 19" descr="C:/Users/Admin1/AppData/Roaming/PolarisOffice/ETemp/6696_24108808/fImage107853648467.png"/>
+          <p:cNvPr id="106" name="그림 19"/>
           <p:cNvPicPr>
             <a:picLocks noChangeAspect="1"/>
           </p:cNvPicPr>
@@ -8297,7 +8440,7 @@
       </p:sp>
       <p:pic>
         <p:nvPicPr>
-          <p:cNvPr id="109" name="그림 26" descr="C:/Users/Admin1/AppData/Roaming/PolarisOffice/ETemp/6696_24108808/fImage30173514464.png"/>
+          <p:cNvPr id="109" name="그림 26"/>
           <p:cNvPicPr>
             <a:picLocks noChangeAspect="1"/>
           </p:cNvPicPr>
@@ -8328,7 +8471,7 @@
       </p:pic>
       <p:pic>
         <p:nvPicPr>
-          <p:cNvPr id="110" name="그림 31" descr="C:/Users/Admin1/AppData/Roaming/PolarisOffice/ETemp/6696_24108808/fImage132813331478.png"/>
+          <p:cNvPr id="110" name="그림 31"/>
           <p:cNvPicPr>
             <a:picLocks noChangeAspect="1"/>
           </p:cNvPicPr>
@@ -8359,7 +8502,7 @@
       </p:pic>
       <p:pic>
         <p:nvPicPr>
-          <p:cNvPr id="111" name="그림 34" descr="C:/Users/Admin1/AppData/Roaming/PolarisOffice/ETemp/6696_24108808/fImage123793306500.png"/>
+          <p:cNvPr id="111" name="그림 34"/>
           <p:cNvPicPr>
             <a:picLocks noChangeAspect="1"/>
           </p:cNvPicPr>
@@ -8399,7 +8542,7 @@
         <p:spPr>
           <a:xfrm rot="0">
             <a:off x="1243965" y="5286375"/>
-            <a:ext cx="4131945" cy="923925"/>
+            <a:ext cx="4132580" cy="924560"/>
           </a:xfrm>
           <a:prstGeom prst="rect"/>
           <a:noFill/>
@@ -8426,17 +8569,7 @@
                 <a:latin typeface="맑은 고딕" charset="0"/>
                 <a:ea typeface="맑은 고딕" charset="0"/>
               </a:rPr>
-              <a:t>2</a:t>
-            </a:r>
-            <a:r>
-              <a:rPr lang="ko-KR" sz="1800" b="1">
-                <a:solidFill>
-                  <a:srgbClr val="0611F2"/>
-                </a:solidFill>
-                <a:latin typeface="맑은 고딕" charset="0"/>
-                <a:ea typeface="맑은 고딕" charset="0"/>
-              </a:rPr>
-              <a:t>4</a:t>
+              <a:t>24</a:t>
             </a:r>
             <a:r>
               <a:rPr sz="1800" b="1">
@@ -8460,21 +8593,7 @@
                 <a:latin typeface="맑은 고딕" charset="0"/>
                 <a:ea typeface="맑은 고딕" charset="0"/>
               </a:rPr>
-              <a:t> Camea Culling </a:t>
-            </a:r>
-            <a:r>
-              <a:rPr lang="ko-KR" sz="1800">
-                <a:latin typeface="맑은 고딕" charset="0"/>
-                <a:ea typeface="맑은 고딕" charset="0"/>
-              </a:rPr>
-              <a:t>Button</a:t>
-            </a:r>
-            <a:r>
-              <a:rPr lang="ko-KR" sz="1800">
-                <a:latin typeface="맑은 고딕" charset="0"/>
-                <a:ea typeface="맑은 고딕" charset="0"/>
-              </a:rPr>
-              <a:t> </a:t>
+              <a:t> Camea Culling Button </a:t>
             </a:r>
             <a:r>
               <a:rPr lang="ko-KR" sz="1800">
@@ -8488,35 +8607,7 @@
                 <a:latin typeface="맑은 고딕" charset="0"/>
                 <a:ea typeface="맑은 고딕" charset="0"/>
               </a:rPr>
-              <a:t> </a:t>
-            </a:r>
-            <a:r>
-              <a:rPr lang="ko-KR" sz="1800">
-                <a:latin typeface="맑은 고딕" charset="0"/>
-                <a:ea typeface="맑은 고딕" charset="0"/>
-              </a:rPr>
-              <a:t>앵커를</a:t>
-            </a:r>
-            <a:r>
-              <a:rPr lang="ko-KR" sz="1800">
-                <a:latin typeface="맑은 고딕" charset="0"/>
-                <a:ea typeface="맑은 고딕" charset="0"/>
-              </a:rPr>
-              <a:t> 지정한 </a:t>
-            </a:r>
-            <a:r>
-              <a:rPr lang="ko-KR" sz="1800">
-                <a:latin typeface="맑은 고딕" charset="0"/>
-                <a:ea typeface="맑은 고딕" charset="0"/>
-              </a:rPr>
-              <a:t>다음</a:t>
-            </a:r>
-            <a:r>
-              <a:rPr lang="ko-KR" sz="1800">
-                <a:latin typeface="맑은 고딕" charset="0"/>
-                <a:ea typeface="맑은 고딕" charset="0"/>
-              </a:rPr>
-              <a:t> </a:t>
+              <a:t> 앵커를 지정한 다음 </a:t>
             </a:r>
             <a:r>
               <a:rPr lang="ko-KR" sz="1800">
@@ -8530,28 +8621,7 @@
                 <a:latin typeface="맑은 고딕" charset="0"/>
                 <a:ea typeface="맑은 고딕" charset="0"/>
               </a:rPr>
-              <a:t> </a:t>
-            </a:r>
-            <a:r>
-              <a:rPr lang="ko-KR" sz="1800">
-                <a:latin typeface="맑은 고딕" charset="0"/>
-                <a:ea typeface="맑은 고딕" charset="0"/>
-              </a:rPr>
-              <a:t>크기</a:t>
-            </a:r>
-            <a:r>
-              <a:rPr lang="ko-KR" sz="1800">
-                <a:latin typeface="맑은 고딕" charset="0"/>
-                <a:ea typeface="맑은 고딕" charset="0"/>
-              </a:rPr>
-              <a:t> 값을 </a:t>
-            </a:r>
-            <a:r>
-              <a:rPr lang="ko-KR" sz="1800">
-                <a:latin typeface="맑은 고딕" charset="0"/>
-                <a:ea typeface="맑은 고딕" charset="0"/>
-              </a:rPr>
-              <a:t>설정합니다.</a:t>
+              <a:t> 크기 값을 설정합니다.</a:t>
             </a:r>
             <a:endParaRPr lang="ko-KR" altLang="en-US" sz="1800">
               <a:latin typeface="맑은 고딕" charset="0"/>
@@ -8783,7 +8853,7 @@
       </p:sp>
       <p:pic>
         <p:nvPicPr>
-          <p:cNvPr id="112" name="그림 25" descr="C:/Users/Admin1/AppData/Roaming/PolarisOffice/ETemp/6696_24108808/fImage125342595724.png"/>
+          <p:cNvPr id="112" name="그림 25"/>
           <p:cNvPicPr>
             <a:picLocks noChangeAspect="1"/>
           </p:cNvPicPr>
@@ -8958,7 +9028,7 @@
       </p:sp>
       <p:pic>
         <p:nvPicPr>
-          <p:cNvPr id="116" name="그림 1" descr="C:/Users/Admin1/AppData/Roaming/PolarisOffice/ETemp/6696_24108808/fImage581528241.png"/>
+          <p:cNvPr id="116" name="그림 1"/>
           <p:cNvPicPr>
             <a:picLocks noChangeAspect="1"/>
           </p:cNvPicPr>
@@ -8987,6 +9057,259 @@
           </a:solidFill>
         </p:spPr>
       </p:pic>
+      <p:pic>
+        <p:nvPicPr>
+          <p:cNvPr id="117" name="그림 4" descr="C:/Users/Admin1/AppData/Roaming/PolarisOffice/ETemp/11056_9762696/fImage8387322841.png"/>
+          <p:cNvPicPr>
+            <a:picLocks noChangeAspect="1"/>
+          </p:cNvPicPr>
+          <p:nvPr/>
+        </p:nvPicPr>
+        <p:blipFill rotWithShape="1">
+          <a:blip r:embed="rId12" cstate="print">
+            <a:extLst>
+              <a:ext uri="{28A0092B-C50C-407E-A947-70E740481C1C}">
+                <a14:useLocalDpi xmlns:a14="http://schemas.microsoft.com/office/drawing/2010/main" val="0"/>
+              </a:ext>
+            </a:extLst>
+          </a:blip>
+          <a:stretch>
+            <a:fillRect/>
+          </a:stretch>
+        </p:blipFill>
+        <p:spPr>
+          <a:xfrm rot="0">
+            <a:off x="6822440" y="1447165"/>
+            <a:ext cx="4135120" cy="2326005"/>
+          </a:xfrm>
+          <a:prstGeom prst="roundRect"/>
+          <a:solidFill>
+            <a:srgbClr val="EDEDED"/>
+          </a:solidFill>
+        </p:spPr>
+      </p:pic>
+      <p:sp>
+        <p:nvSpPr>
+          <p:cNvPr id="118" name="텍스트 상자 7"/>
+          <p:cNvSpPr txBox="1">
+            <a:spLocks/>
+          </p:cNvSpPr>
+          <p:nvPr/>
+        </p:nvSpPr>
+        <p:spPr>
+          <a:xfrm rot="0">
+            <a:off x="6804660" y="3999865"/>
+            <a:ext cx="4144010" cy="2215515"/>
+          </a:xfrm>
+          <a:prstGeom prst="rect"/>
+          <a:noFill/>
+        </p:spPr>
+        <p:txBody>
+          <a:bodyPr wrap="square" lIns="0" tIns="0" rIns="0" bIns="0" vert="horz" anchor="t">
+            <a:noAutofit/>
+          </a:bodyPr>
+          <a:lstStyle/>
+          <a:p>
+            <a:pPr marL="0" indent="0" rtl="0" algn="l" defTabSz="914400" eaLnBrk="1" latinLnBrk="0" hangingPunct="1">
+              <a:buFontTx/>
+              <a:buNone/>
+            </a:pPr>
+            <a:r>
+              <a:rPr lang="ko-KR" sz="1800" b="1">
+                <a:solidFill>
+                  <a:srgbClr val="0611F2"/>
+                </a:solidFill>
+                <a:latin typeface="맑은 고딕" charset="0"/>
+                <a:ea typeface="맑은 고딕" charset="0"/>
+              </a:rPr>
+              <a:t>2</a:t>
+            </a:r>
+            <a:r>
+              <a:rPr lang="ko-KR" sz="1800" b="1">
+                <a:solidFill>
+                  <a:srgbClr val="0611F2"/>
+                </a:solidFill>
+                <a:latin typeface="맑은 고딕" charset="0"/>
+                <a:ea typeface="맑은 고딕" charset="0"/>
+              </a:rPr>
+              <a:t>8</a:t>
+            </a:r>
+            <a:r>
+              <a:rPr sz="1800" b="1">
+                <a:solidFill>
+                  <a:srgbClr val="0611F2"/>
+                </a:solidFill>
+                <a:latin typeface="맑은 고딕" charset="0"/>
+                <a:ea typeface="맑은 고딕" charset="0"/>
+              </a:rPr>
+              <a:t>.</a:t>
+            </a:r>
+            <a:r>
+              <a:rPr sz="1800">
+                <a:latin typeface="맑은 고딕" charset="0"/>
+                <a:ea typeface="맑은 고딕" charset="0"/>
+              </a:rPr>
+              <a:t> 그리고</a:t>
+            </a:r>
+            <a:r>
+              <a:rPr lang="ko-KR" sz="1800">
+                <a:latin typeface="맑은 고딕" charset="0"/>
+                <a:ea typeface="맑은 고딕" charset="0"/>
+              </a:rPr>
+              <a:t> AnimatorManager </a:t>
+            </a:r>
+            <a:r>
+              <a:rPr lang="ko-KR" sz="1800">
+                <a:latin typeface="맑은 고딕" charset="0"/>
+                <a:ea typeface="맑은 고딕" charset="0"/>
+              </a:rPr>
+              <a:t>스크립트에서</a:t>
+            </a:r>
+            <a:r>
+              <a:rPr lang="ko-KR" sz="1800">
+                <a:latin typeface="맑은 고딕" charset="0"/>
+                <a:ea typeface="맑은 고딕" charset="0"/>
+              </a:rPr>
+              <a:t> namespace를 선언합니다.</a:t>
+            </a:r>
+            <a:endParaRPr lang="ko-KR" altLang="en-US" sz="1800">
+              <a:latin typeface="맑은 고딕" charset="0"/>
+              <a:ea typeface="맑은 고딕" charset="0"/>
+            </a:endParaRPr>
+          </a:p>
+          <a:p>
+            <a:pPr marL="0" indent="0" rtl="0" algn="l" defTabSz="914400" eaLnBrk="1" latinLnBrk="0" hangingPunct="1">
+              <a:buFontTx/>
+              <a:buNone/>
+            </a:pPr>
+            <a:endParaRPr lang="ko-KR" altLang="en-US" sz="1800">
+              <a:latin typeface="맑은 고딕" charset="0"/>
+              <a:ea typeface="맑은 고딕" charset="0"/>
+            </a:endParaRPr>
+          </a:p>
+          <a:p>
+            <a:pPr marL="0" indent="0" rtl="0" algn="l" defTabSz="914400" eaLnBrk="1" latinLnBrk="0" hangingPunct="1">
+              <a:buFontTx/>
+              <a:buNone/>
+            </a:pPr>
+            <a:r>
+              <a:rPr lang="ko-KR" sz="1800">
+                <a:latin typeface="맑은 고딕" charset="0"/>
+                <a:ea typeface="맑은 고딕" charset="0"/>
+              </a:rPr>
+              <a:t>그런</a:t>
+            </a:r>
+            <a:r>
+              <a:rPr lang="ko-KR" sz="1800">
+                <a:latin typeface="맑은 고딕" charset="0"/>
+                <a:ea typeface="맑은 고딕" charset="0"/>
+              </a:rPr>
+              <a:t> </a:t>
+            </a:r>
+            <a:r>
+              <a:rPr lang="ko-KR" sz="1800">
+                <a:latin typeface="맑은 고딕" charset="0"/>
+                <a:ea typeface="맑은 고딕" charset="0"/>
+              </a:rPr>
+              <a:t>다음</a:t>
+            </a:r>
+            <a:r>
+              <a:rPr lang="ko-KR" sz="1800">
+                <a:latin typeface="맑은 고딕" charset="0"/>
+                <a:ea typeface="맑은 고딕" charset="0"/>
+              </a:rPr>
+              <a:t> int 변수와 float 변수를 </a:t>
+            </a:r>
+            <a:r>
+              <a:rPr lang="ko-KR" sz="1800">
+                <a:latin typeface="맑은 고딕" charset="0"/>
+                <a:ea typeface="맑은 고딕" charset="0"/>
+              </a:rPr>
+              <a:t>선언하고</a:t>
+            </a:r>
+            <a:r>
+              <a:rPr lang="ko-KR" sz="1800">
+                <a:latin typeface="맑은 고딕" charset="0"/>
+                <a:ea typeface="맑은 고딕" charset="0"/>
+              </a:rPr>
+              <a:t> Dropdown 변수를 선언</a:t>
+            </a:r>
+            <a:r>
+              <a:rPr lang="ko-KR" sz="1800">
+                <a:latin typeface="맑은 고딕" charset="0"/>
+                <a:ea typeface="맑은 고딕" charset="0"/>
+              </a:rPr>
+              <a:t>합니다</a:t>
+            </a:r>
+            <a:r>
+              <a:rPr lang="ko-KR" sz="1800">
+                <a:latin typeface="맑은 고딕" charset="0"/>
+                <a:ea typeface="맑은 고딕" charset="0"/>
+              </a:rPr>
+              <a:t>.</a:t>
+            </a:r>
+            <a:endParaRPr lang="ko-KR" altLang="en-US" sz="1800">
+              <a:latin typeface="맑은 고딕" charset="0"/>
+              <a:ea typeface="맑은 고딕" charset="0"/>
+            </a:endParaRPr>
+          </a:p>
+          <a:p>
+            <a:pPr marL="0" indent="0" rtl="0" algn="l" defTabSz="914400" eaLnBrk="1" latinLnBrk="0" hangingPunct="1">
+              <a:buFontTx/>
+              <a:buNone/>
+            </a:pPr>
+            <a:endParaRPr lang="ko-KR" altLang="en-US" sz="1800">
+              <a:latin typeface="맑은 고딕" charset="0"/>
+              <a:ea typeface="맑은 고딕" charset="0"/>
+            </a:endParaRPr>
+          </a:p>
+          <a:p>
+            <a:pPr marL="0" indent="0" rtl="0" algn="l" defTabSz="914400" eaLnBrk="1" latinLnBrk="0" hangingPunct="1">
+              <a:buFontTx/>
+              <a:buNone/>
+            </a:pPr>
+            <a:r>
+              <a:rPr lang="ko-KR" sz="1800">
+                <a:latin typeface="맑은 고딕" charset="0"/>
+                <a:ea typeface="맑은 고딕" charset="0"/>
+              </a:rPr>
+              <a:t>마지막으로</a:t>
+            </a:r>
+            <a:r>
+              <a:rPr lang="ko-KR" sz="1800">
+                <a:latin typeface="맑은 고딕" charset="0"/>
+                <a:ea typeface="맑은 고딕" charset="0"/>
+              </a:rPr>
+              <a:t> </a:t>
+            </a:r>
+            <a:r>
+              <a:rPr lang="ko-KR" sz="1800">
+                <a:latin typeface="맑은 고딕" charset="0"/>
+                <a:ea typeface="맑은 고딕" charset="0"/>
+              </a:rPr>
+              <a:t>Animator 변수를 배열로 </a:t>
+            </a:r>
+            <a:r>
+              <a:rPr lang="ko-KR" sz="1800">
+                <a:latin typeface="맑은 고딕" charset="0"/>
+                <a:ea typeface="맑은 고딕" charset="0"/>
+              </a:rPr>
+              <a:t>선언합니</a:t>
+            </a:r>
+            <a:r>
+              <a:rPr lang="ko-KR" sz="1800">
+                <a:latin typeface="맑은 고딕" charset="0"/>
+                <a:ea typeface="맑은 고딕" charset="0"/>
+              </a:rPr>
+              <a:t>다.</a:t>
+            </a:r>
+            <a:endParaRPr lang="ko-KR" altLang="en-US" sz="1800">
+              <a:latin typeface="맑은 고딕" charset="0"/>
+              <a:ea typeface="맑은 고딕" charset="0"/>
+            </a:endParaRPr>
+          </a:p>
+        </p:txBody>
+      </p:sp>
     </p:spTree>
   </p:cSld>
   <p:clrMapOvr>
@@ -9038,7 +9361,7 @@
         <p:spPr>
           <a:xfrm rot="0">
             <a:off x="4323715" y="386715"/>
-            <a:ext cx="3540125" cy="554990"/>
+            <a:ext cx="3540760" cy="554990"/>
           </a:xfrm>
           <a:prstGeom prst="rect"/>
           <a:noFill/>
@@ -9062,7 +9385,7 @@
                 <a:latin typeface="나눔바른고딕" charset="0"/>
                 <a:ea typeface="나눔바른고딕" charset="0"/>
               </a:rPr>
-              <a:t>열여섯</a:t>
+              <a:t>열두</a:t>
             </a:r>
             <a:r>
               <a:rPr lang="ko-KR" sz="2500" b="1">
@@ -9079,140 +9402,6 @@
               <a:t> </a:t>
             </a:r>
             <a:endParaRPr lang="ko-KR" altLang="en-US" sz="3000" b="1">
-              <a:latin typeface="맑은 고딕" charset="0"/>
-              <a:ea typeface="맑은 고딕" charset="0"/>
-            </a:endParaRPr>
-          </a:p>
-        </p:txBody>
-      </p:sp>
-      <p:sp>
-        <p:nvSpPr>
-          <p:cNvPr id="103" name="Rect 0"/>
-          <p:cNvSpPr txBox="1">
-            <a:spLocks/>
-          </p:cNvSpPr>
-          <p:nvPr/>
-        </p:nvSpPr>
-        <p:spPr>
-          <a:xfrm rot="0">
-            <a:off x="1240790" y="5022215"/>
-            <a:ext cx="4152265" cy="1200785"/>
-          </a:xfrm>
-          <a:prstGeom prst="rect"/>
-          <a:noFill/>
-          <a:ln w="0">
-            <a:noFill/>
-            <a:prstDash/>
-          </a:ln>
-        </p:spPr>
-        <p:txBody>
-          <a:bodyPr wrap="square" lIns="89535" tIns="46355" rIns="89535" bIns="46355" numCol="1" vert="horz" anchor="t">
-            <a:spAutoFit/>
-          </a:bodyPr>
-          <a:lstStyle/>
-          <a:p>
-            <a:pPr marL="0" indent="0" rtl="0" algn="l" defTabSz="914400" eaLnBrk="1" latinLnBrk="0" hangingPunct="1">
-              <a:buFontTx/>
-              <a:buNone/>
-            </a:pPr>
-            <a:r>
-              <a:rPr lang="ko-KR" sz="1800" b="1">
-                <a:solidFill>
-                  <a:srgbClr val="0611F2"/>
-                </a:solidFill>
-                <a:latin typeface="맑은 고딕" charset="0"/>
-                <a:ea typeface="맑은 고딕" charset="0"/>
-              </a:rPr>
-              <a:t>42</a:t>
-            </a:r>
-            <a:r>
-              <a:rPr sz="1800" b="1">
-                <a:solidFill>
-                  <a:srgbClr val="0611F2"/>
-                </a:solidFill>
-                <a:latin typeface="맑은 고딕" charset="0"/>
-                <a:ea typeface="맑은 고딕" charset="0"/>
-              </a:rPr>
-              <a:t>.</a:t>
-            </a:r>
-            <a:r>
-              <a:rPr sz="1800">
-                <a:latin typeface="맑은 고딕" charset="0"/>
-                <a:ea typeface="맑은 고딕" charset="0"/>
-              </a:rPr>
-              <a:t> 그리고</a:t>
-            </a:r>
-            <a:r>
-              <a:rPr lang="ko-KR" sz="1800">
-                <a:latin typeface="맑은 고딕" charset="0"/>
-                <a:ea typeface="맑은 고딕" charset="0"/>
-              </a:rPr>
-              <a:t> AnimationManager </a:t>
-            </a:r>
-            <a:r>
-              <a:rPr lang="ko-KR" sz="1800">
-                <a:latin typeface="맑은 고딕" charset="0"/>
-                <a:ea typeface="맑은 고딕" charset="0"/>
-              </a:rPr>
-              <a:t>스크립트에서</a:t>
-            </a:r>
-            <a:r>
-              <a:rPr lang="ko-KR" sz="1800">
-                <a:latin typeface="맑은 고딕" charset="0"/>
-                <a:ea typeface="맑은 고딕" charset="0"/>
-              </a:rPr>
-              <a:t> </a:t>
-            </a:r>
-            <a:r>
-              <a:rPr lang="ko-KR" sz="1800">
-                <a:latin typeface="맑은 고딕" charset="0"/>
-                <a:ea typeface="맑은 고딕" charset="0"/>
-              </a:rPr>
-              <a:t>int 변수와 float 변수를 </a:t>
-            </a:r>
-            <a:r>
-              <a:rPr lang="ko-KR" sz="1800">
-                <a:latin typeface="맑은 고딕" charset="0"/>
-                <a:ea typeface="맑은 고딕" charset="0"/>
-              </a:rPr>
-              <a:t>선</a:t>
-            </a:r>
-            <a:r>
-              <a:rPr lang="ko-KR" sz="1800">
-                <a:latin typeface="맑은 고딕" charset="0"/>
-                <a:ea typeface="맑은 고딕" charset="0"/>
-              </a:rPr>
-              <a:t>언한</a:t>
-            </a:r>
-            <a:r>
-              <a:rPr lang="ko-KR" sz="1800">
-                <a:latin typeface="맑은 고딕" charset="0"/>
-                <a:ea typeface="맑은 고딕" charset="0"/>
-              </a:rPr>
-              <a:t> </a:t>
-            </a:r>
-            <a:r>
-              <a:rPr lang="ko-KR" sz="1800">
-                <a:latin typeface="맑은 고딕" charset="0"/>
-                <a:ea typeface="맑은 고딕" charset="0"/>
-              </a:rPr>
-              <a:t>다음 Animator 변수를 배열로 </a:t>
-            </a:r>
-            <a:r>
-              <a:rPr lang="ko-KR" sz="1800">
-                <a:latin typeface="맑은 고딕" charset="0"/>
-                <a:ea typeface="맑은 고딕" charset="0"/>
-              </a:rPr>
-              <a:t>선언합니</a:t>
-            </a:r>
-            <a:r>
-              <a:rPr lang="ko-KR" sz="1800">
-                <a:latin typeface="맑은 고딕" charset="0"/>
-                <a:ea typeface="맑은 고딕" charset="0"/>
-              </a:rPr>
-              <a:t>다.</a:t>
-            </a:r>
-            <a:endParaRPr lang="ko-KR" altLang="en-US" sz="1800">
               <a:latin typeface="맑은 고딕" charset="0"/>
               <a:ea typeface="맑은 고딕" charset="0"/>
             </a:endParaRPr>
@@ -9229,7 +9418,7 @@
         </p:nvSpPr>
         <p:spPr>
           <a:xfrm rot="0">
-            <a:off x="6830695" y="4191635"/>
+            <a:off x="1240155" y="4157345"/>
             <a:ext cx="4126865" cy="2031365"/>
           </a:xfrm>
           <a:prstGeom prst="rect"/>
@@ -9257,7 +9446,17 @@
                 <a:latin typeface="맑은 고딕" charset="0"/>
                 <a:ea typeface="맑은 고딕" charset="0"/>
               </a:rPr>
-              <a:t>43</a:t>
+              <a:t>2</a:t>
+            </a:r>
+            <a:r>
+              <a:rPr lang="ko-KR" sz="1800" b="1">
+                <a:solidFill>
+                  <a:srgbClr val="0611F2"/>
+                </a:solidFill>
+                <a:latin typeface="맑은 고딕" charset="0"/>
+                <a:ea typeface="맑은 고딕" charset="0"/>
+              </a:rPr>
+              <a:t>9</a:t>
             </a:r>
             <a:r>
               <a:rPr sz="1800" b="1">
@@ -9274,7 +9473,7 @@
                 <a:latin typeface="맑은 고딕" charset="0"/>
                 <a:ea typeface="맑은 고딕" charset="0"/>
               </a:rPr>
-              <a:t> 그런 다음</a:t>
+              <a:t> 그다음</a:t>
             </a:r>
             <a:r>
               <a:rPr lang="ko-KR" sz="1800">
@@ -9302,49 +9501,21 @@
                 <a:latin typeface="맑은 고딕" charset="0"/>
                 <a:ea typeface="맑은 고딕" charset="0"/>
               </a:rPr>
-              <a:t>speed 변수의 값을 증가시킨 </a:t>
-            </a:r>
-            <a:r>
-              <a:rPr lang="ko-KR" sz="1800">
-                <a:latin typeface="맑은 고딕" charset="0"/>
-                <a:ea typeface="맑은 고딕" charset="0"/>
-              </a:rPr>
-              <a:t>다</a:t>
-            </a:r>
-            <a:r>
-              <a:rPr lang="ko-KR" sz="1800">
-                <a:latin typeface="맑은 고딕" charset="0"/>
-                <a:ea typeface="맑은 고딕" charset="0"/>
-              </a:rPr>
-              <a:t>음</a:t>
-            </a:r>
-            <a:r>
-              <a:rPr lang="ko-KR" sz="1800">
-                <a:latin typeface="맑은 고딕" charset="0"/>
-                <a:ea typeface="맑은 고딕" charset="0"/>
-              </a:rPr>
-              <a:t> speed 변수의 값이 10 이상의 </a:t>
-            </a:r>
-            <a:r>
-              <a:rPr lang="ko-KR" sz="1800">
-                <a:latin typeface="맑은 고딕" charset="0"/>
-                <a:ea typeface="맑은 고딕" charset="0"/>
-              </a:rPr>
-              <a:t>값을</a:t>
-            </a:r>
-            <a:r>
-              <a:rPr lang="ko-KR" sz="1800">
-                <a:latin typeface="맑은 고딕" charset="0"/>
-                <a:ea typeface="맑은 고딕" charset="0"/>
-              </a:rPr>
-              <a:t> </a:t>
-            </a:r>
-            <a:r>
-              <a:rPr lang="ko-KR" sz="1800">
-                <a:latin typeface="맑은 고딕" charset="0"/>
-                <a:ea typeface="맑은 고딕" charset="0"/>
-              </a:rPr>
-              <a:t>가질 수 없도록 설정합니다.</a:t>
+              <a:t>speed</a:t>
+            </a:r>
+            <a:r>
+              <a:rPr lang="ko-KR" sz="1800">
+                <a:latin typeface="맑은 고딕" charset="0"/>
+                <a:ea typeface="맑은 고딕" charset="0"/>
+              </a:rPr>
+              <a:t> 변수의 값을 </a:t>
+            </a:r>
+            <a:r>
+              <a:rPr lang="ko-KR" sz="1800">
+                <a:latin typeface="맑은 고딕" charset="0"/>
+                <a:ea typeface="맑은 고딕" charset="0"/>
+              </a:rPr>
+              <a:t>증가시킵니다.</a:t>
             </a:r>
             <a:endParaRPr lang="ko-KR" altLang="en-US" sz="1800">
               <a:latin typeface="맑은 고딕" charset="0"/>
@@ -9371,7 +9542,7 @@
                 <a:latin typeface="맑은 고딕" charset="0"/>
                 <a:ea typeface="맑은 고딕" charset="0"/>
               </a:rPr>
-              <a:t>그다음</a:t>
+              <a:t>그러고</a:t>
             </a:r>
             <a:r>
               <a:rPr lang="ko-KR" sz="1800">
@@ -9385,7 +9556,28 @@
                 <a:latin typeface="맑은 고딕" charset="0"/>
                 <a:ea typeface="맑은 고딕" charset="0"/>
               </a:rPr>
-              <a:t>각각의 애니메이터 속도에 </a:t>
+              <a:t>나서</a:t>
+            </a:r>
+            <a:r>
+              <a:rPr lang="ko-KR" sz="1800">
+                <a:latin typeface="맑은 고딕" charset="0"/>
+                <a:ea typeface="맑은 고딕" charset="0"/>
+              </a:rPr>
+              <a:t> 각각의 애니메이터 </a:t>
+            </a:r>
+            <a:r>
+              <a:rPr lang="ko-KR" sz="1800">
+                <a:latin typeface="맑은 고딕" charset="0"/>
+                <a:ea typeface="맑은 고딕" charset="0"/>
+              </a:rPr>
+              <a:t>속도에</a:t>
+            </a:r>
+            <a:r>
+              <a:rPr lang="ko-KR" sz="1800">
+                <a:latin typeface="맑은 고딕" charset="0"/>
+                <a:ea typeface="맑은 고딕" charset="0"/>
+              </a:rPr>
+              <a:t> </a:t>
             </a:r>
             <a:r>
               <a:rPr lang="ko-KR" sz="1800">
@@ -9399,7 +9591,42 @@
                 <a:latin typeface="맑은 고딕" charset="0"/>
                 <a:ea typeface="맑은 고딕" charset="0"/>
               </a:rPr>
-              <a:t> 변수의 값을 저장합니다.</a:t>
+              <a:t> </a:t>
+            </a:r>
+            <a:r>
+              <a:rPr lang="ko-KR" sz="1800">
+                <a:latin typeface="맑은 고딕" charset="0"/>
+                <a:ea typeface="맑은 고딕" charset="0"/>
+              </a:rPr>
+              <a:t>변수의</a:t>
+            </a:r>
+            <a:r>
+              <a:rPr lang="ko-KR" sz="1800">
+                <a:latin typeface="맑은 고딕" charset="0"/>
+                <a:ea typeface="맑은 고딕" charset="0"/>
+              </a:rPr>
+              <a:t> 값을 계산하여 </a:t>
+            </a:r>
+            <a:r>
+              <a:rPr lang="ko-KR" sz="1800">
+                <a:latin typeface="맑은 고딕" charset="0"/>
+                <a:ea typeface="맑은 고딕" charset="0"/>
+              </a:rPr>
+              <a:t>애니메이터의</a:t>
+            </a:r>
+            <a:r>
+              <a:rPr lang="ko-KR" sz="1800">
+                <a:latin typeface="맑은 고딕" charset="0"/>
+                <a:ea typeface="맑은 고딕" charset="0"/>
+              </a:rPr>
+              <a:t> </a:t>
+            </a:r>
+            <a:r>
+              <a:rPr lang="ko-KR" sz="1800">
+                <a:latin typeface="맑은 고딕" charset="0"/>
+                <a:ea typeface="맑은 고딕" charset="0"/>
+              </a:rPr>
+              <a:t>속도에 저장합니다.</a:t>
             </a:r>
             <a:endParaRPr lang="ko-KR" altLang="en-US" sz="1800">
               <a:latin typeface="맑은 고딕" charset="0"/>
@@ -9410,7 +9637,7 @@
       </p:sp>
       <p:pic>
         <p:nvPicPr>
-          <p:cNvPr id="125" name="그림 19" descr="C:/Users/Admin1/AppData/Roaming/PolarisOffice/ETemp/29888_17492856/fImage488813255724.png"/>
+          <p:cNvPr id="116" name="그림 9" descr="C:/Users/Admin1/AppData/Roaming/PolarisOffice/ETemp/11056_9762696/fImage413123128467.png"/>
           <p:cNvPicPr>
             <a:picLocks noChangeAspect="1"/>
           </p:cNvPicPr>
@@ -9430,8 +9657,8 @@
         </p:blipFill>
         <p:spPr>
           <a:xfrm rot="0">
-            <a:off x="1240790" y="3755390"/>
-            <a:ext cx="4143375" cy="1163320"/>
+            <a:off x="1240790" y="1455420"/>
+            <a:ext cx="4135120" cy="2524760"/>
           </a:xfrm>
           <a:prstGeom prst="roundRect"/>
           <a:solidFill>
@@ -9441,7 +9668,7 @@
       </p:pic>
       <p:sp>
         <p:nvSpPr>
-          <p:cNvPr id="126" name="텍스트 상자 22"/>
+          <p:cNvPr id="117" name="텍스트 상자 12"/>
           <p:cNvSpPr txBox="1">
             <a:spLocks/>
           </p:cNvSpPr>
@@ -9449,8 +9676,8 @@
         </p:nvSpPr>
         <p:spPr>
           <a:xfrm rot="0">
-            <a:off x="1244600" y="2720975"/>
-            <a:ext cx="4139565" cy="923925"/>
+            <a:off x="6831330" y="4161155"/>
+            <a:ext cx="4126230" cy="2031365"/>
           </a:xfrm>
           <a:prstGeom prst="rect"/>
           <a:noFill/>
@@ -9477,7 +9704,17 @@
                 <a:latin typeface="맑은 고딕" charset="0"/>
                 <a:ea typeface="맑은 고딕" charset="0"/>
               </a:rPr>
-              <a:t>41</a:t>
+              <a:t>3</a:t>
+            </a:r>
+            <a:r>
+              <a:rPr lang="ko-KR" sz="1800" b="1">
+                <a:solidFill>
+                  <a:srgbClr val="0611F2"/>
+                </a:solidFill>
+                <a:latin typeface="맑은 고딕" charset="0"/>
+                <a:ea typeface="맑은 고딕" charset="0"/>
+              </a:rPr>
+              <a:t>0</a:t>
             </a:r>
             <a:r>
               <a:rPr sz="1800" b="1">
@@ -9501,14 +9738,14 @@
                 <a:latin typeface="맑은 고딕" charset="0"/>
                 <a:ea typeface="맑은 고딕" charset="0"/>
               </a:rPr>
-              <a:t> Camera Culling </a:t>
-            </a:r>
-            <a:r>
-              <a:rPr lang="ko-KR" sz="1800">
-                <a:latin typeface="맑은 고딕" charset="0"/>
-                <a:ea typeface="맑은 고딕" charset="0"/>
-              </a:rPr>
-              <a:t>Button</a:t>
+              <a:t> LayerMaskSetting(int) </a:t>
+            </a:r>
+            <a:r>
+              <a:rPr lang="ko-KR" sz="1800">
+                <a:latin typeface="맑은 고딕" charset="0"/>
+                <a:ea typeface="맑은 고딕" charset="0"/>
+              </a:rPr>
+              <a:t>함수를</a:t>
             </a:r>
             <a:r>
               <a:rPr lang="ko-KR" sz="1800">
@@ -9522,7 +9759,21 @@
                 <a:latin typeface="맑은 고딕" charset="0"/>
                 <a:ea typeface="맑은 고딕" charset="0"/>
               </a:rPr>
-              <a:t>오브젝트의</a:t>
+              <a:t>선언한</a:t>
+            </a:r>
+            <a:r>
+              <a:rPr lang="ko-KR" sz="1800">
+                <a:latin typeface="맑은 고딕" charset="0"/>
+                <a:ea typeface="맑은 고딕" charset="0"/>
+              </a:rPr>
+              <a:t> 다음 count 변수의 </a:t>
+            </a:r>
+            <a:r>
+              <a:rPr lang="ko-KR" sz="1800">
+                <a:latin typeface="맑은 고딕" charset="0"/>
+                <a:ea typeface="맑은 고딕" charset="0"/>
+              </a:rPr>
+              <a:t>값을</a:t>
             </a:r>
             <a:r>
               <a:rPr lang="ko-KR" sz="1800">
@@ -9536,32 +9787,87 @@
                 <a:latin typeface="맑은 고딕" charset="0"/>
                 <a:ea typeface="맑은 고딕" charset="0"/>
               </a:rPr>
-              <a:t>On</a:t>
-            </a:r>
-            <a:r>
-              <a:rPr lang="ko-KR" sz="1800">
-                <a:latin typeface="맑은 고딕" charset="0"/>
-                <a:ea typeface="맑은 고딕" charset="0"/>
-              </a:rPr>
-              <a:t> Click( ) 함수를 </a:t>
-            </a:r>
-            <a:r>
-              <a:rPr lang="ko-KR" sz="1800">
-                <a:latin typeface="맑은 고딕" charset="0"/>
-                <a:ea typeface="맑은 고딕" charset="0"/>
-              </a:rPr>
-              <a:t>추가합니다.</a:t>
+              <a:t>증가시킵니다.</a:t>
             </a:r>
             <a:endParaRPr lang="ko-KR" altLang="en-US" sz="1800">
               <a:latin typeface="맑은 고딕" charset="0"/>
               <a:ea typeface="맑은 고딕" charset="0"/>
             </a:endParaRPr>
           </a:p>
+          <a:p>
+            <a:pPr marL="0" indent="0" rtl="0" algn="l" defTabSz="914400" eaLnBrk="1" latinLnBrk="0" hangingPunct="1">
+              <a:buFontTx/>
+              <a:buNone/>
+            </a:pPr>
+            <a:endParaRPr lang="ko-KR" altLang="en-US" sz="1800">
+              <a:latin typeface="맑은 고딕" charset="0"/>
+              <a:ea typeface="맑은 고딕" charset="0"/>
+            </a:endParaRPr>
+          </a:p>
+          <a:p>
+            <a:pPr marL="0" indent="0" rtl="0" algn="l" defTabSz="914400" eaLnBrk="1" latinLnBrk="0" hangingPunct="1">
+              <a:buFontTx/>
+              <a:buNone/>
+            </a:pPr>
+            <a:r>
+              <a:rPr lang="ko-KR" sz="1800">
+                <a:latin typeface="맑은 고딕" charset="0"/>
+                <a:ea typeface="맑은 고딕" charset="0"/>
+              </a:rPr>
+              <a:t>그리고</a:t>
+            </a:r>
+            <a:r>
+              <a:rPr lang="ko-KR" sz="1800">
+                <a:latin typeface="맑은 고딕" charset="0"/>
+                <a:ea typeface="맑은 고딕" charset="0"/>
+              </a:rPr>
+              <a:t> count 변수의 값에 따라 </a:t>
+            </a:r>
+            <a:r>
+              <a:rPr lang="ko-KR" sz="1800">
+                <a:latin typeface="맑은 고딕" charset="0"/>
+                <a:ea typeface="맑은 고딕" charset="0"/>
+              </a:rPr>
+              <a:t>렌더링에서</a:t>
+            </a:r>
+            <a:r>
+              <a:rPr lang="ko-KR" sz="1800">
+                <a:latin typeface="맑은 고딕" charset="0"/>
+                <a:ea typeface="맑은 고딕" charset="0"/>
+              </a:rPr>
+              <a:t> </a:t>
+            </a:r>
+            <a:r>
+              <a:rPr lang="ko-KR" sz="1800">
+                <a:latin typeface="맑은 고딕" charset="0"/>
+                <a:ea typeface="맑은 고딕" charset="0"/>
+              </a:rPr>
+              <a:t>제외시킬</a:t>
+            </a:r>
+            <a:r>
+              <a:rPr lang="ko-KR" sz="1800">
+                <a:latin typeface="맑은 고딕" charset="0"/>
+                <a:ea typeface="맑은 고딕" charset="0"/>
+              </a:rPr>
+              <a:t> cullingMask를 </a:t>
+            </a:r>
+            <a:r>
+              <a:rPr lang="ko-KR" sz="1800">
+                <a:latin typeface="맑은 고딕" charset="0"/>
+                <a:ea typeface="맑은 고딕" charset="0"/>
+              </a:rPr>
+              <a:t>설정합니다.</a:t>
+            </a:r>
+            <a:endParaRPr lang="ko-KR" altLang="en-US" sz="1800">
+              <a:latin typeface="맑은 고딕" charset="0"/>
+              <a:ea typeface="맑은 고딕" charset="0"/>
+            </a:endParaRPr>
+          </a:p>
         </p:txBody>
       </p:sp>
       <p:pic>
         <p:nvPicPr>
-          <p:cNvPr id="127" name="그림 23" descr="C:/Users/Admin1/AppData/Roaming/PolarisOffice/ETemp/29888_17492856/fImage30173553281.png"/>
+          <p:cNvPr id="118" name="그림 13" descr="C:/Users/Admin1/AppData/Roaming/PolarisOffice/ETemp/11056_9762696/fImage673873516962.png"/>
           <p:cNvPicPr>
             <a:picLocks noChangeAspect="1"/>
           </p:cNvPicPr>
@@ -9581,70 +9887,8 @@
         </p:blipFill>
         <p:spPr>
           <a:xfrm rot="0">
-            <a:off x="2630170" y="1449705"/>
-            <a:ext cx="2763520" cy="1177925"/>
-          </a:xfrm>
-          <a:prstGeom prst="roundRect"/>
-          <a:solidFill>
-            <a:srgbClr val="EDEDED"/>
-          </a:solidFill>
-        </p:spPr>
-      </p:pic>
-      <p:pic>
-        <p:nvPicPr>
-          <p:cNvPr id="128" name="그림 24" descr="C:/Users/Admin1/AppData/Roaming/PolarisOffice/ETemp/29888_17492856/fImage111083291478.png"/>
-          <p:cNvPicPr>
-            <a:picLocks noChangeAspect="1"/>
-          </p:cNvPicPr>
-          <p:nvPr/>
-        </p:nvPicPr>
-        <p:blipFill rotWithShape="1">
-          <a:blip r:embed="rId4" cstate="print">
-            <a:extLst>
-              <a:ext uri="{28A0092B-C50C-407E-A947-70E740481C1C}">
-                <a14:useLocalDpi xmlns:a14="http://schemas.microsoft.com/office/drawing/2010/main" val="0"/>
-              </a:ext>
-            </a:extLst>
-          </a:blip>
-          <a:stretch>
-            <a:fillRect/>
-          </a:stretch>
-        </p:blipFill>
-        <p:spPr>
-          <a:xfrm rot="0">
-            <a:off x="1243330" y="1455420"/>
-            <a:ext cx="1301115" cy="1180465"/>
-          </a:xfrm>
-          <a:prstGeom prst="roundRect"/>
-          <a:solidFill>
-            <a:srgbClr val="EDEDED"/>
-          </a:solidFill>
-        </p:spPr>
-      </p:pic>
-      <p:pic>
-        <p:nvPicPr>
-          <p:cNvPr id="129" name="그림 44" descr="C:/Users/Admin1/AppData/Roaming/PolarisOffice/ETemp/29888_17492856/fImage380043509358.png"/>
-          <p:cNvPicPr>
-            <a:picLocks noChangeAspect="1"/>
-          </p:cNvPicPr>
-          <p:nvPr/>
-        </p:nvPicPr>
-        <p:blipFill rotWithShape="1">
-          <a:blip r:embed="rId5" cstate="print">
-            <a:extLst>
-              <a:ext uri="{28A0092B-C50C-407E-A947-70E740481C1C}">
-                <a14:useLocalDpi xmlns:a14="http://schemas.microsoft.com/office/drawing/2010/main" val="0"/>
-              </a:ext>
-            </a:extLst>
-          </a:blip>
-          <a:stretch>
-            <a:fillRect/>
-          </a:stretch>
-        </p:blipFill>
-        <p:spPr>
-          <a:xfrm rot="0">
-            <a:off x="6830695" y="1456055"/>
-            <a:ext cx="4135120" cy="2550160"/>
+            <a:off x="6822440" y="1447165"/>
+            <a:ext cx="4143375" cy="2541905"/>
           </a:xfrm>
           <a:prstGeom prst="roundRect"/>
           <a:solidFill>
@@ -9701,9 +9945,9 @@
           <p:nvPr/>
         </p:nvSpPr>
         <p:spPr>
-          <a:xfrm rot="0">
+          <a:xfrm>
             <a:off x="4323715" y="386715"/>
-            <a:ext cx="3540125" cy="554990"/>
+            <a:ext cx="3540760" cy="554990"/>
           </a:xfrm>
           <a:prstGeom prst="rect"/>
           <a:noFill/>
@@ -9727,7 +9971,7 @@
                 <a:latin typeface="나눔바른고딕" charset="0"/>
                 <a:ea typeface="나눔바른고딕" charset="0"/>
               </a:rPr>
-              <a:t>열일곱</a:t>
+              <a:t>열세</a:t>
             </a:r>
             <a:r>
               <a:rPr lang="ko-KR" sz="2500" b="1">
@@ -9752,7 +9996,7 @@
       </p:sp>
       <p:sp>
         <p:nvSpPr>
-          <p:cNvPr id="103" name="Rect 0"/>
+          <p:cNvPr id="126" name="텍스트 상자 22"/>
           <p:cNvSpPr txBox="1">
             <a:spLocks/>
           </p:cNvSpPr>
@@ -9760,8 +10004,8 @@
         </p:nvSpPr>
         <p:spPr>
           <a:xfrm rot="0">
-            <a:off x="1231900" y="4186555"/>
-            <a:ext cx="4135120" cy="2031365"/>
+            <a:off x="6839585" y="2841625"/>
+            <a:ext cx="4126865" cy="923925"/>
           </a:xfrm>
           <a:prstGeom prst="rect"/>
           <a:noFill/>
@@ -9788,7 +10032,17 @@
                 <a:latin typeface="맑은 고딕" charset="0"/>
                 <a:ea typeface="맑은 고딕" charset="0"/>
               </a:rPr>
-              <a:t>44</a:t>
+              <a:t>3</a:t>
+            </a:r>
+            <a:r>
+              <a:rPr lang="ko-KR" sz="1800" b="1">
+                <a:solidFill>
+                  <a:srgbClr val="0611F2"/>
+                </a:solidFill>
+                <a:latin typeface="맑은 고딕" charset="0"/>
+                <a:ea typeface="맑은 고딕" charset="0"/>
+              </a:rPr>
+              <a:t>2</a:t>
             </a:r>
             <a:r>
               <a:rPr sz="1800" b="1">
@@ -9805,7 +10059,21 @@
                 <a:latin typeface="맑은 고딕" charset="0"/>
                 <a:ea typeface="맑은 고딕" charset="0"/>
               </a:rPr>
-              <a:t> 그러고 나서</a:t>
+              <a:t> 이제</a:t>
+            </a:r>
+            <a:r>
+              <a:rPr lang="ko-KR" sz="1800">
+                <a:latin typeface="맑은 고딕" charset="0"/>
+                <a:ea typeface="맑은 고딕" charset="0"/>
+              </a:rPr>
+              <a:t> Camera Culling Button </a:t>
+            </a:r>
+            <a:r>
+              <a:rPr lang="ko-KR" sz="1800">
+                <a:latin typeface="맑은 고딕" charset="0"/>
+                <a:ea typeface="맑은 고딕" charset="0"/>
+              </a:rPr>
+              <a:t>오브젝트의</a:t>
             </a:r>
             <a:r>
               <a:rPr lang="ko-KR" sz="1800">
@@ -9819,263 +10087,70 @@
                 <a:latin typeface="맑은 고딕" charset="0"/>
                 <a:ea typeface="맑은 고딕" charset="0"/>
               </a:rPr>
-              <a:t>LayerMaskSetting(int</a:t>
-            </a:r>
-            <a:r>
-              <a:rPr lang="ko-KR" sz="1800">
-                <a:latin typeface="맑은 고딕" charset="0"/>
-                <a:ea typeface="맑은 고딕" charset="0"/>
-              </a:rPr>
-              <a:t>)</a:t>
-            </a:r>
-            <a:r>
-              <a:rPr lang="ko-KR" sz="1800">
-                <a:latin typeface="맑은 고딕" charset="0"/>
-                <a:ea typeface="맑은 고딕" charset="0"/>
-              </a:rPr>
-              <a:t> </a:t>
-            </a:r>
-            <a:r>
-              <a:rPr lang="ko-KR" sz="1800">
-                <a:latin typeface="맑은 고딕" charset="0"/>
-                <a:ea typeface="맑은 고딕" charset="0"/>
-              </a:rPr>
-              <a:t>함수를</a:t>
-            </a:r>
-            <a:r>
-              <a:rPr lang="ko-KR" sz="1800">
-                <a:latin typeface="맑은 고딕" charset="0"/>
-                <a:ea typeface="맑은 고딕" charset="0"/>
-              </a:rPr>
-              <a:t> </a:t>
-            </a:r>
-            <a:r>
-              <a:rPr lang="ko-KR" sz="1800">
-                <a:latin typeface="맑은 고딕" charset="0"/>
-                <a:ea typeface="맑은 고딕" charset="0"/>
-              </a:rPr>
-              <a:t>선언한 다음 count 변수의 </a:t>
-            </a:r>
-            <a:r>
-              <a:rPr lang="ko-KR" sz="1800">
-                <a:latin typeface="맑은 고딕" charset="0"/>
-                <a:ea typeface="맑은 고딕" charset="0"/>
-              </a:rPr>
-              <a:t>값</a:t>
-            </a:r>
-            <a:r>
-              <a:rPr lang="ko-KR" sz="1800">
-                <a:latin typeface="맑은 고딕" charset="0"/>
-                <a:ea typeface="맑은 고딕" charset="0"/>
-              </a:rPr>
-              <a:t>을</a:t>
-            </a:r>
-            <a:r>
-              <a:rPr lang="ko-KR" sz="1800">
-                <a:latin typeface="맑은 고딕" charset="0"/>
-                <a:ea typeface="맑은 고딕" charset="0"/>
-              </a:rPr>
-              <a:t> 증가시킵니다.</a:t>
+              <a:t>On</a:t>
+            </a:r>
+            <a:r>
+              <a:rPr lang="ko-KR" sz="1800">
+                <a:latin typeface="맑은 고딕" charset="0"/>
+                <a:ea typeface="맑은 고딕" charset="0"/>
+              </a:rPr>
+              <a:t> Click( ) 함수를 </a:t>
+            </a:r>
+            <a:r>
+              <a:rPr lang="ko-KR" sz="1800">
+                <a:latin typeface="맑은 고딕" charset="0"/>
+                <a:ea typeface="맑은 고딕" charset="0"/>
+              </a:rPr>
+              <a:t>추가합니다.</a:t>
             </a:r>
             <a:endParaRPr lang="ko-KR" altLang="en-US" sz="1800">
               <a:latin typeface="맑은 고딕" charset="0"/>
               <a:ea typeface="맑은 고딕" charset="0"/>
             </a:endParaRPr>
           </a:p>
-          <a:p>
-            <a:pPr marL="0" indent="0" rtl="0" algn="l" defTabSz="914400" eaLnBrk="1" latinLnBrk="0" hangingPunct="1">
-              <a:buFontTx/>
-              <a:buNone/>
-            </a:pPr>
-            <a:endParaRPr lang="ko-KR" altLang="en-US" sz="1800">
-              <a:latin typeface="맑은 고딕" charset="0"/>
-              <a:ea typeface="맑은 고딕" charset="0"/>
-            </a:endParaRPr>
-          </a:p>
-          <a:p>
-            <a:pPr marL="0" indent="0" rtl="0" algn="l" defTabSz="914400" eaLnBrk="1" latinLnBrk="0" hangingPunct="1">
-              <a:buFontTx/>
-              <a:buNone/>
-            </a:pPr>
-            <a:r>
-              <a:rPr lang="ko-KR" sz="1800">
-                <a:latin typeface="맑은 고딕" charset="0"/>
-                <a:ea typeface="맑은 고딕" charset="0"/>
-              </a:rPr>
-              <a:t>마지막으로</a:t>
-            </a:r>
-            <a:r>
-              <a:rPr lang="ko-KR" sz="1800">
-                <a:latin typeface="맑은 고딕" charset="0"/>
-                <a:ea typeface="맑은 고딕" charset="0"/>
-              </a:rPr>
-              <a:t> </a:t>
-            </a:r>
-            <a:r>
-              <a:rPr lang="ko-KR" sz="1800">
-                <a:latin typeface="맑은 고딕" charset="0"/>
-                <a:ea typeface="맑은 고딕" charset="0"/>
-              </a:rPr>
-              <a:t>count 변수의 값에 따라 </a:t>
-            </a:r>
-            <a:r>
-              <a:rPr lang="ko-KR" sz="1800">
-                <a:latin typeface="맑은 고딕" charset="0"/>
-                <a:ea typeface="맑은 고딕" charset="0"/>
-              </a:rPr>
-              <a:t>렌더링</a:t>
-            </a:r>
-            <a:r>
-              <a:rPr lang="ko-KR" sz="1800">
-                <a:latin typeface="맑은 고딕" charset="0"/>
-                <a:ea typeface="맑은 고딕" charset="0"/>
-              </a:rPr>
-              <a:t>에</a:t>
-            </a:r>
-            <a:r>
-              <a:rPr lang="ko-KR" sz="1800">
-                <a:latin typeface="맑은 고딕" charset="0"/>
-                <a:ea typeface="맑은 고딕" charset="0"/>
-              </a:rPr>
-              <a:t>서</a:t>
-            </a:r>
-            <a:r>
-              <a:rPr lang="ko-KR" sz="1800">
-                <a:latin typeface="맑은 고딕" charset="0"/>
-                <a:ea typeface="맑은 고딕" charset="0"/>
-              </a:rPr>
-              <a:t> </a:t>
-            </a:r>
-            <a:r>
-              <a:rPr lang="ko-KR" sz="1800">
-                <a:latin typeface="맑은 고딕" charset="0"/>
-                <a:ea typeface="맑은 고딕" charset="0"/>
-              </a:rPr>
-              <a:t>제외시킬 cullingMask를 </a:t>
-            </a:r>
-            <a:r>
-              <a:rPr lang="ko-KR" sz="1800">
-                <a:latin typeface="맑은 고딕" charset="0"/>
-                <a:ea typeface="맑은 고딕" charset="0"/>
-              </a:rPr>
-              <a:t>설정합니</a:t>
-            </a:r>
-            <a:r>
-              <a:rPr lang="ko-KR" sz="1800">
-                <a:latin typeface="맑은 고딕" charset="0"/>
-                <a:ea typeface="맑은 고딕" charset="0"/>
-              </a:rPr>
-              <a:t>다.</a:t>
-            </a:r>
-            <a:endParaRPr lang="ko-KR" altLang="en-US" sz="1800">
-              <a:latin typeface="맑은 고딕" charset="0"/>
-              <a:ea typeface="맑은 고딕" charset="0"/>
-            </a:endParaRPr>
-          </a:p>
-        </p:txBody>
-      </p:sp>
-      <p:sp>
-        <p:nvSpPr>
-          <p:cNvPr id="115" name="Rect 0"/>
-          <p:cNvSpPr txBox="1">
-            <a:spLocks/>
-          </p:cNvSpPr>
-          <p:nvPr/>
-        </p:nvSpPr>
-        <p:spPr>
-          <a:xfrm rot="0">
-            <a:off x="6831330" y="5569585"/>
-            <a:ext cx="4117340" cy="647065"/>
-          </a:xfrm>
-          <a:prstGeom prst="rect"/>
-          <a:noFill/>
-          <a:ln w="0">
-            <a:noFill/>
-            <a:prstDash/>
-          </a:ln>
-        </p:spPr>
-        <p:txBody>
-          <a:bodyPr wrap="square" lIns="89535" tIns="46355" rIns="89535" bIns="46355" numCol="1" vert="horz" anchor="t">
-            <a:spAutoFit/>
-          </a:bodyPr>
-          <a:lstStyle/>
-          <a:p>
-            <a:pPr marL="0" indent="0" rtl="0" algn="l" defTabSz="914400" eaLnBrk="1" latinLnBrk="0" hangingPunct="1">
-              <a:buFontTx/>
-              <a:buNone/>
-            </a:pPr>
-            <a:r>
-              <a:rPr lang="ko-KR" sz="1800" b="1">
-                <a:solidFill>
-                  <a:srgbClr val="0611F2"/>
-                </a:solidFill>
-                <a:latin typeface="맑은 고딕" charset="0"/>
-                <a:ea typeface="맑은 고딕" charset="0"/>
-              </a:rPr>
-              <a:t>46</a:t>
-            </a:r>
-            <a:r>
-              <a:rPr sz="1800" b="1">
-                <a:solidFill>
-                  <a:srgbClr val="0611F2"/>
-                </a:solidFill>
-                <a:latin typeface="맑은 고딕" charset="0"/>
-                <a:ea typeface="맑은 고딕" charset="0"/>
-              </a:rPr>
-              <a:t>.</a:t>
-            </a:r>
-            <a:r>
-              <a:rPr sz="1800">
-                <a:latin typeface="맑은 고딕" charset="0"/>
-                <a:ea typeface="맑은 고딕" charset="0"/>
-              </a:rPr>
-              <a:t> 그리고</a:t>
-            </a:r>
-            <a:r>
-              <a:rPr lang="ko-KR" sz="1800">
-                <a:latin typeface="맑은 고딕" charset="0"/>
-                <a:ea typeface="맑은 고딕" charset="0"/>
-              </a:rPr>
-              <a:t> SpeedSetting( ) 함수를 </a:t>
-            </a:r>
-            <a:r>
-              <a:rPr lang="ko-KR" sz="1800">
-                <a:latin typeface="맑은 고딕" charset="0"/>
-                <a:ea typeface="맑은 고딕" charset="0"/>
-              </a:rPr>
-              <a:t>On </a:t>
-            </a:r>
-            <a:r>
-              <a:rPr lang="ko-KR" sz="1800">
-                <a:latin typeface="맑은 고딕" charset="0"/>
-                <a:ea typeface="맑은 고딕" charset="0"/>
-              </a:rPr>
-              <a:t>Click(</a:t>
-            </a:r>
-            <a:r>
-              <a:rPr lang="ko-KR" sz="1800">
-                <a:latin typeface="맑은 고딕" charset="0"/>
-                <a:ea typeface="맑은 고딕" charset="0"/>
-              </a:rPr>
-              <a:t> ) 함수에 등록합니다.</a:t>
-            </a:r>
-            <a:endParaRPr lang="ko-KR" altLang="en-US" sz="1800">
-              <a:latin typeface="맑은 고딕" charset="0"/>
-              <a:ea typeface="맑은 고딕" charset="0"/>
-            </a:endParaRPr>
-          </a:p>
         </p:txBody>
       </p:sp>
       <p:pic>
         <p:nvPicPr>
-          <p:cNvPr id="116" name="그림 48"/>
+          <p:cNvPr id="127" name="그림 23" descr="C:/Users/Admin1/AppData/Roaming/PolarisOffice/ETemp/11056_9762696/fImage30173553281.png"/>
           <p:cNvPicPr>
             <a:picLocks noChangeAspect="1"/>
           </p:cNvPicPr>
           <p:nvPr/>
         </p:nvPicPr>
         <p:blipFill rotWithShape="1">
-          <a:blip r:embed="rId2" cstate="print">
+          <a:blip r:embed="rId3" cstate="hqprint">
+            <a:extLst>
+              <a:ext uri="{28A0092B-C50C-407E-A947-70E740481C1C}">
+                <a14:useLocalDpi xmlns:a14="http://schemas.microsoft.com/office/drawing/2010/main"/>
+              </a:ext>
+            </a:extLst>
+          </a:blip>
+          <a:stretch>
+            <a:fillRect/>
+          </a:stretch>
+        </p:blipFill>
+        <p:spPr>
+          <a:xfrm rot="0">
+            <a:off x="8424545" y="1440815"/>
+            <a:ext cx="2541270" cy="1281430"/>
+          </a:xfrm>
+          <a:prstGeom prst="roundRect"/>
+          <a:solidFill>
+            <a:srgbClr val="EDEDED"/>
+          </a:solidFill>
+        </p:spPr>
+      </p:pic>
+      <p:pic>
+        <p:nvPicPr>
+          <p:cNvPr id="130" name="그림 1" descr="C:/Users/Admin1/AppData/Roaming/PolarisOffice/ETemp/11056_9762696/fImage134022276334.png"/>
+          <p:cNvPicPr>
+            <a:picLocks noChangeAspect="1"/>
+          </p:cNvPicPr>
+          <p:nvPr/>
+        </p:nvPicPr>
+        <p:blipFill rotWithShape="1">
+          <a:blip r:embed="rId7" cstate="print">
             <a:extLst>
               <a:ext uri="{28A0092B-C50C-407E-A947-70E740481C1C}">
                 <a14:useLocalDpi xmlns:a14="http://schemas.microsoft.com/office/drawing/2010/main" val="0"/>
@@ -10088,8 +10163,8 @@
         </p:blipFill>
         <p:spPr>
           <a:xfrm rot="0">
-            <a:off x="1228090" y="1455420"/>
-            <a:ext cx="4138930" cy="2533015"/>
+            <a:off x="6839585" y="1447165"/>
+            <a:ext cx="1508125" cy="1282700"/>
           </a:xfrm>
           <a:prstGeom prst="roundRect"/>
           <a:solidFill>
@@ -10097,16 +10172,260 @@
           </a:solidFill>
         </p:spPr>
       </p:pic>
+      <p:sp>
+        <p:nvSpPr>
+          <p:cNvPr id="132" name="텍스트 상자 17"/>
+          <p:cNvSpPr txBox="1">
+            <a:spLocks/>
+          </p:cNvSpPr>
+          <p:nvPr/>
+        </p:nvSpPr>
+        <p:spPr>
+          <a:xfrm rot="0">
+            <a:off x="1258570" y="3851275"/>
+            <a:ext cx="4125595" cy="2308225"/>
+          </a:xfrm>
+          <a:prstGeom prst="rect"/>
+          <a:noFill/>
+          <a:ln w="0">
+            <a:noFill/>
+            <a:prstDash/>
+          </a:ln>
+        </p:spPr>
+        <p:txBody>
+          <a:bodyPr wrap="square" lIns="89535" tIns="46355" rIns="89535" bIns="46355" numCol="1" vert="horz" anchor="t">
+            <a:spAutoFit/>
+          </a:bodyPr>
+          <a:lstStyle/>
+          <a:p>
+            <a:pPr marL="0" indent="0" rtl="0" algn="l" defTabSz="914400" eaLnBrk="1" latinLnBrk="0" hangingPunct="1">
+              <a:buFontTx/>
+              <a:buNone/>
+            </a:pPr>
+            <a:r>
+              <a:rPr lang="ko-KR" sz="1800" b="1">
+                <a:solidFill>
+                  <a:srgbClr val="0611F2"/>
+                </a:solidFill>
+                <a:latin typeface="맑은 고딕" charset="0"/>
+                <a:ea typeface="맑은 고딕" charset="0"/>
+              </a:rPr>
+              <a:t>31</a:t>
+            </a:r>
+            <a:r>
+              <a:rPr sz="1800" b="1">
+                <a:solidFill>
+                  <a:srgbClr val="0611F2"/>
+                </a:solidFill>
+                <a:latin typeface="맑은 고딕" charset="0"/>
+                <a:ea typeface="맑은 고딕" charset="0"/>
+              </a:rPr>
+              <a:t>.</a:t>
+            </a:r>
+            <a:r>
+              <a:rPr sz="1800">
+                <a:latin typeface="맑은 고딕" charset="0"/>
+                <a:ea typeface="맑은 고딕" charset="0"/>
+              </a:rPr>
+              <a:t> 그런 다음</a:t>
+            </a:r>
+            <a:r>
+              <a:rPr lang="ko-KR" sz="1800">
+                <a:latin typeface="맑은 고딕" charset="0"/>
+                <a:ea typeface="맑은 고딕" charset="0"/>
+              </a:rPr>
+              <a:t> CullingModeSetting( ) </a:t>
+            </a:r>
+            <a:r>
+              <a:rPr lang="ko-KR" sz="1800">
+                <a:latin typeface="맑은 고딕" charset="0"/>
+                <a:ea typeface="맑은 고딕" charset="0"/>
+              </a:rPr>
+              <a:t>함수를</a:t>
+            </a:r>
+            <a:r>
+              <a:rPr lang="ko-KR" sz="1800">
+                <a:latin typeface="맑은 고딕" charset="0"/>
+                <a:ea typeface="맑은 고딕" charset="0"/>
+              </a:rPr>
+              <a:t> </a:t>
+            </a:r>
+            <a:r>
+              <a:rPr lang="ko-KR" sz="1800">
+                <a:latin typeface="맑은 고딕" charset="0"/>
+                <a:ea typeface="맑은 고딕" charset="0"/>
+              </a:rPr>
+              <a:t>선언합니다.</a:t>
+            </a:r>
+            <a:endParaRPr lang="ko-KR" altLang="en-US" sz="1800">
+              <a:latin typeface="맑은 고딕" charset="0"/>
+              <a:ea typeface="맑은 고딕" charset="0"/>
+            </a:endParaRPr>
+          </a:p>
+          <a:p>
+            <a:pPr marL="0" indent="0" rtl="0" algn="l" defTabSz="914400" eaLnBrk="1" latinLnBrk="0" hangingPunct="1">
+              <a:buFontTx/>
+              <a:buNone/>
+            </a:pPr>
+            <a:endParaRPr lang="ko-KR" altLang="en-US" sz="1800">
+              <a:latin typeface="맑은 고딕" charset="0"/>
+              <a:ea typeface="맑은 고딕" charset="0"/>
+            </a:endParaRPr>
+          </a:p>
+          <a:p>
+            <a:pPr marL="0" indent="0" rtl="0" algn="l" defTabSz="914400" eaLnBrk="1" latinLnBrk="0" hangingPunct="1">
+              <a:buFontTx/>
+              <a:buNone/>
+            </a:pPr>
+            <a:r>
+              <a:rPr lang="ko-KR" sz="1800">
+                <a:latin typeface="맑은 고딕" charset="0"/>
+                <a:ea typeface="맑은 고딕" charset="0"/>
+              </a:rPr>
+              <a:t>그다</a:t>
+            </a:r>
+            <a:r>
+              <a:rPr lang="ko-KR" sz="1800">
+                <a:latin typeface="맑은 고딕" charset="0"/>
+                <a:ea typeface="맑은 고딕" charset="0"/>
+              </a:rPr>
+              <a:t>음으로</a:t>
+            </a:r>
+            <a:r>
+              <a:rPr lang="ko-KR" sz="1800">
+                <a:latin typeface="맑은 고딕" charset="0"/>
+                <a:ea typeface="맑은 고딕" charset="0"/>
+              </a:rPr>
+              <a:t> int 변수를 선언하고 </a:t>
+            </a:r>
+            <a:r>
+              <a:rPr lang="ko-KR" sz="1800">
+                <a:latin typeface="맑은 고딕" charset="0"/>
+                <a:ea typeface="맑은 고딕" charset="0"/>
+              </a:rPr>
+              <a:t>d</a:t>
+            </a:r>
+            <a:r>
+              <a:rPr lang="ko-KR" sz="1800">
+                <a:latin typeface="맑은 고딕" charset="0"/>
+                <a:ea typeface="맑은 고딕" charset="0"/>
+              </a:rPr>
+              <a:t>ropDown</a:t>
+            </a:r>
+            <a:r>
+              <a:rPr lang="ko-KR" sz="1800">
+                <a:latin typeface="맑은 고딕" charset="0"/>
+                <a:ea typeface="맑은 고딕" charset="0"/>
+              </a:rPr>
+              <a:t>의</a:t>
+            </a:r>
+            <a:r>
+              <a:rPr lang="ko-KR" sz="1800">
+                <a:latin typeface="맑은 고딕" charset="0"/>
+                <a:ea typeface="맑은 고딕" charset="0"/>
+              </a:rPr>
+              <a:t> </a:t>
+            </a:r>
+            <a:r>
+              <a:rPr lang="ko-KR" sz="1800">
+                <a:latin typeface="맑은 고딕" charset="0"/>
+                <a:ea typeface="맑은 고딕" charset="0"/>
+              </a:rPr>
+              <a:t>값을 저장합니다.</a:t>
+            </a:r>
+            <a:endParaRPr lang="ko-KR" altLang="en-US" sz="1800">
+              <a:latin typeface="맑은 고딕" charset="0"/>
+              <a:ea typeface="맑은 고딕" charset="0"/>
+            </a:endParaRPr>
+          </a:p>
+          <a:p>
+            <a:pPr marL="0" indent="0" rtl="0" algn="l" defTabSz="914400" eaLnBrk="1" latinLnBrk="0" hangingPunct="1">
+              <a:buFontTx/>
+              <a:buNone/>
+            </a:pPr>
+            <a:endParaRPr lang="ko-KR" altLang="en-US" sz="1800">
+              <a:latin typeface="맑은 고딕" charset="0"/>
+              <a:ea typeface="맑은 고딕" charset="0"/>
+            </a:endParaRPr>
+          </a:p>
+          <a:p>
+            <a:pPr marL="0" indent="0" rtl="0" algn="l" defTabSz="914400" eaLnBrk="1" latinLnBrk="0" hangingPunct="1">
+              <a:buFontTx/>
+              <a:buNone/>
+            </a:pPr>
+            <a:r>
+              <a:rPr lang="ko-KR" sz="1800">
+                <a:latin typeface="맑은 고딕" charset="0"/>
+                <a:ea typeface="맑은 고딕" charset="0"/>
+              </a:rPr>
+              <a:t>그러</a:t>
+            </a:r>
+            <a:r>
+              <a:rPr lang="ko-KR" sz="1800">
+                <a:latin typeface="맑은 고딕" charset="0"/>
+                <a:ea typeface="맑은 고딕" charset="0"/>
+              </a:rPr>
+              <a:t>고</a:t>
+            </a:r>
+            <a:r>
+              <a:rPr lang="ko-KR" sz="1800">
+                <a:latin typeface="맑은 고딕" charset="0"/>
+                <a:ea typeface="맑은 고딕" charset="0"/>
+              </a:rPr>
+              <a:t> </a:t>
+            </a:r>
+            <a:r>
+              <a:rPr lang="ko-KR" sz="1800">
+                <a:latin typeface="맑은 고딕" charset="0"/>
+                <a:ea typeface="맑은 고딕" charset="0"/>
+              </a:rPr>
+              <a:t>나서 각각의 애니메이터 컬링 </a:t>
+            </a:r>
+            <a:r>
+              <a:rPr lang="ko-KR" sz="1800">
+                <a:latin typeface="맑은 고딕" charset="0"/>
+                <a:ea typeface="맑은 고딕" charset="0"/>
+              </a:rPr>
+              <a:t>모드</a:t>
+            </a:r>
+            <a:r>
+              <a:rPr lang="ko-KR" sz="1800">
+                <a:latin typeface="맑은 고딕" charset="0"/>
+                <a:ea typeface="맑은 고딕" charset="0"/>
+              </a:rPr>
+              <a:t>에</a:t>
+            </a:r>
+            <a:r>
+              <a:rPr lang="ko-KR" sz="1800">
+                <a:latin typeface="맑은 고딕" charset="0"/>
+                <a:ea typeface="맑은 고딕" charset="0"/>
+              </a:rPr>
+              <a:t> </a:t>
+            </a:r>
+            <a:r>
+              <a:rPr lang="ko-KR" sz="1800">
+                <a:latin typeface="맑은 고딕" charset="0"/>
+                <a:ea typeface="맑은 고딕" charset="0"/>
+              </a:rPr>
+              <a:t>int 변수의 값을 넣어줍니다.</a:t>
+            </a:r>
+            <a:endParaRPr lang="ko-KR" altLang="en-US" sz="1800">
+              <a:latin typeface="맑은 고딕" charset="0"/>
+              <a:ea typeface="맑은 고딕" charset="0"/>
+            </a:endParaRPr>
+          </a:p>
+        </p:txBody>
+      </p:sp>
       <p:pic>
         <p:nvPicPr>
-          <p:cNvPr id="117" name="그림 1" descr="C:/Users/Admin1/AppData/Roaming/PolarisOffice/ETemp/37196_16310752/fImage538024241.png"/>
+          <p:cNvPr id="133" name="그림 18" descr="C:/Users/Admin1/AppData/Roaming/PolarisOffice/ETemp/11056_9762696/fImage526053176500.png"/>
           <p:cNvPicPr>
             <a:picLocks noChangeAspect="1"/>
           </p:cNvPicPr>
           <p:nvPr/>
         </p:nvPicPr>
         <p:blipFill rotWithShape="1">
-          <a:blip r:embed="rId4" cstate="print">
+          <a:blip r:embed="rId8" cstate="print">
             <a:extLst>
               <a:ext uri="{28A0092B-C50C-407E-A947-70E740481C1C}">
                 <a14:useLocalDpi xmlns:a14="http://schemas.microsoft.com/office/drawing/2010/main" val="0"/>
@@ -10119,8 +10438,8 @@
         </p:blipFill>
         <p:spPr>
           <a:xfrm rot="0">
-            <a:off x="8140065" y="1455420"/>
-            <a:ext cx="2819400" cy="1198245"/>
+            <a:off x="1257300" y="1447165"/>
+            <a:ext cx="4118610" cy="2265680"/>
           </a:xfrm>
           <a:prstGeom prst="roundRect"/>
           <a:solidFill>
@@ -10130,14 +10449,14 @@
       </p:pic>
       <p:pic>
         <p:nvPicPr>
-          <p:cNvPr id="118" name="그림 4" descr="C:/Users/Admin1/AppData/Roaming/PolarisOffice/ETemp/37196_16310752/fImage109102438467.png"/>
+          <p:cNvPr id="134" name="그림 21" descr="C:/Users/Admin1/AppData/Roaming/PolarisOffice/ETemp/11056_9762696/fImage133453189169.png"/>
           <p:cNvPicPr>
             <a:picLocks noChangeAspect="1"/>
           </p:cNvPicPr>
           <p:nvPr/>
         </p:nvPicPr>
         <p:blipFill rotWithShape="1">
-          <a:blip r:embed="rId5" cstate="print">
+          <a:blip r:embed="rId9" cstate="print">
             <a:extLst>
               <a:ext uri="{28A0092B-C50C-407E-A947-70E740481C1C}">
                 <a14:useLocalDpi xmlns:a14="http://schemas.microsoft.com/office/drawing/2010/main" val="0"/>
@@ -10150,8 +10469,8 @@
         </p:blipFill>
         <p:spPr>
           <a:xfrm rot="0">
-            <a:off x="6822440" y="1463675"/>
-            <a:ext cx="1240790" cy="1198245"/>
+            <a:off x="6830695" y="3878580"/>
+            <a:ext cx="1517015" cy="1222375"/>
           </a:xfrm>
           <a:prstGeom prst="roundRect"/>
           <a:solidFill>
@@ -10159,169 +10478,16 @@
           </a:solidFill>
         </p:spPr>
       </p:pic>
-      <p:sp>
-        <p:nvSpPr>
-          <p:cNvPr id="119" name="텍스트 상자 7"/>
-          <p:cNvSpPr txBox="1">
-            <a:spLocks/>
-          </p:cNvSpPr>
-          <p:nvPr/>
-        </p:nvSpPr>
-        <p:spPr>
-          <a:xfrm rot="0">
-            <a:off x="6824980" y="2764155"/>
-            <a:ext cx="4132580" cy="1200785"/>
-          </a:xfrm>
-          <a:prstGeom prst="rect"/>
-          <a:noFill/>
-          <a:ln w="0">
-            <a:noFill/>
-            <a:prstDash/>
-          </a:ln>
-        </p:spPr>
-        <p:txBody>
-          <a:bodyPr wrap="square" lIns="89535" tIns="46355" rIns="89535" bIns="46355" numCol="1" vert="horz" anchor="t">
-            <a:spAutoFit/>
-          </a:bodyPr>
-          <a:lstStyle/>
-          <a:p>
-            <a:pPr marL="0" indent="0" rtl="0" algn="l" defTabSz="914400" eaLnBrk="1" latinLnBrk="0" hangingPunct="1">
-              <a:buFontTx/>
-              <a:buNone/>
-            </a:pPr>
-            <a:r>
-              <a:rPr lang="ko-KR" sz="1800" b="1">
-                <a:solidFill>
-                  <a:srgbClr val="0611F2"/>
-                </a:solidFill>
-                <a:latin typeface="맑은 고딕" charset="0"/>
-                <a:ea typeface="맑은 고딕" charset="0"/>
-              </a:rPr>
-              <a:t>45</a:t>
-            </a:r>
-            <a:r>
-              <a:rPr sz="1800" b="1">
-                <a:solidFill>
-                  <a:srgbClr val="0611F2"/>
-                </a:solidFill>
-                <a:latin typeface="맑은 고딕" charset="0"/>
-                <a:ea typeface="맑은 고딕" charset="0"/>
-              </a:rPr>
-              <a:t>.</a:t>
-            </a:r>
-            <a:r>
-              <a:rPr sz="1800">
-                <a:latin typeface="맑은 고딕" charset="0"/>
-                <a:ea typeface="맑은 고딕" charset="0"/>
-              </a:rPr>
-              <a:t> 이제</a:t>
-            </a:r>
-            <a:r>
-              <a:rPr lang="ko-KR" sz="1800">
-                <a:latin typeface="맑은 고딕" charset="0"/>
-                <a:ea typeface="맑은 고딕" charset="0"/>
-              </a:rPr>
-              <a:t> Animation Speed Button </a:t>
-            </a:r>
-            <a:r>
-              <a:rPr lang="ko-KR" sz="1800">
-                <a:latin typeface="맑은 고딕" charset="0"/>
-                <a:ea typeface="맑은 고딕" charset="0"/>
-              </a:rPr>
-              <a:t>오브젝트의</a:t>
-            </a:r>
-            <a:r>
-              <a:rPr lang="ko-KR" sz="1800">
-                <a:latin typeface="맑은 고딕" charset="0"/>
-                <a:ea typeface="맑은 고딕" charset="0"/>
-              </a:rPr>
-              <a:t> </a:t>
-            </a:r>
-            <a:r>
-              <a:rPr lang="ko-KR" sz="1800">
-                <a:latin typeface="맑은 고딕" charset="0"/>
-                <a:ea typeface="맑은 고딕" charset="0"/>
-              </a:rPr>
-              <a:t>On Click( ) 함수에 </a:t>
-            </a:r>
-            <a:r>
-              <a:rPr lang="ko-KR" sz="1800">
-                <a:latin typeface="맑은 고딕" charset="0"/>
-                <a:ea typeface="맑은 고딕" charset="0"/>
-              </a:rPr>
-              <a:t>Animator</a:t>
-            </a:r>
-            <a:r>
-              <a:rPr lang="ko-KR" sz="1800">
-                <a:latin typeface="맑은 고딕" charset="0"/>
-                <a:ea typeface="맑은 고딕" charset="0"/>
-              </a:rPr>
-              <a:t> Manager 오브젝트를 </a:t>
-            </a:r>
-            <a:r>
-              <a:rPr lang="ko-KR" sz="1800">
-                <a:latin typeface="맑은 고딕" charset="0"/>
-                <a:ea typeface="맑은 고딕" charset="0"/>
-              </a:rPr>
-              <a:t>넣어줍니</a:t>
-            </a:r>
-            <a:r>
-              <a:rPr lang="ko-KR" sz="1800">
-                <a:latin typeface="맑은 고딕" charset="0"/>
-                <a:ea typeface="맑은 고딕" charset="0"/>
-              </a:rPr>
-              <a:t>다.</a:t>
-            </a:r>
-            <a:endParaRPr lang="ko-KR" altLang="en-US" sz="1800">
-              <a:latin typeface="맑은 고딕" charset="0"/>
-              <a:ea typeface="맑은 고딕" charset="0"/>
-            </a:endParaRPr>
-          </a:p>
-        </p:txBody>
-      </p:sp>
-      <p:cxnSp>
-        <p:nvCxnSpPr>
-          <p:cNvPr id="120" name="도형 8"/>
-          <p:cNvCxnSpPr/>
-          <p:nvPr/>
-        </p:nvCxnSpPr>
-        <p:spPr>
-          <a:xfrm rot="0" flipV="1">
-            <a:off x="7769860" y="2179320"/>
-            <a:ext cx="1257935" cy="387985"/>
-          </a:xfrm>
-          <a:prstGeom prst="straightConnector1"/>
-          <a:ln w="6350" cap="flat" cmpd="sng">
-            <a:prstDash/>
-            <a:headEnd type="none" w="med" len="med"/>
-            <a:tailEnd type="triangle" w="med" len="med"/>
-          </a:ln>
-        </p:spPr>
-        <p:style>
-          <a:lnRef idx="1">
-            <a:schemeClr val="accent1"/>
-          </a:lnRef>
-          <a:fillRef idx="0">
-            <a:schemeClr val="accent1"/>
-          </a:fillRef>
-          <a:effectRef idx="0">
-            <a:schemeClr val="accent1"/>
-          </a:effectRef>
-          <a:fontRef idx="minor">
-            <a:schemeClr val="tx1"/>
-          </a:fontRef>
-        </p:style>
-      </p:cxnSp>
       <p:pic>
         <p:nvPicPr>
-          <p:cNvPr id="121" name="그림 10" descr="C:/Users/Admin1/AppData/Roaming/PolarisOffice/ETemp/37196_16310752/fImage64552476334.png"/>
+          <p:cNvPr id="135" name="그림 24" descr="C:/Users/Admin1/AppData/Roaming/PolarisOffice/ETemp/11056_9762696/fImage39883195724.png"/>
           <p:cNvPicPr>
             <a:picLocks noChangeAspect="1"/>
           </p:cNvPicPr>
           <p:nvPr/>
         </p:nvPicPr>
         <p:blipFill rotWithShape="1">
-          <a:blip r:embed="rId6" cstate="print">
+          <a:blip r:embed="rId10" cstate="print">
             <a:extLst>
               <a:ext uri="{28A0092B-C50C-407E-A947-70E740481C1C}">
                 <a14:useLocalDpi xmlns:a14="http://schemas.microsoft.com/office/drawing/2010/main" val="0"/>
@@ -10334,8 +10500,8 @@
         </p:blipFill>
         <p:spPr>
           <a:xfrm rot="0">
-            <a:off x="6827520" y="4100195"/>
-            <a:ext cx="4138930" cy="1352550"/>
+            <a:off x="8428355" y="3876040"/>
+            <a:ext cx="2529205" cy="1206500"/>
           </a:xfrm>
           <a:prstGeom prst="roundRect"/>
           <a:solidFill>
@@ -10343,6 +10509,182 @@
           </a:solidFill>
         </p:spPr>
       </p:pic>
+      <p:sp>
+        <p:nvSpPr>
+          <p:cNvPr id="136" name="텍스트 상자 27"/>
+          <p:cNvSpPr txBox="1">
+            <a:spLocks/>
+          </p:cNvSpPr>
+          <p:nvPr/>
+        </p:nvSpPr>
+        <p:spPr>
+          <a:xfrm rot="0">
+            <a:off x="6833235" y="5231765"/>
+            <a:ext cx="4132580" cy="923925"/>
+          </a:xfrm>
+          <a:prstGeom prst="rect"/>
+          <a:noFill/>
+          <a:ln w="0">
+            <a:noFill/>
+            <a:prstDash/>
+          </a:ln>
+        </p:spPr>
+        <p:txBody>
+          <a:bodyPr wrap="square" lIns="89535" tIns="46355" rIns="89535" bIns="46355" numCol="1" vert="horz" anchor="t">
+            <a:spAutoFit/>
+          </a:bodyPr>
+          <a:lstStyle/>
+          <a:p>
+            <a:pPr marL="0" indent="0" rtl="0" algn="l" defTabSz="914400" eaLnBrk="1" latinLnBrk="0" hangingPunct="1">
+              <a:buFontTx/>
+              <a:buNone/>
+            </a:pPr>
+            <a:r>
+              <a:rPr lang="ko-KR" sz="1800" b="1">
+                <a:solidFill>
+                  <a:srgbClr val="0611F2"/>
+                </a:solidFill>
+                <a:latin typeface="맑은 고딕" charset="0"/>
+                <a:ea typeface="맑은 고딕" charset="0"/>
+              </a:rPr>
+              <a:t>33</a:t>
+            </a:r>
+            <a:r>
+              <a:rPr sz="1800" b="1">
+                <a:solidFill>
+                  <a:srgbClr val="0611F2"/>
+                </a:solidFill>
+                <a:latin typeface="맑은 고딕" charset="0"/>
+                <a:ea typeface="맑은 고딕" charset="0"/>
+              </a:rPr>
+              <a:t>.</a:t>
+            </a:r>
+            <a:r>
+              <a:rPr sz="1800">
+                <a:latin typeface="맑은 고딕" charset="0"/>
+                <a:ea typeface="맑은 고딕" charset="0"/>
+              </a:rPr>
+              <a:t> 그리고</a:t>
+            </a:r>
+            <a:r>
+              <a:rPr lang="ko-KR" sz="1800">
+                <a:latin typeface="맑은 고딕" charset="0"/>
+                <a:ea typeface="맑은 고딕" charset="0"/>
+              </a:rPr>
+              <a:t> Animator Culling Mode </a:t>
+            </a:r>
+            <a:r>
+              <a:rPr lang="ko-KR" sz="1800">
+                <a:latin typeface="맑은 고딕" charset="0"/>
+                <a:ea typeface="맑은 고딕" charset="0"/>
+              </a:rPr>
+              <a:t>DropDo</a:t>
+            </a:r>
+            <a:r>
+              <a:rPr lang="ko-KR" sz="1800">
+                <a:latin typeface="맑은 고딕" charset="0"/>
+                <a:ea typeface="맑은 고딕" charset="0"/>
+              </a:rPr>
+              <a:t>wn</a:t>
+            </a:r>
+            <a:r>
+              <a:rPr lang="ko-KR" sz="1800">
+                <a:latin typeface="맑은 고딕" charset="0"/>
+                <a:ea typeface="맑은 고딕" charset="0"/>
+              </a:rPr>
+              <a:t> </a:t>
+            </a:r>
+            <a:r>
+              <a:rPr lang="ko-KR" sz="1800">
+                <a:latin typeface="맑은 고딕" charset="0"/>
+                <a:ea typeface="맑은 고딕" charset="0"/>
+              </a:rPr>
+              <a:t>오브젝트의</a:t>
+            </a:r>
+            <a:r>
+              <a:rPr lang="ko-KR" sz="1800">
+                <a:latin typeface="맑은 고딕" charset="0"/>
+                <a:ea typeface="맑은 고딕" charset="0"/>
+              </a:rPr>
+              <a:t> </a:t>
+            </a:r>
+            <a:r>
+              <a:rPr lang="ko-KR" sz="1800">
+                <a:latin typeface="맑은 고딕" charset="0"/>
+                <a:ea typeface="맑은 고딕" charset="0"/>
+              </a:rPr>
+              <a:t>On</a:t>
+            </a:r>
+            <a:r>
+              <a:rPr lang="ko-KR" sz="1800">
+                <a:latin typeface="맑은 고딕" charset="0"/>
+                <a:ea typeface="맑은 고딕" charset="0"/>
+              </a:rPr>
+              <a:t> </a:t>
+            </a:r>
+            <a:r>
+              <a:rPr lang="ko-KR" sz="1800">
+                <a:latin typeface="맑은 고딕" charset="0"/>
+                <a:ea typeface="맑은 고딕" charset="0"/>
+              </a:rPr>
+              <a:t>Value </a:t>
+            </a:r>
+            <a:r>
+              <a:rPr lang="ko-KR" sz="1800">
+                <a:latin typeface="맑은 고딕" charset="0"/>
+                <a:ea typeface="맑은 고딕" charset="0"/>
+              </a:rPr>
+              <a:t>Changed(I</a:t>
+            </a:r>
+            <a:r>
+              <a:rPr lang="ko-KR" sz="1800">
+                <a:latin typeface="맑은 고딕" charset="0"/>
+                <a:ea typeface="맑은 고딕" charset="0"/>
+              </a:rPr>
+              <a:t>nt32</a:t>
+            </a:r>
+            <a:r>
+              <a:rPr lang="ko-KR" sz="1800">
+                <a:latin typeface="맑은 고딕" charset="0"/>
+                <a:ea typeface="맑은 고딕" charset="0"/>
+              </a:rPr>
+              <a:t>)</a:t>
+            </a:r>
+            <a:r>
+              <a:rPr lang="ko-KR" sz="1800">
+                <a:latin typeface="맑은 고딕" charset="0"/>
+                <a:ea typeface="맑은 고딕" charset="0"/>
+              </a:rPr>
+              <a:t> </a:t>
+            </a:r>
+            <a:r>
+              <a:rPr lang="ko-KR" sz="1800">
+                <a:latin typeface="맑은 고딕" charset="0"/>
+                <a:ea typeface="맑은 고딕" charset="0"/>
+              </a:rPr>
+              <a:t>함수를</a:t>
+            </a:r>
+            <a:r>
+              <a:rPr lang="ko-KR" sz="1800">
+                <a:latin typeface="맑은 고딕" charset="0"/>
+                <a:ea typeface="맑은 고딕" charset="0"/>
+              </a:rPr>
+              <a:t> </a:t>
+            </a:r>
+            <a:r>
+              <a:rPr lang="ko-KR" sz="1800">
+                <a:latin typeface="맑은 고딕" charset="0"/>
+                <a:ea typeface="맑은 고딕" charset="0"/>
+              </a:rPr>
+              <a:t>추가합니다.</a:t>
+            </a:r>
+            <a:endParaRPr lang="ko-KR" altLang="en-US" sz="1800">
+              <a:latin typeface="맑은 고딕" charset="0"/>
+              <a:ea typeface="맑은 고딕" charset="0"/>
+            </a:endParaRPr>
+          </a:p>
+        </p:txBody>
+      </p:sp>
     </p:spTree>
   </p:cSld>
   <p:clrMapOvr>
@@ -10367,7 +10709,7 @@
 </file>
 
 <file path=ppt/slides/slide14.xml><?xml version="1.0" encoding="utf-8"?>
-<p:sld xmlns:a="http://schemas.openxmlformats.org/drawingml/2006/main" xmlns:r="http://schemas.openxmlformats.org/officeDocument/2006/relationships" xmlns:p="http://schemas.openxmlformats.org/presentationml/2006/main">
+<p:sld xmlns:a="http://schemas.openxmlformats.org/drawingml/2006/main" xmlns:r="http://schemas.openxmlformats.org/officeDocument/2006/relationships" xmlns:p="http://schemas.openxmlformats.org/presentationml/2006/main" xmlns:p14="http://schemas.microsoft.com/office/powerpoint/2010/main">
   <p:cSld>
     <p:spTree>
       <p:nvGrpSpPr>
@@ -10392,7 +10734,7 @@
           <p:nvPr/>
         </p:nvSpPr>
         <p:spPr>
-          <a:xfrm rot="0">
+          <a:xfrm>
             <a:off x="4323715" y="386715"/>
             <a:ext cx="3540760" cy="554990"/>
           </a:xfrm>
@@ -10418,7 +10760,7 @@
                 <a:latin typeface="나눔바른고딕" charset="0"/>
                 <a:ea typeface="나눔바른고딕" charset="0"/>
               </a:rPr>
-              <a:t>열여덟</a:t>
+              <a:t>열네</a:t>
             </a:r>
             <a:r>
               <a:rPr lang="ko-KR" sz="2500" b="1">
@@ -10451,8 +10793,8 @@
         </p:nvSpPr>
         <p:spPr>
           <a:xfrm rot="0">
-            <a:off x="6839585" y="5285105"/>
-            <a:ext cx="4100830" cy="923925"/>
+            <a:off x="6840220" y="5578475"/>
+            <a:ext cx="4117340" cy="647065"/>
           </a:xfrm>
           <a:prstGeom prst="rect"/>
           <a:noFill/>
@@ -10479,7 +10821,7 @@
                 <a:latin typeface="맑은 고딕" charset="0"/>
                 <a:ea typeface="맑은 고딕" charset="0"/>
               </a:rPr>
-              <a:t>5</a:t>
+              <a:t>3</a:t>
             </a:r>
             <a:r>
               <a:rPr lang="ko-KR" sz="1800" b="1">
@@ -10489,7 +10831,7 @@
                 <a:latin typeface="맑은 고딕" charset="0"/>
                 <a:ea typeface="맑은 고딕" charset="0"/>
               </a:rPr>
-              <a:t>0</a:t>
+              <a:t>7</a:t>
             </a:r>
             <a:r>
               <a:rPr sz="1800" b="1">
@@ -10506,6 +10848,27 @@
                 <a:latin typeface="맑은 고딕" charset="0"/>
                 <a:ea typeface="맑은 고딕" charset="0"/>
               </a:rPr>
+              <a:t> 이제</a:t>
+            </a:r>
+            <a:r>
+              <a:rPr lang="ko-KR" sz="1800">
+                <a:latin typeface="맑은 고딕" charset="0"/>
+                <a:ea typeface="맑은 고딕" charset="0"/>
+              </a:rPr>
+              <a:t> SpeedSetting( ) 함수를 On </a:t>
+            </a:r>
+            <a:r>
+              <a:rPr lang="ko-KR" sz="1800">
+                <a:latin typeface="맑은 고딕" charset="0"/>
+                <a:ea typeface="맑은 고딕" charset="0"/>
+              </a:rPr>
+              <a:t>Click(</a:t>
+            </a:r>
+            <a:r>
+              <a:rPr lang="ko-KR" sz="1800">
+                <a:latin typeface="맑은 고딕" charset="0"/>
+                <a:ea typeface="맑은 고딕" charset="0"/>
+              </a:rPr>
               <a:t> </a:t>
             </a:r>
             <a:r>
@@ -10513,56 +10876,28 @@
                 <a:latin typeface="맑은 고딕" charset="0"/>
                 <a:ea typeface="맑은 고딕" charset="0"/>
               </a:rPr>
-              <a:t>이제 AnimationManager </a:t>
-            </a:r>
-            <a:r>
-              <a:rPr lang="ko-KR" sz="1800">
-                <a:latin typeface="맑은 고딕" charset="0"/>
-                <a:ea typeface="맑은 고딕" charset="0"/>
-              </a:rPr>
-              <a:t>스크립트의</a:t>
-            </a:r>
-            <a:r>
-              <a:rPr lang="ko-KR" sz="1800">
-                <a:latin typeface="맑은 고딕" charset="0"/>
-                <a:ea typeface="맑은 고딕" charset="0"/>
-              </a:rPr>
-              <a:t> Element 1 에 </a:t>
-            </a:r>
-            <a:r>
-              <a:rPr lang="ko-KR" sz="1800">
-                <a:latin typeface="맑은 고딕" charset="0"/>
-                <a:ea typeface="맑은 고딕" charset="0"/>
-              </a:rPr>
-              <a:t>Ch14_non</a:t>
-            </a:r>
-            <a:r>
-              <a:rPr lang="ko-KR" sz="1800">
-                <a:latin typeface="맑은 고딕" charset="0"/>
-                <a:ea typeface="맑은 고딕" charset="0"/>
-              </a:rPr>
-              <a:t>P</a:t>
-            </a:r>
-            <a:r>
-              <a:rPr lang="ko-KR" sz="1800">
-                <a:latin typeface="맑은 고딕" charset="0"/>
-                <a:ea typeface="맑은 고딕" charset="0"/>
-              </a:rPr>
-              <a:t>B</a:t>
-            </a:r>
-            <a:r>
-              <a:rPr lang="ko-KR" sz="1800">
-                <a:latin typeface="맑은 고딕" charset="0"/>
-                <a:ea typeface="맑은 고딕" charset="0"/>
-              </a:rPr>
-              <a:t>R</a:t>
-            </a:r>
-            <a:r>
-              <a:rPr lang="ko-KR" sz="1800">
-                <a:latin typeface="맑은 고딕" charset="0"/>
-                <a:ea typeface="맑은 고딕" charset="0"/>
-              </a:rPr>
-              <a:t> 오브젝트를 넣어줍니다.</a:t>
+              <a:t>)</a:t>
+            </a:r>
+            <a:r>
+              <a:rPr lang="ko-KR" sz="1800">
+                <a:latin typeface="맑은 고딕" charset="0"/>
+                <a:ea typeface="맑은 고딕" charset="0"/>
+              </a:rPr>
+              <a:t> </a:t>
+            </a:r>
+            <a:r>
+              <a:rPr lang="ko-KR" sz="1800">
+                <a:latin typeface="맑은 고딕" charset="0"/>
+                <a:ea typeface="맑은 고딕" charset="0"/>
+              </a:rPr>
+              <a:t>함수에</a:t>
+            </a:r>
+            <a:r>
+              <a:rPr lang="ko-KR" sz="1800">
+                <a:latin typeface="맑은 고딕" charset="0"/>
+                <a:ea typeface="맑은 고딕" charset="0"/>
+              </a:rPr>
+              <a:t> 등록합니다.</a:t>
             </a:r>
             <a:endParaRPr lang="ko-KR" altLang="en-US" sz="1800">
               <a:latin typeface="맑은 고딕" charset="0"/>
@@ -10573,14 +10908,248 @@
       </p:sp>
       <p:pic>
         <p:nvPicPr>
-          <p:cNvPr id="117" name="Picture " descr="C:/Users/Admin1/AppData/Roaming/PolarisOffice/ETemp/37196_16310752/fImage53803246500.png"/>
+          <p:cNvPr id="117" name="그림 1" descr="C:/Users/Admin1/AppData/Roaming/PolarisOffice/ETemp/11056_9762696/fImage538024241.png"/>
           <p:cNvPicPr>
             <a:picLocks noChangeAspect="1"/>
           </p:cNvPicPr>
           <p:nvPr/>
         </p:nvPicPr>
         <p:blipFill rotWithShape="1">
-          <a:blip r:embed="rId2" cstate="print">
+          <a:blip r:embed="rId4" cstate="hqprint">
+            <a:extLst>
+              <a:ext uri="{28A0092B-C50C-407E-A947-70E740481C1C}">
+                <a14:useLocalDpi xmlns:a14="http://schemas.microsoft.com/office/drawing/2010/main"/>
+              </a:ext>
+            </a:extLst>
+          </a:blip>
+          <a:stretch>
+            <a:fillRect/>
+          </a:stretch>
+        </p:blipFill>
+        <p:spPr>
+          <a:xfrm rot="0">
+            <a:off x="8258175" y="1447165"/>
+            <a:ext cx="2705735" cy="1163320"/>
+          </a:xfrm>
+          <a:prstGeom prst="roundRect"/>
+          <a:solidFill>
+            <a:srgbClr val="EDEDED"/>
+          </a:solidFill>
+        </p:spPr>
+      </p:pic>
+      <p:sp>
+        <p:nvSpPr>
+          <p:cNvPr id="119" name="텍스트 상자 7"/>
+          <p:cNvSpPr txBox="1">
+            <a:spLocks/>
+          </p:cNvSpPr>
+          <p:nvPr/>
+        </p:nvSpPr>
+        <p:spPr>
+          <a:xfrm rot="0">
+            <a:off x="6842125" y="2721610"/>
+            <a:ext cx="4115435" cy="1200785"/>
+          </a:xfrm>
+          <a:prstGeom prst="rect"/>
+          <a:noFill/>
+          <a:ln w="0">
+            <a:noFill/>
+            <a:prstDash/>
+          </a:ln>
+        </p:spPr>
+        <p:txBody>
+          <a:bodyPr wrap="square" lIns="89535" tIns="46355" rIns="89535" bIns="46355" numCol="1" vert="horz" anchor="t">
+            <a:spAutoFit/>
+          </a:bodyPr>
+          <a:lstStyle/>
+          <a:p>
+            <a:pPr marL="0" indent="0" rtl="0" algn="l" defTabSz="914400" eaLnBrk="1" latinLnBrk="0" hangingPunct="1">
+              <a:buFontTx/>
+              <a:buNone/>
+            </a:pPr>
+            <a:r>
+              <a:rPr lang="ko-KR" sz="1800" b="1">
+                <a:solidFill>
+                  <a:srgbClr val="0611F2"/>
+                </a:solidFill>
+                <a:latin typeface="맑은 고딕" charset="0"/>
+                <a:ea typeface="맑은 고딕" charset="0"/>
+              </a:rPr>
+              <a:t>3</a:t>
+            </a:r>
+            <a:r>
+              <a:rPr lang="ko-KR" sz="1800" b="1">
+                <a:solidFill>
+                  <a:srgbClr val="0611F2"/>
+                </a:solidFill>
+                <a:latin typeface="맑은 고딕" charset="0"/>
+                <a:ea typeface="맑은 고딕" charset="0"/>
+              </a:rPr>
+              <a:t>6</a:t>
+            </a:r>
+            <a:r>
+              <a:rPr sz="1800" b="1">
+                <a:solidFill>
+                  <a:srgbClr val="0611F2"/>
+                </a:solidFill>
+                <a:latin typeface="맑은 고딕" charset="0"/>
+                <a:ea typeface="맑은 고딕" charset="0"/>
+              </a:rPr>
+              <a:t>.</a:t>
+            </a:r>
+            <a:r>
+              <a:rPr sz="1800">
+                <a:latin typeface="맑은 고딕" charset="0"/>
+                <a:ea typeface="맑은 고딕" charset="0"/>
+              </a:rPr>
+              <a:t> 그러고 나서</a:t>
+            </a:r>
+            <a:r>
+              <a:rPr lang="ko-KR" sz="1800">
+                <a:latin typeface="맑은 고딕" charset="0"/>
+                <a:ea typeface="맑은 고딕" charset="0"/>
+              </a:rPr>
+              <a:t> Animation Speed </a:t>
+            </a:r>
+            <a:r>
+              <a:rPr lang="ko-KR" sz="1800">
+                <a:latin typeface="맑은 고딕" charset="0"/>
+                <a:ea typeface="맑은 고딕" charset="0"/>
+              </a:rPr>
+              <a:t>Button</a:t>
+            </a:r>
+            <a:r>
+              <a:rPr lang="ko-KR" sz="1800">
+                <a:latin typeface="맑은 고딕" charset="0"/>
+                <a:ea typeface="맑은 고딕" charset="0"/>
+              </a:rPr>
+              <a:t> </a:t>
+            </a:r>
+            <a:r>
+              <a:rPr lang="ko-KR" sz="1800">
+                <a:latin typeface="맑은 고딕" charset="0"/>
+                <a:ea typeface="맑은 고딕" charset="0"/>
+              </a:rPr>
+              <a:t>오브젝트의</a:t>
+            </a:r>
+            <a:r>
+              <a:rPr lang="ko-KR" sz="1800">
+                <a:latin typeface="맑은 고딕" charset="0"/>
+                <a:ea typeface="맑은 고딕" charset="0"/>
+              </a:rPr>
+              <a:t> On Click( ) </a:t>
+            </a:r>
+            <a:r>
+              <a:rPr lang="ko-KR" sz="1800">
+                <a:latin typeface="맑은 고딕" charset="0"/>
+                <a:ea typeface="맑은 고딕" charset="0"/>
+              </a:rPr>
+              <a:t>함수에</a:t>
+            </a:r>
+            <a:r>
+              <a:rPr lang="ko-KR" sz="1800">
+                <a:latin typeface="맑은 고딕" charset="0"/>
+                <a:ea typeface="맑은 고딕" charset="0"/>
+              </a:rPr>
+              <a:t> </a:t>
+            </a:r>
+            <a:r>
+              <a:rPr lang="ko-KR" sz="1800">
+                <a:latin typeface="맑은 고딕" charset="0"/>
+                <a:ea typeface="맑은 고딕" charset="0"/>
+              </a:rPr>
+              <a:t>Animator</a:t>
+            </a:r>
+            <a:r>
+              <a:rPr lang="ko-KR" sz="1800">
+                <a:latin typeface="맑은 고딕" charset="0"/>
+                <a:ea typeface="맑은 고딕" charset="0"/>
+              </a:rPr>
+              <a:t> </a:t>
+            </a:r>
+            <a:r>
+              <a:rPr lang="ko-KR" sz="1800">
+                <a:latin typeface="맑은 고딕" charset="0"/>
+                <a:ea typeface="맑은 고딕" charset="0"/>
+              </a:rPr>
+              <a:t>Manager</a:t>
+            </a:r>
+            <a:r>
+              <a:rPr lang="ko-KR" sz="1800">
+                <a:latin typeface="맑은 고딕" charset="0"/>
+                <a:ea typeface="맑은 고딕" charset="0"/>
+              </a:rPr>
+              <a:t> </a:t>
+            </a:r>
+            <a:r>
+              <a:rPr lang="ko-KR" sz="1800">
+                <a:latin typeface="맑은 고딕" charset="0"/>
+                <a:ea typeface="맑은 고딕" charset="0"/>
+              </a:rPr>
+              <a:t>오브젝트를</a:t>
+            </a:r>
+            <a:r>
+              <a:rPr lang="ko-KR" sz="1800">
+                <a:latin typeface="맑은 고딕" charset="0"/>
+                <a:ea typeface="맑은 고딕" charset="0"/>
+              </a:rPr>
+              <a:t> </a:t>
+            </a:r>
+            <a:r>
+              <a:rPr lang="ko-KR" sz="1800">
+                <a:latin typeface="맑은 고딕" charset="0"/>
+                <a:ea typeface="맑은 고딕" charset="0"/>
+              </a:rPr>
+              <a:t>넣어줍니다.</a:t>
+            </a:r>
+            <a:endParaRPr lang="ko-KR" altLang="en-US" sz="1800">
+              <a:latin typeface="맑은 고딕" charset="0"/>
+              <a:ea typeface="맑은 고딕" charset="0"/>
+            </a:endParaRPr>
+          </a:p>
+        </p:txBody>
+      </p:sp>
+      <p:pic>
+        <p:nvPicPr>
+          <p:cNvPr id="121" name="그림 10" descr="C:/Users/Admin1/AppData/Roaming/PolarisOffice/ETemp/11056_9762696/fImage64552476334.png"/>
+          <p:cNvPicPr>
+            <a:picLocks noChangeAspect="1"/>
+          </p:cNvPicPr>
+          <p:nvPr/>
+        </p:nvPicPr>
+        <p:blipFill rotWithShape="1">
+          <a:blip r:embed="rId6" cstate="hqprint">
+            <a:extLst>
+              <a:ext uri="{28A0092B-C50C-407E-A947-70E740481C1C}">
+                <a14:useLocalDpi xmlns:a14="http://schemas.microsoft.com/office/drawing/2010/main"/>
+              </a:ext>
+            </a:extLst>
+          </a:blip>
+          <a:stretch>
+            <a:fillRect/>
+          </a:stretch>
+        </p:blipFill>
+        <p:spPr>
+          <a:xfrm rot="0">
+            <a:off x="6827520" y="4048125"/>
+            <a:ext cx="4139565" cy="1388110"/>
+          </a:xfrm>
+          <a:prstGeom prst="roundRect"/>
+          <a:solidFill>
+            <a:srgbClr val="EDEDED"/>
+          </a:solidFill>
+        </p:spPr>
+      </p:pic>
+      <p:pic>
+        <p:nvPicPr>
+          <p:cNvPr id="122" name="그림 28" descr="C:/Users/Admin1/AppData/Roaming/PolarisOffice/ETemp/11056_9762696/fImage63053211478.png"/>
+          <p:cNvPicPr>
+            <a:picLocks noChangeAspect="1"/>
+          </p:cNvPicPr>
+          <p:nvPr/>
+        </p:nvPicPr>
+        <p:blipFill rotWithShape="1">
+          <a:blip r:embed="rId7" cstate="print">
             <a:extLst>
               <a:ext uri="{28A0092B-C50C-407E-A947-70E740481C1C}">
                 <a14:useLocalDpi xmlns:a14="http://schemas.microsoft.com/office/drawing/2010/main" val="0"/>
@@ -10593,8 +11162,8 @@
         </p:blipFill>
         <p:spPr>
           <a:xfrm rot="0">
-            <a:off x="2558415" y="1438275"/>
-            <a:ext cx="2808605" cy="1198245"/>
+            <a:off x="2747645" y="1455420"/>
+            <a:ext cx="2628265" cy="1155065"/>
           </a:xfrm>
           <a:prstGeom prst="roundRect"/>
           <a:solidFill>
@@ -10604,17 +11173,17 @@
       </p:pic>
       <p:pic>
         <p:nvPicPr>
-          <p:cNvPr id="118" name="Picture " descr="C:/Users/Admin1/AppData/Roaming/PolarisOffice/ETemp/37196_16310752/fImage109103259169.png"/>
+          <p:cNvPr id="123" name="그림 31" descr="C:/Users/Admin1/AppData/Roaming/PolarisOffice/ETemp/11056_9762696/fImage132303325724.png"/>
           <p:cNvPicPr>
             <a:picLocks noChangeAspect="1"/>
           </p:cNvPicPr>
           <p:nvPr/>
         </p:nvPicPr>
         <p:blipFill rotWithShape="1">
-          <a:blip r:embed="rId3" cstate="print">
+          <a:blip r:embed="rId8" cstate="hqprint">
             <a:extLst>
               <a:ext uri="{28A0092B-C50C-407E-A947-70E740481C1C}">
-                <a14:useLocalDpi xmlns:a14="http://schemas.microsoft.com/office/drawing/2010/main" val="0"/>
+                <a14:useLocalDpi xmlns:a14="http://schemas.microsoft.com/office/drawing/2010/main"/>
               </a:ext>
             </a:extLst>
           </a:blip>
@@ -10624,8 +11193,8 @@
         </p:blipFill>
         <p:spPr>
           <a:xfrm rot="0">
-            <a:off x="1240790" y="1447165"/>
-            <a:ext cx="1231900" cy="1197610"/>
+            <a:off x="1249045" y="1455420"/>
+            <a:ext cx="1421765" cy="1155065"/>
           </a:xfrm>
           <a:prstGeom prst="roundRect"/>
           <a:solidFill>
@@ -10633,150 +11202,16 @@
           </a:solidFill>
         </p:spPr>
       </p:pic>
-      <p:sp>
-        <p:nvSpPr>
-          <p:cNvPr id="119" name="Rect 0"/>
-          <p:cNvSpPr txBox="1">
-            <a:spLocks/>
-          </p:cNvSpPr>
-          <p:nvPr/>
-        </p:nvSpPr>
-        <p:spPr>
-          <a:xfrm rot="0">
-            <a:off x="1243330" y="2755900"/>
-            <a:ext cx="4132580" cy="1200785"/>
-          </a:xfrm>
-          <a:prstGeom prst="rect"/>
-          <a:noFill/>
-          <a:ln w="0">
-            <a:noFill/>
-            <a:prstDash/>
-          </a:ln>
-        </p:spPr>
-        <p:txBody>
-          <a:bodyPr wrap="square" lIns="89535" tIns="46355" rIns="89535" bIns="46355" numCol="1" vert="horz" anchor="t">
-            <a:spAutoFit/>
-          </a:bodyPr>
-          <a:lstStyle/>
-          <a:p>
-            <a:pPr marL="0" indent="0" rtl="0" algn="l" defTabSz="914400" eaLnBrk="1" latinLnBrk="0" hangingPunct="1">
-              <a:buFontTx/>
-              <a:buNone/>
-            </a:pPr>
-            <a:r>
-              <a:rPr lang="ko-KR" sz="1800" b="1">
-                <a:solidFill>
-                  <a:srgbClr val="0611F2"/>
-                </a:solidFill>
-                <a:latin typeface="맑은 고딕" charset="0"/>
-                <a:ea typeface="맑은 고딕" charset="0"/>
-              </a:rPr>
-              <a:t>47</a:t>
-            </a:r>
-            <a:r>
-              <a:rPr sz="1800" b="1">
-                <a:solidFill>
-                  <a:srgbClr val="0611F2"/>
-                </a:solidFill>
-                <a:latin typeface="맑은 고딕" charset="0"/>
-                <a:ea typeface="맑은 고딕" charset="0"/>
-              </a:rPr>
-              <a:t>.</a:t>
-            </a:r>
-            <a:r>
-              <a:rPr sz="1800">
-                <a:latin typeface="맑은 고딕" charset="0"/>
-                <a:ea typeface="맑은 고딕" charset="0"/>
-              </a:rPr>
-              <a:t> 그런 다음</a:t>
-            </a:r>
-            <a:r>
-              <a:rPr lang="ko-KR" sz="1800">
-                <a:latin typeface="맑은 고딕" charset="0"/>
-                <a:ea typeface="맑은 고딕" charset="0"/>
-              </a:rPr>
-              <a:t> Camera Culling </a:t>
-            </a:r>
-            <a:r>
-              <a:rPr lang="ko-KR" sz="1800">
-                <a:latin typeface="맑은 고딕" charset="0"/>
-                <a:ea typeface="맑은 고딕" charset="0"/>
-              </a:rPr>
-              <a:t>Button</a:t>
-            </a:r>
-            <a:r>
-              <a:rPr lang="ko-KR" sz="1800">
-                <a:latin typeface="맑은 고딕" charset="0"/>
-                <a:ea typeface="맑은 고딕" charset="0"/>
-              </a:rPr>
-              <a:t> </a:t>
-            </a:r>
-            <a:r>
-              <a:rPr lang="ko-KR" sz="1800">
-                <a:latin typeface="맑은 고딕" charset="0"/>
-                <a:ea typeface="맑은 고딕" charset="0"/>
-              </a:rPr>
-              <a:t>오브젝트의</a:t>
-            </a:r>
-            <a:r>
-              <a:rPr lang="ko-KR" sz="1800">
-                <a:latin typeface="맑은 고딕" charset="0"/>
-                <a:ea typeface="맑은 고딕" charset="0"/>
-              </a:rPr>
-              <a:t> </a:t>
-            </a:r>
-            <a:r>
-              <a:rPr lang="ko-KR" sz="1800">
-                <a:latin typeface="맑은 고딕" charset="0"/>
-                <a:ea typeface="맑은 고딕" charset="0"/>
-              </a:rPr>
-              <a:t>On Click( ) 함수에 </a:t>
-            </a:r>
-            <a:r>
-              <a:rPr lang="ko-KR" sz="1800">
-                <a:latin typeface="맑은 고딕" charset="0"/>
-                <a:ea typeface="맑은 고딕" charset="0"/>
-              </a:rPr>
-              <a:t>Animator</a:t>
-            </a:r>
-            <a:r>
-              <a:rPr lang="ko-KR" sz="1800">
-                <a:latin typeface="맑은 고딕" charset="0"/>
-                <a:ea typeface="맑은 고딕" charset="0"/>
-              </a:rPr>
-              <a:t> Manager 오브젝트를 </a:t>
-            </a:r>
-            <a:r>
-              <a:rPr lang="ko-KR" sz="1800">
-                <a:latin typeface="맑은 고딕" charset="0"/>
-                <a:ea typeface="맑은 고딕" charset="0"/>
-              </a:rPr>
-              <a:t>넣어줍니</a:t>
-            </a:r>
-            <a:r>
-              <a:rPr lang="ko-KR" sz="1800">
-                <a:latin typeface="맑은 고딕" charset="0"/>
-                <a:ea typeface="맑은 고딕" charset="0"/>
-              </a:rPr>
-              <a:t>다.</a:t>
-            </a:r>
-            <a:endParaRPr lang="ko-KR" altLang="en-US" sz="1800">
-              <a:latin typeface="맑은 고딕" charset="0"/>
-              <a:ea typeface="맑은 고딕" charset="0"/>
-            </a:endParaRPr>
-          </a:p>
-        </p:txBody>
-      </p:sp>
       <p:cxnSp>
         <p:nvCxnSpPr>
-          <p:cNvPr id="120" name="Rect 0"/>
+          <p:cNvPr id="124" name="도형 32"/>
           <p:cNvCxnSpPr/>
           <p:nvPr/>
         </p:nvCxnSpPr>
         <p:spPr>
           <a:xfrm rot="0" flipV="1">
-            <a:off x="2188210" y="2153285"/>
-            <a:ext cx="1257935" cy="396875"/>
+            <a:off x="2067560" y="2136140"/>
+            <a:ext cx="1508125" cy="397510"/>
           </a:xfrm>
           <a:prstGeom prst="straightConnector1"/>
           <a:ln w="6350" cap="flat" cmpd="sng">
@@ -10802,7 +11237,7 @@
       </p:cxnSp>
       <p:sp>
         <p:nvSpPr>
-          <p:cNvPr id="122" name="텍스트 상자 18"/>
+          <p:cNvPr id="125" name="텍스트 상자 33"/>
           <p:cNvSpPr txBox="1">
             <a:spLocks/>
           </p:cNvSpPr>
@@ -10810,8 +11245,8 @@
         </p:nvSpPr>
         <p:spPr>
           <a:xfrm rot="0">
-            <a:off x="1249045" y="5296535"/>
-            <a:ext cx="4120515" cy="923925"/>
+            <a:off x="1240790" y="2715260"/>
+            <a:ext cx="4135120" cy="1200785"/>
           </a:xfrm>
           <a:prstGeom prst="rect"/>
           <a:noFill/>
@@ -10838,7 +11273,17 @@
                 <a:latin typeface="맑은 고딕" charset="0"/>
                 <a:ea typeface="맑은 고딕" charset="0"/>
               </a:rPr>
-              <a:t>48</a:t>
+              <a:t>3</a:t>
+            </a:r>
+            <a:r>
+              <a:rPr lang="ko-KR" sz="1800" b="1">
+                <a:solidFill>
+                  <a:srgbClr val="0611F2"/>
+                </a:solidFill>
+                <a:latin typeface="맑은 고딕" charset="0"/>
+                <a:ea typeface="맑은 고딕" charset="0"/>
+              </a:rPr>
+              <a:t>4</a:t>
             </a:r>
             <a:r>
               <a:rPr sz="1800" b="1">
@@ -10855,21 +11300,28 @@
                 <a:latin typeface="맑은 고딕" charset="0"/>
                 <a:ea typeface="맑은 고딕" charset="0"/>
               </a:rPr>
-              <a:t> 그다음으로</a:t>
-            </a:r>
-            <a:r>
-              <a:rPr lang="ko-KR" sz="1800">
-                <a:latin typeface="맑은 고딕" charset="0"/>
-                <a:ea typeface="맑은 고딕" charset="0"/>
-              </a:rPr>
-              <a:t> LayerMaskSetting( ) </a:t>
-            </a:r>
-            <a:r>
-              <a:rPr lang="ko-KR" sz="1800">
-                <a:latin typeface="맑은 고딕" charset="0"/>
-                <a:ea typeface="맑은 고딕" charset="0"/>
-              </a:rPr>
-              <a:t>함수를</a:t>
+              <a:t> 그런 다음</a:t>
+            </a:r>
+            <a:r>
+              <a:rPr lang="ko-KR" sz="1800">
+                <a:latin typeface="맑은 고딕" charset="0"/>
+                <a:ea typeface="맑은 고딕" charset="0"/>
+              </a:rPr>
+              <a:t> Animator Culling Mode </a:t>
+            </a:r>
+            <a:r>
+              <a:rPr lang="ko-KR" sz="1800">
+                <a:latin typeface="맑은 고딕" charset="0"/>
+                <a:ea typeface="맑은 고딕" charset="0"/>
+              </a:rPr>
+              <a:t>DropDo</a:t>
+            </a:r>
+            <a:r>
+              <a:rPr lang="ko-KR" sz="1800">
+                <a:latin typeface="맑은 고딕" charset="0"/>
+                <a:ea typeface="맑은 고딕" charset="0"/>
+              </a:rPr>
+              <a:t>wn</a:t>
             </a:r>
             <a:r>
               <a:rPr lang="ko-KR" sz="1800">
@@ -10883,14 +11335,7 @@
                 <a:latin typeface="맑은 고딕" charset="0"/>
                 <a:ea typeface="맑은 고딕" charset="0"/>
               </a:rPr>
-              <a:t>On Click( ) 함수에 등록하고 </a:t>
-            </a:r>
-            <a:r>
-              <a:rPr lang="ko-KR" sz="1800">
-                <a:latin typeface="맑은 고딕" charset="0"/>
-                <a:ea typeface="맑은 고딕" charset="0"/>
-              </a:rPr>
-              <a:t>인수에</a:t>
+              <a:t>오브젝트의</a:t>
             </a:r>
             <a:r>
               <a:rPr lang="ko-KR" sz="1800">
@@ -10904,7 +11349,119 @@
                 <a:latin typeface="맑은 고딕" charset="0"/>
                 <a:ea typeface="맑은 고딕" charset="0"/>
               </a:rPr>
-              <a:t>8 이라는 값을 설정합니다.</a:t>
+              <a:t>On</a:t>
+            </a:r>
+            <a:r>
+              <a:rPr lang="ko-KR" sz="1800">
+                <a:latin typeface="맑은 고딕" charset="0"/>
+                <a:ea typeface="맑은 고딕" charset="0"/>
+              </a:rPr>
+              <a:t> </a:t>
+            </a:r>
+            <a:r>
+              <a:rPr lang="ko-KR" sz="1800">
+                <a:latin typeface="맑은 고딕" charset="0"/>
+                <a:ea typeface="맑은 고딕" charset="0"/>
+              </a:rPr>
+              <a:t>Va</a:t>
+            </a:r>
+            <a:r>
+              <a:rPr lang="ko-KR" sz="1800">
+                <a:latin typeface="맑은 고딕" charset="0"/>
+                <a:ea typeface="맑은 고딕" charset="0"/>
+              </a:rPr>
+              <a:t>lue </a:t>
+            </a:r>
+            <a:r>
+              <a:rPr lang="ko-KR" sz="1800">
+                <a:latin typeface="맑은 고딕" charset="0"/>
+                <a:ea typeface="맑은 고딕" charset="0"/>
+              </a:rPr>
+              <a:t>Changed(I</a:t>
+            </a:r>
+            <a:r>
+              <a:rPr lang="ko-KR" sz="1800">
+                <a:latin typeface="맑은 고딕" charset="0"/>
+                <a:ea typeface="맑은 고딕" charset="0"/>
+              </a:rPr>
+              <a:t>nt32</a:t>
+            </a:r>
+            <a:r>
+              <a:rPr lang="ko-KR" sz="1800">
+                <a:latin typeface="맑은 고딕" charset="0"/>
+                <a:ea typeface="맑은 고딕" charset="0"/>
+              </a:rPr>
+              <a:t>)</a:t>
+            </a:r>
+            <a:r>
+              <a:rPr lang="ko-KR" sz="1800">
+                <a:latin typeface="맑은 고딕" charset="0"/>
+                <a:ea typeface="맑은 고딕" charset="0"/>
+              </a:rPr>
+              <a:t> </a:t>
+            </a:r>
+            <a:r>
+              <a:rPr lang="ko-KR" sz="1800">
+                <a:latin typeface="맑은 고딕" charset="0"/>
+                <a:ea typeface="맑은 고딕" charset="0"/>
+              </a:rPr>
+              <a:t>함수에</a:t>
+            </a:r>
+            <a:r>
+              <a:rPr lang="ko-KR" sz="1800">
+                <a:latin typeface="맑은 고딕" charset="0"/>
+                <a:ea typeface="맑은 고딕" charset="0"/>
+              </a:rPr>
+              <a:t> </a:t>
+            </a:r>
+            <a:r>
+              <a:rPr lang="ko-KR" sz="1800">
+                <a:latin typeface="맑은 고딕" charset="0"/>
+                <a:ea typeface="맑은 고딕" charset="0"/>
+              </a:rPr>
+              <a:t>Animator</a:t>
+            </a:r>
+            <a:r>
+              <a:rPr lang="ko-KR" sz="1800">
+                <a:latin typeface="맑은 고딕" charset="0"/>
+                <a:ea typeface="맑은 고딕" charset="0"/>
+              </a:rPr>
+              <a:t> </a:t>
+            </a:r>
+            <a:r>
+              <a:rPr lang="ko-KR" sz="1800">
+                <a:latin typeface="맑은 고딕" charset="0"/>
+                <a:ea typeface="맑은 고딕" charset="0"/>
+              </a:rPr>
+              <a:t>Manager</a:t>
+            </a:r>
+            <a:r>
+              <a:rPr lang="ko-KR" sz="1800">
+                <a:latin typeface="맑은 고딕" charset="0"/>
+                <a:ea typeface="맑은 고딕" charset="0"/>
+              </a:rPr>
+              <a:t> </a:t>
+            </a:r>
+            <a:r>
+              <a:rPr lang="ko-KR" sz="1800">
+                <a:latin typeface="맑은 고딕" charset="0"/>
+                <a:ea typeface="맑은 고딕" charset="0"/>
+              </a:rPr>
+              <a:t>오브젝트를</a:t>
+            </a:r>
+            <a:r>
+              <a:rPr lang="ko-KR" sz="1800">
+                <a:latin typeface="맑은 고딕" charset="0"/>
+                <a:ea typeface="맑은 고딕" charset="0"/>
+              </a:rPr>
+              <a:t> </a:t>
+            </a:r>
+            <a:r>
+              <a:rPr lang="ko-KR" sz="1800">
+                <a:latin typeface="맑은 고딕" charset="0"/>
+                <a:ea typeface="맑은 고딕" charset="0"/>
+              </a:rPr>
+              <a:t>넣어줍니다.</a:t>
             </a:r>
             <a:endParaRPr lang="ko-KR" altLang="en-US" sz="1800">
               <a:latin typeface="맑은 고딕" charset="0"/>
@@ -10915,14 +11472,14 @@
       </p:sp>
       <p:pic>
         <p:nvPicPr>
-          <p:cNvPr id="123" name="그림 19" descr="C:/Users/Admin1/AppData/Roaming/PolarisOffice/ETemp/37196_16310752/fImage66913385724.png"/>
+          <p:cNvPr id="126" name="그림 34" descr="C:/Users/Admin1/AppData/Roaming/PolarisOffice/ETemp/11056_9762696/fImage74073269358.png"/>
           <p:cNvPicPr>
             <a:picLocks noChangeAspect="1"/>
           </p:cNvPicPr>
           <p:nvPr/>
         </p:nvPicPr>
         <p:blipFill rotWithShape="1">
-          <a:blip r:embed="rId4" cstate="print">
+          <a:blip r:embed="rId9" cstate="print">
             <a:extLst>
               <a:ext uri="{28A0092B-C50C-407E-A947-70E740481C1C}">
                 <a14:useLocalDpi xmlns:a14="http://schemas.microsoft.com/office/drawing/2010/main" val="0"/>
@@ -10935,8 +11492,8 @@
         </p:blipFill>
         <p:spPr>
           <a:xfrm rot="0">
-            <a:off x="1244600" y="4072255"/>
-            <a:ext cx="4122420" cy="1130935"/>
+            <a:off x="1245235" y="4067175"/>
+            <a:ext cx="4137025" cy="1115060"/>
           </a:xfrm>
           <a:prstGeom prst="roundRect"/>
           <a:solidFill>
@@ -10944,19 +11501,191 @@
           </a:solidFill>
         </p:spPr>
       </p:pic>
+      <p:sp>
+        <p:nvSpPr>
+          <p:cNvPr id="127" name="텍스트 상자 37"/>
+          <p:cNvSpPr txBox="1">
+            <a:spLocks/>
+          </p:cNvSpPr>
+          <p:nvPr/>
+        </p:nvSpPr>
+        <p:spPr>
+          <a:xfrm rot="0">
+            <a:off x="1243965" y="5296535"/>
+            <a:ext cx="4140200" cy="923925"/>
+          </a:xfrm>
+          <a:prstGeom prst="rect"/>
+          <a:noFill/>
+          <a:ln w="0">
+            <a:noFill/>
+            <a:prstDash/>
+          </a:ln>
+        </p:spPr>
+        <p:txBody>
+          <a:bodyPr wrap="square" lIns="89535" tIns="46355" rIns="89535" bIns="46355" numCol="1" vert="horz" anchor="t">
+            <a:spAutoFit/>
+          </a:bodyPr>
+          <a:lstStyle/>
+          <a:p>
+            <a:pPr marL="0" indent="0" rtl="0" algn="l" defTabSz="914400" eaLnBrk="1" latinLnBrk="0" hangingPunct="1">
+              <a:buFontTx/>
+              <a:buNone/>
+            </a:pPr>
+            <a:r>
+              <a:rPr lang="ko-KR" sz="1800" b="1">
+                <a:solidFill>
+                  <a:srgbClr val="0611F2"/>
+                </a:solidFill>
+                <a:latin typeface="맑은 고딕" charset="0"/>
+                <a:ea typeface="맑은 고딕" charset="0"/>
+              </a:rPr>
+              <a:t>3</a:t>
+            </a:r>
+            <a:r>
+              <a:rPr lang="ko-KR" sz="1800" b="1">
+                <a:solidFill>
+                  <a:srgbClr val="0611F2"/>
+                </a:solidFill>
+                <a:latin typeface="맑은 고딕" charset="0"/>
+                <a:ea typeface="맑은 고딕" charset="0"/>
+              </a:rPr>
+              <a:t>5</a:t>
+            </a:r>
+            <a:r>
+              <a:rPr sz="1800" b="1">
+                <a:solidFill>
+                  <a:srgbClr val="0611F2"/>
+                </a:solidFill>
+                <a:latin typeface="맑은 고딕" charset="0"/>
+                <a:ea typeface="맑은 고딕" charset="0"/>
+              </a:rPr>
+              <a:t>.</a:t>
+            </a:r>
+            <a:r>
+              <a:rPr sz="1800">
+                <a:latin typeface="맑은 고딕" charset="0"/>
+                <a:ea typeface="맑은 고딕" charset="0"/>
+              </a:rPr>
+              <a:t> 그다음</a:t>
+            </a:r>
+            <a:r>
+              <a:rPr lang="ko-KR" sz="1800">
+                <a:latin typeface="맑은 고딕" charset="0"/>
+                <a:ea typeface="맑은 고딕" charset="0"/>
+              </a:rPr>
+              <a:t> CullingModeSetting( ) </a:t>
+            </a:r>
+            <a:r>
+              <a:rPr lang="ko-KR" sz="1800">
+                <a:latin typeface="맑은 고딕" charset="0"/>
+                <a:ea typeface="맑은 고딕" charset="0"/>
+              </a:rPr>
+              <a:t>함수를</a:t>
+            </a:r>
+            <a:r>
+              <a:rPr lang="ko-KR" sz="1800">
+                <a:latin typeface="맑은 고딕" charset="0"/>
+                <a:ea typeface="맑은 고딕" charset="0"/>
+              </a:rPr>
+              <a:t> </a:t>
+            </a:r>
+            <a:r>
+              <a:rPr lang="ko-KR" sz="1800">
+                <a:latin typeface="맑은 고딕" charset="0"/>
+                <a:ea typeface="맑은 고딕" charset="0"/>
+              </a:rPr>
+              <a:t>On</a:t>
+            </a:r>
+            <a:r>
+              <a:rPr lang="ko-KR" sz="1800">
+                <a:latin typeface="맑은 고딕" charset="0"/>
+                <a:ea typeface="맑은 고딕" charset="0"/>
+              </a:rPr>
+              <a:t> </a:t>
+            </a:r>
+            <a:r>
+              <a:rPr lang="ko-KR" sz="1800">
+                <a:latin typeface="맑은 고딕" charset="0"/>
+                <a:ea typeface="맑은 고딕" charset="0"/>
+              </a:rPr>
+              <a:t>Va</a:t>
+            </a:r>
+            <a:r>
+              <a:rPr lang="ko-KR" sz="1800">
+                <a:latin typeface="맑은 고딕" charset="0"/>
+                <a:ea typeface="맑은 고딕" charset="0"/>
+              </a:rPr>
+              <a:t>lue </a:t>
+            </a:r>
+            <a:r>
+              <a:rPr lang="ko-KR" sz="1800">
+                <a:latin typeface="맑은 고딕" charset="0"/>
+                <a:ea typeface="맑은 고딕" charset="0"/>
+              </a:rPr>
+              <a:t>Changed(I</a:t>
+            </a:r>
+            <a:r>
+              <a:rPr lang="ko-KR" sz="1800">
+                <a:latin typeface="맑은 고딕" charset="0"/>
+                <a:ea typeface="맑은 고딕" charset="0"/>
+              </a:rPr>
+              <a:t>nt32</a:t>
+            </a:r>
+            <a:r>
+              <a:rPr lang="ko-KR" sz="1800">
+                <a:latin typeface="맑은 고딕" charset="0"/>
+                <a:ea typeface="맑은 고딕" charset="0"/>
+              </a:rPr>
+              <a:t>)</a:t>
+            </a:r>
+            <a:r>
+              <a:rPr lang="ko-KR" sz="1800">
+                <a:latin typeface="맑은 고딕" charset="0"/>
+                <a:ea typeface="맑은 고딕" charset="0"/>
+              </a:rPr>
+              <a:t>  </a:t>
+            </a:r>
+            <a:r>
+              <a:rPr lang="ko-KR" sz="1800">
+                <a:latin typeface="맑은 고딕" charset="0"/>
+                <a:ea typeface="맑은 고딕" charset="0"/>
+              </a:rPr>
+              <a:t>함수에</a:t>
+            </a:r>
+            <a:r>
+              <a:rPr lang="ko-KR" sz="1800">
+                <a:latin typeface="맑은 고딕" charset="0"/>
+                <a:ea typeface="맑은 고딕" charset="0"/>
+              </a:rPr>
+              <a:t> </a:t>
+            </a:r>
+            <a:r>
+              <a:rPr lang="ko-KR" sz="1800">
+                <a:latin typeface="맑은 고딕" charset="0"/>
+                <a:ea typeface="맑은 고딕" charset="0"/>
+              </a:rPr>
+              <a:t>등록합니다.</a:t>
+            </a:r>
+            <a:endParaRPr lang="ko-KR" altLang="en-US" sz="1800">
+              <a:latin typeface="맑은 고딕" charset="0"/>
+              <a:ea typeface="맑은 고딕" charset="0"/>
+            </a:endParaRPr>
+          </a:p>
+        </p:txBody>
+      </p:sp>
       <p:pic>
         <p:nvPicPr>
-          <p:cNvPr id="124" name="그림 22" descr="C:/Users/Admin1/AppData/Roaming/PolarisOffice/ETemp/37196_16310752/fImage119303391478.png"/>
+          <p:cNvPr id="128" name="그림 38" descr="C:/Users/Admin1/AppData/Roaming/PolarisOffice/ETemp/11056_9762696/fImage132303325724.png"/>
           <p:cNvPicPr>
             <a:picLocks noChangeAspect="1"/>
           </p:cNvPicPr>
           <p:nvPr/>
         </p:nvPicPr>
         <p:blipFill rotWithShape="1">
-          <a:blip r:embed="rId5" cstate="print">
+          <a:blip r:embed="rId8" cstate="hqprint">
             <a:extLst>
               <a:ext uri="{28A0092B-C50C-407E-A947-70E740481C1C}">
-                <a14:useLocalDpi xmlns:a14="http://schemas.microsoft.com/office/drawing/2010/main" val="0"/>
+                <a14:useLocalDpi xmlns:a14="http://schemas.microsoft.com/office/drawing/2010/main"/>
               </a:ext>
             </a:extLst>
           </a:blip>
@@ -10966,8 +11695,8 @@
         </p:blipFill>
         <p:spPr>
           <a:xfrm rot="0">
-            <a:off x="8148955" y="1435100"/>
-            <a:ext cx="2799715" cy="1149350"/>
+            <a:off x="6822440" y="1447165"/>
+            <a:ext cx="1350645" cy="1163320"/>
           </a:xfrm>
           <a:prstGeom prst="roundRect"/>
           <a:solidFill>
@@ -10975,305 +11704,20 @@
           </a:solidFill>
         </p:spPr>
       </p:pic>
-      <p:pic>
-        <p:nvPicPr>
-          <p:cNvPr id="125" name="그림 25" descr="C:/Users/Admin1/AppData/Roaming/PolarisOffice/ETemp/37196_16310752/fImage108453409358.png"/>
-          <p:cNvPicPr>
-            <a:picLocks noChangeAspect="1"/>
-          </p:cNvPicPr>
-          <p:nvPr/>
-        </p:nvPicPr>
-        <p:blipFill rotWithShape="1">
-          <a:blip r:embed="rId6" cstate="print">
-            <a:extLst>
-              <a:ext uri="{28A0092B-C50C-407E-A947-70E740481C1C}">
-                <a14:useLocalDpi xmlns:a14="http://schemas.microsoft.com/office/drawing/2010/main" val="0"/>
-              </a:ext>
-            </a:extLst>
-          </a:blip>
-          <a:stretch>
-            <a:fillRect/>
-          </a:stretch>
-        </p:blipFill>
-        <p:spPr>
-          <a:xfrm rot="0">
-            <a:off x="6830695" y="1446530"/>
-            <a:ext cx="1266825" cy="1137920"/>
-          </a:xfrm>
-          <a:prstGeom prst="roundRect"/>
-          <a:solidFill>
-            <a:srgbClr val="EDEDED"/>
-          </a:solidFill>
-        </p:spPr>
-      </p:pic>
       <p:cxnSp>
         <p:nvCxnSpPr>
-          <p:cNvPr id="126" name="도형 28"/>
+          <p:cNvPr id="120" name="도형 8"/>
           <p:cNvCxnSpPr/>
           <p:nvPr/>
         </p:nvCxnSpPr>
         <p:spPr>
-          <a:xfrm rot="0">
-            <a:off x="7640320" y="1817370"/>
-            <a:ext cx="3162300" cy="241935"/>
+          <a:xfrm rot="0" flipV="1">
+            <a:off x="7599045" y="2133600"/>
+            <a:ext cx="1517015" cy="390525"/>
           </a:xfrm>
           <a:prstGeom prst="straightConnector1"/>
           <a:ln w="6350" cap="flat" cmpd="sng">
             <a:prstDash/>
-            <a:headEnd type="none" w="med" len="med"/>
-            <a:tailEnd type="triangle" w="med" len="med"/>
-          </a:ln>
-        </p:spPr>
-        <p:style>
-          <a:lnRef idx="1">
-            <a:schemeClr val="accent1"/>
-          </a:lnRef>
-          <a:fillRef idx="0">
-            <a:schemeClr val="accent1"/>
-          </a:fillRef>
-          <a:effectRef idx="0">
-            <a:schemeClr val="accent1"/>
-          </a:effectRef>
-          <a:fontRef idx="minor">
-            <a:schemeClr val="tx1"/>
-          </a:fontRef>
-        </p:style>
-      </p:cxnSp>
-      <p:sp>
-        <p:nvSpPr>
-          <p:cNvPr id="127" name="텍스트 상자 29"/>
-          <p:cNvSpPr txBox="1">
-            <a:spLocks/>
-          </p:cNvSpPr>
-          <p:nvPr/>
-        </p:nvSpPr>
-        <p:spPr>
-          <a:xfrm rot="0">
-            <a:off x="6839585" y="2686050"/>
-            <a:ext cx="4117975" cy="1200785"/>
-          </a:xfrm>
-          <a:prstGeom prst="rect"/>
-          <a:noFill/>
-          <a:ln w="0">
-            <a:noFill/>
-            <a:prstDash/>
-          </a:ln>
-        </p:spPr>
-        <p:txBody>
-          <a:bodyPr wrap="square" lIns="89535" tIns="46355" rIns="89535" bIns="46355" numCol="1" vert="horz" anchor="t">
-            <a:spAutoFit/>
-          </a:bodyPr>
-          <a:lstStyle/>
-          <a:p>
-            <a:pPr marL="0" indent="0" rtl="0" algn="l" defTabSz="914400" eaLnBrk="1" latinLnBrk="0" hangingPunct="1">
-              <a:buFontTx/>
-              <a:buNone/>
-            </a:pPr>
-            <a:r>
-              <a:rPr lang="ko-KR" sz="1800" b="1">
-                <a:solidFill>
-                  <a:srgbClr val="0611F2"/>
-                </a:solidFill>
-                <a:latin typeface="맑은 고딕" charset="0"/>
-                <a:ea typeface="맑은 고딕" charset="0"/>
-              </a:rPr>
-              <a:t>4</a:t>
-            </a:r>
-            <a:r>
-              <a:rPr lang="ko-KR" sz="1800" b="1">
-                <a:solidFill>
-                  <a:srgbClr val="0611F2"/>
-                </a:solidFill>
-                <a:latin typeface="맑은 고딕" charset="0"/>
-                <a:ea typeface="맑은 고딕" charset="0"/>
-              </a:rPr>
-              <a:t>9</a:t>
-            </a:r>
-            <a:r>
-              <a:rPr sz="1800" b="1">
-                <a:solidFill>
-                  <a:srgbClr val="0611F2"/>
-                </a:solidFill>
-                <a:latin typeface="맑은 고딕" charset="0"/>
-                <a:ea typeface="맑은 고딕" charset="0"/>
-              </a:rPr>
-              <a:t>.</a:t>
-            </a:r>
-            <a:r>
-              <a:rPr sz="1800">
-                <a:latin typeface="맑은 고딕" charset="0"/>
-                <a:ea typeface="맑은 고딕" charset="0"/>
-              </a:rPr>
-              <a:t> 그러고 나서</a:t>
-            </a:r>
-            <a:r>
-              <a:rPr lang="ko-KR" sz="1800">
-                <a:latin typeface="맑은 고딕" charset="0"/>
-                <a:ea typeface="맑은 고딕" charset="0"/>
-              </a:rPr>
-              <a:t> AnimationManager </a:t>
-            </a:r>
-            <a:r>
-              <a:rPr lang="ko-KR" sz="1800">
-                <a:latin typeface="맑은 고딕" charset="0"/>
-                <a:ea typeface="맑은 고딕" charset="0"/>
-              </a:rPr>
-              <a:t>스크립트의</a:t>
-            </a:r>
-            <a:r>
-              <a:rPr lang="ko-KR" sz="1800">
-                <a:latin typeface="맑은 고딕" charset="0"/>
-                <a:ea typeface="맑은 고딕" charset="0"/>
-              </a:rPr>
-              <a:t> </a:t>
-            </a:r>
-            <a:r>
-              <a:rPr lang="ko-KR" sz="1800">
-                <a:latin typeface="맑은 고딕" charset="0"/>
-                <a:ea typeface="맑은 고딕" charset="0"/>
-              </a:rPr>
-              <a:t>Animator 배열 크기를 2</a:t>
-            </a:r>
-            <a:r>
-              <a:rPr lang="ko-KR" sz="1800">
-                <a:latin typeface="맑은 고딕" charset="0"/>
-                <a:ea typeface="맑은 고딕" charset="0"/>
-              </a:rPr>
-              <a:t>로 </a:t>
-            </a:r>
-            <a:r>
-              <a:rPr lang="ko-KR" sz="1800">
-                <a:latin typeface="맑은 고딕" charset="0"/>
-                <a:ea typeface="맑은 고딕" charset="0"/>
-              </a:rPr>
-              <a:t>설정한</a:t>
-            </a:r>
-            <a:r>
-              <a:rPr lang="ko-KR" sz="1800">
-                <a:latin typeface="맑은 고딕" charset="0"/>
-                <a:ea typeface="맑은 고딕" charset="0"/>
-              </a:rPr>
-              <a:t> 다음 Element 0 에 </a:t>
-            </a:r>
-            <a:r>
-              <a:rPr lang="ko-KR" sz="1800">
-                <a:latin typeface="맑은 고딕" charset="0"/>
-                <a:ea typeface="맑은 고딕" charset="0"/>
-              </a:rPr>
-              <a:t>Ch14_non</a:t>
-            </a:r>
-            <a:r>
-              <a:rPr lang="ko-KR" sz="1800">
-                <a:latin typeface="맑은 고딕" charset="0"/>
-                <a:ea typeface="맑은 고딕" charset="0"/>
-              </a:rPr>
-              <a:t>P</a:t>
-            </a:r>
-            <a:r>
-              <a:rPr lang="ko-KR" sz="1800">
-                <a:latin typeface="맑은 고딕" charset="0"/>
-                <a:ea typeface="맑은 고딕" charset="0"/>
-              </a:rPr>
-              <a:t>B</a:t>
-            </a:r>
-            <a:r>
-              <a:rPr lang="ko-KR" sz="1800">
-                <a:latin typeface="맑은 고딕" charset="0"/>
-                <a:ea typeface="맑은 고딕" charset="0"/>
-              </a:rPr>
-              <a:t>R</a:t>
-            </a:r>
-            <a:r>
-              <a:rPr lang="ko-KR" sz="1800">
-                <a:latin typeface="맑은 고딕" charset="0"/>
-                <a:ea typeface="맑은 고딕" charset="0"/>
-              </a:rPr>
-              <a:t> 오브젝트를 넣어줍니다.</a:t>
-            </a:r>
-            <a:endParaRPr lang="ko-KR" altLang="en-US" sz="1800">
-              <a:latin typeface="맑은 고딕" charset="0"/>
-              <a:ea typeface="맑은 고딕" charset="0"/>
-            </a:endParaRPr>
-          </a:p>
-        </p:txBody>
-      </p:sp>
-      <p:pic>
-        <p:nvPicPr>
-          <p:cNvPr id="129" name="그림 32" descr="C:/Users/Admin1/AppData/Roaming/PolarisOffice/ETemp/37196_16310752/fImage125713456962.png"/>
-          <p:cNvPicPr>
-            <a:picLocks noChangeAspect="1"/>
-          </p:cNvPicPr>
-          <p:nvPr/>
-        </p:nvPicPr>
-        <p:blipFill rotWithShape="1">
-          <a:blip r:embed="rId7" cstate="print">
-            <a:extLst>
-              <a:ext uri="{28A0092B-C50C-407E-A947-70E740481C1C}">
-                <a14:useLocalDpi xmlns:a14="http://schemas.microsoft.com/office/drawing/2010/main" val="0"/>
-              </a:ext>
-            </a:extLst>
-          </a:blip>
-          <a:stretch>
-            <a:fillRect/>
-          </a:stretch>
-        </p:blipFill>
-        <p:spPr>
-          <a:xfrm rot="0">
-            <a:off x="8157210" y="4030980"/>
-            <a:ext cx="2783205" cy="1155065"/>
-          </a:xfrm>
-          <a:prstGeom prst="roundRect"/>
-          <a:solidFill>
-            <a:srgbClr val="EDEDED"/>
-          </a:solidFill>
-        </p:spPr>
-      </p:pic>
-      <p:pic>
-        <p:nvPicPr>
-          <p:cNvPr id="131" name="그림 36" descr="C:/Users/Admin1/AppData/Roaming/PolarisOffice/ETemp/37196_16310752/fImage107953474464.png"/>
-          <p:cNvPicPr>
-            <a:picLocks noChangeAspect="1"/>
-          </p:cNvPicPr>
-          <p:nvPr/>
-        </p:nvPicPr>
-        <p:blipFill rotWithShape="1">
-          <a:blip r:embed="rId8" cstate="print">
-            <a:extLst>
-              <a:ext uri="{28A0092B-C50C-407E-A947-70E740481C1C}">
-                <a14:useLocalDpi xmlns:a14="http://schemas.microsoft.com/office/drawing/2010/main" val="0"/>
-              </a:ext>
-            </a:extLst>
-          </a:blip>
-          <a:stretch>
-            <a:fillRect/>
-          </a:stretch>
-        </p:blipFill>
-        <p:spPr>
-          <a:xfrm rot="0">
-            <a:off x="6849110" y="4022725"/>
-            <a:ext cx="1257300" cy="1163320"/>
-          </a:xfrm>
-          <a:prstGeom prst="roundRect"/>
-          <a:solidFill>
-            <a:srgbClr val="EDEDED"/>
-          </a:solidFill>
-        </p:spPr>
-      </p:pic>
-      <p:cxnSp>
-        <p:nvCxnSpPr>
-          <p:cNvPr id="130" name="도형 35"/>
-          <p:cNvCxnSpPr/>
-          <p:nvPr/>
-        </p:nvCxnSpPr>
-        <p:spPr>
-          <a:xfrm rot="0">
-            <a:off x="7649210" y="4539615"/>
-            <a:ext cx="3178810" cy="293370"/>
-          </a:xfrm>
-          <a:prstGeom prst="straightConnector1"/>
-          <a:ln w="6350" cap="flat" cmpd="sng">
-            <a:prstDash/>
-            <a:headEnd type="none" w="med" len="med"/>
             <a:tailEnd type="triangle" w="med" len="med"/>
           </a:ln>
         </p:spPr>
@@ -11316,7 +11760,7 @@
 </file>
 
 <file path=ppt/slides/slide15.xml><?xml version="1.0" encoding="utf-8"?>
-<p:sld xmlns:a="http://schemas.openxmlformats.org/drawingml/2006/main" xmlns:r="http://schemas.openxmlformats.org/officeDocument/2006/relationships" xmlns:p="http://schemas.openxmlformats.org/presentationml/2006/main">
+<p:sld xmlns:a="http://schemas.openxmlformats.org/drawingml/2006/main" xmlns:r="http://schemas.openxmlformats.org/officeDocument/2006/relationships" xmlns:p="http://schemas.openxmlformats.org/presentationml/2006/main" xmlns:p14="http://schemas.microsoft.com/office/powerpoint/2010/main">
   <p:cSld>
     <p:spTree>
       <p:nvGrpSpPr>
@@ -11341,7 +11785,7 @@
           <p:nvPr/>
         </p:nvSpPr>
         <p:spPr>
-          <a:xfrm rot="0">
+          <a:xfrm>
             <a:off x="4323715" y="386715"/>
             <a:ext cx="3541395" cy="554990"/>
           </a:xfrm>
@@ -11367,7 +11811,7 @@
                 <a:latin typeface="나눔바른고딕" charset="0"/>
                 <a:ea typeface="나눔바른고딕" charset="0"/>
               </a:rPr>
-              <a:t>열아홉</a:t>
+              <a:t>열다섯</a:t>
             </a:r>
             <a:r>
               <a:rPr lang="ko-KR" sz="2500" b="1">
@@ -11400,8 +11844,8 @@
         </p:nvSpPr>
         <p:spPr>
           <a:xfrm rot="0">
-            <a:off x="6839585" y="4225925"/>
-            <a:ext cx="4100830" cy="2031365"/>
+            <a:off x="6839585" y="5294630"/>
+            <a:ext cx="4101465" cy="923925"/>
           </a:xfrm>
           <a:prstGeom prst="rect"/>
           <a:noFill/>
@@ -11428,7 +11872,17 @@
                 <a:latin typeface="맑은 고딕" charset="0"/>
                 <a:ea typeface="맑은 고딕" charset="0"/>
               </a:rPr>
-              <a:t>52</a:t>
+              <a:t>4</a:t>
+            </a:r>
+            <a:r>
+              <a:rPr lang="ko-KR" sz="1800" b="1">
+                <a:solidFill>
+                  <a:srgbClr val="0611F2"/>
+                </a:solidFill>
+                <a:latin typeface="맑은 고딕" charset="0"/>
+                <a:ea typeface="맑은 고딕" charset="0"/>
+              </a:rPr>
+              <a:t>1</a:t>
             </a:r>
             <a:r>
               <a:rPr sz="1800" b="1">
@@ -11452,14 +11906,14 @@
                 <a:latin typeface="맑은 고딕" charset="0"/>
                 <a:ea typeface="맑은 고딕" charset="0"/>
               </a:rPr>
-              <a:t>그다음으로 Project 폴더 아래에 </a:t>
-            </a:r>
-            <a:r>
-              <a:rPr lang="ko-KR" sz="1800">
-                <a:latin typeface="맑은 고딕" charset="0"/>
-                <a:ea typeface="맑은 고딕" charset="0"/>
-              </a:rPr>
-              <a:t>있는</a:t>
+              <a:t>그러고 나서 AnimationManager </a:t>
+            </a:r>
+            <a:r>
+              <a:rPr lang="ko-KR" sz="1800">
+                <a:latin typeface="맑은 고딕" charset="0"/>
+                <a:ea typeface="맑은 고딕" charset="0"/>
+              </a:rPr>
+              <a:t>스크립트의</a:t>
             </a:r>
             <a:r>
               <a:rPr lang="ko-KR" sz="1800">
@@ -11473,21 +11927,21 @@
                 <a:latin typeface="맑은 고딕" charset="0"/>
                 <a:ea typeface="맑은 고딕" charset="0"/>
               </a:rPr>
-              <a:t>Texture</a:t>
-            </a:r>
-            <a:r>
-              <a:rPr lang="ko-KR" sz="1800">
-                <a:latin typeface="맑은 고딕" charset="0"/>
-                <a:ea typeface="맑은 고딕" charset="0"/>
-              </a:rPr>
-              <a:t> 폴더에 Camera </a:t>
-            </a:r>
-            <a:r>
-              <a:rPr lang="ko-KR" sz="1800">
-                <a:latin typeface="맑은 고딕" charset="0"/>
-                <a:ea typeface="맑은 고딕" charset="0"/>
-              </a:rPr>
-              <a:t>텍스처를</a:t>
+              <a:t>Element</a:t>
+            </a:r>
+            <a:r>
+              <a:rPr lang="ko-KR" sz="1800">
+                <a:latin typeface="맑은 고딕" charset="0"/>
+                <a:ea typeface="맑은 고딕" charset="0"/>
+              </a:rPr>
+              <a:t> 1 에 </a:t>
+            </a:r>
+            <a:r>
+              <a:rPr lang="ko-KR" sz="1800">
+                <a:latin typeface="맑은 고딕" charset="0"/>
+                <a:ea typeface="맑은 고딕" charset="0"/>
+              </a:rPr>
+              <a:t>Ch14_nonPBR</a:t>
             </a:r>
             <a:r>
               <a:rPr lang="ko-KR" sz="1800">
@@ -11501,307 +11955,32 @@
                 <a:latin typeface="맑은 고딕" charset="0"/>
                 <a:ea typeface="맑은 고딕" charset="0"/>
               </a:rPr>
-              <a:t>선택합니다.</a:t>
+              <a:t>오브젝트를</a:t>
+            </a:r>
+            <a:r>
+              <a:rPr lang="ko-KR" sz="1800">
+                <a:latin typeface="맑은 고딕" charset="0"/>
+                <a:ea typeface="맑은 고딕" charset="0"/>
+              </a:rPr>
+              <a:t> </a:t>
+            </a:r>
+            <a:r>
+              <a:rPr lang="ko-KR" sz="1800">
+                <a:latin typeface="맑은 고딕" charset="0"/>
+                <a:ea typeface="맑은 고딕" charset="0"/>
+              </a:rPr>
+              <a:t>넣어줍니다.</a:t>
             </a:r>
             <a:endParaRPr lang="ko-KR" altLang="en-US" sz="1800">
               <a:latin typeface="맑은 고딕" charset="0"/>
               <a:ea typeface="맑은 고딕" charset="0"/>
             </a:endParaRPr>
           </a:p>
-          <a:p>
-            <a:pPr marL="0" indent="0" rtl="0" algn="l" defTabSz="914400" eaLnBrk="1" latinLnBrk="0" hangingPunct="1">
-              <a:buFontTx/>
-              <a:buNone/>
-            </a:pPr>
-            <a:endParaRPr lang="ko-KR" altLang="en-US" sz="1800">
-              <a:latin typeface="맑은 고딕" charset="0"/>
-              <a:ea typeface="맑은 고딕" charset="0"/>
-            </a:endParaRPr>
-          </a:p>
-          <a:p>
-            <a:pPr marL="0" indent="0" rtl="0" algn="l" defTabSz="914400" eaLnBrk="1" latinLnBrk="0" hangingPunct="1">
-              <a:buFontTx/>
-              <a:buNone/>
-            </a:pPr>
-            <a:r>
-              <a:rPr lang="ko-KR" sz="1800">
-                <a:latin typeface="맑은 고딕" charset="0"/>
-                <a:ea typeface="맑은 고딕" charset="0"/>
-              </a:rPr>
-              <a:t>그러</a:t>
-            </a:r>
-            <a:r>
-              <a:rPr lang="ko-KR" sz="1800">
-                <a:latin typeface="맑은 고딕" charset="0"/>
-                <a:ea typeface="맑은 고딕" charset="0"/>
-              </a:rPr>
-              <a:t>고</a:t>
-            </a:r>
-            <a:r>
-              <a:rPr lang="ko-KR" sz="1800">
-                <a:latin typeface="맑은 고딕" charset="0"/>
-                <a:ea typeface="맑은 고딕" charset="0"/>
-              </a:rPr>
-              <a:t> </a:t>
-            </a:r>
-            <a:r>
-              <a:rPr lang="ko-KR" sz="1800">
-                <a:latin typeface="맑은 고딕" charset="0"/>
-                <a:ea typeface="맑은 고딕" charset="0"/>
-              </a:rPr>
-              <a:t>나서 Camera Culling Button </a:t>
-            </a:r>
-            <a:r>
-              <a:rPr lang="ko-KR" sz="1800">
-                <a:latin typeface="맑은 고딕" charset="0"/>
-                <a:ea typeface="맑은 고딕" charset="0"/>
-              </a:rPr>
-              <a:t>오브젝트</a:t>
-            </a:r>
-            <a:r>
-              <a:rPr lang="ko-KR" sz="1800">
-                <a:latin typeface="맑은 고딕" charset="0"/>
-                <a:ea typeface="맑은 고딕" charset="0"/>
-              </a:rPr>
-              <a:t>의</a:t>
-            </a:r>
-            <a:r>
-              <a:rPr lang="ko-KR" sz="1800">
-                <a:latin typeface="맑은 고딕" charset="0"/>
-                <a:ea typeface="맑은 고딕" charset="0"/>
-              </a:rPr>
-              <a:t> </a:t>
-            </a:r>
-            <a:r>
-              <a:rPr lang="ko-KR" sz="1800">
-                <a:latin typeface="맑은 고딕" charset="0"/>
-                <a:ea typeface="맑은 고딕" charset="0"/>
-              </a:rPr>
-              <a:t>Source Image에 </a:t>
-            </a:r>
-            <a:r>
-              <a:rPr lang="ko-KR" sz="1800">
-                <a:latin typeface="맑은 고딕" charset="0"/>
-                <a:ea typeface="맑은 고딕" charset="0"/>
-              </a:rPr>
-              <a:t>넣어줍니</a:t>
-            </a:r>
-            <a:r>
-              <a:rPr lang="ko-KR" sz="1800">
-                <a:latin typeface="맑은 고딕" charset="0"/>
-                <a:ea typeface="맑은 고딕" charset="0"/>
-              </a:rPr>
-              <a:t>다.</a:t>
-            </a:r>
-            <a:endParaRPr lang="ko-KR" altLang="en-US" sz="1800">
-              <a:latin typeface="맑은 고딕" charset="0"/>
-              <a:ea typeface="맑은 고딕" charset="0"/>
-            </a:endParaRPr>
-          </a:p>
-        </p:txBody>
-      </p:sp>
-      <p:sp>
-        <p:nvSpPr>
-          <p:cNvPr id="122" name="Rect 0"/>
-          <p:cNvSpPr txBox="1">
-            <a:spLocks/>
-          </p:cNvSpPr>
-          <p:nvPr/>
-        </p:nvSpPr>
-        <p:spPr>
-          <a:xfrm rot="0">
-            <a:off x="1240155" y="4177030"/>
-            <a:ext cx="4126865" cy="2031365"/>
-          </a:xfrm>
-          <a:prstGeom prst="rect"/>
-          <a:noFill/>
-          <a:ln w="0">
-            <a:noFill/>
-            <a:prstDash/>
-          </a:ln>
-        </p:spPr>
-        <p:txBody>
-          <a:bodyPr wrap="square" lIns="89535" tIns="46355" rIns="89535" bIns="46355" numCol="1" vert="horz" anchor="t">
-            <a:spAutoFit/>
-          </a:bodyPr>
-          <a:lstStyle/>
-          <a:p>
-            <a:pPr marL="0" indent="0" rtl="0" algn="l" defTabSz="914400" eaLnBrk="1" latinLnBrk="0" hangingPunct="1">
-              <a:buFontTx/>
-              <a:buNone/>
-            </a:pPr>
-            <a:r>
-              <a:rPr lang="ko-KR" sz="1800" b="1">
-                <a:solidFill>
-                  <a:srgbClr val="0611F2"/>
-                </a:solidFill>
-                <a:latin typeface="맑은 고딕" charset="0"/>
-                <a:ea typeface="맑은 고딕" charset="0"/>
-              </a:rPr>
-              <a:t>5</a:t>
-            </a:r>
-            <a:r>
-              <a:rPr lang="ko-KR" sz="1800" b="1">
-                <a:solidFill>
-                  <a:srgbClr val="0611F2"/>
-                </a:solidFill>
-                <a:latin typeface="맑은 고딕" charset="0"/>
-                <a:ea typeface="맑은 고딕" charset="0"/>
-              </a:rPr>
-              <a:t>1</a:t>
-            </a:r>
-            <a:r>
-              <a:rPr sz="1800" b="1">
-                <a:solidFill>
-                  <a:srgbClr val="0611F2"/>
-                </a:solidFill>
-                <a:latin typeface="맑은 고딕" charset="0"/>
-                <a:ea typeface="맑은 고딕" charset="0"/>
-              </a:rPr>
-              <a:t>.</a:t>
-            </a:r>
-            <a:r>
-              <a:rPr sz="1800">
-                <a:latin typeface="맑은 고딕" charset="0"/>
-                <a:ea typeface="맑은 고딕" charset="0"/>
-              </a:rPr>
-              <a:t> 그리고</a:t>
-            </a:r>
-            <a:r>
-              <a:rPr lang="ko-KR" sz="1800">
-                <a:latin typeface="맑은 고딕" charset="0"/>
-                <a:ea typeface="맑은 고딕" charset="0"/>
-              </a:rPr>
-              <a:t> Project 폴더 아래에 있는 </a:t>
-            </a:r>
-            <a:r>
-              <a:rPr lang="ko-KR" sz="1800">
-                <a:latin typeface="맑은 고딕" charset="0"/>
-                <a:ea typeface="맑은 고딕" charset="0"/>
-              </a:rPr>
-              <a:t>Texture</a:t>
-            </a:r>
-            <a:r>
-              <a:rPr lang="ko-KR" sz="1800">
-                <a:latin typeface="맑은 고딕" charset="0"/>
-                <a:ea typeface="맑은 고딕" charset="0"/>
-              </a:rPr>
-              <a:t> 폴더에 Animation Speed Up </a:t>
-            </a:r>
-            <a:r>
-              <a:rPr lang="ko-KR" sz="1800">
-                <a:latin typeface="맑은 고딕" charset="0"/>
-                <a:ea typeface="맑은 고딕" charset="0"/>
-              </a:rPr>
-              <a:t>Button</a:t>
-            </a:r>
-            <a:r>
-              <a:rPr lang="ko-KR" sz="1800">
-                <a:latin typeface="맑은 고딕" charset="0"/>
-                <a:ea typeface="맑은 고딕" charset="0"/>
-              </a:rPr>
-              <a:t> 텍스처를 선택합니</a:t>
-            </a:r>
-            <a:r>
-              <a:rPr lang="ko-KR" sz="1800">
-                <a:latin typeface="맑은 고딕" charset="0"/>
-                <a:ea typeface="맑은 고딕" charset="0"/>
-              </a:rPr>
-              <a:t>다.</a:t>
-            </a:r>
-            <a:endParaRPr lang="ko-KR" altLang="en-US" sz="1800">
-              <a:latin typeface="맑은 고딕" charset="0"/>
-              <a:ea typeface="맑은 고딕" charset="0"/>
-            </a:endParaRPr>
-          </a:p>
-          <a:p>
-            <a:pPr marL="0" indent="0" rtl="0" algn="l" defTabSz="914400" eaLnBrk="1" latinLnBrk="0" hangingPunct="1">
-              <a:buFontTx/>
-              <a:buNone/>
-            </a:pPr>
-            <a:endParaRPr lang="ko-KR" altLang="en-US" sz="1800">
-              <a:latin typeface="맑은 고딕" charset="0"/>
-              <a:ea typeface="맑은 고딕" charset="0"/>
-            </a:endParaRPr>
-          </a:p>
-          <a:p>
-            <a:pPr marL="0" indent="0" rtl="0" algn="l" defTabSz="914400" eaLnBrk="1" latinLnBrk="0" hangingPunct="1">
-              <a:buFontTx/>
-              <a:buNone/>
-            </a:pPr>
-            <a:r>
-              <a:rPr lang="ko-KR" sz="1800">
-                <a:latin typeface="맑은 고딕" charset="0"/>
-                <a:ea typeface="맑은 고딕" charset="0"/>
-              </a:rPr>
-              <a:t>그</a:t>
-            </a:r>
-            <a:r>
-              <a:rPr lang="ko-KR" sz="1800">
-                <a:latin typeface="맑은 고딕" charset="0"/>
-                <a:ea typeface="맑은 고딕" charset="0"/>
-              </a:rPr>
-              <a:t>런</a:t>
-            </a:r>
-            <a:r>
-              <a:rPr lang="ko-KR" sz="1800">
-                <a:latin typeface="맑은 고딕" charset="0"/>
-                <a:ea typeface="맑은 고딕" charset="0"/>
-              </a:rPr>
-              <a:t> </a:t>
-            </a:r>
-            <a:r>
-              <a:rPr lang="ko-KR" sz="1800">
-                <a:latin typeface="맑은 고딕" charset="0"/>
-                <a:ea typeface="맑은 고딕" charset="0"/>
-              </a:rPr>
-              <a:t>다음 Animation Speed Button </a:t>
-            </a:r>
-            <a:r>
-              <a:rPr lang="ko-KR" sz="1800">
-                <a:latin typeface="맑은 고딕" charset="0"/>
-                <a:ea typeface="맑은 고딕" charset="0"/>
-              </a:rPr>
-              <a:t>오브젝트</a:t>
-            </a:r>
-            <a:r>
-              <a:rPr lang="ko-KR" sz="1800">
-                <a:latin typeface="맑은 고딕" charset="0"/>
-                <a:ea typeface="맑은 고딕" charset="0"/>
-              </a:rPr>
-              <a:t>의</a:t>
-            </a:r>
-            <a:r>
-              <a:rPr lang="ko-KR" sz="1800">
-                <a:latin typeface="맑은 고딕" charset="0"/>
-                <a:ea typeface="맑은 고딕" charset="0"/>
-              </a:rPr>
-              <a:t> </a:t>
-            </a:r>
-            <a:r>
-              <a:rPr lang="ko-KR" sz="1800">
-                <a:latin typeface="맑은 고딕" charset="0"/>
-                <a:ea typeface="맑은 고딕" charset="0"/>
-              </a:rPr>
-              <a:t>Source Image에 </a:t>
-            </a:r>
-            <a:r>
-              <a:rPr lang="ko-KR" sz="1800">
-                <a:latin typeface="맑은 고딕" charset="0"/>
-                <a:ea typeface="맑은 고딕" charset="0"/>
-              </a:rPr>
-              <a:t>넣어줍니다.</a:t>
-            </a:r>
-            <a:endParaRPr lang="ko-KR" altLang="en-US" sz="1800">
-              <a:latin typeface="맑은 고딕" charset="0"/>
-              <a:ea typeface="맑은 고딕" charset="0"/>
-            </a:endParaRPr>
-          </a:p>
         </p:txBody>
       </p:sp>
       <p:pic>
         <p:nvPicPr>
-          <p:cNvPr id="132" name="그림 1" descr="C:/Users/Admin1/AppData/Roaming/PolarisOffice/ETemp/33724_12463272/fImage175203576334.png"/>
+          <p:cNvPr id="117" name="Picture "/>
           <p:cNvPicPr>
             <a:picLocks noChangeAspect="1"/>
           </p:cNvPicPr>
@@ -11821,8 +12000,8 @@
         </p:blipFill>
         <p:spPr>
           <a:xfrm rot="0">
-            <a:off x="1240790" y="1438275"/>
-            <a:ext cx="4126230" cy="1594485"/>
+            <a:off x="2558415" y="1438275"/>
+            <a:ext cx="2808605" cy="1198245"/>
           </a:xfrm>
           <a:prstGeom prst="roundRect"/>
           <a:solidFill>
@@ -11830,16 +12009,297 @@
           </a:solidFill>
         </p:spPr>
       </p:pic>
+      <p:sp>
+        <p:nvSpPr>
+          <p:cNvPr id="119" name="Rect 0"/>
+          <p:cNvSpPr txBox="1">
+            <a:spLocks/>
+          </p:cNvSpPr>
+          <p:nvPr/>
+        </p:nvSpPr>
+        <p:spPr>
+          <a:xfrm rot="0">
+            <a:off x="1238250" y="2729865"/>
+            <a:ext cx="4122420" cy="1200785"/>
+          </a:xfrm>
+          <a:prstGeom prst="rect"/>
+          <a:noFill/>
+          <a:ln w="0">
+            <a:noFill/>
+            <a:prstDash/>
+          </a:ln>
+        </p:spPr>
+        <p:txBody>
+          <a:bodyPr wrap="square" lIns="89535" tIns="46355" rIns="89535" bIns="46355" numCol="1" vert="horz" anchor="t">
+            <a:spAutoFit/>
+          </a:bodyPr>
+          <a:lstStyle/>
+          <a:p>
+            <a:pPr marL="0" indent="0" rtl="0" algn="l" defTabSz="914400" eaLnBrk="1" latinLnBrk="0" hangingPunct="1">
+              <a:buFontTx/>
+              <a:buNone/>
+            </a:pPr>
+            <a:r>
+              <a:rPr lang="ko-KR" sz="1800" b="1">
+                <a:solidFill>
+                  <a:srgbClr val="0611F2"/>
+                </a:solidFill>
+                <a:latin typeface="맑은 고딕" charset="0"/>
+                <a:ea typeface="맑은 고딕" charset="0"/>
+              </a:rPr>
+              <a:t>3</a:t>
+            </a:r>
+            <a:r>
+              <a:rPr lang="ko-KR" sz="1800" b="1">
+                <a:solidFill>
+                  <a:srgbClr val="0611F2"/>
+                </a:solidFill>
+                <a:latin typeface="맑은 고딕" charset="0"/>
+                <a:ea typeface="맑은 고딕" charset="0"/>
+              </a:rPr>
+              <a:t>8</a:t>
+            </a:r>
+            <a:r>
+              <a:rPr sz="1800" b="1">
+                <a:solidFill>
+                  <a:srgbClr val="0611F2"/>
+                </a:solidFill>
+                <a:latin typeface="맑은 고딕" charset="0"/>
+                <a:ea typeface="맑은 고딕" charset="0"/>
+              </a:rPr>
+              <a:t>.</a:t>
+            </a:r>
+            <a:r>
+              <a:rPr sz="1800">
+                <a:latin typeface="맑은 고딕" charset="0"/>
+                <a:ea typeface="맑은 고딕" charset="0"/>
+              </a:rPr>
+              <a:t> 그리고</a:t>
+            </a:r>
+            <a:r>
+              <a:rPr lang="ko-KR" sz="1800">
+                <a:latin typeface="맑은 고딕" charset="0"/>
+                <a:ea typeface="맑은 고딕" charset="0"/>
+              </a:rPr>
+              <a:t> Camera Culling Button </a:t>
+            </a:r>
+            <a:r>
+              <a:rPr lang="ko-KR" sz="1800">
+                <a:latin typeface="맑은 고딕" charset="0"/>
+                <a:ea typeface="맑은 고딕" charset="0"/>
+              </a:rPr>
+              <a:t>오브젝트의</a:t>
+            </a:r>
+            <a:r>
+              <a:rPr lang="ko-KR" sz="1800">
+                <a:latin typeface="맑은 고딕" charset="0"/>
+                <a:ea typeface="맑은 고딕" charset="0"/>
+              </a:rPr>
+              <a:t> On Click( ) 함수에 </a:t>
+            </a:r>
+            <a:r>
+              <a:rPr lang="ko-KR" sz="1800">
+                <a:latin typeface="맑은 고딕" charset="0"/>
+                <a:ea typeface="맑은 고딕" charset="0"/>
+              </a:rPr>
+              <a:t>Animator</a:t>
+            </a:r>
+            <a:r>
+              <a:rPr lang="ko-KR" sz="1800">
+                <a:latin typeface="맑은 고딕" charset="0"/>
+                <a:ea typeface="맑은 고딕" charset="0"/>
+              </a:rPr>
+              <a:t> </a:t>
+            </a:r>
+            <a:r>
+              <a:rPr lang="ko-KR" sz="1800">
+                <a:latin typeface="맑은 고딕" charset="0"/>
+                <a:ea typeface="맑은 고딕" charset="0"/>
+              </a:rPr>
+              <a:t>Manager</a:t>
+            </a:r>
+            <a:r>
+              <a:rPr lang="ko-KR" sz="1800">
+                <a:latin typeface="맑은 고딕" charset="0"/>
+                <a:ea typeface="맑은 고딕" charset="0"/>
+              </a:rPr>
+              <a:t> 오브젝트를 </a:t>
+            </a:r>
+            <a:r>
+              <a:rPr lang="ko-KR" sz="1800">
+                <a:latin typeface="맑은 고딕" charset="0"/>
+                <a:ea typeface="맑은 고딕" charset="0"/>
+              </a:rPr>
+              <a:t>넣어줍니다.</a:t>
+            </a:r>
+            <a:endParaRPr lang="ko-KR" altLang="en-US" sz="1800">
+              <a:latin typeface="맑은 고딕" charset="0"/>
+              <a:ea typeface="맑은 고딕" charset="0"/>
+            </a:endParaRPr>
+          </a:p>
+        </p:txBody>
+      </p:sp>
+      <p:sp>
+        <p:nvSpPr>
+          <p:cNvPr id="122" name="텍스트 상자 18"/>
+          <p:cNvSpPr txBox="1">
+            <a:spLocks/>
+          </p:cNvSpPr>
+          <p:nvPr/>
+        </p:nvSpPr>
+        <p:spPr>
+          <a:xfrm>
+            <a:off x="1249045" y="5296535"/>
+            <a:ext cx="4121150" cy="923925"/>
+          </a:xfrm>
+          <a:prstGeom prst="rect"/>
+          <a:noFill/>
+          <a:ln w="0">
+            <a:noFill/>
+            <a:prstDash/>
+          </a:ln>
+        </p:spPr>
+        <p:txBody>
+          <a:bodyPr wrap="square" lIns="89535" tIns="46355" rIns="89535" bIns="46355" numCol="1" vert="horz" anchor="t">
+            <a:spAutoFit/>
+          </a:bodyPr>
+          <a:lstStyle/>
+          <a:p>
+            <a:pPr marL="0" indent="0" rtl="0" algn="l" defTabSz="914400" eaLnBrk="1" latinLnBrk="0" hangingPunct="1">
+              <a:buFontTx/>
+              <a:buNone/>
+            </a:pPr>
+            <a:r>
+              <a:rPr lang="ko-KR" sz="1800" b="1">
+                <a:solidFill>
+                  <a:srgbClr val="0611F2"/>
+                </a:solidFill>
+                <a:latin typeface="맑은 고딕" charset="0"/>
+                <a:ea typeface="맑은 고딕" charset="0"/>
+              </a:rPr>
+              <a:t>3</a:t>
+            </a:r>
+            <a:r>
+              <a:rPr lang="ko-KR" sz="1800" b="1">
+                <a:solidFill>
+                  <a:srgbClr val="0611F2"/>
+                </a:solidFill>
+                <a:latin typeface="맑은 고딕" charset="0"/>
+                <a:ea typeface="맑은 고딕" charset="0"/>
+              </a:rPr>
+              <a:t>9</a:t>
+            </a:r>
+            <a:r>
+              <a:rPr sz="1800" b="1">
+                <a:solidFill>
+                  <a:srgbClr val="0611F2"/>
+                </a:solidFill>
+                <a:latin typeface="맑은 고딕" charset="0"/>
+                <a:ea typeface="맑은 고딕" charset="0"/>
+              </a:rPr>
+              <a:t>.</a:t>
+            </a:r>
+            <a:r>
+              <a:rPr sz="1800">
+                <a:latin typeface="맑은 고딕" charset="0"/>
+                <a:ea typeface="맑은 고딕" charset="0"/>
+              </a:rPr>
+              <a:t> 그런 다음</a:t>
+            </a:r>
+            <a:r>
+              <a:rPr lang="ko-KR" sz="1800">
+                <a:latin typeface="맑은 고딕" charset="0"/>
+                <a:ea typeface="맑은 고딕" charset="0"/>
+              </a:rPr>
+              <a:t> LayerMaskSetting( ) </a:t>
+            </a:r>
+            <a:r>
+              <a:rPr lang="ko-KR" sz="1800">
+                <a:latin typeface="맑은 고딕" charset="0"/>
+                <a:ea typeface="맑은 고딕" charset="0"/>
+              </a:rPr>
+              <a:t>함수를</a:t>
+            </a:r>
+            <a:r>
+              <a:rPr lang="ko-KR" sz="1800">
+                <a:latin typeface="맑은 고딕" charset="0"/>
+                <a:ea typeface="맑은 고딕" charset="0"/>
+              </a:rPr>
+              <a:t> </a:t>
+            </a:r>
+            <a:r>
+              <a:rPr lang="ko-KR" sz="1800">
+                <a:latin typeface="맑은 고딕" charset="0"/>
+                <a:ea typeface="맑은 고딕" charset="0"/>
+              </a:rPr>
+              <a:t>On</a:t>
+            </a:r>
+            <a:r>
+              <a:rPr lang="ko-KR" sz="1800">
+                <a:latin typeface="맑은 고딕" charset="0"/>
+                <a:ea typeface="맑은 고딕" charset="0"/>
+              </a:rPr>
+              <a:t> </a:t>
+            </a:r>
+            <a:r>
+              <a:rPr lang="ko-KR" sz="1800">
+                <a:latin typeface="맑은 고딕" charset="0"/>
+                <a:ea typeface="맑은 고딕" charset="0"/>
+              </a:rPr>
+              <a:t>Click(</a:t>
+            </a:r>
+            <a:r>
+              <a:rPr lang="ko-KR" sz="1800">
+                <a:latin typeface="맑은 고딕" charset="0"/>
+                <a:ea typeface="맑은 고딕" charset="0"/>
+              </a:rPr>
+              <a:t> ) 함수에 등록하고 </a:t>
+            </a:r>
+            <a:r>
+              <a:rPr lang="ko-KR" sz="1800">
+                <a:latin typeface="맑은 고딕" charset="0"/>
+                <a:ea typeface="맑은 고딕" charset="0"/>
+              </a:rPr>
+              <a:t>인수에</a:t>
+            </a:r>
+            <a:r>
+              <a:rPr lang="ko-KR" sz="1800">
+                <a:latin typeface="맑은 고딕" charset="0"/>
+                <a:ea typeface="맑은 고딕" charset="0"/>
+              </a:rPr>
+              <a:t> 8 </a:t>
+            </a:r>
+            <a:r>
+              <a:rPr lang="ko-KR" sz="1800">
+                <a:latin typeface="맑은 고딕" charset="0"/>
+                <a:ea typeface="맑은 고딕" charset="0"/>
+              </a:rPr>
+              <a:t>이라는</a:t>
+            </a:r>
+            <a:r>
+              <a:rPr lang="ko-KR" sz="1800">
+                <a:latin typeface="맑은 고딕" charset="0"/>
+                <a:ea typeface="맑은 고딕" charset="0"/>
+              </a:rPr>
+              <a:t> 값을 설정합니다.</a:t>
+            </a:r>
+            <a:endParaRPr lang="ko-KR" altLang="en-US" sz="1800">
+              <a:latin typeface="맑은 고딕" charset="0"/>
+              <a:ea typeface="맑은 고딕" charset="0"/>
+            </a:endParaRPr>
+          </a:p>
+        </p:txBody>
+      </p:sp>
       <p:pic>
         <p:nvPicPr>
-          <p:cNvPr id="133" name="그림 4" descr="C:/Users/Admin1/AppData/Roaming/PolarisOffice/ETemp/33724_12463272/fImage753333586500.png"/>
+          <p:cNvPr id="123" name="그림 19"/>
           <p:cNvPicPr>
             <a:picLocks noChangeAspect="1"/>
           </p:cNvPicPr>
           <p:nvPr/>
         </p:nvPicPr>
         <p:blipFill rotWithShape="1">
-          <a:blip r:embed="rId3" cstate="print">
+          <a:blip r:embed="rId4" cstate="print">
             <a:extLst>
               <a:ext uri="{28A0092B-C50C-407E-A947-70E740481C1C}">
                 <a14:useLocalDpi xmlns:a14="http://schemas.microsoft.com/office/drawing/2010/main" val="0"/>
@@ -11852,8 +12312,8 @@
         </p:blipFill>
         <p:spPr>
           <a:xfrm rot="0">
-            <a:off x="1242060" y="3195320"/>
-            <a:ext cx="4124960" cy="888365"/>
+            <a:off x="1244600" y="4072255"/>
+            <a:ext cx="4122420" cy="1130935"/>
           </a:xfrm>
           <a:prstGeom prst="roundRect"/>
           <a:solidFill>
@@ -11861,16 +12321,359 @@
           </a:solidFill>
         </p:spPr>
       </p:pic>
+      <p:pic>
+        <p:nvPicPr>
+          <p:cNvPr id="124" name="그림 22"/>
+          <p:cNvPicPr>
+            <a:picLocks noChangeAspect="1"/>
+          </p:cNvPicPr>
+          <p:nvPr/>
+        </p:nvPicPr>
+        <p:blipFill rotWithShape="1">
+          <a:blip r:embed="rId5" cstate="print">
+            <a:extLst>
+              <a:ext uri="{28A0092B-C50C-407E-A947-70E740481C1C}">
+                <a14:useLocalDpi xmlns:a14="http://schemas.microsoft.com/office/drawing/2010/main" val="0"/>
+              </a:ext>
+            </a:extLst>
+          </a:blip>
+          <a:stretch>
+            <a:fillRect/>
+          </a:stretch>
+        </p:blipFill>
+        <p:spPr>
+          <a:xfrm rot="0">
+            <a:off x="8148955" y="1435100"/>
+            <a:ext cx="2799715" cy="1149350"/>
+          </a:xfrm>
+          <a:prstGeom prst="roundRect"/>
+          <a:solidFill>
+            <a:srgbClr val="EDEDED"/>
+          </a:solidFill>
+        </p:spPr>
+      </p:pic>
+      <p:pic>
+        <p:nvPicPr>
+          <p:cNvPr id="125" name="그림 25"/>
+          <p:cNvPicPr>
+            <a:picLocks noChangeAspect="1"/>
+          </p:cNvPicPr>
+          <p:nvPr/>
+        </p:nvPicPr>
+        <p:blipFill rotWithShape="1">
+          <a:blip r:embed="rId6" cstate="print">
+            <a:extLst>
+              <a:ext uri="{28A0092B-C50C-407E-A947-70E740481C1C}">
+                <a14:useLocalDpi xmlns:a14="http://schemas.microsoft.com/office/drawing/2010/main" val="0"/>
+              </a:ext>
+            </a:extLst>
+          </a:blip>
+          <a:stretch>
+            <a:fillRect/>
+          </a:stretch>
+        </p:blipFill>
+        <p:spPr>
+          <a:xfrm rot="0">
+            <a:off x="6830695" y="1446530"/>
+            <a:ext cx="1266825" cy="1137920"/>
+          </a:xfrm>
+          <a:prstGeom prst="roundRect"/>
+          <a:solidFill>
+            <a:srgbClr val="EDEDED"/>
+          </a:solidFill>
+        </p:spPr>
+      </p:pic>
       <p:cxnSp>
         <p:nvCxnSpPr>
-          <p:cNvPr id="134" name="도형 7"/>
+          <p:cNvPr id="126" name="도형 28"/>
           <p:cNvCxnSpPr/>
           <p:nvPr/>
         </p:nvCxnSpPr>
         <p:spPr>
-          <a:xfrm rot="0" flipV="1">
-            <a:off x="1714500" y="1662430"/>
-            <a:ext cx="3540760" cy="1740535"/>
+          <a:xfrm rot="0">
+            <a:off x="7640320" y="1817370"/>
+            <a:ext cx="3162300" cy="241935"/>
+          </a:xfrm>
+          <a:prstGeom prst="straightConnector1"/>
+          <a:ln w="6350" cap="flat" cmpd="sng">
+            <a:prstDash/>
+            <a:headEnd type="none" w="med" len="med"/>
+            <a:tailEnd type="triangle" w="med" len="med"/>
+          </a:ln>
+        </p:spPr>
+        <p:style>
+          <a:lnRef idx="1">
+            <a:schemeClr val="accent1"/>
+          </a:lnRef>
+          <a:fillRef idx="0">
+            <a:schemeClr val="accent1"/>
+          </a:fillRef>
+          <a:effectRef idx="0">
+            <a:schemeClr val="accent1"/>
+          </a:effectRef>
+          <a:fontRef idx="minor">
+            <a:schemeClr val="tx1"/>
+          </a:fontRef>
+        </p:style>
+      </p:cxnSp>
+      <p:sp>
+        <p:nvSpPr>
+          <p:cNvPr id="127" name="텍스트 상자 29"/>
+          <p:cNvSpPr txBox="1">
+            <a:spLocks/>
+          </p:cNvSpPr>
+          <p:nvPr/>
+        </p:nvSpPr>
+        <p:spPr>
+          <a:xfrm>
+            <a:off x="6839585" y="2686050"/>
+            <a:ext cx="4118610" cy="1200785"/>
+          </a:xfrm>
+          <a:prstGeom prst="rect"/>
+          <a:noFill/>
+          <a:ln w="0">
+            <a:noFill/>
+            <a:prstDash/>
+          </a:ln>
+        </p:spPr>
+        <p:txBody>
+          <a:bodyPr wrap="square" lIns="89535" tIns="46355" rIns="89535" bIns="46355" numCol="1" vert="horz" anchor="t">
+            <a:spAutoFit/>
+          </a:bodyPr>
+          <a:lstStyle/>
+          <a:p>
+            <a:pPr marL="0" indent="0" rtl="0" algn="l" defTabSz="914400" eaLnBrk="1" latinLnBrk="0" hangingPunct="1">
+              <a:buFontTx/>
+              <a:buNone/>
+            </a:pPr>
+            <a:r>
+              <a:rPr lang="ko-KR" sz="1800" b="1">
+                <a:solidFill>
+                  <a:srgbClr val="0611F2"/>
+                </a:solidFill>
+                <a:latin typeface="맑은 고딕" charset="0"/>
+                <a:ea typeface="맑은 고딕" charset="0"/>
+              </a:rPr>
+              <a:t>4</a:t>
+            </a:r>
+            <a:r>
+              <a:rPr lang="ko-KR" sz="1800" b="1">
+                <a:solidFill>
+                  <a:srgbClr val="0611F2"/>
+                </a:solidFill>
+                <a:latin typeface="맑은 고딕" charset="0"/>
+                <a:ea typeface="맑은 고딕" charset="0"/>
+              </a:rPr>
+              <a:t>0</a:t>
+            </a:r>
+            <a:r>
+              <a:rPr sz="1800" b="1">
+                <a:solidFill>
+                  <a:srgbClr val="0611F2"/>
+                </a:solidFill>
+                <a:latin typeface="맑은 고딕" charset="0"/>
+                <a:ea typeface="맑은 고딕" charset="0"/>
+              </a:rPr>
+              <a:t>.</a:t>
+            </a:r>
+            <a:r>
+              <a:rPr sz="1800">
+                <a:latin typeface="맑은 고딕" charset="0"/>
+                <a:ea typeface="맑은 고딕" charset="0"/>
+              </a:rPr>
+              <a:t> 그다음으로</a:t>
+            </a:r>
+            <a:r>
+              <a:rPr lang="ko-KR" sz="1800">
+                <a:latin typeface="맑은 고딕" charset="0"/>
+                <a:ea typeface="맑은 고딕" charset="0"/>
+              </a:rPr>
+              <a:t> AnimationManager </a:t>
+            </a:r>
+            <a:r>
+              <a:rPr lang="ko-KR" sz="1800">
+                <a:latin typeface="맑은 고딕" charset="0"/>
+                <a:ea typeface="맑은 고딕" charset="0"/>
+              </a:rPr>
+              <a:t>스크립트의</a:t>
+            </a:r>
+            <a:r>
+              <a:rPr lang="ko-KR" sz="1800">
+                <a:latin typeface="맑은 고딕" charset="0"/>
+                <a:ea typeface="맑은 고딕" charset="0"/>
+              </a:rPr>
+              <a:t> </a:t>
+            </a:r>
+            <a:r>
+              <a:rPr lang="ko-KR" sz="1800">
+                <a:latin typeface="맑은 고딕" charset="0"/>
+                <a:ea typeface="맑은 고딕" charset="0"/>
+              </a:rPr>
+              <a:t>Animator</a:t>
+            </a:r>
+            <a:r>
+              <a:rPr lang="ko-KR" sz="1800">
+                <a:latin typeface="맑은 고딕" charset="0"/>
+                <a:ea typeface="맑은 고딕" charset="0"/>
+              </a:rPr>
+              <a:t> 배열 크기를 2로 </a:t>
+            </a:r>
+            <a:r>
+              <a:rPr lang="ko-KR" sz="1800">
+                <a:latin typeface="맑은 고딕" charset="0"/>
+                <a:ea typeface="맑은 고딕" charset="0"/>
+              </a:rPr>
+              <a:t>설정한</a:t>
+            </a:r>
+            <a:r>
+              <a:rPr lang="ko-KR" sz="1800">
+                <a:latin typeface="맑은 고딕" charset="0"/>
+                <a:ea typeface="맑은 고딕" charset="0"/>
+              </a:rPr>
+              <a:t> </a:t>
+            </a:r>
+            <a:r>
+              <a:rPr lang="ko-KR" sz="1800">
+                <a:latin typeface="맑은 고딕" charset="0"/>
+                <a:ea typeface="맑은 고딕" charset="0"/>
+              </a:rPr>
+              <a:t>다음</a:t>
+            </a:r>
+            <a:r>
+              <a:rPr lang="ko-KR" sz="1800">
+                <a:latin typeface="맑은 고딕" charset="0"/>
+                <a:ea typeface="맑은 고딕" charset="0"/>
+              </a:rPr>
+              <a:t> </a:t>
+            </a:r>
+            <a:r>
+              <a:rPr lang="ko-KR" sz="1800">
+                <a:latin typeface="맑은 고딕" charset="0"/>
+                <a:ea typeface="맑은 고딕" charset="0"/>
+              </a:rPr>
+              <a:t>Element</a:t>
+            </a:r>
+            <a:r>
+              <a:rPr lang="ko-KR" sz="1800">
+                <a:latin typeface="맑은 고딕" charset="0"/>
+                <a:ea typeface="맑은 고딕" charset="0"/>
+              </a:rPr>
+              <a:t> 0 에 </a:t>
+            </a:r>
+            <a:r>
+              <a:rPr lang="ko-KR" sz="1800">
+                <a:latin typeface="맑은 고딕" charset="0"/>
+                <a:ea typeface="맑은 고딕" charset="0"/>
+              </a:rPr>
+              <a:t>Ch14_nonPBR</a:t>
+            </a:r>
+            <a:r>
+              <a:rPr lang="ko-KR" sz="1800">
+                <a:latin typeface="맑은 고딕" charset="0"/>
+                <a:ea typeface="맑은 고딕" charset="0"/>
+              </a:rPr>
+              <a:t> </a:t>
+            </a:r>
+            <a:r>
+              <a:rPr lang="ko-KR" sz="1800">
+                <a:latin typeface="맑은 고딕" charset="0"/>
+                <a:ea typeface="맑은 고딕" charset="0"/>
+              </a:rPr>
+              <a:t>오브젝트를</a:t>
+            </a:r>
+            <a:r>
+              <a:rPr lang="ko-KR" sz="1800">
+                <a:latin typeface="맑은 고딕" charset="0"/>
+                <a:ea typeface="맑은 고딕" charset="0"/>
+              </a:rPr>
+              <a:t> </a:t>
+            </a:r>
+            <a:r>
+              <a:rPr lang="ko-KR" sz="1800">
+                <a:latin typeface="맑은 고딕" charset="0"/>
+                <a:ea typeface="맑은 고딕" charset="0"/>
+              </a:rPr>
+              <a:t>넣어줍니다.</a:t>
+            </a:r>
+            <a:endParaRPr lang="ko-KR" altLang="en-US" sz="1800">
+              <a:latin typeface="맑은 고딕" charset="0"/>
+              <a:ea typeface="맑은 고딕" charset="0"/>
+            </a:endParaRPr>
+          </a:p>
+        </p:txBody>
+      </p:sp>
+      <p:pic>
+        <p:nvPicPr>
+          <p:cNvPr id="129" name="그림 32"/>
+          <p:cNvPicPr>
+            <a:picLocks noChangeAspect="1"/>
+          </p:cNvPicPr>
+          <p:nvPr/>
+        </p:nvPicPr>
+        <p:blipFill rotWithShape="1">
+          <a:blip r:embed="rId7" cstate="print">
+            <a:extLst>
+              <a:ext uri="{28A0092B-C50C-407E-A947-70E740481C1C}">
+                <a14:useLocalDpi xmlns:a14="http://schemas.microsoft.com/office/drawing/2010/main" val="0"/>
+              </a:ext>
+            </a:extLst>
+          </a:blip>
+          <a:stretch>
+            <a:fillRect/>
+          </a:stretch>
+        </p:blipFill>
+        <p:spPr>
+          <a:xfrm rot="0">
+            <a:off x="8157210" y="4030980"/>
+            <a:ext cx="2783205" cy="1155065"/>
+          </a:xfrm>
+          <a:prstGeom prst="roundRect"/>
+          <a:solidFill>
+            <a:srgbClr val="EDEDED"/>
+          </a:solidFill>
+        </p:spPr>
+      </p:pic>
+      <p:pic>
+        <p:nvPicPr>
+          <p:cNvPr id="131" name="그림 36"/>
+          <p:cNvPicPr>
+            <a:picLocks noChangeAspect="1"/>
+          </p:cNvPicPr>
+          <p:nvPr/>
+        </p:nvPicPr>
+        <p:blipFill rotWithShape="1">
+          <a:blip r:embed="rId8" cstate="print">
+            <a:extLst>
+              <a:ext uri="{28A0092B-C50C-407E-A947-70E740481C1C}">
+                <a14:useLocalDpi xmlns:a14="http://schemas.microsoft.com/office/drawing/2010/main" val="0"/>
+              </a:ext>
+            </a:extLst>
+          </a:blip>
+          <a:stretch>
+            <a:fillRect/>
+          </a:stretch>
+        </p:blipFill>
+        <p:spPr>
+          <a:xfrm rot="0">
+            <a:off x="6849110" y="4022725"/>
+            <a:ext cx="1257300" cy="1163320"/>
+          </a:xfrm>
+          <a:prstGeom prst="roundRect"/>
+          <a:solidFill>
+            <a:srgbClr val="EDEDED"/>
+          </a:solidFill>
+        </p:spPr>
+      </p:pic>
+      <p:cxnSp>
+        <p:nvCxnSpPr>
+          <p:cNvPr id="130" name="도형 35"/>
+          <p:cNvCxnSpPr/>
+          <p:nvPr/>
+        </p:nvCxnSpPr>
+        <p:spPr>
+          <a:xfrm rot="0">
+            <a:off x="7649210" y="4539615"/>
+            <a:ext cx="3178810" cy="293370"/>
           </a:xfrm>
           <a:prstGeom prst="straightConnector1"/>
           <a:ln w="6350" cap="flat" cmpd="sng">
@@ -11896,17 +12699,17 @@
       </p:cxnSp>
       <p:pic>
         <p:nvPicPr>
-          <p:cNvPr id="135" name="그림 8" descr="C:/Users/Admin1/AppData/Roaming/PolarisOffice/ETemp/33724_12463272/fImage752593609169.png"/>
+          <p:cNvPr id="132" name="그림 39" descr="C:/Users/Admin1/AppData/Roaming/PolarisOffice/ETemp/11056_9762696/fImage132303325724.png"/>
           <p:cNvPicPr>
             <a:picLocks noChangeAspect="1"/>
           </p:cNvPicPr>
           <p:nvPr/>
         </p:nvPicPr>
         <p:blipFill rotWithShape="1">
-          <a:blip r:embed="rId4" cstate="print">
+          <a:blip r:embed="rId10" cstate="hqprint">
             <a:extLst>
               <a:ext uri="{28A0092B-C50C-407E-A947-70E740481C1C}">
-                <a14:useLocalDpi xmlns:a14="http://schemas.microsoft.com/office/drawing/2010/main" val="0"/>
+                <a14:useLocalDpi xmlns:a14="http://schemas.microsoft.com/office/drawing/2010/main"/>
               </a:ext>
             </a:extLst>
           </a:blip>
@@ -11916,8 +12719,8 @@
         </p:blipFill>
         <p:spPr>
           <a:xfrm rot="0">
-            <a:off x="6847840" y="3195320"/>
-            <a:ext cx="4092575" cy="888365"/>
+            <a:off x="1238250" y="1438275"/>
+            <a:ext cx="1247775" cy="1186180"/>
           </a:xfrm>
           <a:prstGeom prst="roundRect"/>
           <a:solidFill>
@@ -11925,19 +12728,568 @@
           </a:solidFill>
         </p:spPr>
       </p:pic>
+      <p:cxnSp>
+        <p:nvCxnSpPr>
+          <p:cNvPr id="120" name="Rect 0"/>
+          <p:cNvCxnSpPr/>
+          <p:nvPr/>
+        </p:nvCxnSpPr>
+        <p:spPr>
+          <a:xfrm rot="0" flipV="1">
+            <a:off x="1948815" y="2153285"/>
+            <a:ext cx="1497965" cy="384810"/>
+          </a:xfrm>
+          <a:prstGeom prst="straightConnector1"/>
+          <a:ln w="6350" cap="flat" cmpd="sng">
+            <a:prstDash/>
+            <a:tailEnd type="triangle" w="med" len="med"/>
+          </a:ln>
+        </p:spPr>
+        <p:style>
+          <a:lnRef idx="1">
+            <a:schemeClr val="accent1"/>
+          </a:lnRef>
+          <a:fillRef idx="0">
+            <a:schemeClr val="accent1"/>
+          </a:fillRef>
+          <a:effectRef idx="0">
+            <a:schemeClr val="accent1"/>
+          </a:effectRef>
+          <a:fontRef idx="minor">
+            <a:schemeClr val="tx1"/>
+          </a:fontRef>
+        </p:style>
+      </p:cxnSp>
+    </p:spTree>
+  </p:cSld>
+  <p:clrMapOvr>
+    <a:masterClrMapping/>
+  </p:clrMapOvr>
+  <mc:AlternateContent xmlns:mc="http://schemas.openxmlformats.org/markup-compatibility/2006">
+    <mc:Choice xmlns:p14="http://schemas.microsoft.com/office/powerpoint/2010/main" Requires="p14">
+      <p:transition spd="slow" p14:dur="2000"/>
+    </mc:Choice>
+    <mc:Fallback>
+      <p:transition spd="slow"/>
+    </mc:Fallback>
+  </mc:AlternateContent>
+  <p:timing>
+    <p:tnLst>
+      <p:par>
+        <p:cTn id="1" dur="indefinite" restart="never" nodeType="tmRoot"/>
+      </p:par>
+    </p:tnLst>
+  </p:timing>
+</p:sld>
+</file>
+
+<file path=ppt/slides/slide16.xml><?xml version="1.0" encoding="utf-8"?>
+<p:sld xmlns:a="http://schemas.openxmlformats.org/drawingml/2006/main" xmlns:r="http://schemas.openxmlformats.org/officeDocument/2006/relationships" xmlns:p="http://schemas.openxmlformats.org/presentationml/2006/main" xmlns:p14="http://schemas.microsoft.com/office/powerpoint/2010/main">
+  <p:cSld>
+    <p:spTree>
+      <p:nvGrpSpPr>
+        <p:cNvPr id="1" name=""/>
+        <p:cNvGrpSpPr/>
+        <p:nvPr/>
+      </p:nvGrpSpPr>
+      <p:grpSpPr>
+        <a:xfrm>
+          <a:off x="0" y="0"/>
+          <a:ext cx="0" cy="0"/>
+          <a:chOff x="0" y="0"/>
+          <a:chExt cx="0" cy="0"/>
+        </a:xfrm>
+      </p:grpSpPr>
+      <p:sp>
+        <p:nvSpPr>
+          <p:cNvPr id="22" name="Rect 0"/>
+          <p:cNvSpPr txBox="1">
+            <a:spLocks/>
+          </p:cNvSpPr>
+          <p:nvPr/>
+        </p:nvSpPr>
+        <p:spPr>
+          <a:xfrm>
+            <a:off x="4323715" y="386715"/>
+            <a:ext cx="3542030" cy="554990"/>
+          </a:xfrm>
+          <a:prstGeom prst="rect"/>
+          <a:noFill/>
+          <a:ln w="0">
+            <a:noFill/>
+            <a:prstDash/>
+          </a:ln>
+        </p:spPr>
+        <p:txBody>
+          <a:bodyPr wrap="square" lIns="89535" tIns="46355" rIns="89535" bIns="46355" numCol="1" vert="horz" anchor="t">
+            <a:spAutoFit/>
+          </a:bodyPr>
+          <a:lstStyle/>
+          <a:p>
+            <a:pPr marL="0" indent="0" algn="ctr" latinLnBrk="0" hangingPunct="1">
+              <a:buFontTx/>
+              <a:buNone/>
+            </a:pPr>
+            <a:r>
+              <a:rPr lang="ko-KR" sz="2500" b="1">
+                <a:latin typeface="나눔바른고딕" charset="0"/>
+                <a:ea typeface="나눔바른고딕" charset="0"/>
+              </a:rPr>
+              <a:t>열여섯</a:t>
+            </a:r>
+            <a:r>
+              <a:rPr lang="ko-KR" sz="2500" b="1">
+                <a:latin typeface="나눔바른고딕" charset="0"/>
+                <a:ea typeface="나눔바른고딕" charset="0"/>
+              </a:rPr>
+              <a:t> 번째 튜토리얼</a:t>
+            </a:r>
+            <a:r>
+              <a:rPr lang="ko-KR" sz="3000" b="1">
+                <a:latin typeface="맑은 고딕" charset="0"/>
+                <a:ea typeface="맑은 고딕" charset="0"/>
+              </a:rPr>
+              <a:t> </a:t>
+            </a:r>
+            <a:endParaRPr lang="ko-KR" altLang="en-US" sz="3000" b="1">
+              <a:latin typeface="맑은 고딕" charset="0"/>
+              <a:ea typeface="맑은 고딕" charset="0"/>
+            </a:endParaRPr>
+          </a:p>
+        </p:txBody>
+      </p:sp>
+      <p:sp>
+        <p:nvSpPr>
+          <p:cNvPr id="115" name="Rect 0"/>
+          <p:cNvSpPr txBox="1">
+            <a:spLocks/>
+          </p:cNvSpPr>
+          <p:nvPr/>
+        </p:nvSpPr>
+        <p:spPr>
+          <a:xfrm rot="0">
+            <a:off x="6821805" y="4173855"/>
+            <a:ext cx="4115435" cy="2031365"/>
+          </a:xfrm>
+          <a:prstGeom prst="rect"/>
+          <a:noFill/>
+          <a:ln w="0">
+            <a:noFill/>
+            <a:prstDash/>
+          </a:ln>
+        </p:spPr>
+        <p:txBody>
+          <a:bodyPr wrap="square" lIns="89535" tIns="46355" rIns="89535" bIns="46355" numCol="1" vert="horz" anchor="t">
+            <a:spAutoFit/>
+          </a:bodyPr>
+          <a:lstStyle/>
+          <a:p>
+            <a:pPr marL="0" indent="0" rtl="0" algn="l" defTabSz="914400" eaLnBrk="1" latinLnBrk="0" hangingPunct="1">
+              <a:buFontTx/>
+              <a:buNone/>
+            </a:pPr>
+            <a:r>
+              <a:rPr lang="ko-KR" sz="1800" b="1">
+                <a:solidFill>
+                  <a:srgbClr val="0611F2"/>
+                </a:solidFill>
+                <a:latin typeface="맑은 고딕" charset="0"/>
+                <a:ea typeface="맑은 고딕" charset="0"/>
+              </a:rPr>
+              <a:t>4</a:t>
+            </a:r>
+            <a:r>
+              <a:rPr lang="ko-KR" sz="1800" b="1">
+                <a:solidFill>
+                  <a:srgbClr val="0611F2"/>
+                </a:solidFill>
+                <a:latin typeface="맑은 고딕" charset="0"/>
+                <a:ea typeface="맑은 고딕" charset="0"/>
+              </a:rPr>
+              <a:t>3</a:t>
+            </a:r>
+            <a:r>
+              <a:rPr sz="1800" b="1">
+                <a:solidFill>
+                  <a:srgbClr val="0611F2"/>
+                </a:solidFill>
+                <a:latin typeface="맑은 고딕" charset="0"/>
+                <a:ea typeface="맑은 고딕" charset="0"/>
+              </a:rPr>
+              <a:t>.</a:t>
+            </a:r>
+            <a:r>
+              <a:rPr sz="1800">
+                <a:latin typeface="맑은 고딕" charset="0"/>
+                <a:ea typeface="맑은 고딕" charset="0"/>
+              </a:rPr>
+              <a:t> </a:t>
+            </a:r>
+            <a:r>
+              <a:rPr lang="ko-KR" sz="1800">
+                <a:latin typeface="맑은 고딕" charset="0"/>
+                <a:ea typeface="맑은 고딕" charset="0"/>
+              </a:rPr>
+              <a:t>그런 다음 Project 폴더 아래에 </a:t>
+            </a:r>
+            <a:r>
+              <a:rPr lang="ko-KR" sz="1800">
+                <a:latin typeface="맑은 고딕" charset="0"/>
+                <a:ea typeface="맑은 고딕" charset="0"/>
+              </a:rPr>
+              <a:t>있는</a:t>
+            </a:r>
+            <a:r>
+              <a:rPr lang="ko-KR" sz="1800">
+                <a:latin typeface="맑은 고딕" charset="0"/>
+                <a:ea typeface="맑은 고딕" charset="0"/>
+              </a:rPr>
+              <a:t> </a:t>
+            </a:r>
+            <a:r>
+              <a:rPr lang="ko-KR" sz="1800">
+                <a:latin typeface="맑은 고딕" charset="0"/>
+                <a:ea typeface="맑은 고딕" charset="0"/>
+              </a:rPr>
+              <a:t>Texture</a:t>
+            </a:r>
+            <a:r>
+              <a:rPr lang="ko-KR" sz="1800">
+                <a:latin typeface="맑은 고딕" charset="0"/>
+                <a:ea typeface="맑은 고딕" charset="0"/>
+              </a:rPr>
+              <a:t> </a:t>
+            </a:r>
+            <a:r>
+              <a:rPr lang="ko-KR" sz="1800">
+                <a:latin typeface="맑은 고딕" charset="0"/>
+                <a:ea typeface="맑은 고딕" charset="0"/>
+              </a:rPr>
+              <a:t>폴더에</a:t>
+            </a:r>
+            <a:r>
+              <a:rPr lang="ko-KR" sz="1800">
+                <a:latin typeface="맑은 고딕" charset="0"/>
+                <a:ea typeface="맑은 고딕" charset="0"/>
+              </a:rPr>
+              <a:t> Camera </a:t>
+            </a:r>
+            <a:r>
+              <a:rPr lang="ko-KR" sz="1800">
+                <a:latin typeface="맑은 고딕" charset="0"/>
+                <a:ea typeface="맑은 고딕" charset="0"/>
+              </a:rPr>
+              <a:t>텍스처를</a:t>
+            </a:r>
+            <a:r>
+              <a:rPr lang="ko-KR" sz="1800">
+                <a:latin typeface="맑은 고딕" charset="0"/>
+                <a:ea typeface="맑은 고딕" charset="0"/>
+              </a:rPr>
+              <a:t> </a:t>
+            </a:r>
+            <a:r>
+              <a:rPr lang="ko-KR" sz="1800">
+                <a:latin typeface="맑은 고딕" charset="0"/>
+                <a:ea typeface="맑은 고딕" charset="0"/>
+              </a:rPr>
+              <a:t>선택합니다.</a:t>
+            </a:r>
+            <a:endParaRPr lang="ko-KR" altLang="en-US" sz="1800">
+              <a:latin typeface="맑은 고딕" charset="0"/>
+              <a:ea typeface="맑은 고딕" charset="0"/>
+            </a:endParaRPr>
+          </a:p>
+          <a:p>
+            <a:pPr marL="0" indent="0" rtl="0" algn="l" defTabSz="914400" eaLnBrk="1" latinLnBrk="0" hangingPunct="1">
+              <a:buFontTx/>
+              <a:buNone/>
+            </a:pPr>
+            <a:endParaRPr lang="ko-KR" altLang="en-US" sz="1800">
+              <a:latin typeface="맑은 고딕" charset="0"/>
+              <a:ea typeface="맑은 고딕" charset="0"/>
+            </a:endParaRPr>
+          </a:p>
+          <a:p>
+            <a:pPr marL="0" indent="0" rtl="0" algn="l" defTabSz="914400" eaLnBrk="1" latinLnBrk="0" hangingPunct="1">
+              <a:buFontTx/>
+              <a:buNone/>
+            </a:pPr>
+            <a:r>
+              <a:rPr lang="ko-KR" sz="1800">
+                <a:latin typeface="맑은 고딕" charset="0"/>
+                <a:ea typeface="맑은 고딕" charset="0"/>
+              </a:rPr>
+              <a:t>그다음으로</a:t>
+            </a:r>
+            <a:r>
+              <a:rPr lang="ko-KR" sz="1800">
+                <a:latin typeface="맑은 고딕" charset="0"/>
+                <a:ea typeface="맑은 고딕" charset="0"/>
+              </a:rPr>
+              <a:t> Camera Culling Button </a:t>
+            </a:r>
+            <a:r>
+              <a:rPr lang="ko-KR" sz="1800">
+                <a:latin typeface="맑은 고딕" charset="0"/>
+                <a:ea typeface="맑은 고딕" charset="0"/>
+              </a:rPr>
+              <a:t>오브젝트의</a:t>
+            </a:r>
+            <a:r>
+              <a:rPr lang="ko-KR" sz="1800">
+                <a:latin typeface="맑은 고딕" charset="0"/>
+                <a:ea typeface="맑은 고딕" charset="0"/>
+              </a:rPr>
+              <a:t> </a:t>
+            </a:r>
+            <a:r>
+              <a:rPr lang="ko-KR" sz="1800">
+                <a:latin typeface="맑은 고딕" charset="0"/>
+                <a:ea typeface="맑은 고딕" charset="0"/>
+              </a:rPr>
+              <a:t>Source</a:t>
+            </a:r>
+            <a:r>
+              <a:rPr lang="ko-KR" sz="1800">
+                <a:latin typeface="맑은 고딕" charset="0"/>
+                <a:ea typeface="맑은 고딕" charset="0"/>
+              </a:rPr>
+              <a:t> Image에 </a:t>
+            </a:r>
+            <a:r>
+              <a:rPr lang="ko-KR" sz="1800">
+                <a:latin typeface="맑은 고딕" charset="0"/>
+                <a:ea typeface="맑은 고딕" charset="0"/>
+              </a:rPr>
+              <a:t>넣어줍니다.</a:t>
+            </a:r>
+            <a:endParaRPr lang="ko-KR" altLang="en-US" sz="1800">
+              <a:latin typeface="맑은 고딕" charset="0"/>
+              <a:ea typeface="맑은 고딕" charset="0"/>
+            </a:endParaRPr>
+          </a:p>
+        </p:txBody>
+      </p:sp>
+      <p:sp>
+        <p:nvSpPr>
+          <p:cNvPr id="122" name="Rect 0"/>
+          <p:cNvSpPr txBox="1">
+            <a:spLocks/>
+          </p:cNvSpPr>
+          <p:nvPr/>
+        </p:nvSpPr>
+        <p:spPr>
+          <a:xfrm>
+            <a:off x="1240155" y="4177030"/>
+            <a:ext cx="4127500" cy="2031365"/>
+          </a:xfrm>
+          <a:prstGeom prst="rect"/>
+          <a:noFill/>
+          <a:ln w="0">
+            <a:noFill/>
+            <a:prstDash/>
+          </a:ln>
+        </p:spPr>
+        <p:txBody>
+          <a:bodyPr wrap="square" lIns="89535" tIns="46355" rIns="89535" bIns="46355" numCol="1" vert="horz" anchor="t">
+            <a:spAutoFit/>
+          </a:bodyPr>
+          <a:lstStyle/>
+          <a:p>
+            <a:pPr marL="0" indent="0" rtl="0" algn="l" defTabSz="914400" eaLnBrk="1" latinLnBrk="0" hangingPunct="1">
+              <a:buFontTx/>
+              <a:buNone/>
+            </a:pPr>
+            <a:r>
+              <a:rPr lang="ko-KR" sz="1800" b="1">
+                <a:solidFill>
+                  <a:srgbClr val="0611F2"/>
+                </a:solidFill>
+                <a:latin typeface="맑은 고딕" charset="0"/>
+                <a:ea typeface="맑은 고딕" charset="0"/>
+              </a:rPr>
+              <a:t>4</a:t>
+            </a:r>
+            <a:r>
+              <a:rPr lang="ko-KR" sz="1800" b="1">
+                <a:solidFill>
+                  <a:srgbClr val="0611F2"/>
+                </a:solidFill>
+                <a:latin typeface="맑은 고딕" charset="0"/>
+                <a:ea typeface="맑은 고딕" charset="0"/>
+              </a:rPr>
+              <a:t>2</a:t>
+            </a:r>
+            <a:r>
+              <a:rPr sz="1800" b="1">
+                <a:solidFill>
+                  <a:srgbClr val="0611F2"/>
+                </a:solidFill>
+                <a:latin typeface="맑은 고딕" charset="0"/>
+                <a:ea typeface="맑은 고딕" charset="0"/>
+              </a:rPr>
+              <a:t>.</a:t>
+            </a:r>
+            <a:r>
+              <a:rPr sz="1800">
+                <a:latin typeface="맑은 고딕" charset="0"/>
+                <a:ea typeface="맑은 고딕" charset="0"/>
+              </a:rPr>
+              <a:t> 이제</a:t>
+            </a:r>
+            <a:r>
+              <a:rPr lang="ko-KR" sz="1800">
+                <a:latin typeface="맑은 고딕" charset="0"/>
+                <a:ea typeface="맑은 고딕" charset="0"/>
+              </a:rPr>
+              <a:t> Project 폴더 아래에 있는 </a:t>
+            </a:r>
+            <a:r>
+              <a:rPr lang="ko-KR" sz="1800">
+                <a:latin typeface="맑은 고딕" charset="0"/>
+                <a:ea typeface="맑은 고딕" charset="0"/>
+              </a:rPr>
+              <a:t>Texture</a:t>
+            </a:r>
+            <a:r>
+              <a:rPr lang="ko-KR" sz="1800">
+                <a:latin typeface="맑은 고딕" charset="0"/>
+                <a:ea typeface="맑은 고딕" charset="0"/>
+              </a:rPr>
+              <a:t> </a:t>
+            </a:r>
+            <a:r>
+              <a:rPr lang="ko-KR" sz="1800">
+                <a:latin typeface="맑은 고딕" charset="0"/>
+                <a:ea typeface="맑은 고딕" charset="0"/>
+              </a:rPr>
+              <a:t>폴더에</a:t>
+            </a:r>
+            <a:r>
+              <a:rPr lang="ko-KR" sz="1800">
+                <a:latin typeface="맑은 고딕" charset="0"/>
+                <a:ea typeface="맑은 고딕" charset="0"/>
+              </a:rPr>
+              <a:t> Animation Speed Up </a:t>
+            </a:r>
+            <a:r>
+              <a:rPr lang="ko-KR" sz="1800">
+                <a:latin typeface="맑은 고딕" charset="0"/>
+                <a:ea typeface="맑은 고딕" charset="0"/>
+              </a:rPr>
+              <a:t>Button</a:t>
+            </a:r>
+            <a:r>
+              <a:rPr lang="ko-KR" sz="1800">
+                <a:latin typeface="맑은 고딕" charset="0"/>
+                <a:ea typeface="맑은 고딕" charset="0"/>
+              </a:rPr>
+              <a:t> </a:t>
+            </a:r>
+            <a:r>
+              <a:rPr lang="ko-KR" sz="1800">
+                <a:latin typeface="맑은 고딕" charset="0"/>
+                <a:ea typeface="맑은 고딕" charset="0"/>
+              </a:rPr>
+              <a:t>텍스처를</a:t>
+            </a:r>
+            <a:r>
+              <a:rPr lang="ko-KR" sz="1800">
+                <a:latin typeface="맑은 고딕" charset="0"/>
+                <a:ea typeface="맑은 고딕" charset="0"/>
+              </a:rPr>
+              <a:t> 선택합니다.</a:t>
+            </a:r>
+            <a:endParaRPr lang="ko-KR" altLang="en-US" sz="1800">
+              <a:latin typeface="맑은 고딕" charset="0"/>
+              <a:ea typeface="맑은 고딕" charset="0"/>
+            </a:endParaRPr>
+          </a:p>
+          <a:p>
+            <a:pPr marL="0" indent="0" rtl="0" algn="l" defTabSz="914400" eaLnBrk="1" latinLnBrk="0" hangingPunct="1">
+              <a:buFontTx/>
+              <a:buNone/>
+            </a:pPr>
+            <a:endParaRPr lang="ko-KR" altLang="en-US" sz="1800">
+              <a:latin typeface="맑은 고딕" charset="0"/>
+              <a:ea typeface="맑은 고딕" charset="0"/>
+            </a:endParaRPr>
+          </a:p>
+          <a:p>
+            <a:pPr marL="0" indent="0" rtl="0" algn="l" defTabSz="914400" eaLnBrk="1" latinLnBrk="0" hangingPunct="1">
+              <a:buFontTx/>
+              <a:buNone/>
+            </a:pPr>
+            <a:r>
+              <a:rPr lang="ko-KR" sz="1800">
+                <a:latin typeface="맑은 고딕" charset="0"/>
+                <a:ea typeface="맑은 고딕" charset="0"/>
+              </a:rPr>
+              <a:t>그리고</a:t>
+            </a:r>
+            <a:r>
+              <a:rPr lang="ko-KR" sz="1800">
+                <a:latin typeface="맑은 고딕" charset="0"/>
+                <a:ea typeface="맑은 고딕" charset="0"/>
+              </a:rPr>
+              <a:t> Animation Speed Button </a:t>
+            </a:r>
+            <a:r>
+              <a:rPr lang="ko-KR" sz="1800">
+                <a:latin typeface="맑은 고딕" charset="0"/>
+                <a:ea typeface="맑은 고딕" charset="0"/>
+              </a:rPr>
+              <a:t>오브젝트의</a:t>
+            </a:r>
+            <a:r>
+              <a:rPr lang="ko-KR" sz="1800">
+                <a:latin typeface="맑은 고딕" charset="0"/>
+                <a:ea typeface="맑은 고딕" charset="0"/>
+              </a:rPr>
+              <a:t> </a:t>
+            </a:r>
+            <a:r>
+              <a:rPr lang="ko-KR" sz="1800">
+                <a:latin typeface="맑은 고딕" charset="0"/>
+                <a:ea typeface="맑은 고딕" charset="0"/>
+              </a:rPr>
+              <a:t>Source</a:t>
+            </a:r>
+            <a:r>
+              <a:rPr lang="ko-KR" sz="1800">
+                <a:latin typeface="맑은 고딕" charset="0"/>
+                <a:ea typeface="맑은 고딕" charset="0"/>
+              </a:rPr>
+              <a:t> Image에 </a:t>
+            </a:r>
+            <a:r>
+              <a:rPr lang="ko-KR" sz="1800">
+                <a:latin typeface="맑은 고딕" charset="0"/>
+                <a:ea typeface="맑은 고딕" charset="0"/>
+              </a:rPr>
+              <a:t>넣어줍니다.</a:t>
+            </a:r>
+            <a:endParaRPr lang="ko-KR" altLang="en-US" sz="1800">
+              <a:latin typeface="맑은 고딕" charset="0"/>
+              <a:ea typeface="맑은 고딕" charset="0"/>
+            </a:endParaRPr>
+          </a:p>
+        </p:txBody>
+      </p:sp>
       <p:pic>
         <p:nvPicPr>
-          <p:cNvPr id="136" name="그림 11" descr="C:/Users/Admin1/AppData/Roaming/PolarisOffice/ETemp/33724_12463272/fImage166583615724.png"/>
+          <p:cNvPr id="132" name="그림 1" descr="C:/Users/Admin1/AppData/Roaming/PolarisOffice/ETemp/11056_9762696/fImage175203576334.png"/>
           <p:cNvPicPr>
             <a:picLocks noChangeAspect="1"/>
           </p:cNvPicPr>
           <p:nvPr/>
         </p:nvPicPr>
         <p:blipFill rotWithShape="1">
-          <a:blip r:embed="rId5" cstate="print">
+          <a:blip r:embed="rId2" cstate="hqprint">
             <a:extLst>
               <a:ext uri="{28A0092B-C50C-407E-A947-70E740481C1C}">
-                <a14:useLocalDpi xmlns:a14="http://schemas.microsoft.com/office/drawing/2010/main" val="0"/>
+                <a14:useLocalDpi xmlns:a14="http://schemas.microsoft.com/office/drawing/2010/main"/>
               </a:ext>
             </a:extLst>
           </a:blip>
@@ -11947,8 +13299,134 @@
         </p:blipFill>
         <p:spPr>
           <a:xfrm rot="0">
+            <a:off x="1240790" y="1438275"/>
+            <a:ext cx="4126865" cy="1584325"/>
+          </a:xfrm>
+          <a:prstGeom prst="roundRect"/>
+          <a:solidFill>
+            <a:srgbClr val="EDEDED"/>
+          </a:solidFill>
+        </p:spPr>
+      </p:pic>
+      <p:pic>
+        <p:nvPicPr>
+          <p:cNvPr id="133" name="그림 4" descr="C:/Users/Admin1/AppData/Roaming/PolarisOffice/ETemp/11056_9762696/fImage753333586500.png"/>
+          <p:cNvPicPr>
+            <a:picLocks noChangeAspect="1"/>
+          </p:cNvPicPr>
+          <p:nvPr/>
+        </p:nvPicPr>
+        <p:blipFill rotWithShape="1">
+          <a:blip r:embed="rId3" cstate="hqprint">
+            <a:extLst>
+              <a:ext uri="{28A0092B-C50C-407E-A947-70E740481C1C}">
+                <a14:useLocalDpi xmlns:a14="http://schemas.microsoft.com/office/drawing/2010/main"/>
+              </a:ext>
+            </a:extLst>
+          </a:blip>
+          <a:stretch>
+            <a:fillRect/>
+          </a:stretch>
+        </p:blipFill>
+        <p:spPr>
+          <a:xfrm rot="0">
+            <a:off x="1242060" y="3178175"/>
+            <a:ext cx="4125595" cy="906145"/>
+          </a:xfrm>
+          <a:prstGeom prst="roundRect"/>
+          <a:solidFill>
+            <a:srgbClr val="EDEDED"/>
+          </a:solidFill>
+        </p:spPr>
+      </p:pic>
+      <p:cxnSp>
+        <p:nvCxnSpPr>
+          <p:cNvPr id="134" name="도형 7"/>
+          <p:cNvCxnSpPr/>
+          <p:nvPr/>
+        </p:nvCxnSpPr>
+        <p:spPr>
+          <a:xfrm rot="0" flipV="1">
+            <a:off x="1714500" y="1662430"/>
+            <a:ext cx="3540760" cy="1740535"/>
+          </a:xfrm>
+          <a:prstGeom prst="straightConnector1"/>
+          <a:ln w="6350" cap="flat" cmpd="sng">
+            <a:prstDash/>
+            <a:headEnd type="none" w="med" len="med"/>
+            <a:tailEnd type="triangle" w="med" len="med"/>
+          </a:ln>
+        </p:spPr>
+        <p:style>
+          <a:lnRef idx="1">
+            <a:schemeClr val="accent1"/>
+          </a:lnRef>
+          <a:fillRef idx="0">
+            <a:schemeClr val="accent1"/>
+          </a:fillRef>
+          <a:effectRef idx="0">
+            <a:schemeClr val="accent1"/>
+          </a:effectRef>
+          <a:fontRef idx="minor">
+            <a:schemeClr val="tx1"/>
+          </a:fontRef>
+        </p:style>
+      </p:cxnSp>
+      <p:pic>
+        <p:nvPicPr>
+          <p:cNvPr id="135" name="그림 8" descr="C:/Users/Admin1/AppData/Roaming/PolarisOffice/ETemp/11056_9762696/fImage752593609169.png"/>
+          <p:cNvPicPr>
+            <a:picLocks noChangeAspect="1"/>
+          </p:cNvPicPr>
+          <p:nvPr/>
+        </p:nvPicPr>
+        <p:blipFill rotWithShape="1">
+          <a:blip r:embed="rId4" cstate="hqprint">
+            <a:extLst>
+              <a:ext uri="{28A0092B-C50C-407E-A947-70E740481C1C}">
+                <a14:useLocalDpi xmlns:a14="http://schemas.microsoft.com/office/drawing/2010/main"/>
+              </a:ext>
+            </a:extLst>
+          </a:blip>
+          <a:stretch>
+            <a:fillRect/>
+          </a:stretch>
+        </p:blipFill>
+        <p:spPr>
+          <a:xfrm rot="0">
+            <a:off x="6847840" y="3186430"/>
+            <a:ext cx="4093210" cy="897890"/>
+          </a:xfrm>
+          <a:prstGeom prst="roundRect"/>
+          <a:solidFill>
+            <a:srgbClr val="EDEDED"/>
+          </a:solidFill>
+        </p:spPr>
+      </p:pic>
+      <p:pic>
+        <p:nvPicPr>
+          <p:cNvPr id="136" name="그림 11" descr="C:/Users/Admin1/AppData/Roaming/PolarisOffice/ETemp/11056_9762696/fImage166583615724.png"/>
+          <p:cNvPicPr>
+            <a:picLocks noChangeAspect="1"/>
+          </p:cNvPicPr>
+          <p:nvPr/>
+        </p:nvPicPr>
+        <p:blipFill rotWithShape="1">
+          <a:blip r:embed="rId5" cstate="hqprint">
+            <a:extLst>
+              <a:ext uri="{28A0092B-C50C-407E-A947-70E740481C1C}">
+                <a14:useLocalDpi xmlns:a14="http://schemas.microsoft.com/office/drawing/2010/main"/>
+              </a:ext>
+            </a:extLst>
+          </a:blip>
+          <a:stretch>
+            <a:fillRect/>
+          </a:stretch>
+        </p:blipFill>
+        <p:spPr>
+          <a:xfrm rot="0">
             <a:off x="6830695" y="1430020"/>
-            <a:ext cx="4117975" cy="1602740"/>
+            <a:ext cx="4118610" cy="1601470"/>
           </a:xfrm>
           <a:prstGeom prst="roundRect"/>
           <a:solidFill>
@@ -16297,7 +17775,7 @@
 </file>
 
 <file path=ppt/slides/slide9.xml><?xml version="1.0" encoding="utf-8"?>
-<p:sld xmlns:a="http://schemas.openxmlformats.org/drawingml/2006/main" xmlns:r="http://schemas.openxmlformats.org/officeDocument/2006/relationships" xmlns:p="http://schemas.openxmlformats.org/presentationml/2006/main">
+<p:sld xmlns:a="http://schemas.openxmlformats.org/drawingml/2006/main" xmlns:r="http://schemas.openxmlformats.org/officeDocument/2006/relationships" xmlns:p="http://schemas.openxmlformats.org/presentationml/2006/main" xmlns:p14="http://schemas.microsoft.com/office/powerpoint/2010/main">
   <p:cSld>
     <p:spTree>
       <p:nvGrpSpPr>
@@ -16381,8 +17859,8 @@
         </p:nvSpPr>
         <p:spPr>
           <a:xfrm rot="0">
-            <a:off x="1221105" y="2799715"/>
-            <a:ext cx="4149090" cy="923925"/>
+            <a:off x="1229995" y="2972435"/>
+            <a:ext cx="4149725" cy="924560"/>
           </a:xfrm>
           <a:prstGeom prst="rect"/>
           <a:noFill/>
@@ -16409,17 +17887,7 @@
                 <a:latin typeface="맑은 고딕" charset="0"/>
                 <a:ea typeface="맑은 고딕" charset="0"/>
               </a:rPr>
-              <a:t>2</a:t>
-            </a:r>
-            <a:r>
-              <a:rPr lang="ko-KR" sz="1800" b="1">
-                <a:solidFill>
-                  <a:srgbClr val="0611F2"/>
-                </a:solidFill>
-                <a:latin typeface="맑은 고딕" charset="0"/>
-                <a:ea typeface="맑은 고딕" charset="0"/>
-              </a:rPr>
-              <a:t>0</a:t>
+              <a:t>20</a:t>
             </a:r>
             <a:r>
               <a:rPr sz="1800" b="1">
@@ -16457,21 +17925,7 @@
                 <a:latin typeface="맑은 고딕" charset="0"/>
                 <a:ea typeface="맑은 고딕" charset="0"/>
               </a:rPr>
-              <a:t> </a:t>
-            </a:r>
-            <a:r>
-              <a:rPr lang="ko-KR" sz="1800">
-                <a:latin typeface="맑은 고딕" charset="0"/>
-                <a:ea typeface="맑은 고딕" charset="0"/>
-              </a:rPr>
-              <a:t>위치와</a:t>
-            </a:r>
-            <a:r>
-              <a:rPr lang="ko-KR" sz="1800">
-                <a:latin typeface="맑은 고딕" charset="0"/>
-                <a:ea typeface="맑은 고딕" charset="0"/>
-              </a:rPr>
-              <a:t> 회전 값을 </a:t>
+              <a:t> 위치와 회전 값을 </a:t>
             </a:r>
             <a:r>
               <a:rPr lang="ko-KR" sz="1800">
@@ -16489,7 +17943,7 @@
       </p:sp>
       <p:pic>
         <p:nvPicPr>
-          <p:cNvPr id="116" name="Picture " descr="C:/Users/Admin1/AppData/Roaming/PolarisOffice/ETemp/6696_24108808/fImage122043479358.png"/>
+          <p:cNvPr id="116" name="Picture " descr="C:/Users/Admin1/AppData/Roaming/PolarisOffice/ETemp/11056_9762696/fImage122043479358.png"/>
           <p:cNvPicPr>
             <a:picLocks noChangeAspect="1"/>
           </p:cNvPicPr>
@@ -16510,7 +17964,7 @@
         <p:spPr>
           <a:xfrm rot="0">
             <a:off x="1229995" y="1454785"/>
-            <a:ext cx="4149090" cy="1239520"/>
+            <a:ext cx="4149725" cy="1397000"/>
           </a:xfrm>
           <a:prstGeom prst="roundRect"/>
           <a:solidFill>
@@ -16629,7 +18083,7 @@
       </p:sp>
       <p:pic>
         <p:nvPicPr>
-          <p:cNvPr id="130" name="Picture " descr="C:/Users/Admin1/AppData/Roaming/PolarisOffice/ETemp/6696_24108808/fImage162492964827.png"/>
+          <p:cNvPr id="130" name="Picture " descr="C:/Users/Admin1/AppData/Roaming/PolarisOffice/ETemp/11056_9762696/fImage162492964827.png"/>
           <p:cNvPicPr>
             <a:picLocks noChangeAspect="1"/>
           </p:cNvPicPr>
@@ -16649,8 +18103,8 @@
         </p:blipFill>
         <p:spPr>
           <a:xfrm rot="0">
-            <a:off x="1233805" y="3850005"/>
-            <a:ext cx="4135755" cy="1567180"/>
+            <a:off x="1233805" y="3962400"/>
+            <a:ext cx="4136390" cy="1455420"/>
           </a:xfrm>
           <a:prstGeom prst="roundRect"/>
           <a:solidFill>
@@ -16933,7 +18387,7 @@
       </p:sp>
       <p:pic>
         <p:nvPicPr>
-          <p:cNvPr id="132" name="그림 18" descr="C:/Users/Admin1/AppData/Roaming/PolarisOffice/ETemp/6696_24108808/fImage85062693281.png"/>
+          <p:cNvPr id="132" name="그림 18"/>
           <p:cNvPicPr>
             <a:picLocks noChangeAspect="1"/>
           </p:cNvPicPr>
@@ -16999,7 +18453,7 @@
       </p:cxnSp>
       <p:pic>
         <p:nvPicPr>
-          <p:cNvPr id="136" name="그림 22" descr="C:/Users/Admin1/AppData/Roaming/PolarisOffice/ETemp/6696_24108808/fImage25953289169.png"/>
+          <p:cNvPr id="136" name="그림 22"/>
           <p:cNvPicPr>
             <a:picLocks noChangeAspect="1"/>
           </p:cNvPicPr>
@@ -17030,7 +18484,7 @@
       </p:pic>
       <p:pic>
         <p:nvPicPr>
-          <p:cNvPr id="137" name="그림 28" descr="C:/Users/Admin1/AppData/Roaming/PolarisOffice/ETemp/6696_24108808/fImage132303325724.png"/>
+          <p:cNvPr id="137" name="그림 28"/>
           <p:cNvPicPr>
             <a:picLocks noChangeAspect="1"/>
           </p:cNvPicPr>

--- a/Assets/Animation Retargeting/PPT Data/Animation Retargeting Example.pptx
+++ b/Assets/Animation Retargeting/PPT Data/Animation Retargeting Example.pptx
@@ -2,7 +2,7 @@
 <file path=ppt/presentation.xml><?xml version="1.0" encoding="utf-8"?>
 <p:presentation xmlns:a="http://schemas.openxmlformats.org/drawingml/2006/main" xmlns:r="http://schemas.openxmlformats.org/officeDocument/2006/relationships" xmlns:p="http://schemas.openxmlformats.org/presentationml/2006/main" xmlns:p14="http://schemas.microsoft.com/office/powerpoint/2010/main" saveSubsetFonts="1" firstSlideNum="0">
   <p:sldMasterIdLst>
-    <p:sldMasterId id="2147487017" r:id="rId12"/>
+    <p:sldMasterId id="2147487028" r:id="rId12"/>
   </p:sldMasterIdLst>
   <p:notesMasterIdLst>
     <p:notesMasterId r:id="rId14"/>
@@ -17,13 +17,14 @@
     <p:sldId id="340" r:id="rId28"/>
     <p:sldId id="336" r:id="rId30"/>
     <p:sldId id="351" r:id="rId32"/>
-    <p:sldId id="341" r:id="rId33"/>
-    <p:sldId id="342" r:id="rId34"/>
-    <p:sldId id="352" r:id="rId35"/>
-    <p:sldId id="347" r:id="rId36"/>
-    <p:sldId id="348" r:id="rId37"/>
-    <p:sldId id="349" r:id="rId38"/>
-    <p:sldId id="350" r:id="rId39"/>
+    <p:sldId id="341" r:id="rId34"/>
+    <p:sldId id="342" r:id="rId36"/>
+    <p:sldId id="352" r:id="rId38"/>
+    <p:sldId id="347" r:id="rId40"/>
+    <p:sldId id="348" r:id="rId42"/>
+    <p:sldId id="349" r:id="rId43"/>
+    <p:sldId id="350" r:id="rId44"/>
+    <p:sldId id="353" r:id="rId45"/>
   </p:sldIdLst>
   <p:sldSz cx="12192000" cy="6858000"/>
   <p:notesSz cx="6858000" cy="9144000"/>
@@ -1618,6 +1619,148 @@
 </p:notes>
 </file>
 
+<file path=ppt/notesSlides/notesSlide17.xml><?xml version="1.0" encoding="utf-8"?>
+<p:notes xmlns:a="http://schemas.openxmlformats.org/drawingml/2006/main" xmlns:r="http://schemas.openxmlformats.org/officeDocument/2006/relationships" xmlns:p="http://schemas.openxmlformats.org/presentationml/2006/main">
+  <p:cSld>
+    <p:spTree>
+      <p:nvGrpSpPr>
+        <p:cNvPr id="1" name=""/>
+        <p:cNvGrpSpPr/>
+        <p:nvPr/>
+      </p:nvGrpSpPr>
+      <p:grpSpPr>
+        <a:xfrm>
+          <a:off x="0" y="0"/>
+          <a:ext cx="0" cy="0"/>
+          <a:chOff x="0" y="0"/>
+          <a:chExt cx="0" cy="0"/>
+        </a:xfrm>
+      </p:grpSpPr>
+      <p:sp>
+        <p:nvSpPr>
+          <p:cNvPr id="2" name="슬라이드 이미지 개체 틀 3"/>
+          <p:cNvSpPr>
+            <a:spLocks noChangeAspect="1"/>
+          </p:cNvSpPr>
+          <p:nvPr>
+            <p:ph type="sldImg" idx="2"/>
+          </p:nvPr>
+        </p:nvSpPr>
+        <p:spPr>
+          <a:xfrm rot="0">
+            <a:off x="685800" y="1143000"/>
+            <a:ext cx="5499100" cy="3098800"/>
+          </a:xfrm>
+          <a:prstGeom prst="rect"/>
+          <a:noFill/>
+          <a:ln w="12700" cap="flat" cmpd="sng">
+            <a:solidFill>
+              <a:srgbClr val="000000">
+                <a:alpha val="100000"/>
+              </a:srgbClr>
+            </a:solidFill>
+            <a:prstDash val="solid"/>
+          </a:ln>
+        </p:spPr>
+        <p:txBody>
+          <a:bodyPr wrap="square" lIns="91440" tIns="45720" rIns="91440" bIns="45720" numCol="1" vert="horz" anchor="ctr">
+            <a:noAutofit/>
+          </a:bodyPr>
+          <a:lstStyle/>
+          <a:p>
+            <a:pPr marL="0" indent="0" latinLnBrk="0">
+              <a:buFontTx/>
+              <a:buNone/>
+            </a:pPr>
+          </a:p>
+        </p:txBody>
+      </p:sp>
+      <p:sp>
+        <p:nvSpPr>
+          <p:cNvPr id="3" name="슬라이드 노트 개체 틀 4"/>
+          <p:cNvSpPr txBox="1">
+            <a:spLocks/>
+          </p:cNvSpPr>
+          <p:nvPr>
+            <p:ph type="body" idx="3"/>
+          </p:nvPr>
+        </p:nvSpPr>
+        <p:spPr>
+          <a:xfrm rot="0">
+            <a:off x="685800" y="4400550"/>
+            <a:ext cx="5499100" cy="3613150"/>
+          </a:xfrm>
+          <a:prstGeom prst="rect"/>
+        </p:spPr>
+        <p:txBody>
+          <a:bodyPr wrap="square" lIns="91440" tIns="45720" rIns="91440" bIns="45720" numCol="1" vert="horz" anchor="t">
+            <a:noAutofit/>
+          </a:bodyPr>
+          <a:lstStyle/>
+          <a:p>
+            <a:pPr marL="0" indent="0" latinLnBrk="0">
+              <a:buFontTx/>
+              <a:buNone/>
+            </a:pPr>
+          </a:p>
+        </p:txBody>
+      </p:sp>
+      <p:sp>
+        <p:nvSpPr>
+          <p:cNvPr id="4" name="슬라이드 번호 개체 틀 6"/>
+          <p:cNvSpPr txBox="1">
+            <a:spLocks/>
+          </p:cNvSpPr>
+          <p:nvPr>
+            <p:ph type="sldNum" idx="5"/>
+          </p:nvPr>
+        </p:nvSpPr>
+        <p:spPr>
+          <a:xfrm rot="0">
+            <a:off x="3884930" y="8685530"/>
+            <a:ext cx="2984500" cy="471170"/>
+          </a:xfrm>
+          <a:prstGeom prst="rect"/>
+        </p:spPr>
+        <p:txBody>
+          <a:bodyPr wrap="square" lIns="91440" tIns="45720" rIns="91440" bIns="45720" numCol="1" vert="horz" anchor="b">
+            <a:noAutofit/>
+          </a:bodyPr>
+          <a:lstStyle>
+            <a:lvl1pPr marL="0" indent="0" algn="r" latinLnBrk="0">
+              <a:buFontTx/>
+              <a:buNone/>
+              <a:defRPr lang="en-GB" altLang="en-US" sz="1200"/>
+            </a:lvl1pPr>
+          </a:lstStyle>
+          <a:p>
+            <a:pPr marL="0" indent="0" latinLnBrk="0">
+              <a:buFontTx/>
+              <a:buNone/>
+            </a:pPr>
+            <a:fld id="{B9320F77-B9A0-41C5-862A-B4B631284C64}" type="slidenum">
+              <a:rPr lang="ko-KR" altLang="en-US"/>
+              <a:t>‹#›</a:t>
+            </a:fld>
+          </a:p>
+        </p:txBody>
+      </p:sp>
+    </p:spTree>
+  </p:cSld>
+  <p:clrMapOvr>
+    <a:masterClrMapping/>
+  </p:clrMapOvr>
+  <mc:AlternateContent xmlns:mc="http://schemas.openxmlformats.org/markup-compatibility/2006">
+    <mc:Choice xmlns:p14="http://schemas.microsoft.com/office/powerpoint/2010/main" Requires="p14">
+      <p:transition spd="slow" p14:dur="0"/>
+    </mc:Choice>
+    <mc:Fallback>
+      <p:transition spd="slow"/>
+    </mc:Fallback>
+  </mc:AlternateContent>
+</p:notes>
+</file>
+
 <file path=ppt/notesSlides/notesSlide2.xml><?xml version="1.0" encoding="utf-8"?>
 <p:notes xmlns:a="http://schemas.openxmlformats.org/drawingml/2006/main" xmlns:r="http://schemas.openxmlformats.org/officeDocument/2006/relationships" xmlns:p="http://schemas.openxmlformats.org/presentationml/2006/main">
   <p:cSld>
@@ -10908,7 +11051,7 @@
       </p:sp>
       <p:pic>
         <p:nvPicPr>
-          <p:cNvPr id="117" name="그림 1" descr="C:/Users/Admin1/AppData/Roaming/PolarisOffice/ETemp/11056_9762696/fImage538024241.png"/>
+          <p:cNvPr id="117" name="그림 1" descr="C:/Users/Admin1/AppData/Roaming/PolarisOffice/ETemp/3788_21466264/fImage538024241.png"/>
           <p:cNvPicPr>
             <a:picLocks noChangeAspect="1"/>
           </p:cNvPicPr>
@@ -10928,8 +11071,8 @@
         </p:blipFill>
         <p:spPr>
           <a:xfrm rot="0">
-            <a:off x="8258175" y="1447165"/>
-            <a:ext cx="2705735" cy="1163320"/>
+            <a:off x="8458835" y="1447165"/>
+            <a:ext cx="2505710" cy="1163955"/>
           </a:xfrm>
           <a:prstGeom prst="roundRect"/>
           <a:solidFill>
@@ -11111,7 +11254,7 @@
       </p:sp>
       <p:pic>
         <p:nvPicPr>
-          <p:cNvPr id="121" name="그림 10" descr="C:/Users/Admin1/AppData/Roaming/PolarisOffice/ETemp/11056_9762696/fImage64552476334.png"/>
+          <p:cNvPr id="121" name="그림 10"/>
           <p:cNvPicPr>
             <a:picLocks noChangeAspect="1"/>
           </p:cNvPicPr>
@@ -11142,17 +11285,17 @@
       </p:pic>
       <p:pic>
         <p:nvPicPr>
-          <p:cNvPr id="122" name="그림 28" descr="C:/Users/Admin1/AppData/Roaming/PolarisOffice/ETemp/11056_9762696/fImage63053211478.png"/>
+          <p:cNvPr id="122" name="그림 28" descr="C:/Users/Admin1/AppData/Roaming/PolarisOffice/ETemp/3788_21466264/fImage63053211478.png"/>
           <p:cNvPicPr>
             <a:picLocks noChangeAspect="1"/>
           </p:cNvPicPr>
           <p:nvPr/>
         </p:nvPicPr>
         <p:blipFill rotWithShape="1">
-          <a:blip r:embed="rId7" cstate="print">
+          <a:blip r:embed="rId7" cstate="hqprint">
             <a:extLst>
               <a:ext uri="{28A0092B-C50C-407E-A947-70E740481C1C}">
-                <a14:useLocalDpi xmlns:a14="http://schemas.microsoft.com/office/drawing/2010/main" val="0"/>
+                <a14:useLocalDpi xmlns:a14="http://schemas.microsoft.com/office/drawing/2010/main"/>
               </a:ext>
             </a:extLst>
           </a:blip>
@@ -11162,8 +11305,8 @@
         </p:blipFill>
         <p:spPr>
           <a:xfrm rot="0">
-            <a:off x="2747645" y="1455420"/>
-            <a:ext cx="2628265" cy="1155065"/>
+            <a:off x="2834005" y="1455420"/>
+            <a:ext cx="2542540" cy="1155700"/>
           </a:xfrm>
           <a:prstGeom prst="roundRect"/>
           <a:solidFill>
@@ -11173,7 +11316,7 @@
       </p:pic>
       <p:pic>
         <p:nvPicPr>
-          <p:cNvPr id="123" name="그림 31" descr="C:/Users/Admin1/AppData/Roaming/PolarisOffice/ETemp/11056_9762696/fImage132303325724.png"/>
+          <p:cNvPr id="123" name="그림 31" descr="C:/Users/Admin1/AppData/Roaming/PolarisOffice/ETemp/3788_21466264/fImage132303325724.png"/>
           <p:cNvPicPr>
             <a:picLocks noChangeAspect="1"/>
           </p:cNvPicPr>
@@ -11193,8 +11336,8 @@
         </p:blipFill>
         <p:spPr>
           <a:xfrm rot="0">
-            <a:off x="1249045" y="1455420"/>
-            <a:ext cx="1421765" cy="1155065"/>
+            <a:off x="1249045" y="1447165"/>
+            <a:ext cx="1499235" cy="1163955"/>
           </a:xfrm>
           <a:prstGeom prst="roundRect"/>
           <a:solidFill>
@@ -11210,13 +11353,12 @@
         </p:nvCxnSpPr>
         <p:spPr>
           <a:xfrm rot="0" flipV="1">
-            <a:off x="2067560" y="2136140"/>
-            <a:ext cx="1508125" cy="397510"/>
+            <a:off x="2118995" y="2136140"/>
+            <a:ext cx="1508760" cy="398145"/>
           </a:xfrm>
           <a:prstGeom prst="straightConnector1"/>
           <a:ln w="6350" cap="flat" cmpd="sng">
             <a:prstDash/>
-            <a:headEnd type="none" w="med" len="med"/>
             <a:tailEnd type="triangle" w="med" len="med"/>
           </a:ln>
         </p:spPr>
@@ -11472,7 +11614,7 @@
       </p:sp>
       <p:pic>
         <p:nvPicPr>
-          <p:cNvPr id="126" name="그림 34" descr="C:/Users/Admin1/AppData/Roaming/PolarisOffice/ETemp/11056_9762696/fImage74073269358.png"/>
+          <p:cNvPr id="126" name="그림 34"/>
           <p:cNvPicPr>
             <a:picLocks noChangeAspect="1"/>
           </p:cNvPicPr>
@@ -11675,7 +11817,7 @@
       </p:sp>
       <p:pic>
         <p:nvPicPr>
-          <p:cNvPr id="128" name="그림 38" descr="C:/Users/Admin1/AppData/Roaming/PolarisOffice/ETemp/11056_9762696/fImage132303325724.png"/>
+          <p:cNvPr id="128" name="그림 38" descr="C:/Users/Admin1/AppData/Roaming/PolarisOffice/ETemp/3788_21466264/fImage132303325724.png"/>
           <p:cNvPicPr>
             <a:picLocks noChangeAspect="1"/>
           </p:cNvPicPr>
@@ -11696,7 +11838,7 @@
         <p:spPr>
           <a:xfrm rot="0">
             <a:off x="6822440" y="1447165"/>
-            <a:ext cx="1350645" cy="1163320"/>
+            <a:ext cx="1508125" cy="1163320"/>
           </a:xfrm>
           <a:prstGeom prst="roundRect"/>
           <a:solidFill>
@@ -11712,8 +11854,8 @@
         </p:nvCxnSpPr>
         <p:spPr>
           <a:xfrm rot="0" flipV="1">
-            <a:off x="7599045" y="2133600"/>
-            <a:ext cx="1517015" cy="390525"/>
+            <a:off x="7684770" y="2136140"/>
+            <a:ext cx="1558290" cy="405765"/>
           </a:xfrm>
           <a:prstGeom prst="straightConnector1"/>
           <a:ln w="6350" cap="flat" cmpd="sng">
@@ -11980,17 +12122,17 @@
       </p:sp>
       <p:pic>
         <p:nvPicPr>
-          <p:cNvPr id="117" name="Picture "/>
+          <p:cNvPr id="117" name="Picture " descr="C:/Users/Admin1/AppData/Roaming/PolarisOffice/ETemp/3788_21466264/fImage53803246500.png"/>
           <p:cNvPicPr>
             <a:picLocks noChangeAspect="1"/>
           </p:cNvPicPr>
           <p:nvPr/>
         </p:nvPicPr>
         <p:blipFill rotWithShape="1">
-          <a:blip r:embed="rId2" cstate="print">
+          <a:blip r:embed="rId2" cstate="hqprint">
             <a:extLst>
               <a:ext uri="{28A0092B-C50C-407E-A947-70E740481C1C}">
-                <a14:useLocalDpi xmlns:a14="http://schemas.microsoft.com/office/drawing/2010/main" val="0"/>
+                <a14:useLocalDpi xmlns:a14="http://schemas.microsoft.com/office/drawing/2010/main"/>
               </a:ext>
             </a:extLst>
           </a:blip>
@@ -12000,8 +12142,8 @@
         </p:blipFill>
         <p:spPr>
           <a:xfrm rot="0">
-            <a:off x="2558415" y="1438275"/>
-            <a:ext cx="2808605" cy="1198245"/>
+            <a:off x="2782570" y="1438275"/>
+            <a:ext cx="2585085" cy="1198245"/>
           </a:xfrm>
           <a:prstGeom prst="roundRect"/>
           <a:solidFill>
@@ -12019,8 +12161,8 @@
         </p:nvSpPr>
         <p:spPr>
           <a:xfrm rot="0">
-            <a:off x="1238250" y="2729865"/>
-            <a:ext cx="4122420" cy="1200785"/>
+            <a:off x="1247140" y="2720975"/>
+            <a:ext cx="4123055" cy="1201420"/>
           </a:xfrm>
           <a:prstGeom prst="rect"/>
           <a:noFill/>
@@ -12047,17 +12189,7 @@
                 <a:latin typeface="맑은 고딕" charset="0"/>
                 <a:ea typeface="맑은 고딕" charset="0"/>
               </a:rPr>
-              <a:t>3</a:t>
-            </a:r>
-            <a:r>
-              <a:rPr lang="ko-KR" sz="1800" b="1">
-                <a:solidFill>
-                  <a:srgbClr val="0611F2"/>
-                </a:solidFill>
-                <a:latin typeface="맑은 고딕" charset="0"/>
-                <a:ea typeface="맑은 고딕" charset="0"/>
-              </a:rPr>
-              <a:t>8</a:t>
+              <a:t>38</a:t>
             </a:r>
             <a:r>
               <a:rPr sz="1800" b="1">
@@ -12109,21 +12241,7 @@
                 <a:latin typeface="맑은 고딕" charset="0"/>
                 <a:ea typeface="맑은 고딕" charset="0"/>
               </a:rPr>
-              <a:t> </a:t>
-            </a:r>
-            <a:r>
-              <a:rPr lang="ko-KR" sz="1800">
-                <a:latin typeface="맑은 고딕" charset="0"/>
-                <a:ea typeface="맑은 고딕" charset="0"/>
-              </a:rPr>
-              <a:t>Manager</a:t>
-            </a:r>
-            <a:r>
-              <a:rPr lang="ko-KR" sz="1800">
-                <a:latin typeface="맑은 고딕" charset="0"/>
-                <a:ea typeface="맑은 고딕" charset="0"/>
-              </a:rPr>
-              <a:t> 오브젝트를 </a:t>
+              <a:t> Manager 오브젝트를 </a:t>
             </a:r>
             <a:r>
               <a:rPr lang="ko-KR" sz="1800">
@@ -12292,17 +12410,17 @@
       </p:sp>
       <p:pic>
         <p:nvPicPr>
-          <p:cNvPr id="123" name="그림 19"/>
+          <p:cNvPr id="123" name="그림 19" descr="C:/Users/Admin1/AppData/Roaming/PolarisOffice/ETemp/3788_21466264/fImage66913385724.png"/>
           <p:cNvPicPr>
             <a:picLocks noChangeAspect="1"/>
           </p:cNvPicPr>
           <p:nvPr/>
         </p:nvPicPr>
         <p:blipFill rotWithShape="1">
-          <a:blip r:embed="rId4" cstate="print">
+          <a:blip r:embed="rId4" cstate="hqprint">
             <a:extLst>
               <a:ext uri="{28A0092B-C50C-407E-A947-70E740481C1C}">
-                <a14:useLocalDpi xmlns:a14="http://schemas.microsoft.com/office/drawing/2010/main" val="0"/>
+                <a14:useLocalDpi xmlns:a14="http://schemas.microsoft.com/office/drawing/2010/main"/>
               </a:ext>
             </a:extLst>
           </a:blip>
@@ -12312,8 +12430,8 @@
         </p:blipFill>
         <p:spPr>
           <a:xfrm rot="0">
-            <a:off x="1244600" y="4072255"/>
-            <a:ext cx="4122420" cy="1130935"/>
+            <a:off x="1244600" y="4055110"/>
+            <a:ext cx="4123055" cy="1131570"/>
           </a:xfrm>
           <a:prstGeom prst="roundRect"/>
           <a:solidFill>
@@ -12321,101 +12439,6 @@
           </a:solidFill>
         </p:spPr>
       </p:pic>
-      <p:pic>
-        <p:nvPicPr>
-          <p:cNvPr id="124" name="그림 22"/>
-          <p:cNvPicPr>
-            <a:picLocks noChangeAspect="1"/>
-          </p:cNvPicPr>
-          <p:nvPr/>
-        </p:nvPicPr>
-        <p:blipFill rotWithShape="1">
-          <a:blip r:embed="rId5" cstate="print">
-            <a:extLst>
-              <a:ext uri="{28A0092B-C50C-407E-A947-70E740481C1C}">
-                <a14:useLocalDpi xmlns:a14="http://schemas.microsoft.com/office/drawing/2010/main" val="0"/>
-              </a:ext>
-            </a:extLst>
-          </a:blip>
-          <a:stretch>
-            <a:fillRect/>
-          </a:stretch>
-        </p:blipFill>
-        <p:spPr>
-          <a:xfrm rot="0">
-            <a:off x="8148955" y="1435100"/>
-            <a:ext cx="2799715" cy="1149350"/>
-          </a:xfrm>
-          <a:prstGeom prst="roundRect"/>
-          <a:solidFill>
-            <a:srgbClr val="EDEDED"/>
-          </a:solidFill>
-        </p:spPr>
-      </p:pic>
-      <p:pic>
-        <p:nvPicPr>
-          <p:cNvPr id="125" name="그림 25"/>
-          <p:cNvPicPr>
-            <a:picLocks noChangeAspect="1"/>
-          </p:cNvPicPr>
-          <p:nvPr/>
-        </p:nvPicPr>
-        <p:blipFill rotWithShape="1">
-          <a:blip r:embed="rId6" cstate="print">
-            <a:extLst>
-              <a:ext uri="{28A0092B-C50C-407E-A947-70E740481C1C}">
-                <a14:useLocalDpi xmlns:a14="http://schemas.microsoft.com/office/drawing/2010/main" val="0"/>
-              </a:ext>
-            </a:extLst>
-          </a:blip>
-          <a:stretch>
-            <a:fillRect/>
-          </a:stretch>
-        </p:blipFill>
-        <p:spPr>
-          <a:xfrm rot="0">
-            <a:off x="6830695" y="1446530"/>
-            <a:ext cx="1266825" cy="1137920"/>
-          </a:xfrm>
-          <a:prstGeom prst="roundRect"/>
-          <a:solidFill>
-            <a:srgbClr val="EDEDED"/>
-          </a:solidFill>
-        </p:spPr>
-      </p:pic>
-      <p:cxnSp>
-        <p:nvCxnSpPr>
-          <p:cNvPr id="126" name="도형 28"/>
-          <p:cNvCxnSpPr/>
-          <p:nvPr/>
-        </p:nvCxnSpPr>
-        <p:spPr>
-          <a:xfrm rot="0">
-            <a:off x="7640320" y="1817370"/>
-            <a:ext cx="3162300" cy="241935"/>
-          </a:xfrm>
-          <a:prstGeom prst="straightConnector1"/>
-          <a:ln w="6350" cap="flat" cmpd="sng">
-            <a:prstDash/>
-            <a:headEnd type="none" w="med" len="med"/>
-            <a:tailEnd type="triangle" w="med" len="med"/>
-          </a:ln>
-        </p:spPr>
-        <p:style>
-          <a:lnRef idx="1">
-            <a:schemeClr val="accent1"/>
-          </a:lnRef>
-          <a:fillRef idx="0">
-            <a:schemeClr val="accent1"/>
-          </a:fillRef>
-          <a:effectRef idx="0">
-            <a:schemeClr val="accent1"/>
-          </a:effectRef>
-          <a:fontRef idx="minor">
-            <a:schemeClr val="tx1"/>
-          </a:fontRef>
-        </p:style>
-      </p:cxnSp>
       <p:sp>
         <p:nvSpPr>
           <p:cNvPr id="127" name="텍스트 상자 29"/>
@@ -12425,9 +12448,9 @@
           <p:nvPr/>
         </p:nvSpPr>
         <p:spPr>
-          <a:xfrm>
-            <a:off x="6839585" y="2686050"/>
-            <a:ext cx="4118610" cy="1200785"/>
+          <a:xfrm rot="0">
+            <a:off x="6839585" y="2728595"/>
+            <a:ext cx="4117975" cy="1200785"/>
           </a:xfrm>
           <a:prstGeom prst="rect"/>
           <a:noFill/>
@@ -12454,17 +12477,7 @@
                 <a:latin typeface="맑은 고딕" charset="0"/>
                 <a:ea typeface="맑은 고딕" charset="0"/>
               </a:rPr>
-              <a:t>4</a:t>
-            </a:r>
-            <a:r>
-              <a:rPr lang="ko-KR" sz="1800" b="1">
-                <a:solidFill>
-                  <a:srgbClr val="0611F2"/>
-                </a:solidFill>
-                <a:latin typeface="맑은 고딕" charset="0"/>
-                <a:ea typeface="맑은 고딕" charset="0"/>
-              </a:rPr>
-              <a:t>0</a:t>
+              <a:t>40</a:t>
             </a:r>
             <a:r>
               <a:rPr sz="1800" b="1">
@@ -12502,21 +12515,7 @@
                 <a:latin typeface="맑은 고딕" charset="0"/>
                 <a:ea typeface="맑은 고딕" charset="0"/>
               </a:rPr>
-              <a:t> </a:t>
-            </a:r>
-            <a:r>
-              <a:rPr lang="ko-KR" sz="1800">
-                <a:latin typeface="맑은 고딕" charset="0"/>
-                <a:ea typeface="맑은 고딕" charset="0"/>
-              </a:rPr>
-              <a:t>Animator</a:t>
-            </a:r>
-            <a:r>
-              <a:rPr lang="ko-KR" sz="1800">
-                <a:latin typeface="맑은 고딕" charset="0"/>
-                <a:ea typeface="맑은 고딕" charset="0"/>
-              </a:rPr>
-              <a:t> 배열 크기를 2로 </a:t>
+              <a:t> Animator 배열 크기를 2로 </a:t>
             </a:r>
             <a:r>
               <a:rPr lang="ko-KR" sz="1800">
@@ -12530,35 +12529,7 @@
                 <a:latin typeface="맑은 고딕" charset="0"/>
                 <a:ea typeface="맑은 고딕" charset="0"/>
               </a:rPr>
-              <a:t> </a:t>
-            </a:r>
-            <a:r>
-              <a:rPr lang="ko-KR" sz="1800">
-                <a:latin typeface="맑은 고딕" charset="0"/>
-                <a:ea typeface="맑은 고딕" charset="0"/>
-              </a:rPr>
-              <a:t>다음</a:t>
-            </a:r>
-            <a:r>
-              <a:rPr lang="ko-KR" sz="1800">
-                <a:latin typeface="맑은 고딕" charset="0"/>
-                <a:ea typeface="맑은 고딕" charset="0"/>
-              </a:rPr>
-              <a:t> </a:t>
-            </a:r>
-            <a:r>
-              <a:rPr lang="ko-KR" sz="1800">
-                <a:latin typeface="맑은 고딕" charset="0"/>
-                <a:ea typeface="맑은 고딕" charset="0"/>
-              </a:rPr>
-              <a:t>Element</a:t>
-            </a:r>
-            <a:r>
-              <a:rPr lang="ko-KR" sz="1800">
-                <a:latin typeface="맑은 고딕" charset="0"/>
-                <a:ea typeface="맑은 고딕" charset="0"/>
-              </a:rPr>
-              <a:t> 0 에 </a:t>
+              <a:t> 다음 Element 0 에 </a:t>
             </a:r>
             <a:r>
               <a:rPr lang="ko-KR" sz="1800">
@@ -12572,28 +12543,7 @@
                 <a:latin typeface="맑은 고딕" charset="0"/>
                 <a:ea typeface="맑은 고딕" charset="0"/>
               </a:rPr>
-              <a:t> </a:t>
-            </a:r>
-            <a:r>
-              <a:rPr lang="ko-KR" sz="1800">
-                <a:latin typeface="맑은 고딕" charset="0"/>
-                <a:ea typeface="맑은 고딕" charset="0"/>
-              </a:rPr>
-              <a:t>오브젝트를</a:t>
-            </a:r>
-            <a:r>
-              <a:rPr lang="ko-KR" sz="1800">
-                <a:latin typeface="맑은 고딕" charset="0"/>
-                <a:ea typeface="맑은 고딕" charset="0"/>
-              </a:rPr>
-              <a:t> </a:t>
-            </a:r>
-            <a:r>
-              <a:rPr lang="ko-KR" sz="1800">
-                <a:latin typeface="맑은 고딕" charset="0"/>
-                <a:ea typeface="맑은 고딕" charset="0"/>
-              </a:rPr>
-              <a:t>넣어줍니다.</a:t>
+              <a:t> 오브젝트를 넣어줍니다.</a:t>
             </a:r>
             <a:endParaRPr lang="ko-KR" altLang="en-US" sz="1800">
               <a:latin typeface="맑은 고딕" charset="0"/>
@@ -12604,17 +12554,17 @@
       </p:sp>
       <p:pic>
         <p:nvPicPr>
-          <p:cNvPr id="129" name="그림 32"/>
+          <p:cNvPr id="132" name="그림 39" descr="C:/Users/Admin1/AppData/Roaming/PolarisOffice/ETemp/3788_21466264/fImage132303325724.png"/>
           <p:cNvPicPr>
             <a:picLocks noChangeAspect="1"/>
           </p:cNvPicPr>
           <p:nvPr/>
         </p:nvPicPr>
         <p:blipFill rotWithShape="1">
-          <a:blip r:embed="rId7" cstate="print">
+          <a:blip r:embed="rId10" cstate="hqprint">
             <a:extLst>
               <a:ext uri="{28A0092B-C50C-407E-A947-70E740481C1C}">
-                <a14:useLocalDpi xmlns:a14="http://schemas.microsoft.com/office/drawing/2010/main" val="0"/>
+                <a14:useLocalDpi xmlns:a14="http://schemas.microsoft.com/office/drawing/2010/main"/>
               </a:ext>
             </a:extLst>
           </a:blip>
@@ -12624,8 +12574,8 @@
         </p:blipFill>
         <p:spPr>
           <a:xfrm rot="0">
-            <a:off x="8157210" y="4030980"/>
-            <a:ext cx="2783205" cy="1155065"/>
+            <a:off x="1238250" y="1438275"/>
+            <a:ext cx="1441450" cy="1198245"/>
           </a:xfrm>
           <a:prstGeom prst="roundRect"/>
           <a:solidFill>
@@ -12633,52 +12583,20 @@
           </a:solidFill>
         </p:spPr>
       </p:pic>
-      <p:pic>
-        <p:nvPicPr>
-          <p:cNvPr id="131" name="그림 36"/>
-          <p:cNvPicPr>
-            <a:picLocks noChangeAspect="1"/>
-          </p:cNvPicPr>
-          <p:nvPr/>
-        </p:nvPicPr>
-        <p:blipFill rotWithShape="1">
-          <a:blip r:embed="rId8" cstate="print">
-            <a:extLst>
-              <a:ext uri="{28A0092B-C50C-407E-A947-70E740481C1C}">
-                <a14:useLocalDpi xmlns:a14="http://schemas.microsoft.com/office/drawing/2010/main" val="0"/>
-              </a:ext>
-            </a:extLst>
-          </a:blip>
-          <a:stretch>
-            <a:fillRect/>
-          </a:stretch>
-        </p:blipFill>
-        <p:spPr>
-          <a:xfrm rot="0">
-            <a:off x="6849110" y="4022725"/>
-            <a:ext cx="1257300" cy="1163320"/>
-          </a:xfrm>
-          <a:prstGeom prst="roundRect"/>
-          <a:solidFill>
-            <a:srgbClr val="EDEDED"/>
-          </a:solidFill>
-        </p:spPr>
-      </p:pic>
       <p:cxnSp>
         <p:nvCxnSpPr>
-          <p:cNvPr id="130" name="도형 35"/>
+          <p:cNvPr id="120" name="Rect 0"/>
           <p:cNvCxnSpPr/>
           <p:nvPr/>
         </p:nvCxnSpPr>
         <p:spPr>
-          <a:xfrm rot="0">
-            <a:off x="7649210" y="4539615"/>
-            <a:ext cx="3178810" cy="293370"/>
+          <a:xfrm rot="0" flipV="1">
+            <a:off x="2067560" y="2145030"/>
+            <a:ext cx="1533525" cy="387985"/>
           </a:xfrm>
           <a:prstGeom prst="straightConnector1"/>
           <a:ln w="6350" cap="flat" cmpd="sng">
             <a:prstDash/>
-            <a:headEnd type="none" w="med" len="med"/>
             <a:tailEnd type="triangle" w="med" len="med"/>
           </a:ln>
         </p:spPr>
@@ -12699,17 +12617,17 @@
       </p:cxnSp>
       <p:pic>
         <p:nvPicPr>
-          <p:cNvPr id="132" name="그림 39" descr="C:/Users/Admin1/AppData/Roaming/PolarisOffice/ETemp/11056_9762696/fImage132303325724.png"/>
+          <p:cNvPr id="133" name="그림 1" descr="C:/Users/Admin1/AppData/Roaming/PolarisOffice/ETemp/3788_21466264/fImage1314824441.png"/>
           <p:cNvPicPr>
             <a:picLocks noChangeAspect="1"/>
           </p:cNvPicPr>
           <p:nvPr/>
         </p:nvPicPr>
         <p:blipFill rotWithShape="1">
-          <a:blip r:embed="rId10" cstate="hqprint">
+          <a:blip r:embed="rId11" cstate="print">
             <a:extLst>
               <a:ext uri="{28A0092B-C50C-407E-A947-70E740481C1C}">
-                <a14:useLocalDpi xmlns:a14="http://schemas.microsoft.com/office/drawing/2010/main"/>
+                <a14:useLocalDpi xmlns:a14="http://schemas.microsoft.com/office/drawing/2010/main" val="0"/>
               </a:ext>
             </a:extLst>
           </a:blip>
@@ -12719,8 +12637,8 @@
         </p:blipFill>
         <p:spPr>
           <a:xfrm rot="0">
-            <a:off x="1238250" y="1438275"/>
-            <a:ext cx="1247775" cy="1186180"/>
+            <a:off x="6847840" y="1430020"/>
+            <a:ext cx="1439545" cy="1206500"/>
           </a:xfrm>
           <a:prstGeom prst="roundRect"/>
           <a:solidFill>
@@ -12728,16 +12646,141 @@
           </a:solidFill>
         </p:spPr>
       </p:pic>
+      <p:pic>
+        <p:nvPicPr>
+          <p:cNvPr id="134" name="그림 4" descr="C:/Users/Admin1/AppData/Roaming/PolarisOffice/ETemp/3788_21466264/fImage131542458467.png"/>
+          <p:cNvPicPr>
+            <a:picLocks noChangeAspect="1"/>
+          </p:cNvPicPr>
+          <p:nvPr/>
+        </p:nvPicPr>
+        <p:blipFill rotWithShape="1">
+          <a:blip r:embed="rId12" cstate="print">
+            <a:extLst>
+              <a:ext uri="{28A0092B-C50C-407E-A947-70E740481C1C}">
+                <a14:useLocalDpi xmlns:a14="http://schemas.microsoft.com/office/drawing/2010/main" val="0"/>
+              </a:ext>
+            </a:extLst>
+          </a:blip>
+          <a:stretch>
+            <a:fillRect/>
+          </a:stretch>
+        </p:blipFill>
+        <p:spPr>
+          <a:xfrm rot="0">
+            <a:off x="6839585" y="4057015"/>
+            <a:ext cx="1447800" cy="1146175"/>
+          </a:xfrm>
+          <a:prstGeom prst="roundRect"/>
+          <a:solidFill>
+            <a:srgbClr val="EDEDED"/>
+          </a:solidFill>
+        </p:spPr>
+      </p:pic>
+      <p:pic>
+        <p:nvPicPr>
+          <p:cNvPr id="135" name="그림 8" descr="C:/Users/Admin1/AppData/Roaming/PolarisOffice/ETemp/3788_21466264/fImage140752476334.png"/>
+          <p:cNvPicPr>
+            <a:picLocks noChangeAspect="1"/>
+          </p:cNvPicPr>
+          <p:nvPr/>
+        </p:nvPicPr>
+        <p:blipFill rotWithShape="1">
+          <a:blip r:embed="rId13" cstate="print">
+            <a:extLst>
+              <a:ext uri="{28A0092B-C50C-407E-A947-70E740481C1C}">
+                <a14:useLocalDpi xmlns:a14="http://schemas.microsoft.com/office/drawing/2010/main" val="0"/>
+              </a:ext>
+            </a:extLst>
+          </a:blip>
+          <a:stretch>
+            <a:fillRect/>
+          </a:stretch>
+        </p:blipFill>
+        <p:spPr>
+          <a:xfrm rot="0">
+            <a:off x="8381365" y="1430020"/>
+            <a:ext cx="2576195" cy="1197610"/>
+          </a:xfrm>
+          <a:prstGeom prst="roundRect"/>
+          <a:solidFill>
+            <a:srgbClr val="EDEDED"/>
+          </a:solidFill>
+        </p:spPr>
+      </p:pic>
       <p:cxnSp>
         <p:nvCxnSpPr>
-          <p:cNvPr id="120" name="Rect 0"/>
+          <p:cNvPr id="126" name="도형 28"/>
           <p:cNvCxnSpPr/>
           <p:nvPr/>
         </p:nvCxnSpPr>
         <p:spPr>
-          <a:xfrm rot="0" flipV="1">
-            <a:off x="1948815" y="2153285"/>
-            <a:ext cx="1497965" cy="384810"/>
+          <a:xfrm rot="0">
+            <a:off x="7528560" y="1800225"/>
+            <a:ext cx="3290570" cy="370840"/>
+          </a:xfrm>
+          <a:prstGeom prst="straightConnector1"/>
+          <a:ln w="6350" cap="flat" cmpd="sng">
+            <a:prstDash/>
+            <a:tailEnd type="triangle" w="med" len="med"/>
+          </a:ln>
+        </p:spPr>
+        <p:style>
+          <a:lnRef idx="1">
+            <a:schemeClr val="accent1"/>
+          </a:lnRef>
+          <a:fillRef idx="0">
+            <a:schemeClr val="accent1"/>
+          </a:fillRef>
+          <a:effectRef idx="0">
+            <a:schemeClr val="accent1"/>
+          </a:effectRef>
+          <a:fontRef idx="minor">
+            <a:schemeClr val="tx1"/>
+          </a:fontRef>
+        </p:style>
+      </p:cxnSp>
+      <p:pic>
+        <p:nvPicPr>
+          <p:cNvPr id="136" name="그림 11" descr="C:/Users/Admin1/AppData/Roaming/PolarisOffice/ETemp/3788_21466264/fImage147152486500.png"/>
+          <p:cNvPicPr>
+            <a:picLocks noChangeAspect="1"/>
+          </p:cNvPicPr>
+          <p:nvPr/>
+        </p:nvPicPr>
+        <p:blipFill rotWithShape="1">
+          <a:blip r:embed="rId14" cstate="print">
+            <a:extLst>
+              <a:ext uri="{28A0092B-C50C-407E-A947-70E740481C1C}">
+                <a14:useLocalDpi xmlns:a14="http://schemas.microsoft.com/office/drawing/2010/main" val="0"/>
+              </a:ext>
+            </a:extLst>
+          </a:blip>
+          <a:stretch>
+            <a:fillRect/>
+          </a:stretch>
+        </p:blipFill>
+        <p:spPr>
+          <a:xfrm rot="0">
+            <a:off x="8389620" y="4070350"/>
+            <a:ext cx="2567940" cy="1141730"/>
+          </a:xfrm>
+          <a:prstGeom prst="roundRect"/>
+          <a:solidFill>
+            <a:srgbClr val="EDEDED"/>
+          </a:solidFill>
+        </p:spPr>
+      </p:pic>
+      <p:cxnSp>
+        <p:nvCxnSpPr>
+          <p:cNvPr id="130" name="도형 35"/>
+          <p:cNvCxnSpPr/>
+          <p:nvPr/>
+        </p:nvCxnSpPr>
+        <p:spPr>
+          <a:xfrm rot="0">
+            <a:off x="7528560" y="4521835"/>
+            <a:ext cx="3325495" cy="388620"/>
           </a:xfrm>
           <a:prstGeom prst="straightConnector1"/>
           <a:ln w="6350" cap="flat" cmpd="sng">
@@ -12867,9 +12910,9 @@
           <p:nvPr/>
         </p:nvSpPr>
         <p:spPr>
-          <a:xfrm rot="0">
+          <a:xfrm>
             <a:off x="6821805" y="4173855"/>
-            <a:ext cx="4115435" cy="2031365"/>
+            <a:ext cx="4116070" cy="2031365"/>
           </a:xfrm>
           <a:prstGeom prst="rect"/>
           <a:noFill/>
@@ -12896,17 +12939,7 @@
                 <a:latin typeface="맑은 고딕" charset="0"/>
                 <a:ea typeface="맑은 고딕" charset="0"/>
               </a:rPr>
-              <a:t>4</a:t>
-            </a:r>
-            <a:r>
-              <a:rPr lang="ko-KR" sz="1800" b="1">
-                <a:solidFill>
-                  <a:srgbClr val="0611F2"/>
-                </a:solidFill>
-                <a:latin typeface="맑은 고딕" charset="0"/>
-                <a:ea typeface="맑은 고딕" charset="0"/>
-              </a:rPr>
-              <a:t>3</a:t>
+              <a:t>43</a:t>
             </a:r>
             <a:r>
               <a:rPr sz="1800" b="1">
@@ -12958,35 +12991,7 @@
                 <a:latin typeface="맑은 고딕" charset="0"/>
                 <a:ea typeface="맑은 고딕" charset="0"/>
               </a:rPr>
-              <a:t> </a:t>
-            </a:r>
-            <a:r>
-              <a:rPr lang="ko-KR" sz="1800">
-                <a:latin typeface="맑은 고딕" charset="0"/>
-                <a:ea typeface="맑은 고딕" charset="0"/>
-              </a:rPr>
-              <a:t>폴더에</a:t>
-            </a:r>
-            <a:r>
-              <a:rPr lang="ko-KR" sz="1800">
-                <a:latin typeface="맑은 고딕" charset="0"/>
-                <a:ea typeface="맑은 고딕" charset="0"/>
-              </a:rPr>
-              <a:t> Camera </a:t>
-            </a:r>
-            <a:r>
-              <a:rPr lang="ko-KR" sz="1800">
-                <a:latin typeface="맑은 고딕" charset="0"/>
-                <a:ea typeface="맑은 고딕" charset="0"/>
-              </a:rPr>
-              <a:t>텍스처를</a:t>
-            </a:r>
-            <a:r>
-              <a:rPr lang="ko-KR" sz="1800">
-                <a:latin typeface="맑은 고딕" charset="0"/>
-                <a:ea typeface="맑은 고딕" charset="0"/>
-              </a:rPr>
-              <a:t> </a:t>
+              <a:t> 폴더에 Camera 텍스처를 </a:t>
             </a:r>
             <a:r>
               <a:rPr lang="ko-KR" sz="1800">
@@ -13041,21 +13046,7 @@
                 <a:latin typeface="맑은 고딕" charset="0"/>
                 <a:ea typeface="맑은 고딕" charset="0"/>
               </a:rPr>
-              <a:t> </a:t>
-            </a:r>
-            <a:r>
-              <a:rPr lang="ko-KR" sz="1800">
-                <a:latin typeface="맑은 고딕" charset="0"/>
-                <a:ea typeface="맑은 고딕" charset="0"/>
-              </a:rPr>
-              <a:t>Source</a:t>
-            </a:r>
-            <a:r>
-              <a:rPr lang="ko-KR" sz="1800">
-                <a:latin typeface="맑은 고딕" charset="0"/>
-                <a:ea typeface="맑은 고딕" charset="0"/>
-              </a:rPr>
-              <a:t> Image에 </a:t>
+              <a:t> Source Image에 </a:t>
             </a:r>
             <a:r>
               <a:rPr lang="ko-KR" sz="1800">
@@ -13279,7 +13270,7 @@
       </p:sp>
       <p:pic>
         <p:nvPicPr>
-          <p:cNvPr id="132" name="그림 1" descr="C:/Users/Admin1/AppData/Roaming/PolarisOffice/ETemp/11056_9762696/fImage175203576334.png"/>
+          <p:cNvPr id="132" name="그림 1"/>
           <p:cNvPicPr>
             <a:picLocks noChangeAspect="1"/>
           </p:cNvPicPr>
@@ -13310,7 +13301,7 @@
       </p:pic>
       <p:pic>
         <p:nvPicPr>
-          <p:cNvPr id="133" name="그림 4" descr="C:/Users/Admin1/AppData/Roaming/PolarisOffice/ETemp/11056_9762696/fImage753333586500.png"/>
+          <p:cNvPr id="133" name="그림 4"/>
           <p:cNvPicPr>
             <a:picLocks noChangeAspect="1"/>
           </p:cNvPicPr>
@@ -13374,7 +13365,7 @@
       </p:cxnSp>
       <p:pic>
         <p:nvPicPr>
-          <p:cNvPr id="135" name="그림 8" descr="C:/Users/Admin1/AppData/Roaming/PolarisOffice/ETemp/11056_9762696/fImage752593609169.png"/>
+          <p:cNvPr id="135" name="그림 8"/>
           <p:cNvPicPr>
             <a:picLocks noChangeAspect="1"/>
           </p:cNvPicPr>
@@ -13405,7 +13396,7 @@
       </p:pic>
       <p:pic>
         <p:nvPicPr>
-          <p:cNvPr id="136" name="그림 11" descr="C:/Users/Admin1/AppData/Roaming/PolarisOffice/ETemp/11056_9762696/fImage166583615724.png"/>
+          <p:cNvPr id="136" name="그림 11"/>
           <p:cNvPicPr>
             <a:picLocks noChangeAspect="1"/>
           </p:cNvPicPr>
@@ -13467,6 +13458,844 @@
           </a:fontRef>
         </p:style>
       </p:cxnSp>
+    </p:spTree>
+  </p:cSld>
+  <p:clrMapOvr>
+    <a:masterClrMapping/>
+  </p:clrMapOvr>
+  <mc:AlternateContent xmlns:mc="http://schemas.openxmlformats.org/markup-compatibility/2006">
+    <mc:Choice xmlns:p14="http://schemas.microsoft.com/office/powerpoint/2010/main" Requires="p14">
+      <p:transition spd="slow" p14:dur="2000"/>
+    </mc:Choice>
+    <mc:Fallback>
+      <p:transition spd="slow"/>
+    </mc:Fallback>
+  </mc:AlternateContent>
+  <p:timing>
+    <p:tnLst>
+      <p:par>
+        <p:cTn id="1" dur="indefinite" restart="never" nodeType="tmRoot"/>
+      </p:par>
+    </p:tnLst>
+  </p:timing>
+</p:sld>
+</file>
+
+<file path=ppt/slides/slide17.xml><?xml version="1.0" encoding="utf-8"?>
+<p:sld xmlns:a="http://schemas.openxmlformats.org/drawingml/2006/main" xmlns:r="http://schemas.openxmlformats.org/officeDocument/2006/relationships" xmlns:p="http://schemas.openxmlformats.org/presentationml/2006/main">
+  <p:cSld>
+    <p:spTree>
+      <p:nvGrpSpPr>
+        <p:cNvPr id="1" name=""/>
+        <p:cNvGrpSpPr/>
+        <p:nvPr/>
+      </p:nvGrpSpPr>
+      <p:grpSpPr>
+        <a:xfrm>
+          <a:off x="0" y="0"/>
+          <a:ext cx="0" cy="0"/>
+          <a:chOff x="0" y="0"/>
+          <a:chExt cx="0" cy="0"/>
+        </a:xfrm>
+      </p:grpSpPr>
+      <p:sp>
+        <p:nvSpPr>
+          <p:cNvPr id="22" name="Rect 0"/>
+          <p:cNvSpPr txBox="1">
+            <a:spLocks/>
+          </p:cNvSpPr>
+          <p:nvPr/>
+        </p:nvSpPr>
+        <p:spPr>
+          <a:xfrm rot="0">
+            <a:off x="4323715" y="386715"/>
+            <a:ext cx="3542665" cy="554990"/>
+          </a:xfrm>
+          <a:prstGeom prst="rect"/>
+          <a:noFill/>
+          <a:ln w="0">
+            <a:noFill/>
+            <a:prstDash/>
+          </a:ln>
+        </p:spPr>
+        <p:txBody>
+          <a:bodyPr wrap="square" lIns="89535" tIns="46355" rIns="89535" bIns="46355" numCol="1" vert="horz" anchor="t">
+            <a:spAutoFit/>
+          </a:bodyPr>
+          <a:lstStyle/>
+          <a:p>
+            <a:pPr marL="0" indent="0" algn="ctr" latinLnBrk="0" hangingPunct="1">
+              <a:buFontTx/>
+              <a:buNone/>
+            </a:pPr>
+            <a:r>
+              <a:rPr lang="ko-KR" sz="2500" b="1">
+                <a:latin typeface="나눔바른고딕" charset="0"/>
+                <a:ea typeface="나눔바른고딕" charset="0"/>
+              </a:rPr>
+              <a:t>열일곱</a:t>
+            </a:r>
+            <a:r>
+              <a:rPr lang="ko-KR" sz="2500" b="1">
+                <a:latin typeface="나눔바른고딕" charset="0"/>
+                <a:ea typeface="나눔바른고딕" charset="0"/>
+              </a:rPr>
+              <a:t> 번째 튜토리얼</a:t>
+            </a:r>
+            <a:r>
+              <a:rPr lang="ko-KR" sz="3000" b="1">
+                <a:latin typeface="맑은 고딕" charset="0"/>
+                <a:ea typeface="맑은 고딕" charset="0"/>
+              </a:rPr>
+              <a:t> </a:t>
+            </a:r>
+            <a:endParaRPr lang="ko-KR" altLang="en-US" sz="3000" b="1">
+              <a:latin typeface="맑은 고딕" charset="0"/>
+              <a:ea typeface="맑은 고딕" charset="0"/>
+            </a:endParaRPr>
+          </a:p>
+        </p:txBody>
+      </p:sp>
+      <p:sp>
+        <p:nvSpPr>
+          <p:cNvPr id="122" name="Rect 0"/>
+          <p:cNvSpPr txBox="1">
+            <a:spLocks/>
+          </p:cNvSpPr>
+          <p:nvPr/>
+        </p:nvSpPr>
+        <p:spPr>
+          <a:xfrm rot="0">
+            <a:off x="6822440" y="3659505"/>
+            <a:ext cx="4135120" cy="2585085"/>
+          </a:xfrm>
+          <a:prstGeom prst="rect"/>
+          <a:noFill/>
+          <a:ln w="0">
+            <a:noFill/>
+            <a:prstDash/>
+          </a:ln>
+        </p:spPr>
+        <p:txBody>
+          <a:bodyPr wrap="square" lIns="89535" tIns="46355" rIns="89535" bIns="46355" numCol="1" vert="horz" anchor="t">
+            <a:spAutoFit/>
+          </a:bodyPr>
+          <a:lstStyle/>
+          <a:p>
+            <a:pPr marL="0" indent="0" rtl="0" algn="l" defTabSz="914400" eaLnBrk="1" latinLnBrk="0" hangingPunct="1">
+              <a:buFontTx/>
+              <a:buNone/>
+            </a:pPr>
+            <a:r>
+              <a:rPr lang="ko-KR" sz="1800" b="1">
+                <a:solidFill>
+                  <a:srgbClr val="0611F2"/>
+                </a:solidFill>
+                <a:latin typeface="맑은 고딕" charset="0"/>
+                <a:ea typeface="맑은 고딕" charset="0"/>
+              </a:rPr>
+              <a:t>46</a:t>
+            </a:r>
+            <a:r>
+              <a:rPr sz="1800" b="1">
+                <a:solidFill>
+                  <a:srgbClr val="0611F2"/>
+                </a:solidFill>
+                <a:latin typeface="맑은 고딕" charset="0"/>
+                <a:ea typeface="맑은 고딕" charset="0"/>
+              </a:rPr>
+              <a:t>.</a:t>
+            </a:r>
+            <a:r>
+              <a:rPr sz="1800">
+                <a:latin typeface="맑은 고딕" charset="0"/>
+                <a:ea typeface="맑은 고딕" charset="0"/>
+              </a:rPr>
+              <a:t> 그리고</a:t>
+            </a:r>
+            <a:r>
+              <a:rPr lang="ko-KR" sz="1800">
+                <a:latin typeface="맑은 고딕" charset="0"/>
+                <a:ea typeface="맑은 고딕" charset="0"/>
+              </a:rPr>
+              <a:t> </a:t>
+            </a:r>
+            <a:r>
+              <a:rPr sz="1800">
+                <a:latin typeface="맑은 고딕" charset="0"/>
+                <a:ea typeface="맑은 고딕" charset="0"/>
+              </a:rPr>
+              <a:t>Animator </a:t>
+            </a:r>
+            <a:r>
+              <a:rPr sz="1800">
+                <a:latin typeface="맑은 고딕" charset="0"/>
+                <a:ea typeface="맑은 고딕" charset="0"/>
+              </a:rPr>
+              <a:t>Culling</a:t>
+            </a:r>
+            <a:r>
+              <a:rPr sz="1800">
+                <a:latin typeface="맑은 고딕" charset="0"/>
+                <a:ea typeface="맑은 고딕" charset="0"/>
+              </a:rPr>
+              <a:t> </a:t>
+            </a:r>
+            <a:r>
+              <a:rPr sz="1800">
+                <a:latin typeface="맑은 고딕" charset="0"/>
+                <a:ea typeface="맑은 고딕" charset="0"/>
+              </a:rPr>
+              <a:t>Mode</a:t>
+            </a:r>
+            <a:r>
+              <a:rPr sz="1800">
+                <a:latin typeface="맑은 고딕" charset="0"/>
+                <a:ea typeface="맑은 고딕" charset="0"/>
+              </a:rPr>
+              <a:t> </a:t>
+            </a:r>
+            <a:r>
+              <a:rPr sz="1800">
+                <a:latin typeface="맑은 고딕" charset="0"/>
+                <a:ea typeface="맑은 고딕" charset="0"/>
+              </a:rPr>
+              <a:t>DropDown</a:t>
+            </a:r>
+            <a:r>
+              <a:rPr sz="1800">
+                <a:latin typeface="맑은 고딕" charset="0"/>
+                <a:ea typeface="맑은 고딕" charset="0"/>
+              </a:rPr>
+              <a:t> </a:t>
+            </a:r>
+            <a:r>
+              <a:rPr sz="1800">
+                <a:latin typeface="맑은 고딕" charset="0"/>
+                <a:ea typeface="맑은 고딕" charset="0"/>
+              </a:rPr>
+              <a:t>오브젝트에</a:t>
+            </a:r>
+            <a:r>
+              <a:rPr sz="1800">
+                <a:latin typeface="맑은 고딕" charset="0"/>
+                <a:ea typeface="맑은 고딕" charset="0"/>
+              </a:rPr>
+              <a:t> 있는 </a:t>
+            </a:r>
+            <a:r>
+              <a:rPr sz="1800">
+                <a:latin typeface="맑은 고딕" charset="0"/>
+                <a:ea typeface="맑은 고딕" charset="0"/>
+              </a:rPr>
+              <a:t>Options</a:t>
+            </a:r>
+            <a:r>
+              <a:rPr lang="ko-KR" sz="1800">
+                <a:latin typeface="맑은 고딕" charset="0"/>
+                <a:ea typeface="맑은 고딕" charset="0"/>
+              </a:rPr>
+              <a:t>의</a:t>
+            </a:r>
+            <a:r>
+              <a:rPr lang="ko-KR" sz="1800">
+                <a:latin typeface="맑은 고딕" charset="0"/>
+                <a:ea typeface="맑은 고딕" charset="0"/>
+              </a:rPr>
+              <a:t> </a:t>
+            </a:r>
+            <a:r>
+              <a:rPr lang="ko-KR" sz="1800">
+                <a:latin typeface="맑은 고딕" charset="0"/>
+                <a:ea typeface="맑은 고딕" charset="0"/>
+              </a:rPr>
+              <a:t>첫 번째 요소에 Always </a:t>
+            </a:r>
+            <a:r>
+              <a:rPr lang="ko-KR" sz="1800">
+                <a:latin typeface="맑은 고딕" charset="0"/>
+                <a:ea typeface="맑은 고딕" charset="0"/>
+              </a:rPr>
+              <a:t>Animate라는</a:t>
+            </a:r>
+            <a:r>
+              <a:rPr lang="ko-KR" sz="1800">
+                <a:latin typeface="맑은 고딕" charset="0"/>
+                <a:ea typeface="맑은 고딕" charset="0"/>
+              </a:rPr>
+              <a:t> 이름으로 정의합니다.</a:t>
+            </a:r>
+            <a:endParaRPr lang="ko-KR" altLang="en-US" sz="1800">
+              <a:latin typeface="맑은 고딕" charset="0"/>
+              <a:ea typeface="맑은 고딕" charset="0"/>
+            </a:endParaRPr>
+          </a:p>
+          <a:p>
+            <a:pPr marL="0" indent="0" rtl="0" algn="l" defTabSz="914400" eaLnBrk="1" latinLnBrk="0" hangingPunct="1">
+              <a:buFontTx/>
+              <a:buNone/>
+            </a:pPr>
+            <a:endParaRPr lang="ko-KR" altLang="en-US" sz="1800">
+              <a:latin typeface="맑은 고딕" charset="0"/>
+              <a:ea typeface="맑은 고딕" charset="0"/>
+            </a:endParaRPr>
+          </a:p>
+          <a:p>
+            <a:pPr marL="0" indent="0" rtl="0" algn="l" defTabSz="914400" eaLnBrk="1" latinLnBrk="0" hangingPunct="1">
+              <a:buFontTx/>
+              <a:buNone/>
+            </a:pPr>
+            <a:r>
+              <a:rPr lang="ko-KR" sz="1800">
+                <a:latin typeface="맑은 고딕" charset="0"/>
+                <a:ea typeface="맑은 고딕" charset="0"/>
+              </a:rPr>
+              <a:t>그런</a:t>
+            </a:r>
+            <a:r>
+              <a:rPr lang="ko-KR" sz="1800">
+                <a:latin typeface="맑은 고딕" charset="0"/>
+                <a:ea typeface="맑은 고딕" charset="0"/>
+              </a:rPr>
+              <a:t> </a:t>
+            </a:r>
+            <a:r>
+              <a:rPr lang="ko-KR" sz="1800">
+                <a:latin typeface="맑은 고딕" charset="0"/>
+                <a:ea typeface="맑은 고딕" charset="0"/>
+              </a:rPr>
+              <a:t>다음</a:t>
+            </a:r>
+            <a:r>
+              <a:rPr lang="ko-KR" sz="1800">
+                <a:latin typeface="맑은 고딕" charset="0"/>
+                <a:ea typeface="맑은 고딕" charset="0"/>
+              </a:rPr>
+              <a:t> 두 번째 요소에 Cull </a:t>
+            </a:r>
+            <a:r>
+              <a:rPr lang="ko-KR" sz="1800">
+                <a:latin typeface="맑은 고딕" charset="0"/>
+                <a:ea typeface="맑은 고딕" charset="0"/>
+              </a:rPr>
+              <a:t>Update</a:t>
+            </a:r>
+            <a:r>
+              <a:rPr lang="ko-KR" sz="1800">
+                <a:latin typeface="맑은 고딕" charset="0"/>
+                <a:ea typeface="맑은 고딕" charset="0"/>
+              </a:rPr>
+              <a:t> </a:t>
+            </a:r>
+            <a:r>
+              <a:rPr lang="ko-KR" sz="1800">
+                <a:latin typeface="맑은 고딕" charset="0"/>
+                <a:ea typeface="맑은 고딕" charset="0"/>
+              </a:rPr>
+              <a:t>Transforms라는</a:t>
+            </a:r>
+            <a:r>
+              <a:rPr lang="ko-KR" sz="1800">
+                <a:latin typeface="맑은 고딕" charset="0"/>
+                <a:ea typeface="맑은 고딕" charset="0"/>
+              </a:rPr>
+              <a:t> 이름으로 정의하고 </a:t>
+            </a:r>
+            <a:r>
+              <a:rPr lang="ko-KR" sz="1800">
+                <a:latin typeface="맑은 고딕" charset="0"/>
+                <a:ea typeface="맑은 고딕" charset="0"/>
+              </a:rPr>
+              <a:t>세 </a:t>
+            </a:r>
+            <a:r>
+              <a:rPr lang="ko-KR" sz="1800">
+                <a:latin typeface="맑은 고딕" charset="0"/>
+                <a:ea typeface="맑은 고딕" charset="0"/>
+              </a:rPr>
+              <a:t>번째</a:t>
+            </a:r>
+            <a:r>
+              <a:rPr lang="ko-KR" sz="1800">
+                <a:latin typeface="맑은 고딕" charset="0"/>
+                <a:ea typeface="맑은 고딕" charset="0"/>
+              </a:rPr>
+              <a:t> 요소에 Cull Completely라</a:t>
+            </a:r>
+            <a:r>
+              <a:rPr lang="ko-KR" sz="1800">
+                <a:latin typeface="맑은 고딕" charset="0"/>
+                <a:ea typeface="맑은 고딕" charset="0"/>
+              </a:rPr>
+              <a:t>는 </a:t>
+            </a:r>
+            <a:r>
+              <a:rPr lang="ko-KR" sz="1800">
+                <a:latin typeface="맑은 고딕" charset="0"/>
+                <a:ea typeface="맑은 고딕" charset="0"/>
+              </a:rPr>
+              <a:t>이름으로</a:t>
+            </a:r>
+            <a:r>
+              <a:rPr lang="ko-KR" sz="1800">
+                <a:latin typeface="맑은 고딕" charset="0"/>
+                <a:ea typeface="맑은 고딕" charset="0"/>
+              </a:rPr>
+              <a:t> 정의합니다.</a:t>
+            </a:r>
+            <a:endParaRPr lang="ko-KR" altLang="en-US" sz="1800">
+              <a:latin typeface="맑은 고딕" charset="0"/>
+              <a:ea typeface="맑은 고딕" charset="0"/>
+            </a:endParaRPr>
+          </a:p>
+        </p:txBody>
+      </p:sp>
+      <p:pic>
+        <p:nvPicPr>
+          <p:cNvPr id="138" name="그림 15" descr="C:/Users/Admin1/AppData/Roaming/PolarisOffice/ETemp/3788_21466264/fImage105293349169.png"/>
+          <p:cNvPicPr>
+            <a:picLocks noChangeAspect="1"/>
+          </p:cNvPicPr>
+          <p:nvPr/>
+        </p:nvPicPr>
+        <p:blipFill rotWithShape="1">
+          <a:blip r:embed="rId2" cstate="print">
+            <a:extLst>
+              <a:ext uri="{28A0092B-C50C-407E-A947-70E740481C1C}">
+                <a14:useLocalDpi xmlns:a14="http://schemas.microsoft.com/office/drawing/2010/main" val="0"/>
+              </a:ext>
+            </a:extLst>
+          </a:blip>
+          <a:stretch>
+            <a:fillRect/>
+          </a:stretch>
+        </p:blipFill>
+        <p:spPr>
+          <a:xfrm rot="0">
+            <a:off x="6822440" y="1455420"/>
+            <a:ext cx="4135120" cy="2059305"/>
+          </a:xfrm>
+          <a:prstGeom prst="roundRect"/>
+          <a:solidFill>
+            <a:srgbClr val="EDEDED"/>
+          </a:solidFill>
+        </p:spPr>
+      </p:pic>
+      <p:pic>
+        <p:nvPicPr>
+          <p:cNvPr id="139" name="그림 18" descr="C:/Users/Admin1/AppData/Roaming/PolarisOffice/ETemp/3788_21466264/fImage156613355724.png"/>
+          <p:cNvPicPr>
+            <a:picLocks noChangeAspect="1"/>
+          </p:cNvPicPr>
+          <p:nvPr/>
+        </p:nvPicPr>
+        <p:blipFill rotWithShape="1">
+          <a:blip r:embed="rId3" cstate="print">
+            <a:extLst>
+              <a:ext uri="{28A0092B-C50C-407E-A947-70E740481C1C}">
+                <a14:useLocalDpi xmlns:a14="http://schemas.microsoft.com/office/drawing/2010/main" val="0"/>
+              </a:ext>
+            </a:extLst>
+          </a:blip>
+          <a:stretch>
+            <a:fillRect/>
+          </a:stretch>
+        </p:blipFill>
+        <p:spPr>
+          <a:xfrm rot="0">
+            <a:off x="2765425" y="1454785"/>
+            <a:ext cx="2601595" cy="1224915"/>
+          </a:xfrm>
+          <a:prstGeom prst="roundRect"/>
+          <a:solidFill>
+            <a:srgbClr val="EDEDED"/>
+          </a:solidFill>
+        </p:spPr>
+      </p:pic>
+      <p:pic>
+        <p:nvPicPr>
+          <p:cNvPr id="140" name="그림 21" descr="C:/Users/Admin1/AppData/Roaming/PolarisOffice/ETemp/3788_21466264/fImage131993361478.png"/>
+          <p:cNvPicPr>
+            <a:picLocks noChangeAspect="1"/>
+          </p:cNvPicPr>
+          <p:nvPr/>
+        </p:nvPicPr>
+        <p:blipFill rotWithShape="1">
+          <a:blip r:embed="rId4" cstate="print">
+            <a:extLst>
+              <a:ext uri="{28A0092B-C50C-407E-A947-70E740481C1C}">
+                <a14:useLocalDpi xmlns:a14="http://schemas.microsoft.com/office/drawing/2010/main" val="0"/>
+              </a:ext>
+            </a:extLst>
+          </a:blip>
+          <a:stretch>
+            <a:fillRect/>
+          </a:stretch>
+        </p:blipFill>
+        <p:spPr>
+          <a:xfrm rot="0">
+            <a:off x="1240790" y="1456690"/>
+            <a:ext cx="1464945" cy="1213485"/>
+          </a:xfrm>
+          <a:prstGeom prst="roundRect"/>
+          <a:solidFill>
+            <a:srgbClr val="EDEDED"/>
+          </a:solidFill>
+        </p:spPr>
+      </p:pic>
+      <p:cxnSp>
+        <p:nvCxnSpPr>
+          <p:cNvPr id="141" name="도형 24"/>
+          <p:cNvCxnSpPr/>
+          <p:nvPr/>
+        </p:nvCxnSpPr>
+        <p:spPr>
+          <a:xfrm rot="0" flipV="1">
+            <a:off x="2635885" y="1868805"/>
+            <a:ext cx="2662555" cy="526415"/>
+          </a:xfrm>
+          <a:prstGeom prst="straightConnector1"/>
+          <a:ln w="6350" cap="flat" cmpd="sng">
+            <a:prstDash/>
+            <a:headEnd type="none" w="med" len="med"/>
+            <a:tailEnd type="triangle" w="med" len="med"/>
+          </a:ln>
+        </p:spPr>
+        <p:style>
+          <a:lnRef idx="1">
+            <a:schemeClr val="accent1"/>
+          </a:lnRef>
+          <a:fillRef idx="0">
+            <a:schemeClr val="accent1"/>
+          </a:fillRef>
+          <a:effectRef idx="0">
+            <a:schemeClr val="accent1"/>
+          </a:effectRef>
+          <a:fontRef idx="minor">
+            <a:schemeClr val="tx1"/>
+          </a:fontRef>
+        </p:style>
+      </p:cxnSp>
+      <p:sp>
+        <p:nvSpPr>
+          <p:cNvPr id="142" name="텍스트 상자 25"/>
+          <p:cNvSpPr txBox="1">
+            <a:spLocks/>
+          </p:cNvSpPr>
+          <p:nvPr/>
+        </p:nvSpPr>
+        <p:spPr>
+          <a:xfrm rot="0">
+            <a:off x="1235075" y="2775585"/>
+            <a:ext cx="4131945" cy="1200785"/>
+          </a:xfrm>
+          <a:prstGeom prst="rect"/>
+          <a:noFill/>
+          <a:ln w="0">
+            <a:noFill/>
+            <a:prstDash/>
+          </a:ln>
+        </p:spPr>
+        <p:txBody>
+          <a:bodyPr wrap="square" lIns="89535" tIns="46355" rIns="89535" bIns="46355" numCol="1" vert="horz" anchor="t">
+            <a:spAutoFit/>
+          </a:bodyPr>
+          <a:lstStyle/>
+          <a:p>
+            <a:pPr marL="0" indent="0" rtl="0" algn="l" defTabSz="914400" eaLnBrk="1" latinLnBrk="0" hangingPunct="1">
+              <a:buFontTx/>
+              <a:buNone/>
+            </a:pPr>
+            <a:r>
+              <a:rPr lang="ko-KR" sz="1800" b="1">
+                <a:solidFill>
+                  <a:srgbClr val="0611F2"/>
+                </a:solidFill>
+                <a:latin typeface="맑은 고딕" charset="0"/>
+                <a:ea typeface="맑은 고딕" charset="0"/>
+              </a:rPr>
+              <a:t>44</a:t>
+            </a:r>
+            <a:r>
+              <a:rPr sz="1800" b="1">
+                <a:solidFill>
+                  <a:srgbClr val="0611F2"/>
+                </a:solidFill>
+                <a:latin typeface="맑은 고딕" charset="0"/>
+                <a:ea typeface="맑은 고딕" charset="0"/>
+              </a:rPr>
+              <a:t>.</a:t>
+            </a:r>
+            <a:r>
+              <a:rPr sz="1800">
+                <a:latin typeface="맑은 고딕" charset="0"/>
+                <a:ea typeface="맑은 고딕" charset="0"/>
+              </a:rPr>
+              <a:t> 그러고 나서</a:t>
+            </a:r>
+            <a:r>
+              <a:rPr lang="ko-KR" sz="1800">
+                <a:latin typeface="맑은 고딕" charset="0"/>
+                <a:ea typeface="맑은 고딕" charset="0"/>
+              </a:rPr>
+              <a:t> </a:t>
+            </a:r>
+            <a:r>
+              <a:rPr sz="1800">
+                <a:latin typeface="맑은 고딕" charset="0"/>
+                <a:ea typeface="맑은 고딕" charset="0"/>
+              </a:rPr>
+              <a:t>Animator </a:t>
+            </a:r>
+            <a:r>
+              <a:rPr sz="1800">
+                <a:latin typeface="맑은 고딕" charset="0"/>
+                <a:ea typeface="맑은 고딕" charset="0"/>
+              </a:rPr>
+              <a:t>Manager </a:t>
+            </a:r>
+            <a:r>
+              <a:rPr sz="1800">
+                <a:latin typeface="맑은 고딕" charset="0"/>
+                <a:ea typeface="맑은 고딕" charset="0"/>
+              </a:rPr>
+              <a:t>오브젝트</a:t>
+            </a:r>
+            <a:r>
+              <a:rPr sz="1800">
+                <a:latin typeface="맑은 고딕" charset="0"/>
+                <a:ea typeface="맑은 고딕" charset="0"/>
+              </a:rPr>
+              <a:t>에</a:t>
+            </a:r>
+            <a:r>
+              <a:rPr sz="1800">
+                <a:latin typeface="맑은 고딕" charset="0"/>
+                <a:ea typeface="맑은 고딕" charset="0"/>
+              </a:rPr>
+              <a:t> </a:t>
+            </a:r>
+            <a:r>
+              <a:rPr sz="1800">
+                <a:latin typeface="맑은 고딕" charset="0"/>
+                <a:ea typeface="맑은 고딕" charset="0"/>
+              </a:rPr>
+              <a:t>있는 Drop Down 변수에 </a:t>
+            </a:r>
+            <a:r>
+              <a:rPr sz="1800">
+                <a:latin typeface="맑은 고딕" charset="0"/>
+                <a:ea typeface="맑은 고딕" charset="0"/>
+              </a:rPr>
+              <a:t>Anim</a:t>
+            </a:r>
+            <a:r>
+              <a:rPr lang="ko-KR" sz="1800">
+                <a:latin typeface="맑은 고딕" charset="0"/>
+                <a:ea typeface="맑은 고딕" charset="0"/>
+              </a:rPr>
+              <a:t>a</a:t>
+            </a:r>
+            <a:r>
+              <a:rPr lang="ko-KR" sz="1800">
+                <a:latin typeface="맑은 고딕" charset="0"/>
+                <a:ea typeface="맑은 고딕" charset="0"/>
+              </a:rPr>
+              <a:t>tor</a:t>
+            </a:r>
+            <a:r>
+              <a:rPr lang="ko-KR" sz="1800">
+                <a:latin typeface="맑은 고딕" charset="0"/>
+                <a:ea typeface="맑은 고딕" charset="0"/>
+              </a:rPr>
+              <a:t> Culling Mode DropDown </a:t>
+            </a:r>
+            <a:r>
+              <a:rPr lang="ko-KR" sz="1800">
+                <a:latin typeface="맑은 고딕" charset="0"/>
+                <a:ea typeface="맑은 고딕" charset="0"/>
+              </a:rPr>
+              <a:t>오브젝트</a:t>
+            </a:r>
+            <a:r>
+              <a:rPr lang="ko-KR" sz="1800">
+                <a:latin typeface="맑은 고딕" charset="0"/>
+                <a:ea typeface="맑은 고딕" charset="0"/>
+              </a:rPr>
+              <a:t>를</a:t>
+            </a:r>
+            <a:r>
+              <a:rPr lang="ko-KR" sz="1800">
+                <a:latin typeface="맑은 고딕" charset="0"/>
+                <a:ea typeface="맑은 고딕" charset="0"/>
+              </a:rPr>
+              <a:t> </a:t>
+            </a:r>
+            <a:r>
+              <a:rPr lang="ko-KR" sz="1800">
+                <a:latin typeface="맑은 고딕" charset="0"/>
+                <a:ea typeface="맑은 고딕" charset="0"/>
+              </a:rPr>
+              <a:t>넣어줍니다.</a:t>
+            </a:r>
+            <a:endParaRPr lang="ko-KR" altLang="en-US" sz="1800">
+              <a:latin typeface="맑은 고딕" charset="0"/>
+              <a:ea typeface="맑은 고딕" charset="0"/>
+            </a:endParaRPr>
+          </a:p>
+        </p:txBody>
+      </p:sp>
+      <p:pic>
+        <p:nvPicPr>
+          <p:cNvPr id="143" name="그림 26" descr="C:/Users/Admin1/AppData/Roaming/PolarisOffice/ETemp/3788_21466264/fImage115843399358.png"/>
+          <p:cNvPicPr>
+            <a:picLocks noChangeAspect="1"/>
+          </p:cNvPicPr>
+          <p:nvPr/>
+        </p:nvPicPr>
+        <p:blipFill rotWithShape="1">
+          <a:blip r:embed="rId5" cstate="print">
+            <a:extLst>
+              <a:ext uri="{28A0092B-C50C-407E-A947-70E740481C1C}">
+                <a14:useLocalDpi xmlns:a14="http://schemas.microsoft.com/office/drawing/2010/main" val="0"/>
+              </a:ext>
+            </a:extLst>
+          </a:blip>
+          <a:stretch>
+            <a:fillRect/>
+          </a:stretch>
+        </p:blipFill>
+        <p:spPr>
+          <a:xfrm rot="0">
+            <a:off x="1243965" y="4090670"/>
+            <a:ext cx="4131945" cy="1388110"/>
+          </a:xfrm>
+          <a:prstGeom prst="roundRect"/>
+          <a:solidFill>
+            <a:srgbClr val="EDEDED"/>
+          </a:solidFill>
+        </p:spPr>
+      </p:pic>
+      <p:sp>
+        <p:nvSpPr>
+          <p:cNvPr id="144" name="텍스트 상자 29"/>
+          <p:cNvSpPr txBox="1">
+            <a:spLocks/>
+          </p:cNvSpPr>
+          <p:nvPr/>
+        </p:nvSpPr>
+        <p:spPr>
+          <a:xfrm rot="0">
+            <a:off x="1237615" y="5603875"/>
+            <a:ext cx="4129405" cy="647065"/>
+          </a:xfrm>
+          <a:prstGeom prst="rect"/>
+          <a:noFill/>
+          <a:ln w="0">
+            <a:noFill/>
+            <a:prstDash/>
+          </a:ln>
+        </p:spPr>
+        <p:txBody>
+          <a:bodyPr wrap="square" lIns="89535" tIns="46355" rIns="89535" bIns="46355" numCol="1" vert="horz" anchor="t">
+            <a:spAutoFit/>
+          </a:bodyPr>
+          <a:lstStyle/>
+          <a:p>
+            <a:pPr marL="0" indent="0" rtl="0" algn="l" defTabSz="914400" eaLnBrk="1" latinLnBrk="0" hangingPunct="1">
+              <a:buFontTx/>
+              <a:buNone/>
+            </a:pPr>
+            <a:r>
+              <a:rPr lang="ko-KR" sz="1800" b="1">
+                <a:solidFill>
+                  <a:srgbClr val="0611F2"/>
+                </a:solidFill>
+                <a:latin typeface="맑은 고딕" charset="0"/>
+                <a:ea typeface="맑은 고딕" charset="0"/>
+              </a:rPr>
+              <a:t>45</a:t>
+            </a:r>
+            <a:r>
+              <a:rPr sz="1800" b="1">
+                <a:solidFill>
+                  <a:srgbClr val="0611F2"/>
+                </a:solidFill>
+                <a:latin typeface="맑은 고딕" charset="0"/>
+                <a:ea typeface="맑은 고딕" charset="0"/>
+              </a:rPr>
+              <a:t>.</a:t>
+            </a:r>
+            <a:r>
+              <a:rPr sz="1800">
+                <a:latin typeface="맑은 고딕" charset="0"/>
+                <a:ea typeface="맑은 고딕" charset="0"/>
+              </a:rPr>
+              <a:t> 이제</a:t>
+            </a:r>
+            <a:r>
+              <a:rPr lang="ko-KR" sz="1800">
+                <a:latin typeface="맑은 고딕" charset="0"/>
+                <a:ea typeface="맑은 고딕" charset="0"/>
+              </a:rPr>
+              <a:t> </a:t>
+            </a:r>
+            <a:r>
+              <a:rPr sz="1800">
+                <a:latin typeface="맑은 고딕" charset="0"/>
+                <a:ea typeface="맑은 고딕" charset="0"/>
+              </a:rPr>
+              <a:t>Template</a:t>
+            </a:r>
+            <a:r>
+              <a:rPr sz="1800">
+                <a:latin typeface="맑은 고딕" charset="0"/>
+                <a:ea typeface="맑은 고딕" charset="0"/>
+              </a:rPr>
+              <a:t> 오브젝트</a:t>
+            </a:r>
+            <a:r>
+              <a:rPr sz="1800">
+                <a:latin typeface="맑은 고딕" charset="0"/>
+                <a:ea typeface="맑은 고딕" charset="0"/>
+              </a:rPr>
+              <a:t>의 크기 </a:t>
+            </a:r>
+            <a:r>
+              <a:rPr sz="1800">
+                <a:latin typeface="맑은 고딕" charset="0"/>
+                <a:ea typeface="맑은 고딕" charset="0"/>
+              </a:rPr>
+              <a:t>값</a:t>
+            </a:r>
+            <a:r>
+              <a:rPr lang="ko-KR" sz="1800">
+                <a:latin typeface="맑은 고딕" charset="0"/>
+                <a:ea typeface="맑은 고딕" charset="0"/>
+              </a:rPr>
+              <a:t>을</a:t>
+            </a:r>
+            <a:r>
+              <a:rPr sz="1800">
+                <a:latin typeface="맑은 고딕" charset="0"/>
+                <a:ea typeface="맑은 고딕" charset="0"/>
+              </a:rPr>
+              <a:t> 설정합니</a:t>
+            </a:r>
+            <a:r>
+              <a:rPr lang="ko-KR" sz="1800">
+                <a:latin typeface="맑은 고딕" charset="0"/>
+                <a:ea typeface="맑은 고딕" charset="0"/>
+              </a:rPr>
+              <a:t>다.</a:t>
+            </a:r>
+            <a:endParaRPr lang="ko-KR" altLang="en-US" sz="1800">
+              <a:latin typeface="맑은 고딕" charset="0"/>
+              <a:ea typeface="맑은 고딕" charset="0"/>
+            </a:endParaRPr>
+          </a:p>
+        </p:txBody>
+      </p:sp>
     </p:spTree>
   </p:cSld>
   <p:clrMapOvr>

--- a/Assets/Animation Retargeting/PPT Data/Animation Retargeting Example.pptx
+++ b/Assets/Animation Retargeting/PPT Data/Animation Retargeting Example.pptx
@@ -2,7 +2,7 @@
 <file path=ppt/presentation.xml><?xml version="1.0" encoding="utf-8"?>
 <p:presentation xmlns:a="http://schemas.openxmlformats.org/drawingml/2006/main" xmlns:r="http://schemas.openxmlformats.org/officeDocument/2006/relationships" xmlns:p="http://schemas.openxmlformats.org/presentationml/2006/main" xmlns:p14="http://schemas.microsoft.com/office/powerpoint/2010/main" saveSubsetFonts="1" firstSlideNum="0">
   <p:sldMasterIdLst>
-    <p:sldMasterId id="2147487028" r:id="rId12"/>
+    <p:sldMasterId id="2147487030" r:id="rId12"/>
   </p:sldMasterIdLst>
   <p:notesMasterIdLst>
     <p:notesMasterId r:id="rId14"/>
@@ -22,9 +22,9 @@
     <p:sldId id="352" r:id="rId38"/>
     <p:sldId id="347" r:id="rId40"/>
     <p:sldId id="348" r:id="rId42"/>
-    <p:sldId id="349" r:id="rId43"/>
-    <p:sldId id="350" r:id="rId44"/>
-    <p:sldId id="353" r:id="rId45"/>
+    <p:sldId id="349" r:id="rId44"/>
+    <p:sldId id="350" r:id="rId45"/>
+    <p:sldId id="353" r:id="rId47"/>
   </p:sldIdLst>
   <p:sldSz cx="12192000" cy="6858000"/>
   <p:notesSz cx="6858000" cy="9144000"/>
@@ -12122,7 +12122,7 @@
       </p:sp>
       <p:pic>
         <p:nvPicPr>
-          <p:cNvPr id="117" name="Picture " descr="C:/Users/Admin1/AppData/Roaming/PolarisOffice/ETemp/3788_21466264/fImage53803246500.png"/>
+          <p:cNvPr id="117" name="Picture "/>
           <p:cNvPicPr>
             <a:picLocks noChangeAspect="1"/>
           </p:cNvPicPr>
@@ -12268,7 +12268,7 @@
         <p:spPr>
           <a:xfrm>
             <a:off x="1249045" y="5296535"/>
-            <a:ext cx="4121150" cy="923925"/>
+            <a:ext cx="4121785" cy="923925"/>
           </a:xfrm>
           <a:prstGeom prst="rect"/>
           <a:noFill/>
@@ -12295,17 +12295,7 @@
                 <a:latin typeface="맑은 고딕" charset="0"/>
                 <a:ea typeface="맑은 고딕" charset="0"/>
               </a:rPr>
-              <a:t>3</a:t>
-            </a:r>
-            <a:r>
-              <a:rPr lang="ko-KR" sz="1800" b="1">
-                <a:solidFill>
-                  <a:srgbClr val="0611F2"/>
-                </a:solidFill>
-                <a:latin typeface="맑은 고딕" charset="0"/>
-                <a:ea typeface="맑은 고딕" charset="0"/>
-              </a:rPr>
-              <a:t>9</a:t>
+              <a:t>39</a:t>
             </a:r>
             <a:r>
               <a:rPr sz="1800" b="1">
@@ -12343,6 +12333,20 @@
                 <a:latin typeface="맑은 고딕" charset="0"/>
                 <a:ea typeface="맑은 고딕" charset="0"/>
               </a:rPr>
+              <a:t> On Click( ) 함수에 등록하고 </a:t>
+            </a:r>
+            <a:r>
+              <a:rPr lang="ko-KR" sz="1800">
+                <a:latin typeface="맑은 고딕" charset="0"/>
+                <a:ea typeface="맑은 고딕" charset="0"/>
+              </a:rPr>
+              <a:t>인수에</a:t>
+            </a:r>
+            <a:r>
+              <a:rPr lang="ko-KR" sz="1800">
+                <a:latin typeface="맑은 고딕" charset="0"/>
+                <a:ea typeface="맑은 고딕" charset="0"/>
+              </a:rPr>
               <a:t> </a:t>
             </a:r>
             <a:r>
@@ -12350,56 +12354,21 @@
                 <a:latin typeface="맑은 고딕" charset="0"/>
                 <a:ea typeface="맑은 고딕" charset="0"/>
               </a:rPr>
-              <a:t>On</a:t>
-            </a:r>
-            <a:r>
-              <a:rPr lang="ko-KR" sz="1800">
-                <a:latin typeface="맑은 고딕" charset="0"/>
-                <a:ea typeface="맑은 고딕" charset="0"/>
-              </a:rPr>
-              <a:t> </a:t>
-            </a:r>
-            <a:r>
-              <a:rPr lang="ko-KR" sz="1800">
-                <a:latin typeface="맑은 고딕" charset="0"/>
-                <a:ea typeface="맑은 고딕" charset="0"/>
-              </a:rPr>
-              <a:t>Click(</a:t>
-            </a:r>
-            <a:r>
-              <a:rPr lang="ko-KR" sz="1800">
-                <a:latin typeface="맑은 고딕" charset="0"/>
-                <a:ea typeface="맑은 고딕" charset="0"/>
-              </a:rPr>
-              <a:t> ) 함수에 등록하고 </a:t>
-            </a:r>
-            <a:r>
-              <a:rPr lang="ko-KR" sz="1800">
-                <a:latin typeface="맑은 고딕" charset="0"/>
-                <a:ea typeface="맑은 고딕" charset="0"/>
-              </a:rPr>
-              <a:t>인수에</a:t>
-            </a:r>
-            <a:r>
-              <a:rPr lang="ko-KR" sz="1800">
-                <a:latin typeface="맑은 고딕" charset="0"/>
-                <a:ea typeface="맑은 고딕" charset="0"/>
-              </a:rPr>
-              <a:t> 8 </a:t>
-            </a:r>
-            <a:r>
-              <a:rPr lang="ko-KR" sz="1800">
-                <a:latin typeface="맑은 고딕" charset="0"/>
-                <a:ea typeface="맑은 고딕" charset="0"/>
-              </a:rPr>
-              <a:t>이라는</a:t>
-            </a:r>
-            <a:r>
-              <a:rPr lang="ko-KR" sz="1800">
-                <a:latin typeface="맑은 고딕" charset="0"/>
-                <a:ea typeface="맑은 고딕" charset="0"/>
-              </a:rPr>
-              <a:t> 값을 설정합니다.</a:t>
+              <a:t>8</a:t>
+            </a:r>
+            <a:r>
+              <a:rPr lang="ko-KR" sz="1800">
+                <a:latin typeface="맑은 고딕" charset="0"/>
+                <a:ea typeface="맑은 고딕" charset="0"/>
+              </a:rPr>
+              <a:t> 이라는 값을 </a:t>
+            </a:r>
+            <a:r>
+              <a:rPr lang="ko-KR" sz="1800">
+                <a:latin typeface="맑은 고딕" charset="0"/>
+                <a:ea typeface="맑은 고딕" charset="0"/>
+              </a:rPr>
+              <a:t>설정합니다.</a:t>
             </a:r>
             <a:endParaRPr lang="ko-KR" altLang="en-US" sz="1800">
               <a:latin typeface="맑은 고딕" charset="0"/>
@@ -12410,7 +12379,7 @@
       </p:sp>
       <p:pic>
         <p:nvPicPr>
-          <p:cNvPr id="123" name="그림 19" descr="C:/Users/Admin1/AppData/Roaming/PolarisOffice/ETemp/3788_21466264/fImage66913385724.png"/>
+          <p:cNvPr id="123" name="그림 19"/>
           <p:cNvPicPr>
             <a:picLocks noChangeAspect="1"/>
           </p:cNvPicPr>
@@ -12554,7 +12523,7 @@
       </p:sp>
       <p:pic>
         <p:nvPicPr>
-          <p:cNvPr id="132" name="그림 39" descr="C:/Users/Admin1/AppData/Roaming/PolarisOffice/ETemp/3788_21466264/fImage132303325724.png"/>
+          <p:cNvPr id="132" name="그림 39"/>
           <p:cNvPicPr>
             <a:picLocks noChangeAspect="1"/>
           </p:cNvPicPr>
@@ -12617,7 +12586,7 @@
       </p:cxnSp>
       <p:pic>
         <p:nvPicPr>
-          <p:cNvPr id="133" name="그림 1" descr="C:/Users/Admin1/AppData/Roaming/PolarisOffice/ETemp/3788_21466264/fImage1314824441.png"/>
+          <p:cNvPr id="133" name="그림 1"/>
           <p:cNvPicPr>
             <a:picLocks noChangeAspect="1"/>
           </p:cNvPicPr>
@@ -12648,7 +12617,7 @@
       </p:pic>
       <p:pic>
         <p:nvPicPr>
-          <p:cNvPr id="134" name="그림 4" descr="C:/Users/Admin1/AppData/Roaming/PolarisOffice/ETemp/3788_21466264/fImage131542458467.png"/>
+          <p:cNvPr id="134" name="그림 4"/>
           <p:cNvPicPr>
             <a:picLocks noChangeAspect="1"/>
           </p:cNvPicPr>
@@ -12679,7 +12648,7 @@
       </p:pic>
       <p:pic>
         <p:nvPicPr>
-          <p:cNvPr id="135" name="그림 8" descr="C:/Users/Admin1/AppData/Roaming/PolarisOffice/ETemp/3788_21466264/fImage140752476334.png"/>
+          <p:cNvPr id="135" name="그림 8"/>
           <p:cNvPicPr>
             <a:picLocks noChangeAspect="1"/>
           </p:cNvPicPr>
@@ -12742,7 +12711,7 @@
       </p:cxnSp>
       <p:pic>
         <p:nvPicPr>
-          <p:cNvPr id="136" name="그림 11" descr="C:/Users/Admin1/AppData/Roaming/PolarisOffice/ETemp/3788_21466264/fImage147152486500.png"/>
+          <p:cNvPr id="136" name="그림 11"/>
           <p:cNvPicPr>
             <a:picLocks noChangeAspect="1"/>
           </p:cNvPicPr>

--- a/Assets/Animation Retargeting/PPT Data/Animation Retargeting Example.pptx
+++ b/Assets/Animation Retargeting/PPT Data/Animation Retargeting Example.pptx
@@ -2,7 +2,7 @@
 <file path=ppt/presentation.xml><?xml version="1.0" encoding="utf-8"?>
 <p:presentation xmlns:a="http://schemas.openxmlformats.org/drawingml/2006/main" xmlns:r="http://schemas.openxmlformats.org/officeDocument/2006/relationships" xmlns:p="http://schemas.openxmlformats.org/presentationml/2006/main" xmlns:p14="http://schemas.microsoft.com/office/powerpoint/2010/main" saveSubsetFonts="1" firstSlideNum="0">
   <p:sldMasterIdLst>
-    <p:sldMasterId id="2147487030" r:id="rId12"/>
+    <p:sldMasterId id="2147487032" r:id="rId12"/>
   </p:sldMasterIdLst>
   <p:notesMasterIdLst>
     <p:notesMasterId r:id="rId14"/>
@@ -12,17 +12,17 @@
     <p:sldId id="334" r:id="rId18"/>
     <p:sldId id="321" r:id="rId20"/>
     <p:sldId id="335" r:id="rId22"/>
-    <p:sldId id="338" r:id="rId24"/>
-    <p:sldId id="339" r:id="rId26"/>
-    <p:sldId id="340" r:id="rId28"/>
-    <p:sldId id="336" r:id="rId30"/>
-    <p:sldId id="351" r:id="rId32"/>
-    <p:sldId id="341" r:id="rId34"/>
-    <p:sldId id="342" r:id="rId36"/>
-    <p:sldId id="352" r:id="rId38"/>
-    <p:sldId id="347" r:id="rId40"/>
-    <p:sldId id="348" r:id="rId42"/>
-    <p:sldId id="349" r:id="rId44"/>
+    <p:sldId id="338" r:id="rId23"/>
+    <p:sldId id="339" r:id="rId25"/>
+    <p:sldId id="340" r:id="rId27"/>
+    <p:sldId id="336" r:id="rId29"/>
+    <p:sldId id="351" r:id="rId31"/>
+    <p:sldId id="341" r:id="rId33"/>
+    <p:sldId id="342" r:id="rId35"/>
+    <p:sldId id="352" r:id="rId37"/>
+    <p:sldId id="347" r:id="rId39"/>
+    <p:sldId id="348" r:id="rId41"/>
+    <p:sldId id="349" r:id="rId43"/>
     <p:sldId id="350" r:id="rId45"/>
     <p:sldId id="353" r:id="rId47"/>
   </p:sldIdLst>
@@ -15670,7 +15670,7 @@
       </p:sp>
       <p:pic>
         <p:nvPicPr>
-          <p:cNvPr id="64" name="그림 1" descr="C:/Users/Admin1/AppData/Roaming/PolarisOffice/ETemp/18240_20371840/fImage210232089169.png"/>
+          <p:cNvPr id="64" name="그림 1"/>
           <p:cNvPicPr>
             <a:picLocks noChangeAspect="1"/>
           </p:cNvPicPr>
@@ -15701,7 +15701,7 @@
       </p:pic>
       <p:pic>
         <p:nvPicPr>
-          <p:cNvPr id="65" name="그림 2" descr="C:/Users/Admin1/AppData/Roaming/PolarisOffice/ETemp/18240_20371840/fImage665024441.png"/>
+          <p:cNvPr id="65" name="그림 2"/>
           <p:cNvPicPr>
             <a:picLocks noChangeAspect="1"/>
           </p:cNvPicPr>
@@ -15741,13 +15741,13 @@
         <p:spPr>
           <a:xfrm rot="0">
             <a:off x="1234440" y="4473575"/>
-            <a:ext cx="4141470" cy="1692275"/>
+            <a:ext cx="4142105" cy="1692910"/>
           </a:xfrm>
           <a:prstGeom prst="rect"/>
           <a:noFill/>
         </p:spPr>
         <p:txBody>
-          <a:bodyPr wrap="square" lIns="0" tIns="0" rIns="0" bIns="0" vert="horz" anchor="t">
+          <a:bodyPr wrap="square" lIns="0" tIns="0" rIns="0" bIns="0" numCol="1" vert="horz" anchor="t">
             <a:noAutofit/>
           </a:bodyPr>
           <a:lstStyle/>
@@ -15764,7 +15764,7 @@
                 <a:latin typeface="맑은 고딕" charset="0"/>
                 <a:ea typeface="맑은 고딕" charset="0"/>
               </a:rPr>
-              <a:t>8</a:t>
+              <a:t>8.</a:t>
             </a:r>
             <a:r>
               <a:rPr sz="2000" b="1">
@@ -15774,16 +15774,6 @@
                 <a:latin typeface="맑은 고딕" charset="0"/>
                 <a:ea typeface="맑은 고딕" charset="0"/>
               </a:rPr>
-              <a:t>.</a:t>
-            </a:r>
-            <a:r>
-              <a:rPr sz="2000" b="1">
-                <a:solidFill>
-                  <a:srgbClr val="0611F2"/>
-                </a:solidFill>
-                <a:latin typeface="맑은 고딕" charset="0"/>
-                <a:ea typeface="맑은 고딕" charset="0"/>
-              </a:rPr>
               <a:t> </a:t>
             </a:r>
             <a:r>
@@ -15805,21 +15795,7 @@
                 <a:latin typeface="맑은 고딕" charset="0"/>
                 <a:ea typeface="맑은 고딕" charset="0"/>
               </a:rPr>
-              <a:t> </a:t>
-            </a:r>
-            <a:r>
-              <a:rPr sz="1800">
-                <a:latin typeface="맑은 고딕" charset="0"/>
-                <a:ea typeface="맑은 고딕" charset="0"/>
-              </a:rPr>
-              <a:t>Base</a:t>
-            </a:r>
-            <a:r>
-              <a:rPr sz="1800">
-                <a:latin typeface="맑은 고딕" charset="0"/>
-                <a:ea typeface="맑은 고딕" charset="0"/>
-              </a:rPr>
-              <a:t> Layer에 들어옵니다.</a:t>
+              <a:t> Base Layer에 들어옵니다.</a:t>
             </a:r>
             <a:endParaRPr lang="ko-KR" altLang="en-US" sz="1800">
               <a:latin typeface="맑은 고딕" charset="0"/>
@@ -15881,35 +15857,7 @@
                 <a:latin typeface="맑은 고딕" charset="0"/>
                 <a:ea typeface="맑은 고딕" charset="0"/>
               </a:rPr>
-              <a:t> </a:t>
-            </a:r>
-            <a:r>
-              <a:rPr sz="1800">
-                <a:latin typeface="맑은 고딕" charset="0"/>
-                <a:ea typeface="맑은 고딕" charset="0"/>
-              </a:rPr>
-              <a:t>Base</a:t>
-            </a:r>
-            <a:r>
-              <a:rPr sz="1800">
-                <a:latin typeface="맑은 고딕" charset="0"/>
-                <a:ea typeface="맑은 고딕" charset="0"/>
-              </a:rPr>
-              <a:t> </a:t>
-            </a:r>
-            <a:r>
-              <a:rPr sz="1800">
-                <a:latin typeface="맑은 고딕" charset="0"/>
-                <a:ea typeface="맑은 고딕" charset="0"/>
-              </a:rPr>
-              <a:t>Layer에</a:t>
-            </a:r>
-            <a:r>
-              <a:rPr sz="1800">
-                <a:latin typeface="맑은 고딕" charset="0"/>
-                <a:ea typeface="맑은 고딕" charset="0"/>
-              </a:rPr>
-              <a:t> 추가합니다.</a:t>
+              <a:t> Base Layer에 추가합니다.</a:t>
             </a:r>
             <a:endParaRPr lang="ko-KR" altLang="en-US" sz="1800">
               <a:latin typeface="맑은 고딕" charset="0"/>
@@ -15920,7 +15868,7 @@
       </p:sp>
       <p:pic>
         <p:nvPicPr>
-          <p:cNvPr id="67" name="그림 12" descr="C:/Users/Admin1/AppData/Roaming/PolarisOffice/ETemp/18240_20371840/fImage2242172521478.png"/>
+          <p:cNvPr id="67" name="그림 12"/>
           <p:cNvPicPr>
             <a:picLocks noChangeAspect="1"/>
           </p:cNvPicPr>
@@ -15949,7 +15897,7 @@
       </p:pic>
       <p:pic>
         <p:nvPicPr>
-          <p:cNvPr id="68" name="그림 13" descr="C:/Users/Admin1/AppData/Roaming/PolarisOffice/ETemp/18240_20371840/fImage193502095724.png"/>
+          <p:cNvPr id="68" name="그림 13"/>
           <p:cNvPicPr>
             <a:picLocks noChangeAspect="1"/>
           </p:cNvPicPr>
@@ -15980,7 +15928,7 @@
       </p:pic>
       <p:pic>
         <p:nvPicPr>
-          <p:cNvPr id="69" name="그림 14" descr="C:/Users/Admin1/AppData/Roaming/PolarisOffice/ETemp/18240_20371840/fImage44844086827.png"/>
+          <p:cNvPr id="69" name="그림 14"/>
           <p:cNvPicPr>
             <a:picLocks noChangeAspect="1"/>
           </p:cNvPicPr>

--- a/Assets/Animation Retargeting/PPT Data/Animation Retargeting Example.pptx
+++ b/Assets/Animation Retargeting/PPT Data/Animation Retargeting Example.pptx
@@ -2,7 +2,7 @@
 <file path=ppt/presentation.xml><?xml version="1.0" encoding="utf-8"?>
 <p:presentation xmlns:a="http://schemas.openxmlformats.org/drawingml/2006/main" xmlns:r="http://schemas.openxmlformats.org/officeDocument/2006/relationships" xmlns:p="http://schemas.openxmlformats.org/presentationml/2006/main" xmlns:p14="http://schemas.microsoft.com/office/powerpoint/2010/main" saveSubsetFonts="1" firstSlideNum="0">
   <p:sldMasterIdLst>
-    <p:sldMasterId id="2147486438" r:id="rId12"/>
+    <p:sldMasterId id="2147486465" r:id="rId12"/>
   </p:sldMasterIdLst>
   <p:notesMasterIdLst>
     <p:notesMasterId r:id="rId14"/>
@@ -10,17 +10,23 @@
   <p:sldIdLst>
     <p:sldId id="296" r:id="rId16"/>
     <p:sldId id="318" r:id="rId18"/>
-    <p:sldId id="316" r:id="rId19"/>
-    <p:sldId id="297" r:id="rId21"/>
-    <p:sldId id="319" r:id="rId23"/>
-    <p:sldId id="321" r:id="rId25"/>
-    <p:sldId id="322" r:id="rId27"/>
-    <p:sldId id="323" r:id="rId29"/>
-    <p:sldId id="324" r:id="rId31"/>
-    <p:sldId id="325" r:id="rId33"/>
+    <p:sldId id="316" r:id="rId20"/>
+    <p:sldId id="297" r:id="rId22"/>
+    <p:sldId id="319" r:id="rId24"/>
+    <p:sldId id="321" r:id="rId26"/>
+    <p:sldId id="322" r:id="rId28"/>
+    <p:sldId id="323" r:id="rId30"/>
+    <p:sldId id="324" r:id="rId32"/>
+    <p:sldId id="325" r:id="rId34"/>
     <p:sldId id="326" r:id="rId35"/>
     <p:sldId id="327" r:id="rId37"/>
-    <p:sldId id="328" r:id="rId38"/>
+    <p:sldId id="328" r:id="rId39"/>
+    <p:sldId id="329" r:id="rId41"/>
+    <p:sldId id="330" r:id="rId42"/>
+    <p:sldId id="331" r:id="rId43"/>
+    <p:sldId id="332" r:id="rId44"/>
+    <p:sldId id="333" r:id="rId45"/>
+    <p:sldId id="334" r:id="rId46"/>
   </p:sldIdLst>
   <p:sldSz cx="12192000" cy="6858000"/>
   <p:notesSz cx="6858000" cy="9144000"/>
@@ -1189,6 +1195,858 @@
 </p:notes>
 </file>
 
+<file path=ppt/notesSlides/notesSlide14.xml><?xml version="1.0" encoding="utf-8"?>
+<p:notes xmlns:a="http://schemas.openxmlformats.org/drawingml/2006/main" xmlns:r="http://schemas.openxmlformats.org/officeDocument/2006/relationships" xmlns:p="http://schemas.openxmlformats.org/presentationml/2006/main">
+  <p:cSld>
+    <p:spTree>
+      <p:nvGrpSpPr>
+        <p:cNvPr id="1" name=""/>
+        <p:cNvGrpSpPr/>
+        <p:nvPr/>
+      </p:nvGrpSpPr>
+      <p:grpSpPr>
+        <a:xfrm>
+          <a:off x="0" y="0"/>
+          <a:ext cx="0" cy="0"/>
+          <a:chOff x="0" y="0"/>
+          <a:chExt cx="0" cy="0"/>
+        </a:xfrm>
+      </p:grpSpPr>
+      <p:sp>
+        <p:nvSpPr>
+          <p:cNvPr id="2" name="슬라이드 이미지 개체 틀 3"/>
+          <p:cNvSpPr>
+            <a:spLocks noChangeAspect="1"/>
+          </p:cNvSpPr>
+          <p:nvPr>
+            <p:ph type="sldImg" idx="2"/>
+          </p:nvPr>
+        </p:nvSpPr>
+        <p:spPr>
+          <a:xfrm rot="0">
+            <a:off x="685800" y="1143000"/>
+            <a:ext cx="5495290" cy="3094990"/>
+          </a:xfrm>
+          <a:prstGeom prst="rect"/>
+          <a:noFill/>
+          <a:ln w="12700" cap="flat" cmpd="sng">
+            <a:solidFill>
+              <a:srgbClr val="000000">
+                <a:alpha val="100000"/>
+              </a:srgbClr>
+            </a:solidFill>
+            <a:prstDash val="solid"/>
+          </a:ln>
+        </p:spPr>
+        <p:txBody>
+          <a:bodyPr wrap="square" lIns="91440" tIns="45720" rIns="91440" bIns="45720" numCol="1" vert="horz" anchor="ctr">
+            <a:noAutofit/>
+          </a:bodyPr>
+          <a:lstStyle/>
+          <a:p>
+            <a:pPr marL="0" indent="0" latinLnBrk="0">
+              <a:buFontTx/>
+              <a:buNone/>
+            </a:pPr>
+          </a:p>
+        </p:txBody>
+      </p:sp>
+      <p:sp>
+        <p:nvSpPr>
+          <p:cNvPr id="3" name="슬라이드 노트 개체 틀 4"/>
+          <p:cNvSpPr txBox="1">
+            <a:spLocks/>
+          </p:cNvSpPr>
+          <p:nvPr>
+            <p:ph type="body" idx="3"/>
+          </p:nvPr>
+        </p:nvSpPr>
+        <p:spPr>
+          <a:xfrm rot="0">
+            <a:off x="685800" y="4400550"/>
+            <a:ext cx="5495290" cy="3609340"/>
+          </a:xfrm>
+          <a:prstGeom prst="rect"/>
+        </p:spPr>
+        <p:txBody>
+          <a:bodyPr wrap="square" lIns="91440" tIns="45720" rIns="91440" bIns="45720" numCol="1" vert="horz" anchor="t">
+            <a:noAutofit/>
+          </a:bodyPr>
+          <a:lstStyle/>
+          <a:p>
+            <a:pPr marL="0" indent="0" latinLnBrk="0">
+              <a:buFontTx/>
+              <a:buNone/>
+            </a:pPr>
+          </a:p>
+        </p:txBody>
+      </p:sp>
+      <p:sp>
+        <p:nvSpPr>
+          <p:cNvPr id="4" name="슬라이드 번호 개체 틀 6"/>
+          <p:cNvSpPr txBox="1">
+            <a:spLocks/>
+          </p:cNvSpPr>
+          <p:nvPr>
+            <p:ph type="sldNum" idx="5"/>
+          </p:nvPr>
+        </p:nvSpPr>
+        <p:spPr>
+          <a:xfrm rot="0">
+            <a:off x="3884930" y="8685530"/>
+            <a:ext cx="2980690" cy="467360"/>
+          </a:xfrm>
+          <a:prstGeom prst="rect"/>
+        </p:spPr>
+        <p:txBody>
+          <a:bodyPr wrap="square" lIns="91440" tIns="45720" rIns="91440" bIns="45720" numCol="1" vert="horz" anchor="b">
+            <a:noAutofit/>
+          </a:bodyPr>
+          <a:lstStyle>
+            <a:lvl1pPr marL="0" indent="0" algn="r" latinLnBrk="0">
+              <a:buFontTx/>
+              <a:buNone/>
+              <a:defRPr lang="en-GB" altLang="en-US" sz="1200"/>
+            </a:lvl1pPr>
+          </a:lstStyle>
+          <a:p>
+            <a:pPr marL="0" indent="0" latinLnBrk="0">
+              <a:buFontTx/>
+              <a:buNone/>
+            </a:pPr>
+            <a:fld id="{B9320F77-B9A0-41C5-862A-B4B631284C64}" type="slidenum">
+              <a:rPr lang="ko-KR" altLang="en-US"/>
+              <a:t>‹#›</a:t>
+            </a:fld>
+          </a:p>
+        </p:txBody>
+      </p:sp>
+    </p:spTree>
+  </p:cSld>
+  <p:clrMapOvr>
+    <a:masterClrMapping/>
+  </p:clrMapOvr>
+  <mc:AlternateContent xmlns:mc="http://schemas.openxmlformats.org/markup-compatibility/2006">
+    <mc:Choice xmlns:p14="http://schemas.microsoft.com/office/powerpoint/2010/main" Requires="p14">
+      <p:transition spd="slow" p14:dur="0"/>
+    </mc:Choice>
+    <mc:Fallback>
+      <p:transition spd="slow"/>
+    </mc:Fallback>
+  </mc:AlternateContent>
+</p:notes>
+</file>
+
+<file path=ppt/notesSlides/notesSlide15.xml><?xml version="1.0" encoding="utf-8"?>
+<p:notes xmlns:a="http://schemas.openxmlformats.org/drawingml/2006/main" xmlns:r="http://schemas.openxmlformats.org/officeDocument/2006/relationships" xmlns:p="http://schemas.openxmlformats.org/presentationml/2006/main">
+  <p:cSld>
+    <p:spTree>
+      <p:nvGrpSpPr>
+        <p:cNvPr id="1" name=""/>
+        <p:cNvGrpSpPr/>
+        <p:nvPr/>
+      </p:nvGrpSpPr>
+      <p:grpSpPr>
+        <a:xfrm>
+          <a:off x="0" y="0"/>
+          <a:ext cx="0" cy="0"/>
+          <a:chOff x="0" y="0"/>
+          <a:chExt cx="0" cy="0"/>
+        </a:xfrm>
+      </p:grpSpPr>
+      <p:sp>
+        <p:nvSpPr>
+          <p:cNvPr id="2" name="슬라이드 이미지 개체 틀 3"/>
+          <p:cNvSpPr>
+            <a:spLocks noChangeAspect="1"/>
+          </p:cNvSpPr>
+          <p:nvPr>
+            <p:ph type="sldImg" idx="2"/>
+          </p:nvPr>
+        </p:nvSpPr>
+        <p:spPr>
+          <a:xfrm rot="0">
+            <a:off x="685800" y="1143000"/>
+            <a:ext cx="5495290" cy="3094990"/>
+          </a:xfrm>
+          <a:prstGeom prst="rect"/>
+          <a:noFill/>
+          <a:ln w="12700" cap="flat" cmpd="sng">
+            <a:solidFill>
+              <a:srgbClr val="000000">
+                <a:alpha val="100000"/>
+              </a:srgbClr>
+            </a:solidFill>
+            <a:prstDash val="solid"/>
+          </a:ln>
+        </p:spPr>
+        <p:txBody>
+          <a:bodyPr wrap="square" lIns="91440" tIns="45720" rIns="91440" bIns="45720" numCol="1" vert="horz" anchor="ctr">
+            <a:noAutofit/>
+          </a:bodyPr>
+          <a:lstStyle/>
+          <a:p>
+            <a:pPr marL="0" indent="0" latinLnBrk="0">
+              <a:buFontTx/>
+              <a:buNone/>
+            </a:pPr>
+          </a:p>
+        </p:txBody>
+      </p:sp>
+      <p:sp>
+        <p:nvSpPr>
+          <p:cNvPr id="3" name="슬라이드 노트 개체 틀 4"/>
+          <p:cNvSpPr txBox="1">
+            <a:spLocks/>
+          </p:cNvSpPr>
+          <p:nvPr>
+            <p:ph type="body" idx="3"/>
+          </p:nvPr>
+        </p:nvSpPr>
+        <p:spPr>
+          <a:xfrm rot="0">
+            <a:off x="685800" y="4400550"/>
+            <a:ext cx="5495290" cy="3609340"/>
+          </a:xfrm>
+          <a:prstGeom prst="rect"/>
+        </p:spPr>
+        <p:txBody>
+          <a:bodyPr wrap="square" lIns="91440" tIns="45720" rIns="91440" bIns="45720" numCol="1" vert="horz" anchor="t">
+            <a:noAutofit/>
+          </a:bodyPr>
+          <a:lstStyle/>
+          <a:p>
+            <a:pPr marL="0" indent="0" latinLnBrk="0">
+              <a:buFontTx/>
+              <a:buNone/>
+            </a:pPr>
+          </a:p>
+        </p:txBody>
+      </p:sp>
+      <p:sp>
+        <p:nvSpPr>
+          <p:cNvPr id="4" name="슬라이드 번호 개체 틀 6"/>
+          <p:cNvSpPr txBox="1">
+            <a:spLocks/>
+          </p:cNvSpPr>
+          <p:nvPr>
+            <p:ph type="sldNum" idx="5"/>
+          </p:nvPr>
+        </p:nvSpPr>
+        <p:spPr>
+          <a:xfrm rot="0">
+            <a:off x="3884930" y="8685530"/>
+            <a:ext cx="2980690" cy="467360"/>
+          </a:xfrm>
+          <a:prstGeom prst="rect"/>
+        </p:spPr>
+        <p:txBody>
+          <a:bodyPr wrap="square" lIns="91440" tIns="45720" rIns="91440" bIns="45720" numCol="1" vert="horz" anchor="b">
+            <a:noAutofit/>
+          </a:bodyPr>
+          <a:lstStyle>
+            <a:lvl1pPr marL="0" indent="0" algn="r" latinLnBrk="0">
+              <a:buFontTx/>
+              <a:buNone/>
+              <a:defRPr lang="en-GB" altLang="en-US" sz="1200"/>
+            </a:lvl1pPr>
+          </a:lstStyle>
+          <a:p>
+            <a:pPr marL="0" indent="0" latinLnBrk="0">
+              <a:buFontTx/>
+              <a:buNone/>
+            </a:pPr>
+            <a:fld id="{B9320F77-B9A0-41C5-862A-B4B631284C64}" type="slidenum">
+              <a:rPr lang="ko-KR" altLang="en-US"/>
+              <a:t>‹#›</a:t>
+            </a:fld>
+          </a:p>
+        </p:txBody>
+      </p:sp>
+    </p:spTree>
+  </p:cSld>
+  <p:clrMapOvr>
+    <a:masterClrMapping/>
+  </p:clrMapOvr>
+  <mc:AlternateContent xmlns:mc="http://schemas.openxmlformats.org/markup-compatibility/2006">
+    <mc:Choice xmlns:p14="http://schemas.microsoft.com/office/powerpoint/2010/main" Requires="p14">
+      <p:transition spd="slow" p14:dur="0"/>
+    </mc:Choice>
+    <mc:Fallback>
+      <p:transition spd="slow"/>
+    </mc:Fallback>
+  </mc:AlternateContent>
+</p:notes>
+</file>
+
+<file path=ppt/notesSlides/notesSlide16.xml><?xml version="1.0" encoding="utf-8"?>
+<p:notes xmlns:a="http://schemas.openxmlformats.org/drawingml/2006/main" xmlns:r="http://schemas.openxmlformats.org/officeDocument/2006/relationships" xmlns:p="http://schemas.openxmlformats.org/presentationml/2006/main">
+  <p:cSld>
+    <p:spTree>
+      <p:nvGrpSpPr>
+        <p:cNvPr id="1" name=""/>
+        <p:cNvGrpSpPr/>
+        <p:nvPr/>
+      </p:nvGrpSpPr>
+      <p:grpSpPr>
+        <a:xfrm>
+          <a:off x="0" y="0"/>
+          <a:ext cx="0" cy="0"/>
+          <a:chOff x="0" y="0"/>
+          <a:chExt cx="0" cy="0"/>
+        </a:xfrm>
+      </p:grpSpPr>
+      <p:sp>
+        <p:nvSpPr>
+          <p:cNvPr id="2" name="슬라이드 이미지 개체 틀 3"/>
+          <p:cNvSpPr>
+            <a:spLocks noChangeAspect="1"/>
+          </p:cNvSpPr>
+          <p:nvPr>
+            <p:ph type="sldImg" idx="2"/>
+          </p:nvPr>
+        </p:nvSpPr>
+        <p:spPr>
+          <a:xfrm rot="0">
+            <a:off x="685800" y="1143000"/>
+            <a:ext cx="5495290" cy="3094990"/>
+          </a:xfrm>
+          <a:prstGeom prst="rect"/>
+          <a:noFill/>
+          <a:ln w="12700" cap="flat" cmpd="sng">
+            <a:solidFill>
+              <a:srgbClr val="000000">
+                <a:alpha val="100000"/>
+              </a:srgbClr>
+            </a:solidFill>
+            <a:prstDash val="solid"/>
+          </a:ln>
+        </p:spPr>
+        <p:txBody>
+          <a:bodyPr wrap="square" lIns="91440" tIns="45720" rIns="91440" bIns="45720" numCol="1" vert="horz" anchor="ctr">
+            <a:noAutofit/>
+          </a:bodyPr>
+          <a:lstStyle/>
+          <a:p>
+            <a:pPr marL="0" indent="0" latinLnBrk="0">
+              <a:buFontTx/>
+              <a:buNone/>
+            </a:pPr>
+          </a:p>
+        </p:txBody>
+      </p:sp>
+      <p:sp>
+        <p:nvSpPr>
+          <p:cNvPr id="3" name="슬라이드 노트 개체 틀 4"/>
+          <p:cNvSpPr txBox="1">
+            <a:spLocks/>
+          </p:cNvSpPr>
+          <p:nvPr>
+            <p:ph type="body" idx="3"/>
+          </p:nvPr>
+        </p:nvSpPr>
+        <p:spPr>
+          <a:xfrm rot="0">
+            <a:off x="685800" y="4400550"/>
+            <a:ext cx="5495290" cy="3609340"/>
+          </a:xfrm>
+          <a:prstGeom prst="rect"/>
+        </p:spPr>
+        <p:txBody>
+          <a:bodyPr wrap="square" lIns="91440" tIns="45720" rIns="91440" bIns="45720" numCol="1" vert="horz" anchor="t">
+            <a:noAutofit/>
+          </a:bodyPr>
+          <a:lstStyle/>
+          <a:p>
+            <a:pPr marL="0" indent="0" latinLnBrk="0">
+              <a:buFontTx/>
+              <a:buNone/>
+            </a:pPr>
+          </a:p>
+        </p:txBody>
+      </p:sp>
+      <p:sp>
+        <p:nvSpPr>
+          <p:cNvPr id="4" name="슬라이드 번호 개체 틀 6"/>
+          <p:cNvSpPr txBox="1">
+            <a:spLocks/>
+          </p:cNvSpPr>
+          <p:nvPr>
+            <p:ph type="sldNum" idx="5"/>
+          </p:nvPr>
+        </p:nvSpPr>
+        <p:spPr>
+          <a:xfrm rot="0">
+            <a:off x="3884930" y="8685530"/>
+            <a:ext cx="2980690" cy="467360"/>
+          </a:xfrm>
+          <a:prstGeom prst="rect"/>
+        </p:spPr>
+        <p:txBody>
+          <a:bodyPr wrap="square" lIns="91440" tIns="45720" rIns="91440" bIns="45720" numCol="1" vert="horz" anchor="b">
+            <a:noAutofit/>
+          </a:bodyPr>
+          <a:lstStyle>
+            <a:lvl1pPr marL="0" indent="0" algn="r" latinLnBrk="0">
+              <a:buFontTx/>
+              <a:buNone/>
+              <a:defRPr lang="en-GB" altLang="en-US" sz="1200"/>
+            </a:lvl1pPr>
+          </a:lstStyle>
+          <a:p>
+            <a:pPr marL="0" indent="0" latinLnBrk="0">
+              <a:buFontTx/>
+              <a:buNone/>
+            </a:pPr>
+            <a:fld id="{B9320F77-B9A0-41C5-862A-B4B631284C64}" type="slidenum">
+              <a:rPr lang="ko-KR" altLang="en-US"/>
+              <a:t>‹#›</a:t>
+            </a:fld>
+          </a:p>
+        </p:txBody>
+      </p:sp>
+    </p:spTree>
+  </p:cSld>
+  <p:clrMapOvr>
+    <a:masterClrMapping/>
+  </p:clrMapOvr>
+  <mc:AlternateContent xmlns:mc="http://schemas.openxmlformats.org/markup-compatibility/2006">
+    <mc:Choice xmlns:p14="http://schemas.microsoft.com/office/powerpoint/2010/main" Requires="p14">
+      <p:transition spd="slow" p14:dur="0"/>
+    </mc:Choice>
+    <mc:Fallback>
+      <p:transition spd="slow"/>
+    </mc:Fallback>
+  </mc:AlternateContent>
+</p:notes>
+</file>
+
+<file path=ppt/notesSlides/notesSlide17.xml><?xml version="1.0" encoding="utf-8"?>
+<p:notes xmlns:a="http://schemas.openxmlformats.org/drawingml/2006/main" xmlns:r="http://schemas.openxmlformats.org/officeDocument/2006/relationships" xmlns:p="http://schemas.openxmlformats.org/presentationml/2006/main">
+  <p:cSld>
+    <p:spTree>
+      <p:nvGrpSpPr>
+        <p:cNvPr id="1" name=""/>
+        <p:cNvGrpSpPr/>
+        <p:nvPr/>
+      </p:nvGrpSpPr>
+      <p:grpSpPr>
+        <a:xfrm>
+          <a:off x="0" y="0"/>
+          <a:ext cx="0" cy="0"/>
+          <a:chOff x="0" y="0"/>
+          <a:chExt cx="0" cy="0"/>
+        </a:xfrm>
+      </p:grpSpPr>
+      <p:sp>
+        <p:nvSpPr>
+          <p:cNvPr id="2" name="슬라이드 이미지 개체 틀 3"/>
+          <p:cNvSpPr>
+            <a:spLocks noChangeAspect="1"/>
+          </p:cNvSpPr>
+          <p:nvPr>
+            <p:ph type="sldImg" idx="2"/>
+          </p:nvPr>
+        </p:nvSpPr>
+        <p:spPr>
+          <a:xfrm rot="0">
+            <a:off x="685800" y="1143000"/>
+            <a:ext cx="5495290" cy="3094990"/>
+          </a:xfrm>
+          <a:prstGeom prst="rect"/>
+          <a:noFill/>
+          <a:ln w="12700" cap="flat" cmpd="sng">
+            <a:solidFill>
+              <a:srgbClr val="000000">
+                <a:alpha val="100000"/>
+              </a:srgbClr>
+            </a:solidFill>
+            <a:prstDash val="solid"/>
+          </a:ln>
+        </p:spPr>
+        <p:txBody>
+          <a:bodyPr wrap="square" lIns="91440" tIns="45720" rIns="91440" bIns="45720" numCol="1" vert="horz" anchor="ctr">
+            <a:noAutofit/>
+          </a:bodyPr>
+          <a:lstStyle/>
+          <a:p>
+            <a:pPr marL="0" indent="0" latinLnBrk="0">
+              <a:buFontTx/>
+              <a:buNone/>
+            </a:pPr>
+          </a:p>
+        </p:txBody>
+      </p:sp>
+      <p:sp>
+        <p:nvSpPr>
+          <p:cNvPr id="3" name="슬라이드 노트 개체 틀 4"/>
+          <p:cNvSpPr txBox="1">
+            <a:spLocks/>
+          </p:cNvSpPr>
+          <p:nvPr>
+            <p:ph type="body" idx="3"/>
+          </p:nvPr>
+        </p:nvSpPr>
+        <p:spPr>
+          <a:xfrm rot="0">
+            <a:off x="685800" y="4400550"/>
+            <a:ext cx="5495290" cy="3609340"/>
+          </a:xfrm>
+          <a:prstGeom prst="rect"/>
+        </p:spPr>
+        <p:txBody>
+          <a:bodyPr wrap="square" lIns="91440" tIns="45720" rIns="91440" bIns="45720" numCol="1" vert="horz" anchor="t">
+            <a:noAutofit/>
+          </a:bodyPr>
+          <a:lstStyle/>
+          <a:p>
+            <a:pPr marL="0" indent="0" latinLnBrk="0">
+              <a:buFontTx/>
+              <a:buNone/>
+            </a:pPr>
+          </a:p>
+        </p:txBody>
+      </p:sp>
+      <p:sp>
+        <p:nvSpPr>
+          <p:cNvPr id="4" name="슬라이드 번호 개체 틀 6"/>
+          <p:cNvSpPr txBox="1">
+            <a:spLocks/>
+          </p:cNvSpPr>
+          <p:nvPr>
+            <p:ph type="sldNum" idx="5"/>
+          </p:nvPr>
+        </p:nvSpPr>
+        <p:spPr>
+          <a:xfrm rot="0">
+            <a:off x="3884930" y="8685530"/>
+            <a:ext cx="2980690" cy="467360"/>
+          </a:xfrm>
+          <a:prstGeom prst="rect"/>
+        </p:spPr>
+        <p:txBody>
+          <a:bodyPr wrap="square" lIns="91440" tIns="45720" rIns="91440" bIns="45720" numCol="1" vert="horz" anchor="b">
+            <a:noAutofit/>
+          </a:bodyPr>
+          <a:lstStyle>
+            <a:lvl1pPr marL="0" indent="0" algn="r" latinLnBrk="0">
+              <a:buFontTx/>
+              <a:buNone/>
+              <a:defRPr lang="en-GB" altLang="en-US" sz="1200"/>
+            </a:lvl1pPr>
+          </a:lstStyle>
+          <a:p>
+            <a:pPr marL="0" indent="0" latinLnBrk="0">
+              <a:buFontTx/>
+              <a:buNone/>
+            </a:pPr>
+            <a:fld id="{B9320F77-B9A0-41C5-862A-B4B631284C64}" type="slidenum">
+              <a:rPr lang="ko-KR" altLang="en-US"/>
+              <a:t>‹#›</a:t>
+            </a:fld>
+          </a:p>
+        </p:txBody>
+      </p:sp>
+    </p:spTree>
+  </p:cSld>
+  <p:clrMapOvr>
+    <a:masterClrMapping/>
+  </p:clrMapOvr>
+  <mc:AlternateContent xmlns:mc="http://schemas.openxmlformats.org/markup-compatibility/2006">
+    <mc:Choice xmlns:p14="http://schemas.microsoft.com/office/powerpoint/2010/main" Requires="p14">
+      <p:transition spd="slow" p14:dur="0"/>
+    </mc:Choice>
+    <mc:Fallback>
+      <p:transition spd="slow"/>
+    </mc:Fallback>
+  </mc:AlternateContent>
+</p:notes>
+</file>
+
+<file path=ppt/notesSlides/notesSlide18.xml><?xml version="1.0" encoding="utf-8"?>
+<p:notes xmlns:a="http://schemas.openxmlformats.org/drawingml/2006/main" xmlns:r="http://schemas.openxmlformats.org/officeDocument/2006/relationships" xmlns:p="http://schemas.openxmlformats.org/presentationml/2006/main">
+  <p:cSld>
+    <p:spTree>
+      <p:nvGrpSpPr>
+        <p:cNvPr id="1" name=""/>
+        <p:cNvGrpSpPr/>
+        <p:nvPr/>
+      </p:nvGrpSpPr>
+      <p:grpSpPr>
+        <a:xfrm>
+          <a:off x="0" y="0"/>
+          <a:ext cx="0" cy="0"/>
+          <a:chOff x="0" y="0"/>
+          <a:chExt cx="0" cy="0"/>
+        </a:xfrm>
+      </p:grpSpPr>
+      <p:sp>
+        <p:nvSpPr>
+          <p:cNvPr id="2" name="슬라이드 이미지 개체 틀 3"/>
+          <p:cNvSpPr>
+            <a:spLocks noChangeAspect="1"/>
+          </p:cNvSpPr>
+          <p:nvPr>
+            <p:ph type="sldImg" idx="2"/>
+          </p:nvPr>
+        </p:nvSpPr>
+        <p:spPr>
+          <a:xfrm rot="0">
+            <a:off x="685800" y="1143000"/>
+            <a:ext cx="5495290" cy="3094990"/>
+          </a:xfrm>
+          <a:prstGeom prst="rect"/>
+          <a:noFill/>
+          <a:ln w="12700" cap="flat" cmpd="sng">
+            <a:solidFill>
+              <a:srgbClr val="000000">
+                <a:alpha val="100000"/>
+              </a:srgbClr>
+            </a:solidFill>
+            <a:prstDash val="solid"/>
+          </a:ln>
+        </p:spPr>
+        <p:txBody>
+          <a:bodyPr wrap="square" lIns="91440" tIns="45720" rIns="91440" bIns="45720" numCol="1" vert="horz" anchor="ctr">
+            <a:noAutofit/>
+          </a:bodyPr>
+          <a:lstStyle/>
+          <a:p>
+            <a:pPr marL="0" indent="0" latinLnBrk="0">
+              <a:buFontTx/>
+              <a:buNone/>
+            </a:pPr>
+          </a:p>
+        </p:txBody>
+      </p:sp>
+      <p:sp>
+        <p:nvSpPr>
+          <p:cNvPr id="3" name="슬라이드 노트 개체 틀 4"/>
+          <p:cNvSpPr txBox="1">
+            <a:spLocks/>
+          </p:cNvSpPr>
+          <p:nvPr>
+            <p:ph type="body" idx="3"/>
+          </p:nvPr>
+        </p:nvSpPr>
+        <p:spPr>
+          <a:xfrm rot="0">
+            <a:off x="685800" y="4400550"/>
+            <a:ext cx="5495290" cy="3609340"/>
+          </a:xfrm>
+          <a:prstGeom prst="rect"/>
+        </p:spPr>
+        <p:txBody>
+          <a:bodyPr wrap="square" lIns="91440" tIns="45720" rIns="91440" bIns="45720" numCol="1" vert="horz" anchor="t">
+            <a:noAutofit/>
+          </a:bodyPr>
+          <a:lstStyle/>
+          <a:p>
+            <a:pPr marL="0" indent="0" latinLnBrk="0">
+              <a:buFontTx/>
+              <a:buNone/>
+            </a:pPr>
+          </a:p>
+        </p:txBody>
+      </p:sp>
+      <p:sp>
+        <p:nvSpPr>
+          <p:cNvPr id="4" name="슬라이드 번호 개체 틀 6"/>
+          <p:cNvSpPr txBox="1">
+            <a:spLocks/>
+          </p:cNvSpPr>
+          <p:nvPr>
+            <p:ph type="sldNum" idx="5"/>
+          </p:nvPr>
+        </p:nvSpPr>
+        <p:spPr>
+          <a:xfrm rot="0">
+            <a:off x="3884930" y="8685530"/>
+            <a:ext cx="2980690" cy="467360"/>
+          </a:xfrm>
+          <a:prstGeom prst="rect"/>
+        </p:spPr>
+        <p:txBody>
+          <a:bodyPr wrap="square" lIns="91440" tIns="45720" rIns="91440" bIns="45720" numCol="1" vert="horz" anchor="b">
+            <a:noAutofit/>
+          </a:bodyPr>
+          <a:lstStyle>
+            <a:lvl1pPr marL="0" indent="0" algn="r" latinLnBrk="0">
+              <a:buFontTx/>
+              <a:buNone/>
+              <a:defRPr lang="en-GB" altLang="en-US" sz="1200"/>
+            </a:lvl1pPr>
+          </a:lstStyle>
+          <a:p>
+            <a:pPr marL="0" indent="0" latinLnBrk="0">
+              <a:buFontTx/>
+              <a:buNone/>
+            </a:pPr>
+            <a:fld id="{B9320F77-B9A0-41C5-862A-B4B631284C64}" type="slidenum">
+              <a:rPr lang="ko-KR" altLang="en-US"/>
+              <a:t>‹#›</a:t>
+            </a:fld>
+          </a:p>
+        </p:txBody>
+      </p:sp>
+    </p:spTree>
+  </p:cSld>
+  <p:clrMapOvr>
+    <a:masterClrMapping/>
+  </p:clrMapOvr>
+  <mc:AlternateContent xmlns:mc="http://schemas.openxmlformats.org/markup-compatibility/2006">
+    <mc:Choice xmlns:p14="http://schemas.microsoft.com/office/powerpoint/2010/main" Requires="p14">
+      <p:transition spd="slow" p14:dur="0"/>
+    </mc:Choice>
+    <mc:Fallback>
+      <p:transition spd="slow"/>
+    </mc:Fallback>
+  </mc:AlternateContent>
+</p:notes>
+</file>
+
+<file path=ppt/notesSlides/notesSlide19.xml><?xml version="1.0" encoding="utf-8"?>
+<p:notes xmlns:a="http://schemas.openxmlformats.org/drawingml/2006/main" xmlns:r="http://schemas.openxmlformats.org/officeDocument/2006/relationships" xmlns:p="http://schemas.openxmlformats.org/presentationml/2006/main">
+  <p:cSld>
+    <p:spTree>
+      <p:nvGrpSpPr>
+        <p:cNvPr id="1" name=""/>
+        <p:cNvGrpSpPr/>
+        <p:nvPr/>
+      </p:nvGrpSpPr>
+      <p:grpSpPr>
+        <a:xfrm>
+          <a:off x="0" y="0"/>
+          <a:ext cx="0" cy="0"/>
+          <a:chOff x="0" y="0"/>
+          <a:chExt cx="0" cy="0"/>
+        </a:xfrm>
+      </p:grpSpPr>
+      <p:sp>
+        <p:nvSpPr>
+          <p:cNvPr id="2" name="슬라이드 이미지 개체 틀 3"/>
+          <p:cNvSpPr>
+            <a:spLocks noChangeAspect="1"/>
+          </p:cNvSpPr>
+          <p:nvPr>
+            <p:ph type="sldImg" idx="2"/>
+          </p:nvPr>
+        </p:nvSpPr>
+        <p:spPr>
+          <a:xfrm rot="0">
+            <a:off x="685800" y="1143000"/>
+            <a:ext cx="5495290" cy="3094990"/>
+          </a:xfrm>
+          <a:prstGeom prst="rect"/>
+          <a:noFill/>
+          <a:ln w="12700" cap="flat" cmpd="sng">
+            <a:solidFill>
+              <a:srgbClr val="000000">
+                <a:alpha val="100000"/>
+              </a:srgbClr>
+            </a:solidFill>
+            <a:prstDash val="solid"/>
+          </a:ln>
+        </p:spPr>
+        <p:txBody>
+          <a:bodyPr wrap="square" lIns="91440" tIns="45720" rIns="91440" bIns="45720" numCol="1" vert="horz" anchor="ctr">
+            <a:noAutofit/>
+          </a:bodyPr>
+          <a:lstStyle/>
+          <a:p>
+            <a:pPr marL="0" indent="0" latinLnBrk="0">
+              <a:buFontTx/>
+              <a:buNone/>
+            </a:pPr>
+          </a:p>
+        </p:txBody>
+      </p:sp>
+      <p:sp>
+        <p:nvSpPr>
+          <p:cNvPr id="3" name="슬라이드 노트 개체 틀 4"/>
+          <p:cNvSpPr txBox="1">
+            <a:spLocks/>
+          </p:cNvSpPr>
+          <p:nvPr>
+            <p:ph type="body" idx="3"/>
+          </p:nvPr>
+        </p:nvSpPr>
+        <p:spPr>
+          <a:xfrm rot="0">
+            <a:off x="685800" y="4400550"/>
+            <a:ext cx="5495290" cy="3609340"/>
+          </a:xfrm>
+          <a:prstGeom prst="rect"/>
+        </p:spPr>
+        <p:txBody>
+          <a:bodyPr wrap="square" lIns="91440" tIns="45720" rIns="91440" bIns="45720" numCol="1" vert="horz" anchor="t">
+            <a:noAutofit/>
+          </a:bodyPr>
+          <a:lstStyle/>
+          <a:p>
+            <a:pPr marL="0" indent="0" latinLnBrk="0">
+              <a:buFontTx/>
+              <a:buNone/>
+            </a:pPr>
+          </a:p>
+        </p:txBody>
+      </p:sp>
+      <p:sp>
+        <p:nvSpPr>
+          <p:cNvPr id="4" name="슬라이드 번호 개체 틀 6"/>
+          <p:cNvSpPr txBox="1">
+            <a:spLocks/>
+          </p:cNvSpPr>
+          <p:nvPr>
+            <p:ph type="sldNum" idx="5"/>
+          </p:nvPr>
+        </p:nvSpPr>
+        <p:spPr>
+          <a:xfrm rot="0">
+            <a:off x="3884930" y="8685530"/>
+            <a:ext cx="2980690" cy="467360"/>
+          </a:xfrm>
+          <a:prstGeom prst="rect"/>
+        </p:spPr>
+        <p:txBody>
+          <a:bodyPr wrap="square" lIns="91440" tIns="45720" rIns="91440" bIns="45720" numCol="1" vert="horz" anchor="b">
+            <a:noAutofit/>
+          </a:bodyPr>
+          <a:lstStyle>
+            <a:lvl1pPr marL="0" indent="0" algn="r" latinLnBrk="0">
+              <a:buFontTx/>
+              <a:buNone/>
+              <a:defRPr lang="en-GB" altLang="en-US" sz="1200"/>
+            </a:lvl1pPr>
+          </a:lstStyle>
+          <a:p>
+            <a:pPr marL="0" indent="0" latinLnBrk="0">
+              <a:buFontTx/>
+              <a:buNone/>
+            </a:pPr>
+            <a:fld id="{B9320F77-B9A0-41C5-862A-B4B631284C64}" type="slidenum">
+              <a:rPr lang="ko-KR" altLang="en-US"/>
+              <a:t>‹#›</a:t>
+            </a:fld>
+          </a:p>
+        </p:txBody>
+      </p:sp>
+    </p:spTree>
+  </p:cSld>
+  <p:clrMapOvr>
+    <a:masterClrMapping/>
+  </p:clrMapOvr>
+  <mc:AlternateContent xmlns:mc="http://schemas.openxmlformats.org/markup-compatibility/2006">
+    <mc:Choice xmlns:p14="http://schemas.microsoft.com/office/powerpoint/2010/main" Requires="p14">
+      <p:transition spd="slow" p14:dur="0"/>
+    </mc:Choice>
+    <mc:Fallback>
+      <p:transition spd="slow"/>
+    </mc:Fallback>
+  </mc:AlternateContent>
+</p:notes>
+</file>
+
 <file path=ppt/notesSlides/notesSlide2.xml><?xml version="1.0" encoding="utf-8"?>
 <p:notes xmlns:a="http://schemas.openxmlformats.org/drawingml/2006/main" xmlns:r="http://schemas.openxmlformats.org/officeDocument/2006/relationships" xmlns:p="http://schemas.openxmlformats.org/presentationml/2006/main">
   <p:cSld>
@@ -8107,8 +8965,8 @@
         </p:nvSpPr>
         <p:spPr>
           <a:xfrm rot="0">
-            <a:off x="6830695" y="2922905"/>
-            <a:ext cx="4126865" cy="954405"/>
+            <a:off x="6830695" y="2957195"/>
+            <a:ext cx="4127500" cy="955040"/>
           </a:xfrm>
           <a:prstGeom prst="rect"/>
           <a:noFill/>
@@ -8135,7 +8993,7 @@
                 <a:latin typeface="맑은 고딕" charset="0"/>
                 <a:ea typeface="맑은 고딕" charset="0"/>
               </a:rPr>
-              <a:t>2</a:t>
+              <a:t>26.</a:t>
             </a:r>
             <a:r>
               <a:rPr lang="ko-KR" sz="2000" b="1">
@@ -8145,26 +9003,6 @@
                 <a:latin typeface="맑은 고딕" charset="0"/>
                 <a:ea typeface="맑은 고딕" charset="0"/>
               </a:rPr>
-              <a:t>6</a:t>
-            </a:r>
-            <a:r>
-              <a:rPr lang="ko-KR" sz="2000" b="1">
-                <a:solidFill>
-                  <a:srgbClr val="0611F2"/>
-                </a:solidFill>
-                <a:latin typeface="맑은 고딕" charset="0"/>
-                <a:ea typeface="맑은 고딕" charset="0"/>
-              </a:rPr>
-              <a:t>.</a:t>
-            </a:r>
-            <a:r>
-              <a:rPr lang="ko-KR" sz="2000" b="1">
-                <a:solidFill>
-                  <a:srgbClr val="0611F2"/>
-                </a:solidFill>
-                <a:latin typeface="맑은 고딕" charset="0"/>
-                <a:ea typeface="맑은 고딕" charset="0"/>
-              </a:rPr>
               <a:t> </a:t>
             </a:r>
             <a:r>
@@ -8186,42 +9024,21 @@
                 <a:latin typeface="맑은 고딕" charset="0"/>
                 <a:ea typeface="맑은 고딕" charset="0"/>
               </a:rPr>
-              <a:t> </a:t>
-            </a:r>
-            <a:r>
-              <a:rPr lang="ko-KR" sz="1800">
-                <a:latin typeface="맑은 고딕" charset="0"/>
-                <a:ea typeface="맑은 고딕" charset="0"/>
-              </a:rPr>
-              <a:t>앵커를 지정하고 크기와 </a:t>
-            </a:r>
-            <a:r>
-              <a:rPr lang="ko-KR" sz="1800">
-                <a:latin typeface="맑은 고딕" charset="0"/>
-                <a:ea typeface="맑은 고딕" charset="0"/>
-              </a:rPr>
-              <a:t>위</a:t>
-            </a:r>
-            <a:r>
-              <a:rPr lang="ko-KR" sz="1800">
-                <a:latin typeface="맑은 고딕" charset="0"/>
-                <a:ea typeface="맑은 고딕" charset="0"/>
-              </a:rPr>
-              <a:t>치</a:t>
-            </a:r>
-            <a:r>
-              <a:rPr lang="ko-KR" sz="1800">
-                <a:latin typeface="맑은 고딕" charset="0"/>
-                <a:ea typeface="맑은 고딕" charset="0"/>
-              </a:rPr>
-              <a:t> </a:t>
-            </a:r>
-            <a:r>
-              <a:rPr lang="ko-KR" sz="1800">
-                <a:latin typeface="맑은 고딕" charset="0"/>
-                <a:ea typeface="맑은 고딕" charset="0"/>
-              </a:rPr>
-              <a:t>값을 설정합니다.</a:t>
+              <a:t> 앵커를 지정하고 크기와 </a:t>
+            </a:r>
+            <a:r>
+              <a:rPr lang="ko-KR" sz="1800">
+                <a:latin typeface="맑은 고딕" charset="0"/>
+                <a:ea typeface="맑은 고딕" charset="0"/>
+              </a:rPr>
+              <a:t>위치</a:t>
+            </a:r>
+            <a:r>
+              <a:rPr lang="ko-KR" sz="1800">
+                <a:latin typeface="맑은 고딕" charset="0"/>
+                <a:ea typeface="맑은 고딕" charset="0"/>
+              </a:rPr>
+              <a:t> 값을 설정합니다.</a:t>
             </a:r>
             <a:endParaRPr lang="ko-KR" altLang="en-US" sz="1800">
               <a:latin typeface="맑은 고딕" charset="0"/>
@@ -8232,17 +9049,17 @@
       </p:sp>
       <p:pic>
         <p:nvPicPr>
-          <p:cNvPr id="1218" name="그림 7" descr="C:/Users/Admin1/AppData/Roaming/PolarisOffice/ETemp/30512_13752872/fImage1197515441.png"/>
+          <p:cNvPr id="1218" name="그림 7" descr="C:/Users/Admin1/AppData/Roaming/PolarisOffice/ETemp/4316_14940424/fImage1197515441.png"/>
           <p:cNvPicPr>
             <a:picLocks noChangeAspect="1"/>
           </p:cNvPicPr>
           <p:nvPr/>
         </p:nvPicPr>
         <p:blipFill rotWithShape="1">
-          <a:blip r:embed="rId10" cstate="print">
+          <a:blip r:embed="rId10" cstate="hqprint">
             <a:extLst>
               <a:ext uri="{28A0092B-C50C-407E-A947-70E740481C1C}">
-                <a14:useLocalDpi xmlns:a14="http://schemas.microsoft.com/office/drawing/2010/main" val="0"/>
+                <a14:useLocalDpi xmlns:a14="http://schemas.microsoft.com/office/drawing/2010/main"/>
               </a:ext>
             </a:extLst>
           </a:blip>
@@ -8252,8 +9069,8 @@
         </p:blipFill>
         <p:spPr>
           <a:xfrm rot="0">
-            <a:off x="6828155" y="3996690"/>
-            <a:ext cx="4129405" cy="1421765"/>
+            <a:off x="6828155" y="3979545"/>
+            <a:ext cx="4130040" cy="1473835"/>
           </a:xfrm>
           <a:prstGeom prst="roundRect"/>
           <a:solidFill>
@@ -8362,17 +9179,17 @@
       </p:sp>
       <p:pic>
         <p:nvPicPr>
-          <p:cNvPr id="1220" name="그림 11" descr="C:/Users/Admin1/AppData/Roaming/PolarisOffice/ETemp/30512_13752872/fImage123522408467.png"/>
+          <p:cNvPr id="1220" name="그림 11" descr="C:/Users/Admin1/AppData/Roaming/PolarisOffice/ETemp/4316_14940424/fImage123522408467.png"/>
           <p:cNvPicPr>
             <a:picLocks noChangeAspect="1"/>
           </p:cNvPicPr>
           <p:nvPr/>
         </p:nvPicPr>
         <p:blipFill rotWithShape="1">
-          <a:blip r:embed="rId11" cstate="print">
+          <a:blip r:embed="rId11" cstate="hqprint">
             <a:extLst>
               <a:ext uri="{28A0092B-C50C-407E-A947-70E740481C1C}">
-                <a14:useLocalDpi xmlns:a14="http://schemas.microsoft.com/office/drawing/2010/main" val="0"/>
+                <a14:useLocalDpi xmlns:a14="http://schemas.microsoft.com/office/drawing/2010/main"/>
               </a:ext>
             </a:extLst>
           </a:blip>
@@ -8383,7 +9200,7 @@
         <p:spPr>
           <a:xfrm rot="0">
             <a:off x="6830695" y="1455420"/>
-            <a:ext cx="4126865" cy="1396365"/>
+            <a:ext cx="4127500" cy="1447800"/>
           </a:xfrm>
           <a:prstGeom prst="roundRect"/>
           <a:solidFill>
@@ -10578,6 +11395,3752 @@
           </a:p>
         </p:txBody>
       </p:sp>
+    </p:spTree>
+  </p:cSld>
+  <p:clrMapOvr>
+    <a:masterClrMapping/>
+  </p:clrMapOvr>
+  <mc:AlternateContent xmlns:mc="http://schemas.openxmlformats.org/markup-compatibility/2006">
+    <mc:Choice xmlns:p14="http://schemas.microsoft.com/office/powerpoint/2010/main" Requires="p14">
+      <p:transition spd="slow" p14:dur="2000"/>
+    </mc:Choice>
+    <mc:Fallback>
+      <p:transition spd="slow"/>
+    </mc:Fallback>
+  </mc:AlternateContent>
+  <p:timing>
+    <p:tnLst>
+      <p:par>
+        <p:cTn id="1" dur="indefinite" restart="never" nodeType="tmRoot"/>
+      </p:par>
+    </p:tnLst>
+  </p:timing>
+</p:sld>
+</file>
+
+<file path=ppt/slides/slide14.xml><?xml version="1.0" encoding="utf-8"?>
+<p:sld xmlns:a="http://schemas.openxmlformats.org/drawingml/2006/main" xmlns:r="http://schemas.openxmlformats.org/officeDocument/2006/relationships" xmlns:p="http://schemas.openxmlformats.org/presentationml/2006/main">
+  <p:cSld>
+    <p:spTree>
+      <p:nvGrpSpPr>
+        <p:cNvPr id="1" name=""/>
+        <p:cNvGrpSpPr/>
+        <p:nvPr/>
+      </p:nvGrpSpPr>
+      <p:grpSpPr>
+        <a:xfrm>
+          <a:off x="0" y="0"/>
+          <a:ext cx="0" cy="0"/>
+          <a:chOff x="0" y="0"/>
+          <a:chExt cx="0" cy="0"/>
+        </a:xfrm>
+      </p:grpSpPr>
+      <p:sp>
+        <p:nvSpPr>
+          <p:cNvPr id="1154" name="Rect 0"/>
+          <p:cNvSpPr txBox="1">
+            <a:spLocks/>
+          </p:cNvSpPr>
+          <p:nvPr/>
+        </p:nvSpPr>
+        <p:spPr>
+          <a:xfrm rot="0">
+            <a:off x="4280535" y="405130"/>
+            <a:ext cx="3630930" cy="478155"/>
+          </a:xfrm>
+          <a:prstGeom prst="rect"/>
+          <a:noFill/>
+          <a:ln w="0">
+            <a:noFill/>
+            <a:prstDash/>
+          </a:ln>
+        </p:spPr>
+        <p:txBody>
+          <a:bodyPr wrap="square" lIns="89535" tIns="46355" rIns="89535" bIns="46355" numCol="1" vert="horz" anchor="t">
+            <a:spAutoFit/>
+          </a:bodyPr>
+          <a:lstStyle/>
+          <a:p>
+            <a:pPr marL="0" indent="0" algn="ctr" latinLnBrk="0">
+              <a:buFontTx/>
+              <a:buNone/>
+            </a:pPr>
+            <a:r>
+              <a:rPr lang="ko-KR" altLang="en-US" sz="2500" b="1">
+                <a:solidFill>
+                  <a:schemeClr val="tx1"/>
+                </a:solidFill>
+                <a:latin typeface="나눔바른고딕" charset="0"/>
+                <a:ea typeface="나눔바른고딕" charset="0"/>
+              </a:rPr>
+              <a:t>열네</a:t>
+            </a:r>
+            <a:r>
+              <a:rPr lang="ko-KR" altLang="en-US" sz="2500" b="1">
+                <a:solidFill>
+                  <a:schemeClr val="tx1"/>
+                </a:solidFill>
+                <a:latin typeface="나눔바른고딕" charset="0"/>
+                <a:ea typeface="나눔바른고딕" charset="0"/>
+              </a:rPr>
+              <a:t> 번째 튜토리얼</a:t>
+            </a:r>
+            <a:endParaRPr lang="ko-KR" altLang="en-US" sz="2500" b="1">
+              <a:solidFill>
+                <a:schemeClr val="tx1"/>
+              </a:solidFill>
+              <a:latin typeface="나눔바른고딕" charset="0"/>
+              <a:ea typeface="나눔바른고딕" charset="0"/>
+            </a:endParaRPr>
+          </a:p>
+        </p:txBody>
+      </p:sp>
+      <p:sp>
+        <p:nvSpPr>
+          <p:cNvPr id="1207" name="Rect 0"/>
+          <p:cNvSpPr txBox="1">
+            <a:spLocks/>
+          </p:cNvSpPr>
+          <p:nvPr/>
+        </p:nvSpPr>
+        <p:spPr>
+          <a:xfrm rot="0">
+            <a:off x="1240790" y="5240020"/>
+            <a:ext cx="4135120" cy="936625"/>
+          </a:xfrm>
+          <a:prstGeom prst="rect"/>
+          <a:noFill/>
+        </p:spPr>
+        <p:txBody>
+          <a:bodyPr wrap="square" lIns="0" tIns="0" rIns="0" bIns="0" numCol="1" vert="horz" anchor="t">
+            <a:noAutofit/>
+          </a:bodyPr>
+          <a:lstStyle/>
+          <a:p>
+            <a:pPr marL="0" indent="0" rtl="0" algn="l" defTabSz="914400" eaLnBrk="1" latinLnBrk="0" hangingPunct="1">
+              <a:buFontTx/>
+              <a:buNone/>
+            </a:pPr>
+            <a:r>
+              <a:rPr sz="2000" b="1">
+                <a:solidFill>
+                  <a:srgbClr val="0611F2"/>
+                </a:solidFill>
+                <a:latin typeface="맑은 고딕" charset="0"/>
+                <a:ea typeface="맑은 고딕" charset="0"/>
+              </a:rPr>
+              <a:t>3</a:t>
+            </a:r>
+            <a:r>
+              <a:rPr sz="2000" b="1">
+                <a:solidFill>
+                  <a:srgbClr val="0611F2"/>
+                </a:solidFill>
+                <a:latin typeface="맑은 고딕" charset="0"/>
+                <a:ea typeface="맑은 고딕" charset="0"/>
+              </a:rPr>
+              <a:t>5</a:t>
+            </a:r>
+            <a:r>
+              <a:rPr sz="2000" b="1">
+                <a:solidFill>
+                  <a:srgbClr val="0611F2"/>
+                </a:solidFill>
+                <a:latin typeface="맑은 고딕" charset="0"/>
+                <a:ea typeface="맑은 고딕" charset="0"/>
+              </a:rPr>
+              <a:t>.</a:t>
+            </a:r>
+            <a:r>
+              <a:rPr sz="2000" b="1">
+                <a:solidFill>
+                  <a:srgbClr val="0611F2"/>
+                </a:solidFill>
+                <a:latin typeface="맑은 고딕" charset="0"/>
+                <a:ea typeface="맑은 고딕" charset="0"/>
+              </a:rPr>
+              <a:t> </a:t>
+            </a:r>
+            <a:r>
+              <a:rPr sz="1800">
+                <a:latin typeface="맑은 고딕" charset="0"/>
+                <a:ea typeface="맑은 고딕" charset="0"/>
+              </a:rPr>
+              <a:t>그리고 </a:t>
+            </a:r>
+            <a:r>
+              <a:rPr sz="1800">
+                <a:latin typeface="맑은 고딕" charset="0"/>
+                <a:ea typeface="맑은 고딕" charset="0"/>
+              </a:rPr>
+              <a:t>C# Script를 생성한 다음 </a:t>
+            </a:r>
+            <a:r>
+              <a:rPr sz="1800">
+                <a:latin typeface="맑은 고딕" charset="0"/>
+                <a:ea typeface="맑은 고딕" charset="0"/>
+              </a:rPr>
+              <a:t>PhysicsManager</a:t>
+            </a:r>
+            <a:r>
+              <a:rPr sz="1800">
+                <a:latin typeface="맑은 고딕" charset="0"/>
+                <a:ea typeface="맑은 고딕" charset="0"/>
+              </a:rPr>
+              <a:t> 라는 이름으로 </a:t>
+            </a:r>
+            <a:r>
+              <a:rPr sz="1800">
+                <a:latin typeface="맑은 고딕" charset="0"/>
+                <a:ea typeface="맑은 고딕" charset="0"/>
+              </a:rPr>
+              <a:t>정의합니다.</a:t>
+            </a:r>
+            <a:r>
+              <a:rPr sz="1800">
+                <a:latin typeface="맑은 고딕" charset="0"/>
+                <a:ea typeface="맑은 고딕" charset="0"/>
+              </a:rPr>
+              <a:t> </a:t>
+            </a:r>
+            <a:endParaRPr lang="ko-KR" altLang="en-US" sz="1800">
+              <a:latin typeface="맑은 고딕" charset="0"/>
+              <a:ea typeface="맑은 고딕" charset="0"/>
+            </a:endParaRPr>
+          </a:p>
+        </p:txBody>
+      </p:sp>
+      <p:pic>
+        <p:nvPicPr>
+          <p:cNvPr id="1219" name="그림 2" descr="C:/Users/Admin1/AppData/Roaming/PolarisOffice/ETemp/4316_14940424/fImage828928641.png"/>
+          <p:cNvPicPr>
+            <a:picLocks noChangeAspect="1"/>
+          </p:cNvPicPr>
+          <p:nvPr/>
+        </p:nvPicPr>
+        <p:blipFill rotWithShape="1">
+          <a:blip r:embed="rId2" cstate="hqprint">
+            <a:extLst>
+              <a:ext uri="{28A0092B-C50C-407E-A947-70E740481C1C}">
+                <a14:useLocalDpi xmlns:a14="http://schemas.microsoft.com/office/drawing/2010/main"/>
+              </a:ext>
+            </a:extLst>
+          </a:blip>
+          <a:stretch>
+            <a:fillRect/>
+          </a:stretch>
+        </p:blipFill>
+        <p:spPr>
+          <a:xfrm rot="0">
+            <a:off x="1240790" y="1446530"/>
+            <a:ext cx="2868930" cy="3542665"/>
+          </a:xfrm>
+          <a:prstGeom prst="roundRect"/>
+          <a:solidFill>
+            <a:srgbClr val="EDEDED"/>
+          </a:solidFill>
+        </p:spPr>
+      </p:pic>
+      <p:pic>
+        <p:nvPicPr>
+          <p:cNvPr id="1220" name="그림 3" descr="C:/Users/Admin1/AppData/Roaming/PolarisOffice/ETemp/4316_14940424/fImage25972878467.png"/>
+          <p:cNvPicPr>
+            <a:picLocks noChangeAspect="1"/>
+          </p:cNvPicPr>
+          <p:nvPr/>
+        </p:nvPicPr>
+        <p:blipFill rotWithShape="1">
+          <a:blip r:embed="rId3" cstate="print">
+            <a:extLst>
+              <a:ext uri="{28A0092B-C50C-407E-A947-70E740481C1C}">
+                <a14:useLocalDpi xmlns:a14="http://schemas.microsoft.com/office/drawing/2010/main" val="0"/>
+              </a:ext>
+            </a:extLst>
+          </a:blip>
+          <a:stretch>
+            <a:fillRect/>
+          </a:stretch>
+        </p:blipFill>
+        <p:spPr>
+          <a:xfrm rot="0">
+            <a:off x="4358640" y="2626995"/>
+            <a:ext cx="1017270" cy="1189355"/>
+          </a:xfrm>
+          <a:prstGeom prst="roundRect"/>
+          <a:solidFill>
+            <a:srgbClr val="EDEDED"/>
+          </a:solidFill>
+        </p:spPr>
+      </p:pic>
+      <p:pic>
+        <p:nvPicPr>
+          <p:cNvPr id="1221" name="그림 7" descr="C:/Users/Admin1/AppData/Roaming/PolarisOffice/ETemp/4316_14940424/fImage2242172906334.png"/>
+          <p:cNvPicPr>
+            <a:picLocks noChangeAspect="1"/>
+          </p:cNvPicPr>
+          <p:nvPr/>
+        </p:nvPicPr>
+        <p:blipFill rotWithShape="1">
+          <a:blip r:embed="rId4" cstate="hqprint">
+            <a:extLst>
+              <a:ext uri="{28A0092B-C50C-407E-A947-70E740481C1C}">
+                <a14:useLocalDpi xmlns:a14="http://schemas.microsoft.com/office/drawing/2010/main"/>
+              </a:ext>
+            </a:extLst>
+          </a:blip>
+          <a:stretch>
+            <a:fillRect/>
+          </a:stretch>
+        </p:blipFill>
+        <p:spPr>
+          <a:xfrm rot="0">
+            <a:off x="3616325" y="2945765"/>
+            <a:ext cx="1156970" cy="552450"/>
+          </a:xfrm>
+          <a:prstGeom prst="rect"/>
+          <a:noFill/>
+        </p:spPr>
+      </p:pic>
+      <p:pic>
+        <p:nvPicPr>
+          <p:cNvPr id="1222" name="그림 16" descr="C:/Users/Admin1/AppData/Roaming/PolarisOffice/ETemp/4316_14940424/fImage104043106500.png"/>
+          <p:cNvPicPr>
+            <a:picLocks noChangeAspect="1"/>
+          </p:cNvPicPr>
+          <p:nvPr/>
+        </p:nvPicPr>
+        <p:blipFill rotWithShape="1">
+          <a:blip r:embed="rId5" cstate="print">
+            <a:extLst>
+              <a:ext uri="{28A0092B-C50C-407E-A947-70E740481C1C}">
+                <a14:useLocalDpi xmlns:a14="http://schemas.microsoft.com/office/drawing/2010/main" val="0"/>
+              </a:ext>
+            </a:extLst>
+          </a:blip>
+          <a:stretch>
+            <a:fillRect/>
+          </a:stretch>
+        </p:blipFill>
+        <p:spPr>
+          <a:xfrm rot="0">
+            <a:off x="6822440" y="1455420"/>
+            <a:ext cx="1567815" cy="1258570"/>
+          </a:xfrm>
+          <a:prstGeom prst="roundRect"/>
+          <a:solidFill>
+            <a:srgbClr val="EDEDED"/>
+          </a:solidFill>
+        </p:spPr>
+      </p:pic>
+      <p:pic>
+        <p:nvPicPr>
+          <p:cNvPr id="1223" name="그림 19" descr="C:/Users/Admin1/AppData/Roaming/PolarisOffice/ETemp/4316_14940424/fImage131203119169.png"/>
+          <p:cNvPicPr>
+            <a:picLocks noChangeAspect="1"/>
+          </p:cNvPicPr>
+          <p:nvPr/>
+        </p:nvPicPr>
+        <p:blipFill rotWithShape="1">
+          <a:blip r:embed="rId6" cstate="print">
+            <a:extLst>
+              <a:ext uri="{28A0092B-C50C-407E-A947-70E740481C1C}">
+                <a14:useLocalDpi xmlns:a14="http://schemas.microsoft.com/office/drawing/2010/main" val="0"/>
+              </a:ext>
+            </a:extLst>
+          </a:blip>
+          <a:stretch>
+            <a:fillRect/>
+          </a:stretch>
+        </p:blipFill>
+        <p:spPr>
+          <a:xfrm rot="0">
+            <a:off x="8536305" y="1447165"/>
+            <a:ext cx="2429510" cy="1257935"/>
+          </a:xfrm>
+          <a:prstGeom prst="roundRect"/>
+          <a:solidFill>
+            <a:srgbClr val="EDEDED"/>
+          </a:solidFill>
+        </p:spPr>
+      </p:pic>
+      <p:sp>
+        <p:nvSpPr>
+          <p:cNvPr id="1224" name="텍스트 상자 22"/>
+          <p:cNvSpPr txBox="1">
+            <a:spLocks/>
+          </p:cNvSpPr>
+          <p:nvPr/>
+        </p:nvSpPr>
+        <p:spPr>
+          <a:xfrm rot="0">
+            <a:off x="6824980" y="2814320"/>
+            <a:ext cx="4135120" cy="936625"/>
+          </a:xfrm>
+          <a:prstGeom prst="rect"/>
+          <a:noFill/>
+        </p:spPr>
+        <p:txBody>
+          <a:bodyPr wrap="square" lIns="0" tIns="0" rIns="0" bIns="0" numCol="1" vert="horz" anchor="t">
+            <a:noAutofit/>
+          </a:bodyPr>
+          <a:lstStyle/>
+          <a:p>
+            <a:pPr marL="0" indent="0" rtl="0" algn="l" defTabSz="914400" eaLnBrk="1" latinLnBrk="0" hangingPunct="1">
+              <a:buFontTx/>
+              <a:buNone/>
+            </a:pPr>
+            <a:r>
+              <a:rPr sz="2000" b="1">
+                <a:solidFill>
+                  <a:srgbClr val="0611F2"/>
+                </a:solidFill>
+                <a:latin typeface="맑은 고딕" charset="0"/>
+                <a:ea typeface="맑은 고딕" charset="0"/>
+              </a:rPr>
+              <a:t>3</a:t>
+            </a:r>
+            <a:r>
+              <a:rPr lang="ko-KR" sz="2000" b="1">
+                <a:solidFill>
+                  <a:srgbClr val="0611F2"/>
+                </a:solidFill>
+                <a:latin typeface="맑은 고딕" charset="0"/>
+                <a:ea typeface="맑은 고딕" charset="0"/>
+              </a:rPr>
+              <a:t>6</a:t>
+            </a:r>
+            <a:r>
+              <a:rPr sz="2000" b="1">
+                <a:solidFill>
+                  <a:srgbClr val="0611F2"/>
+                </a:solidFill>
+                <a:latin typeface="맑은 고딕" charset="0"/>
+                <a:ea typeface="맑은 고딕" charset="0"/>
+              </a:rPr>
+              <a:t>.</a:t>
+            </a:r>
+            <a:r>
+              <a:rPr sz="2000" b="1">
+                <a:solidFill>
+                  <a:srgbClr val="0611F2"/>
+                </a:solidFill>
+                <a:latin typeface="맑은 고딕" charset="0"/>
+                <a:ea typeface="맑은 고딕" charset="0"/>
+              </a:rPr>
+              <a:t> </a:t>
+            </a:r>
+            <a:r>
+              <a:rPr sz="1800">
+                <a:latin typeface="맑은 고딕" charset="0"/>
+                <a:ea typeface="맑은 고딕" charset="0"/>
+              </a:rPr>
+              <a:t>그런 다음 </a:t>
+            </a:r>
+            <a:r>
+              <a:rPr sz="1800">
+                <a:latin typeface="맑은 고딕" charset="0"/>
+                <a:ea typeface="맑은 고딕" charset="0"/>
+              </a:rPr>
+              <a:t>Canvas의 Render </a:t>
+            </a:r>
+            <a:r>
+              <a:rPr sz="1800">
+                <a:latin typeface="맑은 고딕" charset="0"/>
+                <a:ea typeface="맑은 고딕" charset="0"/>
+              </a:rPr>
+              <a:t>Camera</a:t>
+            </a:r>
+            <a:r>
+              <a:rPr sz="1800">
+                <a:latin typeface="맑은 고딕" charset="0"/>
+                <a:ea typeface="맑은 고딕" charset="0"/>
+              </a:rPr>
+              <a:t>에</a:t>
+            </a:r>
+            <a:r>
+              <a:rPr sz="1800">
+                <a:latin typeface="맑은 고딕" charset="0"/>
+                <a:ea typeface="맑은 고딕" charset="0"/>
+              </a:rPr>
+              <a:t> </a:t>
+            </a:r>
+            <a:r>
+              <a:rPr sz="1800">
+                <a:latin typeface="맑은 고딕" charset="0"/>
+                <a:ea typeface="맑은 고딕" charset="0"/>
+              </a:rPr>
+              <a:t>Main Camera 오브젝트를 </a:t>
+            </a:r>
+            <a:r>
+              <a:rPr sz="1800">
+                <a:latin typeface="맑은 고딕" charset="0"/>
+                <a:ea typeface="맑은 고딕" charset="0"/>
+              </a:rPr>
+              <a:t>넣어줍니</a:t>
+            </a:r>
+            <a:r>
+              <a:rPr lang="ko-KR" sz="1800">
+                <a:latin typeface="맑은 고딕" charset="0"/>
+                <a:ea typeface="맑은 고딕" charset="0"/>
+              </a:rPr>
+              <a:t>다.</a:t>
+            </a:r>
+            <a:endParaRPr lang="ko-KR" altLang="en-US" sz="1800">
+              <a:latin typeface="맑은 고딕" charset="0"/>
+              <a:ea typeface="맑은 고딕" charset="0"/>
+            </a:endParaRPr>
+          </a:p>
+        </p:txBody>
+      </p:sp>
+      <p:cxnSp>
+        <p:nvCxnSpPr>
+          <p:cNvPr id="1225" name="도형 23"/>
+          <p:cNvCxnSpPr/>
+          <p:nvPr/>
+        </p:nvCxnSpPr>
+        <p:spPr>
+          <a:xfrm rot="0">
+            <a:off x="7683500" y="1654175"/>
+            <a:ext cx="3170555" cy="310515"/>
+          </a:xfrm>
+          <a:prstGeom prst="straightConnector1"/>
+          <a:ln w="6350" cap="flat" cmpd="sng">
+            <a:prstDash/>
+            <a:headEnd type="none" w="med" len="med"/>
+            <a:tailEnd type="triangle" w="med" len="med"/>
+          </a:ln>
+        </p:spPr>
+        <p:style>
+          <a:lnRef idx="1">
+            <a:schemeClr val="accent1"/>
+          </a:lnRef>
+          <a:fillRef idx="0">
+            <a:schemeClr val="accent1"/>
+          </a:fillRef>
+          <a:effectRef idx="0">
+            <a:schemeClr val="accent1"/>
+          </a:effectRef>
+          <a:fontRef idx="minor">
+            <a:schemeClr val="tx1"/>
+          </a:fontRef>
+        </p:style>
+      </p:cxnSp>
+      <p:pic>
+        <p:nvPicPr>
+          <p:cNvPr id="1226" name="그림 24" descr="C:/Users/Admin1/AppData/Roaming/PolarisOffice/ETemp/4316_14940424/fImage45613145724.png"/>
+          <p:cNvPicPr>
+            <a:picLocks noChangeAspect="1"/>
+          </p:cNvPicPr>
+          <p:nvPr/>
+        </p:nvPicPr>
+        <p:blipFill rotWithShape="1">
+          <a:blip r:embed="rId7" cstate="print">
+            <a:extLst>
+              <a:ext uri="{28A0092B-C50C-407E-A947-70E740481C1C}">
+                <a14:useLocalDpi xmlns:a14="http://schemas.microsoft.com/office/drawing/2010/main" val="0"/>
+              </a:ext>
+            </a:extLst>
+          </a:blip>
+          <a:stretch>
+            <a:fillRect/>
+          </a:stretch>
+        </p:blipFill>
+        <p:spPr>
+          <a:xfrm rot="0">
+            <a:off x="6819265" y="3841750"/>
+            <a:ext cx="4138295" cy="1508125"/>
+          </a:xfrm>
+          <a:prstGeom prst="roundRect"/>
+          <a:solidFill>
+            <a:srgbClr val="EDEDED"/>
+          </a:solidFill>
+        </p:spPr>
+      </p:pic>
+      <p:sp>
+        <p:nvSpPr>
+          <p:cNvPr id="1227" name="텍스트 상자 27"/>
+          <p:cNvSpPr txBox="1">
+            <a:spLocks/>
+          </p:cNvSpPr>
+          <p:nvPr/>
+        </p:nvSpPr>
+        <p:spPr>
+          <a:xfrm rot="0">
+            <a:off x="6827520" y="5521960"/>
+            <a:ext cx="4147185" cy="654685"/>
+          </a:xfrm>
+          <a:prstGeom prst="rect"/>
+          <a:noFill/>
+        </p:spPr>
+        <p:txBody>
+          <a:bodyPr wrap="square" lIns="0" tIns="0" rIns="0" bIns="0" numCol="1" vert="horz" anchor="t">
+            <a:noAutofit/>
+          </a:bodyPr>
+          <a:lstStyle/>
+          <a:p>
+            <a:pPr marL="0" indent="0" rtl="0" algn="l" defTabSz="914400" eaLnBrk="1" latinLnBrk="0" hangingPunct="1">
+              <a:buFontTx/>
+              <a:buNone/>
+            </a:pPr>
+            <a:r>
+              <a:rPr sz="2000" b="1">
+                <a:solidFill>
+                  <a:srgbClr val="0611F2"/>
+                </a:solidFill>
+                <a:latin typeface="맑은 고딕" charset="0"/>
+                <a:ea typeface="맑은 고딕" charset="0"/>
+              </a:rPr>
+              <a:t>3</a:t>
+            </a:r>
+            <a:r>
+              <a:rPr lang="ko-KR" sz="2000" b="1">
+                <a:solidFill>
+                  <a:srgbClr val="0611F2"/>
+                </a:solidFill>
+                <a:latin typeface="맑은 고딕" charset="0"/>
+                <a:ea typeface="맑은 고딕" charset="0"/>
+              </a:rPr>
+              <a:t>7</a:t>
+            </a:r>
+            <a:r>
+              <a:rPr sz="2000" b="1">
+                <a:solidFill>
+                  <a:srgbClr val="0611F2"/>
+                </a:solidFill>
+                <a:latin typeface="맑은 고딕" charset="0"/>
+                <a:ea typeface="맑은 고딕" charset="0"/>
+              </a:rPr>
+              <a:t>.</a:t>
+            </a:r>
+            <a:r>
+              <a:rPr sz="2000" b="1">
+                <a:solidFill>
+                  <a:srgbClr val="0611F2"/>
+                </a:solidFill>
+                <a:latin typeface="맑은 고딕" charset="0"/>
+                <a:ea typeface="맑은 고딕" charset="0"/>
+              </a:rPr>
+              <a:t> </a:t>
+            </a:r>
+            <a:r>
+              <a:rPr sz="1800">
+                <a:latin typeface="맑은 고딕" charset="0"/>
+                <a:ea typeface="맑은 고딕" charset="0"/>
+              </a:rPr>
+              <a:t>그다음으로 </a:t>
+            </a:r>
+            <a:r>
+              <a:rPr sz="1800">
+                <a:latin typeface="맑은 고딕" charset="0"/>
+                <a:ea typeface="맑은 고딕" charset="0"/>
+              </a:rPr>
+              <a:t>Skeleton 오브젝트에 </a:t>
+            </a:r>
+            <a:r>
+              <a:rPr sz="1800">
+                <a:latin typeface="맑은 고딕" charset="0"/>
+                <a:ea typeface="맑은 고딕" charset="0"/>
+              </a:rPr>
+              <a:t>Skeleton</a:t>
+            </a:r>
+            <a:r>
+              <a:rPr sz="1800">
+                <a:latin typeface="맑은 고딕" charset="0"/>
+                <a:ea typeface="맑은 고딕" charset="0"/>
+              </a:rPr>
+              <a:t> 스크립트를 </a:t>
+            </a:r>
+            <a:r>
+              <a:rPr sz="1800">
+                <a:latin typeface="맑은 고딕" charset="0"/>
+                <a:ea typeface="맑은 고딕" charset="0"/>
+              </a:rPr>
+              <a:t>추가합니</a:t>
+            </a:r>
+            <a:r>
+              <a:rPr sz="1800">
+                <a:latin typeface="맑은 고딕" charset="0"/>
+                <a:ea typeface="맑은 고딕" charset="0"/>
+              </a:rPr>
+              <a:t>다.</a:t>
+            </a:r>
+            <a:endParaRPr lang="ko-KR" altLang="en-US" sz="1800">
+              <a:latin typeface="맑은 고딕" charset="0"/>
+              <a:ea typeface="맑은 고딕" charset="0"/>
+            </a:endParaRPr>
+          </a:p>
+        </p:txBody>
+      </p:sp>
+    </p:spTree>
+  </p:cSld>
+  <p:clrMapOvr>
+    <a:masterClrMapping/>
+  </p:clrMapOvr>
+  <mc:AlternateContent xmlns:mc="http://schemas.openxmlformats.org/markup-compatibility/2006">
+    <mc:Choice xmlns:p14="http://schemas.microsoft.com/office/powerpoint/2010/main" Requires="p14">
+      <p:transition spd="slow" p14:dur="2000"/>
+    </mc:Choice>
+    <mc:Fallback>
+      <p:transition spd="slow"/>
+    </mc:Fallback>
+  </mc:AlternateContent>
+  <p:timing>
+    <p:tnLst>
+      <p:par>
+        <p:cTn id="1" dur="indefinite" restart="never" nodeType="tmRoot"/>
+      </p:par>
+    </p:tnLst>
+  </p:timing>
+</p:sld>
+</file>
+
+<file path=ppt/slides/slide15.xml><?xml version="1.0" encoding="utf-8"?>
+<p:sld xmlns:a="http://schemas.openxmlformats.org/drawingml/2006/main" xmlns:r="http://schemas.openxmlformats.org/officeDocument/2006/relationships" xmlns:p="http://schemas.openxmlformats.org/presentationml/2006/main">
+  <p:cSld>
+    <p:spTree>
+      <p:nvGrpSpPr>
+        <p:cNvPr id="1" name=""/>
+        <p:cNvGrpSpPr/>
+        <p:nvPr/>
+      </p:nvGrpSpPr>
+      <p:grpSpPr>
+        <a:xfrm>
+          <a:off x="0" y="0"/>
+          <a:ext cx="0" cy="0"/>
+          <a:chOff x="0" y="0"/>
+          <a:chExt cx="0" cy="0"/>
+        </a:xfrm>
+      </p:grpSpPr>
+      <p:sp>
+        <p:nvSpPr>
+          <p:cNvPr id="1154" name="Rect 0"/>
+          <p:cNvSpPr txBox="1">
+            <a:spLocks/>
+          </p:cNvSpPr>
+          <p:nvPr/>
+        </p:nvSpPr>
+        <p:spPr>
+          <a:xfrm rot="0">
+            <a:off x="4280535" y="405130"/>
+            <a:ext cx="3630930" cy="478155"/>
+          </a:xfrm>
+          <a:prstGeom prst="rect"/>
+          <a:noFill/>
+          <a:ln w="0">
+            <a:noFill/>
+            <a:prstDash/>
+          </a:ln>
+        </p:spPr>
+        <p:txBody>
+          <a:bodyPr wrap="square" lIns="89535" tIns="46355" rIns="89535" bIns="46355" numCol="1" vert="horz" anchor="t">
+            <a:spAutoFit/>
+          </a:bodyPr>
+          <a:lstStyle/>
+          <a:p>
+            <a:pPr marL="0" indent="0" algn="ctr" latinLnBrk="0">
+              <a:buFontTx/>
+              <a:buNone/>
+            </a:pPr>
+            <a:r>
+              <a:rPr lang="ko-KR" altLang="en-US" sz="2500" b="1">
+                <a:solidFill>
+                  <a:schemeClr val="tx1"/>
+                </a:solidFill>
+                <a:latin typeface="나눔바른고딕" charset="0"/>
+                <a:ea typeface="나눔바른고딕" charset="0"/>
+              </a:rPr>
+              <a:t>열다섯</a:t>
+            </a:r>
+            <a:r>
+              <a:rPr lang="ko-KR" altLang="en-US" sz="2500" b="1">
+                <a:solidFill>
+                  <a:schemeClr val="tx1"/>
+                </a:solidFill>
+                <a:latin typeface="나눔바른고딕" charset="0"/>
+                <a:ea typeface="나눔바른고딕" charset="0"/>
+              </a:rPr>
+              <a:t> 번째 튜토리얼</a:t>
+            </a:r>
+            <a:endParaRPr lang="ko-KR" altLang="en-US" sz="2500" b="1">
+              <a:solidFill>
+                <a:schemeClr val="tx1"/>
+              </a:solidFill>
+              <a:latin typeface="나눔바른고딕" charset="0"/>
+              <a:ea typeface="나눔바른고딕" charset="0"/>
+            </a:endParaRPr>
+          </a:p>
+        </p:txBody>
+      </p:sp>
+      <p:sp>
+        <p:nvSpPr>
+          <p:cNvPr id="1207" name="Rect 0"/>
+          <p:cNvSpPr txBox="1">
+            <a:spLocks/>
+          </p:cNvSpPr>
+          <p:nvPr/>
+        </p:nvSpPr>
+        <p:spPr>
+          <a:xfrm rot="0">
+            <a:off x="1240790" y="5240020"/>
+            <a:ext cx="4135120" cy="936625"/>
+          </a:xfrm>
+          <a:prstGeom prst="rect"/>
+          <a:noFill/>
+        </p:spPr>
+        <p:txBody>
+          <a:bodyPr wrap="square" lIns="0" tIns="0" rIns="0" bIns="0" numCol="1" vert="horz" anchor="t">
+            <a:noAutofit/>
+          </a:bodyPr>
+          <a:lstStyle/>
+          <a:p>
+            <a:pPr marL="0" indent="0" rtl="0" algn="l" defTabSz="914400" eaLnBrk="1" latinLnBrk="0" hangingPunct="1">
+              <a:buFontTx/>
+              <a:buNone/>
+            </a:pPr>
+            <a:r>
+              <a:rPr sz="2000" b="1">
+                <a:solidFill>
+                  <a:srgbClr val="0611F2"/>
+                </a:solidFill>
+                <a:latin typeface="맑은 고딕" charset="0"/>
+                <a:ea typeface="맑은 고딕" charset="0"/>
+              </a:rPr>
+              <a:t>3</a:t>
+            </a:r>
+            <a:r>
+              <a:rPr lang="ko-KR" sz="2000" b="1">
+                <a:solidFill>
+                  <a:srgbClr val="0611F2"/>
+                </a:solidFill>
+                <a:latin typeface="맑은 고딕" charset="0"/>
+                <a:ea typeface="맑은 고딕" charset="0"/>
+              </a:rPr>
+              <a:t>8</a:t>
+            </a:r>
+            <a:r>
+              <a:rPr sz="2000" b="1">
+                <a:solidFill>
+                  <a:srgbClr val="0611F2"/>
+                </a:solidFill>
+                <a:latin typeface="맑은 고딕" charset="0"/>
+                <a:ea typeface="맑은 고딕" charset="0"/>
+              </a:rPr>
+              <a:t>.</a:t>
+            </a:r>
+            <a:r>
+              <a:rPr sz="2000" b="1">
+                <a:solidFill>
+                  <a:srgbClr val="0611F2"/>
+                </a:solidFill>
+                <a:latin typeface="맑은 고딕" charset="0"/>
+                <a:ea typeface="맑은 고딕" charset="0"/>
+              </a:rPr>
+              <a:t> </a:t>
+            </a:r>
+            <a:r>
+              <a:rPr sz="1800">
+                <a:latin typeface="맑은 고딕" charset="0"/>
+                <a:ea typeface="맑은 고딕" charset="0"/>
+              </a:rPr>
+              <a:t>그러고 나서 </a:t>
+            </a:r>
+            <a:r>
+              <a:rPr sz="1800">
+                <a:latin typeface="맑은 고딕" charset="0"/>
+                <a:ea typeface="맑은 고딕" charset="0"/>
+              </a:rPr>
+              <a:t>C# Script를 생성한 </a:t>
+            </a:r>
+            <a:r>
+              <a:rPr sz="1800">
+                <a:latin typeface="맑은 고딕" charset="0"/>
+                <a:ea typeface="맑은 고딕" charset="0"/>
+              </a:rPr>
+              <a:t>다음</a:t>
+            </a:r>
+            <a:r>
+              <a:rPr sz="1800">
+                <a:latin typeface="맑은 고딕" charset="0"/>
+                <a:ea typeface="맑은 고딕" charset="0"/>
+              </a:rPr>
+              <a:t> </a:t>
+            </a:r>
+            <a:r>
+              <a:rPr sz="1800">
+                <a:latin typeface="맑은 고딕" charset="0"/>
+                <a:ea typeface="맑은 고딕" charset="0"/>
+              </a:rPr>
+              <a:t>Character</a:t>
+            </a:r>
+            <a:r>
+              <a:rPr sz="1800">
+                <a:latin typeface="맑은 고딕" charset="0"/>
+                <a:ea typeface="맑은 고딕" charset="0"/>
+              </a:rPr>
+              <a:t> 라는 이름으로 </a:t>
+            </a:r>
+            <a:r>
+              <a:rPr sz="1800">
+                <a:latin typeface="맑은 고딕" charset="0"/>
+                <a:ea typeface="맑은 고딕" charset="0"/>
+              </a:rPr>
+              <a:t>정의합니다.</a:t>
+            </a:r>
+            <a:r>
+              <a:rPr sz="1800">
+                <a:latin typeface="맑은 고딕" charset="0"/>
+                <a:ea typeface="맑은 고딕" charset="0"/>
+              </a:rPr>
+              <a:t> </a:t>
+            </a:r>
+            <a:endParaRPr lang="ko-KR" altLang="en-US" sz="1800">
+              <a:latin typeface="맑은 고딕" charset="0"/>
+              <a:ea typeface="맑은 고딕" charset="0"/>
+            </a:endParaRPr>
+          </a:p>
+        </p:txBody>
+      </p:sp>
+      <p:pic>
+        <p:nvPicPr>
+          <p:cNvPr id="1219" name="Picture " descr="C:/Users/Admin1/AppData/Roaming/PolarisOffice/ETemp/4316_14940424/fImage82893001478.png"/>
+          <p:cNvPicPr>
+            <a:picLocks noChangeAspect="1"/>
+          </p:cNvPicPr>
+          <p:nvPr/>
+        </p:nvPicPr>
+        <p:blipFill rotWithShape="1">
+          <a:blip r:embed="rId2" cstate="hqprint">
+            <a:extLst>
+              <a:ext uri="{28A0092B-C50C-407E-A947-70E740481C1C}">
+                <a14:useLocalDpi xmlns:a14="http://schemas.microsoft.com/office/drawing/2010/main"/>
+              </a:ext>
+            </a:extLst>
+          </a:blip>
+          <a:stretch>
+            <a:fillRect/>
+          </a:stretch>
+        </p:blipFill>
+        <p:spPr>
+          <a:xfrm rot="0">
+            <a:off x="1240790" y="1455420"/>
+            <a:ext cx="2868930" cy="3533775"/>
+          </a:xfrm>
+          <a:prstGeom prst="roundRect"/>
+          <a:solidFill>
+            <a:srgbClr val="EDEDED"/>
+          </a:solidFill>
+        </p:spPr>
+      </p:pic>
+      <p:pic>
+        <p:nvPicPr>
+          <p:cNvPr id="1226" name="Picture " descr="C:/Users/Admin1/AppData/Roaming/PolarisOffice/ETemp/4316_14940424/fImage26673059358.png"/>
+          <p:cNvPicPr>
+            <a:picLocks noChangeAspect="1"/>
+          </p:cNvPicPr>
+          <p:nvPr/>
+        </p:nvPicPr>
+        <p:blipFill rotWithShape="1">
+          <a:blip r:embed="rId3" cstate="print">
+            <a:extLst>
+              <a:ext uri="{28A0092B-C50C-407E-A947-70E740481C1C}">
+                <a14:useLocalDpi xmlns:a14="http://schemas.microsoft.com/office/drawing/2010/main" val="0"/>
+              </a:ext>
+            </a:extLst>
+          </a:blip>
+          <a:stretch>
+            <a:fillRect/>
+          </a:stretch>
+        </p:blipFill>
+        <p:spPr>
+          <a:xfrm rot="0">
+            <a:off x="4359275" y="2628900"/>
+            <a:ext cx="1017270" cy="1196340"/>
+          </a:xfrm>
+          <a:prstGeom prst="roundRect"/>
+          <a:solidFill>
+            <a:srgbClr val="EDEDED"/>
+          </a:solidFill>
+        </p:spPr>
+      </p:pic>
+      <p:pic>
+        <p:nvPicPr>
+          <p:cNvPr id="1221" name="Picture " descr="C:/Users/Admin1/AppData/Roaming/PolarisOffice/ETemp/4316_14940424/fImage2242173026962.png"/>
+          <p:cNvPicPr>
+            <a:picLocks noChangeAspect="1"/>
+          </p:cNvPicPr>
+          <p:nvPr/>
+        </p:nvPicPr>
+        <p:blipFill rotWithShape="1">
+          <a:blip r:embed="rId4" cstate="hqprint">
+            <a:extLst>
+              <a:ext uri="{28A0092B-C50C-407E-A947-70E740481C1C}">
+                <a14:useLocalDpi xmlns:a14="http://schemas.microsoft.com/office/drawing/2010/main"/>
+              </a:ext>
+            </a:extLst>
+          </a:blip>
+          <a:stretch>
+            <a:fillRect/>
+          </a:stretch>
+        </p:blipFill>
+        <p:spPr>
+          <a:xfrm rot="0">
+            <a:off x="3616325" y="2945765"/>
+            <a:ext cx="1156970" cy="552450"/>
+          </a:xfrm>
+          <a:prstGeom prst="rect"/>
+          <a:noFill/>
+        </p:spPr>
+      </p:pic>
+      <p:pic>
+        <p:nvPicPr>
+          <p:cNvPr id="1227" name="그림 28" descr="C:/Users/Admin1/AppData/Roaming/PolarisOffice/ETemp/4316_14940424/fImage302443164464.png"/>
+          <p:cNvPicPr>
+            <a:picLocks noChangeAspect="1"/>
+          </p:cNvPicPr>
+          <p:nvPr/>
+        </p:nvPicPr>
+        <p:blipFill rotWithShape="1">
+          <a:blip r:embed="rId5" cstate="print">
+            <a:extLst>
+              <a:ext uri="{28A0092B-C50C-407E-A947-70E740481C1C}">
+                <a14:useLocalDpi xmlns:a14="http://schemas.microsoft.com/office/drawing/2010/main" val="0"/>
+              </a:ext>
+            </a:extLst>
+          </a:blip>
+          <a:stretch>
+            <a:fillRect/>
+          </a:stretch>
+        </p:blipFill>
+        <p:spPr>
+          <a:xfrm rot="0">
+            <a:off x="6830695" y="4134485"/>
+            <a:ext cx="4135120" cy="1206500"/>
+          </a:xfrm>
+          <a:prstGeom prst="roundRect"/>
+          <a:solidFill>
+            <a:srgbClr val="EDEDED"/>
+          </a:solidFill>
+        </p:spPr>
+      </p:pic>
+      <p:sp>
+        <p:nvSpPr>
+          <p:cNvPr id="1228" name="텍스트 상자 31"/>
+          <p:cNvSpPr txBox="1">
+            <a:spLocks/>
+          </p:cNvSpPr>
+          <p:nvPr/>
+        </p:nvSpPr>
+        <p:spPr>
+          <a:xfrm rot="0">
+            <a:off x="6833870" y="5501640"/>
+            <a:ext cx="4135120" cy="675005"/>
+          </a:xfrm>
+          <a:prstGeom prst="rect"/>
+          <a:noFill/>
+        </p:spPr>
+        <p:txBody>
+          <a:bodyPr wrap="square" lIns="0" tIns="0" rIns="0" bIns="0" numCol="1" vert="horz" anchor="t">
+            <a:noAutofit/>
+          </a:bodyPr>
+          <a:lstStyle/>
+          <a:p>
+            <a:pPr marL="0" indent="0" rtl="0" algn="l" defTabSz="914400" eaLnBrk="1" latinLnBrk="0" hangingPunct="1">
+              <a:buFontTx/>
+              <a:buNone/>
+            </a:pPr>
+            <a:r>
+              <a:rPr sz="2000" b="1">
+                <a:solidFill>
+                  <a:srgbClr val="0611F2"/>
+                </a:solidFill>
+                <a:latin typeface="맑은 고딕" charset="0"/>
+                <a:ea typeface="맑은 고딕" charset="0"/>
+              </a:rPr>
+              <a:t>4</a:t>
+            </a:r>
+            <a:r>
+              <a:rPr sz="2000" b="1">
+                <a:solidFill>
+                  <a:srgbClr val="0611F2"/>
+                </a:solidFill>
+                <a:latin typeface="맑은 고딕" charset="0"/>
+                <a:ea typeface="맑은 고딕" charset="0"/>
+              </a:rPr>
+              <a:t>0</a:t>
+            </a:r>
+            <a:r>
+              <a:rPr sz="2000" b="1">
+                <a:solidFill>
+                  <a:srgbClr val="0611F2"/>
+                </a:solidFill>
+                <a:latin typeface="맑은 고딕" charset="0"/>
+                <a:ea typeface="맑은 고딕" charset="0"/>
+              </a:rPr>
+              <a:t>.</a:t>
+            </a:r>
+            <a:r>
+              <a:rPr sz="2000" b="1">
+                <a:solidFill>
+                  <a:srgbClr val="0611F2"/>
+                </a:solidFill>
+                <a:latin typeface="맑은 고딕" charset="0"/>
+                <a:ea typeface="맑은 고딕" charset="0"/>
+              </a:rPr>
+              <a:t> </a:t>
+            </a:r>
+            <a:r>
+              <a:rPr sz="1800">
+                <a:latin typeface="맑은 고딕" charset="0"/>
+                <a:ea typeface="맑은 고딕" charset="0"/>
+              </a:rPr>
+              <a:t>그리고 </a:t>
+            </a:r>
+            <a:r>
+              <a:rPr sz="1800">
+                <a:latin typeface="맑은 고딕" charset="0"/>
+                <a:ea typeface="맑은 고딕" charset="0"/>
+              </a:rPr>
+              <a:t>Skeleton 스크립트에서 </a:t>
+            </a:r>
+            <a:r>
+              <a:rPr sz="1800">
+                <a:latin typeface="맑은 고딕" charset="0"/>
+                <a:ea typeface="맑은 고딕" charset="0"/>
+              </a:rPr>
+              <a:t>Image</a:t>
+            </a:r>
+            <a:r>
+              <a:rPr sz="1800">
+                <a:latin typeface="맑은 고딕" charset="0"/>
+                <a:ea typeface="맑은 고딕" charset="0"/>
+              </a:rPr>
+              <a:t> </a:t>
+            </a:r>
+            <a:r>
+              <a:rPr sz="1800">
+                <a:latin typeface="맑은 고딕" charset="0"/>
+                <a:ea typeface="맑은 고딕" charset="0"/>
+              </a:rPr>
+              <a:t>변수</a:t>
+            </a:r>
+            <a:r>
+              <a:rPr sz="1800">
+                <a:latin typeface="맑은 고딕" charset="0"/>
+                <a:ea typeface="맑은 고딕" charset="0"/>
+              </a:rPr>
+              <a:t>를 </a:t>
+            </a:r>
+            <a:r>
+              <a:rPr sz="1800">
+                <a:latin typeface="맑은 고딕" charset="0"/>
+                <a:ea typeface="맑은 고딕" charset="0"/>
+              </a:rPr>
+              <a:t>선언합니다.</a:t>
+            </a:r>
+            <a:endParaRPr lang="ko-KR" altLang="en-US" sz="1800">
+              <a:latin typeface="맑은 고딕" charset="0"/>
+              <a:ea typeface="맑은 고딕" charset="0"/>
+            </a:endParaRPr>
+          </a:p>
+        </p:txBody>
+      </p:sp>
+      <p:pic>
+        <p:nvPicPr>
+          <p:cNvPr id="1229" name="그림 36" descr="C:/Users/Admin1/AppData/Roaming/PolarisOffice/ETemp/4316_14940424/fImage46883325705.png"/>
+          <p:cNvPicPr>
+            <a:picLocks noChangeAspect="1"/>
+          </p:cNvPicPr>
+          <p:nvPr/>
+        </p:nvPicPr>
+        <p:blipFill rotWithShape="1">
+          <a:blip r:embed="rId6" cstate="print">
+            <a:extLst>
+              <a:ext uri="{28A0092B-C50C-407E-A947-70E740481C1C}">
+                <a14:useLocalDpi xmlns:a14="http://schemas.microsoft.com/office/drawing/2010/main" val="0"/>
+              </a:ext>
+            </a:extLst>
+          </a:blip>
+          <a:stretch>
+            <a:fillRect/>
+          </a:stretch>
+        </p:blipFill>
+        <p:spPr>
+          <a:xfrm rot="0">
+            <a:off x="6819265" y="1455420"/>
+            <a:ext cx="4138295" cy="1758315"/>
+          </a:xfrm>
+          <a:prstGeom prst="roundRect"/>
+          <a:solidFill>
+            <a:srgbClr val="EDEDED"/>
+          </a:solidFill>
+        </p:spPr>
+      </p:pic>
+      <p:sp>
+        <p:nvSpPr>
+          <p:cNvPr id="1230" name="텍스트 상자 39"/>
+          <p:cNvSpPr txBox="1">
+            <a:spLocks/>
+          </p:cNvSpPr>
+          <p:nvPr/>
+        </p:nvSpPr>
+        <p:spPr>
+          <a:xfrm rot="0">
+            <a:off x="6827520" y="3350895"/>
+            <a:ext cx="4130040" cy="654685"/>
+          </a:xfrm>
+          <a:prstGeom prst="rect"/>
+          <a:noFill/>
+        </p:spPr>
+        <p:txBody>
+          <a:bodyPr wrap="square" lIns="0" tIns="0" rIns="0" bIns="0" numCol="1" vert="horz" anchor="t">
+            <a:noAutofit/>
+          </a:bodyPr>
+          <a:lstStyle/>
+          <a:p>
+            <a:pPr marL="0" indent="0" rtl="0" algn="l" defTabSz="914400" eaLnBrk="1" latinLnBrk="0" hangingPunct="1">
+              <a:buFontTx/>
+              <a:buNone/>
+            </a:pPr>
+            <a:r>
+              <a:rPr sz="2000" b="1">
+                <a:solidFill>
+                  <a:srgbClr val="0611F2"/>
+                </a:solidFill>
+                <a:latin typeface="맑은 고딕" charset="0"/>
+                <a:ea typeface="맑은 고딕" charset="0"/>
+              </a:rPr>
+              <a:t>3</a:t>
+            </a:r>
+            <a:r>
+              <a:rPr sz="2000" b="1">
+                <a:solidFill>
+                  <a:srgbClr val="0611F2"/>
+                </a:solidFill>
+                <a:latin typeface="맑은 고딕" charset="0"/>
+                <a:ea typeface="맑은 고딕" charset="0"/>
+              </a:rPr>
+              <a:t>9</a:t>
+            </a:r>
+            <a:r>
+              <a:rPr sz="2000" b="1">
+                <a:solidFill>
+                  <a:srgbClr val="0611F2"/>
+                </a:solidFill>
+                <a:latin typeface="맑은 고딕" charset="0"/>
+                <a:ea typeface="맑은 고딕" charset="0"/>
+              </a:rPr>
+              <a:t>.</a:t>
+            </a:r>
+            <a:r>
+              <a:rPr sz="2000" b="1">
+                <a:solidFill>
+                  <a:srgbClr val="0611F2"/>
+                </a:solidFill>
+                <a:latin typeface="맑은 고딕" charset="0"/>
+                <a:ea typeface="맑은 고딕" charset="0"/>
+              </a:rPr>
+              <a:t> </a:t>
+            </a:r>
+            <a:r>
+              <a:rPr sz="1800">
+                <a:latin typeface="맑은 고딕" charset="0"/>
+                <a:ea typeface="맑은 고딕" charset="0"/>
+              </a:rPr>
+              <a:t>이제 </a:t>
+            </a:r>
+            <a:r>
+              <a:rPr sz="1800">
+                <a:latin typeface="맑은 고딕" charset="0"/>
+                <a:ea typeface="맑은 고딕" charset="0"/>
+              </a:rPr>
+              <a:t>Ely By K.Atienza 오브젝트에 </a:t>
+            </a:r>
+            <a:r>
+              <a:rPr sz="1800">
+                <a:latin typeface="맑은 고딕" charset="0"/>
+                <a:ea typeface="맑은 고딕" charset="0"/>
+              </a:rPr>
+              <a:t>Character</a:t>
+            </a:r>
+            <a:r>
+              <a:rPr sz="1800">
+                <a:latin typeface="맑은 고딕" charset="0"/>
+                <a:ea typeface="맑은 고딕" charset="0"/>
+              </a:rPr>
+              <a:t> </a:t>
+            </a:r>
+            <a:r>
+              <a:rPr sz="1800">
+                <a:latin typeface="맑은 고딕" charset="0"/>
+                <a:ea typeface="맑은 고딕" charset="0"/>
+              </a:rPr>
+              <a:t>스크립트를</a:t>
+            </a:r>
+            <a:r>
+              <a:rPr sz="1800">
+                <a:latin typeface="맑은 고딕" charset="0"/>
+                <a:ea typeface="맑은 고딕" charset="0"/>
+              </a:rPr>
+              <a:t> </a:t>
+            </a:r>
+            <a:r>
+              <a:rPr sz="1800">
+                <a:latin typeface="맑은 고딕" charset="0"/>
+                <a:ea typeface="맑은 고딕" charset="0"/>
+              </a:rPr>
+              <a:t>추가합니</a:t>
+            </a:r>
+            <a:r>
+              <a:rPr sz="1800">
+                <a:latin typeface="맑은 고딕" charset="0"/>
+                <a:ea typeface="맑은 고딕" charset="0"/>
+              </a:rPr>
+              <a:t>다.</a:t>
+            </a:r>
+            <a:endParaRPr lang="ko-KR" altLang="en-US" sz="1800">
+              <a:latin typeface="맑은 고딕" charset="0"/>
+              <a:ea typeface="맑은 고딕" charset="0"/>
+            </a:endParaRPr>
+          </a:p>
+        </p:txBody>
+      </p:sp>
+    </p:spTree>
+  </p:cSld>
+  <p:clrMapOvr>
+    <a:masterClrMapping/>
+  </p:clrMapOvr>
+  <mc:AlternateContent xmlns:mc="http://schemas.openxmlformats.org/markup-compatibility/2006">
+    <mc:Choice xmlns:p14="http://schemas.microsoft.com/office/powerpoint/2010/main" Requires="p14">
+      <p:transition spd="slow" p14:dur="2000"/>
+    </mc:Choice>
+    <mc:Fallback>
+      <p:transition spd="slow"/>
+    </mc:Fallback>
+  </mc:AlternateContent>
+  <p:timing>
+    <p:tnLst>
+      <p:par>
+        <p:cTn id="1" dur="indefinite" restart="never" nodeType="tmRoot"/>
+      </p:par>
+    </p:tnLst>
+  </p:timing>
+</p:sld>
+</file>
+
+<file path=ppt/slides/slide16.xml><?xml version="1.0" encoding="utf-8"?>
+<p:sld xmlns:a="http://schemas.openxmlformats.org/drawingml/2006/main" xmlns:r="http://schemas.openxmlformats.org/officeDocument/2006/relationships" xmlns:p="http://schemas.openxmlformats.org/presentationml/2006/main">
+  <p:cSld>
+    <p:spTree>
+      <p:nvGrpSpPr>
+        <p:cNvPr id="1" name=""/>
+        <p:cNvGrpSpPr/>
+        <p:nvPr/>
+      </p:nvGrpSpPr>
+      <p:grpSpPr>
+        <a:xfrm>
+          <a:off x="0" y="0"/>
+          <a:ext cx="0" cy="0"/>
+          <a:chOff x="0" y="0"/>
+          <a:chExt cx="0" cy="0"/>
+        </a:xfrm>
+      </p:grpSpPr>
+      <p:sp>
+        <p:nvSpPr>
+          <p:cNvPr id="1154" name="Rect 0"/>
+          <p:cNvSpPr txBox="1">
+            <a:spLocks/>
+          </p:cNvSpPr>
+          <p:nvPr/>
+        </p:nvSpPr>
+        <p:spPr>
+          <a:xfrm rot="0">
+            <a:off x="4280535" y="405130"/>
+            <a:ext cx="3630930" cy="478155"/>
+          </a:xfrm>
+          <a:prstGeom prst="rect"/>
+          <a:noFill/>
+          <a:ln w="0">
+            <a:noFill/>
+            <a:prstDash/>
+          </a:ln>
+        </p:spPr>
+        <p:txBody>
+          <a:bodyPr wrap="square" lIns="89535" tIns="46355" rIns="89535" bIns="46355" numCol="1" vert="horz" anchor="t">
+            <a:spAutoFit/>
+          </a:bodyPr>
+          <a:lstStyle/>
+          <a:p>
+            <a:pPr marL="0" indent="0" algn="ctr" latinLnBrk="0">
+              <a:buFontTx/>
+              <a:buNone/>
+            </a:pPr>
+            <a:r>
+              <a:rPr lang="ko-KR" altLang="en-US" sz="2500" b="1">
+                <a:solidFill>
+                  <a:schemeClr val="tx1"/>
+                </a:solidFill>
+                <a:latin typeface="나눔바른고딕" charset="0"/>
+                <a:ea typeface="나눔바른고딕" charset="0"/>
+              </a:rPr>
+              <a:t>열여섯</a:t>
+            </a:r>
+            <a:r>
+              <a:rPr lang="ko-KR" altLang="en-US" sz="2500" b="1">
+                <a:solidFill>
+                  <a:schemeClr val="tx1"/>
+                </a:solidFill>
+                <a:latin typeface="나눔바른고딕" charset="0"/>
+                <a:ea typeface="나눔바른고딕" charset="0"/>
+              </a:rPr>
+              <a:t> 번째 튜토리얼</a:t>
+            </a:r>
+            <a:endParaRPr lang="ko-KR" altLang="en-US" sz="2500" b="1">
+              <a:solidFill>
+                <a:schemeClr val="tx1"/>
+              </a:solidFill>
+              <a:latin typeface="나눔바른고딕" charset="0"/>
+              <a:ea typeface="나눔바른고딕" charset="0"/>
+            </a:endParaRPr>
+          </a:p>
+        </p:txBody>
+      </p:sp>
+      <p:sp>
+        <p:nvSpPr>
+          <p:cNvPr id="1207" name="Rect 0"/>
+          <p:cNvSpPr txBox="1">
+            <a:spLocks/>
+          </p:cNvSpPr>
+          <p:nvPr/>
+        </p:nvSpPr>
+        <p:spPr>
+          <a:xfrm rot="0">
+            <a:off x="1240790" y="2724785"/>
+            <a:ext cx="4135120" cy="936625"/>
+          </a:xfrm>
+          <a:prstGeom prst="rect"/>
+          <a:noFill/>
+        </p:spPr>
+        <p:txBody>
+          <a:bodyPr wrap="square" lIns="0" tIns="0" rIns="0" bIns="0" numCol="1" vert="horz" anchor="t">
+            <a:noAutofit/>
+          </a:bodyPr>
+          <a:lstStyle/>
+          <a:p>
+            <a:pPr marL="0" indent="0" rtl="0" algn="l" defTabSz="914400" eaLnBrk="1" latinLnBrk="0" hangingPunct="1">
+              <a:buFontTx/>
+              <a:buNone/>
+            </a:pPr>
+            <a:r>
+              <a:rPr sz="2000" b="1">
+                <a:solidFill>
+                  <a:srgbClr val="0611F2"/>
+                </a:solidFill>
+                <a:latin typeface="맑은 고딕" charset="0"/>
+                <a:ea typeface="맑은 고딕" charset="0"/>
+              </a:rPr>
+              <a:t>4</a:t>
+            </a:r>
+            <a:r>
+              <a:rPr sz="2000" b="1">
+                <a:solidFill>
+                  <a:srgbClr val="0611F2"/>
+                </a:solidFill>
+                <a:latin typeface="맑은 고딕" charset="0"/>
+                <a:ea typeface="맑은 고딕" charset="0"/>
+              </a:rPr>
+              <a:t>1</a:t>
+            </a:r>
+            <a:r>
+              <a:rPr sz="2000" b="1">
+                <a:solidFill>
+                  <a:srgbClr val="0611F2"/>
+                </a:solidFill>
+                <a:latin typeface="맑은 고딕" charset="0"/>
+                <a:ea typeface="맑은 고딕" charset="0"/>
+              </a:rPr>
+              <a:t>.</a:t>
+            </a:r>
+            <a:r>
+              <a:rPr sz="2000" b="1">
+                <a:solidFill>
+                  <a:srgbClr val="0611F2"/>
+                </a:solidFill>
+                <a:latin typeface="맑은 고딕" charset="0"/>
+                <a:ea typeface="맑은 고딕" charset="0"/>
+              </a:rPr>
+              <a:t> </a:t>
+            </a:r>
+            <a:r>
+              <a:rPr sz="1800">
+                <a:latin typeface="맑은 고딕" charset="0"/>
+                <a:ea typeface="맑은 고딕" charset="0"/>
+              </a:rPr>
+              <a:t>그런 다음 </a:t>
+            </a:r>
+            <a:r>
+              <a:rPr sz="1800">
+                <a:latin typeface="맑은 고딕" charset="0"/>
+                <a:ea typeface="맑은 고딕" charset="0"/>
+              </a:rPr>
+              <a:t>State(float) 함수를 </a:t>
+            </a:r>
+            <a:r>
+              <a:rPr sz="1800">
+                <a:latin typeface="맑은 고딕" charset="0"/>
+                <a:ea typeface="맑은 고딕" charset="0"/>
+              </a:rPr>
+              <a:t>선언하</a:t>
+            </a:r>
+            <a:r>
+              <a:rPr sz="1800">
+                <a:latin typeface="맑은 고딕" charset="0"/>
+                <a:ea typeface="맑은 고딕" charset="0"/>
+              </a:rPr>
+              <a:t>고</a:t>
+            </a:r>
+            <a:r>
+              <a:rPr sz="1800">
+                <a:latin typeface="맑은 고딕" charset="0"/>
+                <a:ea typeface="맑은 고딕" charset="0"/>
+              </a:rPr>
+              <a:t> </a:t>
+            </a:r>
+            <a:r>
+              <a:rPr sz="1800">
+                <a:latin typeface="맑은 고딕" charset="0"/>
+                <a:ea typeface="맑은 고딕" charset="0"/>
+              </a:rPr>
+              <a:t>이미지의 fillAmout 값에 매개</a:t>
+            </a:r>
+            <a:r>
+              <a:rPr lang="ko-KR" sz="1800">
+                <a:latin typeface="맑은 고딕" charset="0"/>
+                <a:ea typeface="맑은 고딕" charset="0"/>
+              </a:rPr>
+              <a:t> </a:t>
+            </a:r>
+            <a:r>
+              <a:rPr sz="1800">
+                <a:latin typeface="맑은 고딕" charset="0"/>
+                <a:ea typeface="맑은 고딕" charset="0"/>
+              </a:rPr>
+              <a:t>변수</a:t>
+            </a:r>
+            <a:r>
+              <a:rPr lang="ko-KR" sz="1800">
+                <a:latin typeface="맑은 고딕" charset="0"/>
+                <a:ea typeface="맑은 고딕" charset="0"/>
+              </a:rPr>
+              <a:t>의</a:t>
+            </a:r>
+            <a:r>
+              <a:rPr lang="ko-KR" sz="1800">
+                <a:latin typeface="맑은 고딕" charset="0"/>
+                <a:ea typeface="맑은 고딕" charset="0"/>
+              </a:rPr>
+              <a:t> </a:t>
+            </a:r>
+            <a:r>
+              <a:rPr lang="ko-KR" sz="1800">
+                <a:latin typeface="맑은 고딕" charset="0"/>
+                <a:ea typeface="맑은 고딕" charset="0"/>
+              </a:rPr>
+              <a:t>값을 감소시켜 저장합니다.</a:t>
+            </a:r>
+            <a:endParaRPr lang="ko-KR" altLang="en-US" sz="1800">
+              <a:latin typeface="맑은 고딕" charset="0"/>
+              <a:ea typeface="맑은 고딕" charset="0"/>
+            </a:endParaRPr>
+          </a:p>
+        </p:txBody>
+      </p:sp>
+      <p:pic>
+        <p:nvPicPr>
+          <p:cNvPr id="1229" name="Picture " descr="C:/Users/Admin1/AppData/Roaming/PolarisOffice/ETemp/4316_14940424/fImage234843278145.png"/>
+          <p:cNvPicPr>
+            <a:picLocks noChangeAspect="1"/>
+          </p:cNvPicPr>
+          <p:nvPr/>
+        </p:nvPicPr>
+        <p:blipFill rotWithShape="1">
+          <a:blip r:embed="rId2" cstate="print">
+            <a:extLst>
+              <a:ext uri="{28A0092B-C50C-407E-A947-70E740481C1C}">
+                <a14:useLocalDpi xmlns:a14="http://schemas.microsoft.com/office/drawing/2010/main" val="0"/>
+              </a:ext>
+            </a:extLst>
+          </a:blip>
+          <a:stretch>
+            <a:fillRect/>
+          </a:stretch>
+        </p:blipFill>
+        <p:spPr>
+          <a:xfrm rot="0">
+            <a:off x="1240790" y="1447165"/>
+            <a:ext cx="4135120" cy="1154430"/>
+          </a:xfrm>
+          <a:prstGeom prst="roundRect"/>
+          <a:solidFill>
+            <a:srgbClr val="EDEDED"/>
+          </a:solidFill>
+        </p:spPr>
+      </p:pic>
+      <p:sp>
+        <p:nvSpPr>
+          <p:cNvPr id="1230" name="Rect 0"/>
+          <p:cNvSpPr txBox="1">
+            <a:spLocks/>
+          </p:cNvSpPr>
+          <p:nvPr/>
+        </p:nvSpPr>
+        <p:spPr>
+          <a:xfrm rot="0">
+            <a:off x="6822440" y="2704465"/>
+            <a:ext cx="4131945" cy="974090"/>
+          </a:xfrm>
+          <a:prstGeom prst="rect"/>
+          <a:noFill/>
+        </p:spPr>
+        <p:txBody>
+          <a:bodyPr wrap="square" lIns="0" tIns="0" rIns="0" bIns="0" numCol="1" vert="horz" anchor="t">
+            <a:noAutofit/>
+          </a:bodyPr>
+          <a:lstStyle/>
+          <a:p>
+            <a:pPr marL="0" indent="0" rtl="0" algn="l" defTabSz="914400" eaLnBrk="1" latinLnBrk="0" hangingPunct="1">
+              <a:buFontTx/>
+              <a:buNone/>
+            </a:pPr>
+            <a:r>
+              <a:rPr sz="2000" b="1">
+                <a:solidFill>
+                  <a:srgbClr val="0611F2"/>
+                </a:solidFill>
+                <a:latin typeface="맑은 고딕" charset="0"/>
+                <a:ea typeface="맑은 고딕" charset="0"/>
+              </a:rPr>
+              <a:t>4</a:t>
+            </a:r>
+            <a:r>
+              <a:rPr lang="ko-KR" sz="2000" b="1">
+                <a:solidFill>
+                  <a:srgbClr val="0611F2"/>
+                </a:solidFill>
+                <a:latin typeface="맑은 고딕" charset="0"/>
+                <a:ea typeface="맑은 고딕" charset="0"/>
+              </a:rPr>
+              <a:t>3</a:t>
+            </a:r>
+            <a:r>
+              <a:rPr sz="2000" b="1">
+                <a:solidFill>
+                  <a:srgbClr val="0611F2"/>
+                </a:solidFill>
+                <a:latin typeface="맑은 고딕" charset="0"/>
+                <a:ea typeface="맑은 고딕" charset="0"/>
+              </a:rPr>
+              <a:t>.</a:t>
+            </a:r>
+            <a:r>
+              <a:rPr sz="2000" b="1">
+                <a:solidFill>
+                  <a:srgbClr val="0611F2"/>
+                </a:solidFill>
+                <a:latin typeface="맑은 고딕" charset="0"/>
+                <a:ea typeface="맑은 고딕" charset="0"/>
+              </a:rPr>
+              <a:t> </a:t>
+            </a:r>
+            <a:r>
+              <a:rPr sz="1800">
+                <a:latin typeface="맑은 고딕" charset="0"/>
+                <a:ea typeface="맑은 고딕" charset="0"/>
+              </a:rPr>
+              <a:t>그러고 나서 Character </a:t>
+            </a:r>
+            <a:r>
+              <a:rPr sz="1800">
+                <a:latin typeface="맑은 고딕" charset="0"/>
+                <a:ea typeface="맑은 고딕" charset="0"/>
+              </a:rPr>
+              <a:t>스크립트에</a:t>
+            </a:r>
+            <a:r>
+              <a:rPr sz="1800">
+                <a:latin typeface="맑은 고딕" charset="0"/>
+                <a:ea typeface="맑은 고딕" charset="0"/>
+              </a:rPr>
+              <a:t>서</a:t>
+            </a:r>
+            <a:r>
+              <a:rPr sz="1800">
+                <a:latin typeface="맑은 고딕" charset="0"/>
+                <a:ea typeface="맑은 고딕" charset="0"/>
+              </a:rPr>
+              <a:t> </a:t>
+            </a:r>
+            <a:r>
+              <a:rPr sz="1800">
+                <a:latin typeface="맑은 고딕" charset="0"/>
+                <a:ea typeface="맑은 고딕" charset="0"/>
+              </a:rPr>
+              <a:t>Skeleton</a:t>
+            </a:r>
+            <a:r>
+              <a:rPr sz="1800">
+                <a:latin typeface="맑은 고딕" charset="0"/>
+                <a:ea typeface="맑은 고딕" charset="0"/>
+              </a:rPr>
+              <a:t> 변수를 </a:t>
+            </a:r>
+            <a:r>
+              <a:rPr sz="1800">
+                <a:latin typeface="맑은 고딕" charset="0"/>
+                <a:ea typeface="맑은 고딕" charset="0"/>
+              </a:rPr>
+              <a:t>선언합니다.</a:t>
+            </a:r>
+            <a:endParaRPr lang="ko-KR" altLang="en-US" sz="1800">
+              <a:latin typeface="맑은 고딕" charset="0"/>
+              <a:ea typeface="맑은 고딕" charset="0"/>
+            </a:endParaRPr>
+          </a:p>
+        </p:txBody>
+      </p:sp>
+      <p:pic>
+        <p:nvPicPr>
+          <p:cNvPr id="1231" name="그림 40" descr="C:/Users/Admin1/AppData/Roaming/PolarisOffice/ETemp/4316_14940424/fImage46883343281.png"/>
+          <p:cNvPicPr>
+            <a:picLocks noChangeAspect="1"/>
+          </p:cNvPicPr>
+          <p:nvPr/>
+        </p:nvPicPr>
+        <p:blipFill rotWithShape="1">
+          <a:blip r:embed="rId3" cstate="print">
+            <a:extLst>
+              <a:ext uri="{28A0092B-C50C-407E-A947-70E740481C1C}">
+                <a14:useLocalDpi xmlns:a14="http://schemas.microsoft.com/office/drawing/2010/main" val="0"/>
+              </a:ext>
+            </a:extLst>
+          </a:blip>
+          <a:stretch>
+            <a:fillRect/>
+          </a:stretch>
+        </p:blipFill>
+        <p:spPr>
+          <a:xfrm rot="0">
+            <a:off x="1240790" y="3773170"/>
+            <a:ext cx="4135120" cy="1602105"/>
+          </a:xfrm>
+          <a:prstGeom prst="roundRect"/>
+          <a:solidFill>
+            <a:srgbClr val="EDEDED"/>
+          </a:solidFill>
+        </p:spPr>
+      </p:pic>
+      <p:sp>
+        <p:nvSpPr>
+          <p:cNvPr id="1232" name="텍스트 상자 41"/>
+          <p:cNvSpPr txBox="1">
+            <a:spLocks/>
+          </p:cNvSpPr>
+          <p:nvPr/>
+        </p:nvSpPr>
+        <p:spPr>
+          <a:xfrm rot="0">
+            <a:off x="1245870" y="5513070"/>
+            <a:ext cx="4121150" cy="654685"/>
+          </a:xfrm>
+          <a:prstGeom prst="rect"/>
+          <a:noFill/>
+        </p:spPr>
+        <p:txBody>
+          <a:bodyPr wrap="square" lIns="0" tIns="0" rIns="0" bIns="0" numCol="1" vert="horz" anchor="t">
+            <a:noAutofit/>
+          </a:bodyPr>
+          <a:lstStyle/>
+          <a:p>
+            <a:pPr marL="0" indent="0" rtl="0" algn="l" defTabSz="914400" eaLnBrk="1" latinLnBrk="0" hangingPunct="1">
+              <a:buFontTx/>
+              <a:buNone/>
+            </a:pPr>
+            <a:r>
+              <a:rPr lang="ko-KR" sz="2000" b="1">
+                <a:solidFill>
+                  <a:srgbClr val="0611F2"/>
+                </a:solidFill>
+                <a:latin typeface="맑은 고딕" charset="0"/>
+                <a:ea typeface="맑은 고딕" charset="0"/>
+              </a:rPr>
+              <a:t>4</a:t>
+            </a:r>
+            <a:r>
+              <a:rPr lang="ko-KR" sz="2000" b="1">
+                <a:solidFill>
+                  <a:srgbClr val="0611F2"/>
+                </a:solidFill>
+                <a:latin typeface="맑은 고딕" charset="0"/>
+                <a:ea typeface="맑은 고딕" charset="0"/>
+              </a:rPr>
+              <a:t>2</a:t>
+            </a:r>
+            <a:r>
+              <a:rPr sz="2000" b="1">
+                <a:solidFill>
+                  <a:srgbClr val="0611F2"/>
+                </a:solidFill>
+                <a:latin typeface="맑은 고딕" charset="0"/>
+                <a:ea typeface="맑은 고딕" charset="0"/>
+              </a:rPr>
+              <a:t>.</a:t>
+            </a:r>
+            <a:r>
+              <a:rPr sz="2000" b="1">
+                <a:solidFill>
+                  <a:srgbClr val="0611F2"/>
+                </a:solidFill>
+                <a:latin typeface="맑은 고딕" charset="0"/>
+                <a:ea typeface="맑은 고딕" charset="0"/>
+              </a:rPr>
+              <a:t> </a:t>
+            </a:r>
+            <a:r>
+              <a:rPr sz="1800">
+                <a:latin typeface="맑은 고딕" charset="0"/>
+                <a:ea typeface="맑은 고딕" charset="0"/>
+              </a:rPr>
+              <a:t>그다음 </a:t>
+            </a:r>
+            <a:r>
+              <a:rPr sz="1800">
+                <a:latin typeface="맑은 고딕" charset="0"/>
+                <a:ea typeface="맑은 고딕" charset="0"/>
+              </a:rPr>
+              <a:t>Erika Archer 오브젝트에 </a:t>
+            </a:r>
+            <a:r>
+              <a:rPr sz="1800">
+                <a:latin typeface="맑은 고딕" charset="0"/>
+                <a:ea typeface="맑은 고딕" charset="0"/>
+              </a:rPr>
+              <a:t>Character</a:t>
+            </a:r>
+            <a:r>
+              <a:rPr sz="1800">
+                <a:latin typeface="맑은 고딕" charset="0"/>
+                <a:ea typeface="맑은 고딕" charset="0"/>
+              </a:rPr>
+              <a:t> </a:t>
+            </a:r>
+            <a:r>
+              <a:rPr sz="1800">
+                <a:latin typeface="맑은 고딕" charset="0"/>
+                <a:ea typeface="맑은 고딕" charset="0"/>
+              </a:rPr>
+              <a:t>스크립트를</a:t>
+            </a:r>
+            <a:r>
+              <a:rPr sz="1800">
+                <a:latin typeface="맑은 고딕" charset="0"/>
+                <a:ea typeface="맑은 고딕" charset="0"/>
+              </a:rPr>
+              <a:t> </a:t>
+            </a:r>
+            <a:r>
+              <a:rPr sz="1800">
+                <a:latin typeface="맑은 고딕" charset="0"/>
+                <a:ea typeface="맑은 고딕" charset="0"/>
+              </a:rPr>
+              <a:t>추가합니</a:t>
+            </a:r>
+            <a:r>
+              <a:rPr sz="1800">
+                <a:latin typeface="맑은 고딕" charset="0"/>
+                <a:ea typeface="맑은 고딕" charset="0"/>
+              </a:rPr>
+              <a:t>다.</a:t>
+            </a:r>
+            <a:endParaRPr lang="ko-KR" altLang="en-US" sz="1800">
+              <a:latin typeface="맑은 고딕" charset="0"/>
+              <a:ea typeface="맑은 고딕" charset="0"/>
+            </a:endParaRPr>
+          </a:p>
+        </p:txBody>
+      </p:sp>
+      <p:pic>
+        <p:nvPicPr>
+          <p:cNvPr id="1233" name="그림 42" descr="C:/Users/Admin1/AppData/Roaming/PolarisOffice/ETemp/4316_14940424/fImage265713366827.png"/>
+          <p:cNvPicPr>
+            <a:picLocks noChangeAspect="1"/>
+          </p:cNvPicPr>
+          <p:nvPr/>
+        </p:nvPicPr>
+        <p:blipFill rotWithShape="1">
+          <a:blip r:embed="rId4" cstate="print">
+            <a:extLst>
+              <a:ext uri="{28A0092B-C50C-407E-A947-70E740481C1C}">
+                <a14:useLocalDpi xmlns:a14="http://schemas.microsoft.com/office/drawing/2010/main" val="0"/>
+              </a:ext>
+            </a:extLst>
+          </a:blip>
+          <a:stretch>
+            <a:fillRect/>
+          </a:stretch>
+        </p:blipFill>
+        <p:spPr>
+          <a:xfrm rot="0">
+            <a:off x="6822440" y="1455420"/>
+            <a:ext cx="4135120" cy="1137920"/>
+          </a:xfrm>
+          <a:prstGeom prst="roundRect"/>
+          <a:solidFill>
+            <a:srgbClr val="EDEDED"/>
+          </a:solidFill>
+        </p:spPr>
+      </p:pic>
+      <p:pic>
+        <p:nvPicPr>
+          <p:cNvPr id="1234" name="그림 45" descr="C:/Users/Admin1/AppData/Roaming/PolarisOffice/ETemp/4316_14940424/fImage289263379961.png"/>
+          <p:cNvPicPr>
+            <a:picLocks noChangeAspect="1"/>
+          </p:cNvPicPr>
+          <p:nvPr/>
+        </p:nvPicPr>
+        <p:blipFill rotWithShape="1">
+          <a:blip r:embed="rId5" cstate="print">
+            <a:extLst>
+              <a:ext uri="{28A0092B-C50C-407E-A947-70E740481C1C}">
+                <a14:useLocalDpi xmlns:a14="http://schemas.microsoft.com/office/drawing/2010/main" val="0"/>
+              </a:ext>
+            </a:extLst>
+          </a:blip>
+          <a:stretch>
+            <a:fillRect/>
+          </a:stretch>
+        </p:blipFill>
+        <p:spPr>
+          <a:xfrm rot="0">
+            <a:off x="6831330" y="3772535"/>
+            <a:ext cx="4126230" cy="1370330"/>
+          </a:xfrm>
+          <a:prstGeom prst="roundRect"/>
+          <a:solidFill>
+            <a:srgbClr val="EDEDED"/>
+          </a:solidFill>
+        </p:spPr>
+      </p:pic>
+      <p:sp>
+        <p:nvSpPr>
+          <p:cNvPr id="1235" name="텍스트 상자 48"/>
+          <p:cNvSpPr txBox="1">
+            <a:spLocks/>
+          </p:cNvSpPr>
+          <p:nvPr/>
+        </p:nvSpPr>
+        <p:spPr>
+          <a:xfrm rot="0">
+            <a:off x="6824980" y="5265420"/>
+            <a:ext cx="4140835" cy="911225"/>
+          </a:xfrm>
+          <a:prstGeom prst="rect"/>
+          <a:noFill/>
+        </p:spPr>
+        <p:txBody>
+          <a:bodyPr wrap="square" lIns="0" tIns="0" rIns="0" bIns="0" numCol="1" vert="horz" anchor="t">
+            <a:noAutofit/>
+          </a:bodyPr>
+          <a:lstStyle/>
+          <a:p>
+            <a:pPr marL="0" indent="0" rtl="0" algn="l" defTabSz="914400" eaLnBrk="1" latinLnBrk="0" hangingPunct="1">
+              <a:buFontTx/>
+              <a:buNone/>
+            </a:pPr>
+            <a:r>
+              <a:rPr sz="2000" b="1">
+                <a:solidFill>
+                  <a:srgbClr val="0611F2"/>
+                </a:solidFill>
+                <a:latin typeface="맑은 고딕" charset="0"/>
+                <a:ea typeface="맑은 고딕" charset="0"/>
+              </a:rPr>
+              <a:t>4</a:t>
+            </a:r>
+            <a:r>
+              <a:rPr lang="ko-KR" sz="2000" b="1">
+                <a:solidFill>
+                  <a:srgbClr val="0611F2"/>
+                </a:solidFill>
+                <a:latin typeface="맑은 고딕" charset="0"/>
+                <a:ea typeface="맑은 고딕" charset="0"/>
+              </a:rPr>
+              <a:t>4</a:t>
+            </a:r>
+            <a:r>
+              <a:rPr sz="2000" b="1">
+                <a:solidFill>
+                  <a:srgbClr val="0611F2"/>
+                </a:solidFill>
+                <a:latin typeface="맑은 고딕" charset="0"/>
+                <a:ea typeface="맑은 고딕" charset="0"/>
+              </a:rPr>
+              <a:t>.</a:t>
+            </a:r>
+            <a:r>
+              <a:rPr sz="2000" b="1">
+                <a:solidFill>
+                  <a:srgbClr val="0611F2"/>
+                </a:solidFill>
+                <a:latin typeface="맑은 고딕" charset="0"/>
+                <a:ea typeface="맑은 고딕" charset="0"/>
+              </a:rPr>
+              <a:t> </a:t>
+            </a:r>
+            <a:r>
+              <a:rPr sz="1800">
+                <a:latin typeface="맑은 고딕" charset="0"/>
+                <a:ea typeface="맑은 고딕" charset="0"/>
+              </a:rPr>
+              <a:t>이제 Damage(float) 함수를 </a:t>
+            </a:r>
+            <a:r>
+              <a:rPr sz="1800">
+                <a:latin typeface="맑은 고딕" charset="0"/>
+                <a:ea typeface="맑은 고딕" charset="0"/>
+              </a:rPr>
+              <a:t>선언한 </a:t>
+            </a:r>
+            <a:r>
+              <a:rPr sz="1800">
+                <a:latin typeface="맑은 고딕" charset="0"/>
+                <a:ea typeface="맑은 고딕" charset="0"/>
+              </a:rPr>
+              <a:t>다</a:t>
+            </a:r>
+            <a:r>
+              <a:rPr sz="1800">
+                <a:latin typeface="맑은 고딕" charset="0"/>
+                <a:ea typeface="맑은 고딕" charset="0"/>
+              </a:rPr>
+              <a:t>음</a:t>
+            </a:r>
+            <a:r>
+              <a:rPr sz="1800">
+                <a:latin typeface="맑은 고딕" charset="0"/>
+                <a:ea typeface="맑은 고딕" charset="0"/>
+              </a:rPr>
+              <a:t> </a:t>
+            </a:r>
+            <a:r>
+              <a:rPr sz="1800">
+                <a:latin typeface="맑은 고딕" charset="0"/>
+                <a:ea typeface="맑은 고딕" charset="0"/>
+              </a:rPr>
+              <a:t>Skeleton 클래스에 있는 State( ) </a:t>
+            </a:r>
+            <a:r>
+              <a:rPr sz="1800">
+                <a:latin typeface="맑은 고딕" charset="0"/>
+                <a:ea typeface="맑은 고딕" charset="0"/>
+              </a:rPr>
+              <a:t>함수</a:t>
+            </a:r>
+            <a:r>
+              <a:rPr lang="ko-KR" sz="1800">
+                <a:latin typeface="맑은 고딕" charset="0"/>
+                <a:ea typeface="맑은 고딕" charset="0"/>
+              </a:rPr>
+              <a:t>의</a:t>
+            </a:r>
+            <a:r>
+              <a:rPr lang="ko-KR" sz="1800">
+                <a:latin typeface="맑은 고딕" charset="0"/>
+                <a:ea typeface="맑은 고딕" charset="0"/>
+              </a:rPr>
+              <a:t> </a:t>
+            </a:r>
+            <a:r>
+              <a:rPr lang="ko-KR" sz="1800">
+                <a:latin typeface="맑은 고딕" charset="0"/>
+                <a:ea typeface="맑은 고딕" charset="0"/>
+              </a:rPr>
+              <a:t>인수로 매개 변수를 넣어줍니다.</a:t>
+            </a:r>
+            <a:endParaRPr lang="ko-KR" altLang="en-US" sz="1800">
+              <a:latin typeface="맑은 고딕" charset="0"/>
+              <a:ea typeface="맑은 고딕" charset="0"/>
+            </a:endParaRPr>
+          </a:p>
+        </p:txBody>
+      </p:sp>
+    </p:spTree>
+  </p:cSld>
+  <p:clrMapOvr>
+    <a:masterClrMapping/>
+  </p:clrMapOvr>
+  <mc:AlternateContent xmlns:mc="http://schemas.openxmlformats.org/markup-compatibility/2006">
+    <mc:Choice xmlns:p14="http://schemas.microsoft.com/office/powerpoint/2010/main" Requires="p14">
+      <p:transition spd="slow" p14:dur="2000"/>
+    </mc:Choice>
+    <mc:Fallback>
+      <p:transition spd="slow"/>
+    </mc:Fallback>
+  </mc:AlternateContent>
+  <p:timing>
+    <p:tnLst>
+      <p:par>
+        <p:cTn id="1" dur="indefinite" restart="never" nodeType="tmRoot"/>
+      </p:par>
+    </p:tnLst>
+  </p:timing>
+</p:sld>
+</file>
+
+<file path=ppt/slides/slide17.xml><?xml version="1.0" encoding="utf-8"?>
+<p:sld xmlns:a="http://schemas.openxmlformats.org/drawingml/2006/main" xmlns:r="http://schemas.openxmlformats.org/officeDocument/2006/relationships" xmlns:p="http://schemas.openxmlformats.org/presentationml/2006/main">
+  <p:cSld>
+    <p:spTree>
+      <p:nvGrpSpPr>
+        <p:cNvPr id="1" name=""/>
+        <p:cNvGrpSpPr/>
+        <p:nvPr/>
+      </p:nvGrpSpPr>
+      <p:grpSpPr>
+        <a:xfrm>
+          <a:off x="0" y="0"/>
+          <a:ext cx="0" cy="0"/>
+          <a:chOff x="0" y="0"/>
+          <a:chExt cx="0" cy="0"/>
+        </a:xfrm>
+      </p:grpSpPr>
+      <p:sp>
+        <p:nvSpPr>
+          <p:cNvPr id="1154" name="Rect 0"/>
+          <p:cNvSpPr txBox="1">
+            <a:spLocks/>
+          </p:cNvSpPr>
+          <p:nvPr/>
+        </p:nvSpPr>
+        <p:spPr>
+          <a:xfrm rot="0">
+            <a:off x="4280535" y="405130"/>
+            <a:ext cx="3630930" cy="478155"/>
+          </a:xfrm>
+          <a:prstGeom prst="rect"/>
+          <a:noFill/>
+          <a:ln w="0">
+            <a:noFill/>
+            <a:prstDash/>
+          </a:ln>
+        </p:spPr>
+        <p:txBody>
+          <a:bodyPr wrap="square" lIns="89535" tIns="46355" rIns="89535" bIns="46355" numCol="1" vert="horz" anchor="t">
+            <a:spAutoFit/>
+          </a:bodyPr>
+          <a:lstStyle/>
+          <a:p>
+            <a:pPr marL="0" indent="0" algn="ctr" latinLnBrk="0">
+              <a:buFontTx/>
+              <a:buNone/>
+            </a:pPr>
+            <a:r>
+              <a:rPr lang="ko-KR" altLang="en-US" sz="2500" b="1">
+                <a:solidFill>
+                  <a:schemeClr val="tx1"/>
+                </a:solidFill>
+                <a:latin typeface="나눔바른고딕" charset="0"/>
+                <a:ea typeface="나눔바른고딕" charset="0"/>
+              </a:rPr>
+              <a:t>열일곱</a:t>
+            </a:r>
+            <a:r>
+              <a:rPr lang="ko-KR" altLang="en-US" sz="2500" b="1">
+                <a:solidFill>
+                  <a:schemeClr val="tx1"/>
+                </a:solidFill>
+                <a:latin typeface="나눔바른고딕" charset="0"/>
+                <a:ea typeface="나눔바른고딕" charset="0"/>
+              </a:rPr>
+              <a:t> 번째 튜토리얼</a:t>
+            </a:r>
+            <a:endParaRPr lang="ko-KR" altLang="en-US" sz="2500" b="1">
+              <a:solidFill>
+                <a:schemeClr val="tx1"/>
+              </a:solidFill>
+              <a:latin typeface="나눔바른고딕" charset="0"/>
+              <a:ea typeface="나눔바른고딕" charset="0"/>
+            </a:endParaRPr>
+          </a:p>
+        </p:txBody>
+      </p:sp>
+      <p:sp>
+        <p:nvSpPr>
+          <p:cNvPr id="1207" name="Rect 0"/>
+          <p:cNvSpPr txBox="1">
+            <a:spLocks/>
+          </p:cNvSpPr>
+          <p:nvPr/>
+        </p:nvSpPr>
+        <p:spPr>
+          <a:xfrm rot="0">
+            <a:off x="1240790" y="4163695"/>
+            <a:ext cx="4135120" cy="2012950"/>
+          </a:xfrm>
+          <a:prstGeom prst="rect"/>
+          <a:noFill/>
+        </p:spPr>
+        <p:txBody>
+          <a:bodyPr wrap="square" lIns="0" tIns="0" rIns="0" bIns="0" numCol="1" vert="horz" anchor="t">
+            <a:noAutofit/>
+          </a:bodyPr>
+          <a:lstStyle/>
+          <a:p>
+            <a:pPr marL="0" indent="0" rtl="0" algn="l" defTabSz="914400" eaLnBrk="1" latinLnBrk="0" hangingPunct="1">
+              <a:buFontTx/>
+              <a:buNone/>
+            </a:pPr>
+            <a:r>
+              <a:rPr sz="2000" b="1">
+                <a:solidFill>
+                  <a:srgbClr val="0611F2"/>
+                </a:solidFill>
+                <a:latin typeface="맑은 고딕" charset="0"/>
+                <a:ea typeface="맑은 고딕" charset="0"/>
+              </a:rPr>
+              <a:t>4</a:t>
+            </a:r>
+            <a:r>
+              <a:rPr lang="ko-KR" sz="2000" b="1">
+                <a:solidFill>
+                  <a:srgbClr val="0611F2"/>
+                </a:solidFill>
+                <a:latin typeface="맑은 고딕" charset="0"/>
+                <a:ea typeface="맑은 고딕" charset="0"/>
+              </a:rPr>
+              <a:t>5</a:t>
+            </a:r>
+            <a:r>
+              <a:rPr sz="2000" b="1">
+                <a:solidFill>
+                  <a:srgbClr val="0611F2"/>
+                </a:solidFill>
+                <a:latin typeface="맑은 고딕" charset="0"/>
+                <a:ea typeface="맑은 고딕" charset="0"/>
+              </a:rPr>
+              <a:t>.</a:t>
+            </a:r>
+            <a:r>
+              <a:rPr sz="2000" b="1">
+                <a:solidFill>
+                  <a:srgbClr val="0611F2"/>
+                </a:solidFill>
+                <a:latin typeface="맑은 고딕" charset="0"/>
+                <a:ea typeface="맑은 고딕" charset="0"/>
+              </a:rPr>
+              <a:t> </a:t>
+            </a:r>
+            <a:r>
+              <a:rPr sz="1800">
+                <a:latin typeface="맑은 고딕" charset="0"/>
+                <a:ea typeface="맑은 고딕" charset="0"/>
+              </a:rPr>
+              <a:t>그리고 Skill(string) 함수를 선언한 </a:t>
+            </a:r>
+            <a:r>
+              <a:rPr sz="1800">
+                <a:latin typeface="맑은 고딕" charset="0"/>
+                <a:ea typeface="맑은 고딕" charset="0"/>
+              </a:rPr>
+              <a:t>다</a:t>
+            </a:r>
+            <a:r>
+              <a:rPr lang="ko-KR" sz="1800">
+                <a:latin typeface="맑은 고딕" charset="0"/>
+                <a:ea typeface="맑은 고딕" charset="0"/>
+              </a:rPr>
+              <a:t>음</a:t>
+            </a:r>
+            <a:r>
+              <a:rPr lang="ko-KR" sz="1800">
+                <a:latin typeface="맑은 고딕" charset="0"/>
+                <a:ea typeface="맑은 고딕" charset="0"/>
+              </a:rPr>
+              <a:t> </a:t>
+            </a:r>
+            <a:r>
+              <a:rPr lang="ko-KR" sz="1800">
+                <a:latin typeface="맑은 고딕" charset="0"/>
+                <a:ea typeface="맑은 고딕" charset="0"/>
+              </a:rPr>
+              <a:t>int 변수를 선언하고 랜덤한 값을 </a:t>
+            </a:r>
+            <a:r>
+              <a:rPr lang="ko-KR" sz="1800">
+                <a:latin typeface="맑은 고딕" charset="0"/>
+                <a:ea typeface="맑은 고딕" charset="0"/>
+              </a:rPr>
+              <a:t>받도</a:t>
+            </a:r>
+            <a:r>
+              <a:rPr lang="ko-KR" sz="1800">
+                <a:latin typeface="맑은 고딕" charset="0"/>
+                <a:ea typeface="맑은 고딕" charset="0"/>
+              </a:rPr>
+              <a:t>록</a:t>
+            </a:r>
+            <a:r>
+              <a:rPr lang="ko-KR" sz="1800">
+                <a:latin typeface="맑은 고딕" charset="0"/>
+                <a:ea typeface="맑은 고딕" charset="0"/>
+              </a:rPr>
+              <a:t> </a:t>
+            </a:r>
+            <a:r>
+              <a:rPr lang="ko-KR" sz="1800">
+                <a:latin typeface="맑은 고딕" charset="0"/>
+                <a:ea typeface="맑은 고딕" charset="0"/>
+              </a:rPr>
+              <a:t>설정합니다.</a:t>
+            </a:r>
+            <a:endParaRPr lang="ko-KR" altLang="en-US" sz="1800">
+              <a:latin typeface="맑은 고딕" charset="0"/>
+              <a:ea typeface="맑은 고딕" charset="0"/>
+            </a:endParaRPr>
+          </a:p>
+          <a:p>
+            <a:pPr marL="0" indent="0" rtl="0" algn="l" defTabSz="914400" eaLnBrk="1" latinLnBrk="0" hangingPunct="1">
+              <a:buFontTx/>
+              <a:buNone/>
+            </a:pPr>
+            <a:endParaRPr lang="ko-KR" altLang="en-US" sz="1800">
+              <a:latin typeface="맑은 고딕" charset="0"/>
+              <a:ea typeface="맑은 고딕" charset="0"/>
+            </a:endParaRPr>
+          </a:p>
+          <a:p>
+            <a:pPr marL="0" indent="0" rtl="0" algn="l" defTabSz="914400" eaLnBrk="1" latinLnBrk="0" hangingPunct="1">
+              <a:buFontTx/>
+              <a:buNone/>
+            </a:pPr>
+            <a:r>
+              <a:rPr lang="ko-KR" sz="1800">
+                <a:latin typeface="맑은 고딕" charset="0"/>
+                <a:ea typeface="맑은 고딕" charset="0"/>
+              </a:rPr>
+              <a:t>그</a:t>
+            </a:r>
+            <a:r>
+              <a:rPr lang="ko-KR" sz="1800">
+                <a:latin typeface="맑은 고딕" charset="0"/>
+                <a:ea typeface="맑은 고딕" charset="0"/>
+              </a:rPr>
+              <a:t>런</a:t>
+            </a:r>
+            <a:r>
+              <a:rPr lang="ko-KR" sz="1800">
+                <a:latin typeface="맑은 고딕" charset="0"/>
+                <a:ea typeface="맑은 고딕" charset="0"/>
+              </a:rPr>
+              <a:t> 다음 0 이라는 값이 저장되면 </a:t>
+            </a:r>
+            <a:r>
+              <a:rPr lang="ko-KR" sz="1800">
+                <a:latin typeface="맑은 고딕" charset="0"/>
+                <a:ea typeface="맑은 고딕" charset="0"/>
+              </a:rPr>
+              <a:t>캐릭터</a:t>
+            </a:r>
+            <a:r>
+              <a:rPr lang="ko-KR" sz="1800">
+                <a:latin typeface="맑은 고딕" charset="0"/>
+                <a:ea typeface="맑은 고딕" charset="0"/>
+              </a:rPr>
+              <a:t> </a:t>
+            </a:r>
+            <a:r>
+              <a:rPr lang="ko-KR" sz="1800">
+                <a:latin typeface="맑은 고딕" charset="0"/>
+                <a:ea typeface="맑은 고딕" charset="0"/>
+              </a:rPr>
+              <a:t>오브젝트</a:t>
+            </a:r>
+            <a:r>
+              <a:rPr lang="ko-KR" sz="1800">
+                <a:latin typeface="맑은 고딕" charset="0"/>
+                <a:ea typeface="맑은 고딕" charset="0"/>
+              </a:rPr>
+              <a:t>에 있는 </a:t>
+            </a:r>
+            <a:r>
+              <a:rPr lang="ko-KR" sz="1800">
+                <a:latin typeface="맑은 고딕" charset="0"/>
+                <a:ea typeface="맑은 고딕" charset="0"/>
+              </a:rPr>
+              <a:t>애니메이션을 </a:t>
+            </a:r>
+            <a:r>
+              <a:rPr lang="ko-KR" sz="1800">
+                <a:latin typeface="맑은 고딕" charset="0"/>
+                <a:ea typeface="맑은 고딕" charset="0"/>
+              </a:rPr>
+              <a:t>실행하도록</a:t>
+            </a:r>
+            <a:r>
+              <a:rPr lang="ko-KR" sz="1800">
+                <a:latin typeface="맑은 고딕" charset="0"/>
+                <a:ea typeface="맑은 고딕" charset="0"/>
+              </a:rPr>
+              <a:t> 설정합니</a:t>
+            </a:r>
+            <a:r>
+              <a:rPr lang="ko-KR" sz="1800">
+                <a:latin typeface="맑은 고딕" charset="0"/>
+                <a:ea typeface="맑은 고딕" charset="0"/>
+              </a:rPr>
+              <a:t>다.</a:t>
+            </a:r>
+            <a:endParaRPr lang="ko-KR" altLang="en-US" sz="1800">
+              <a:latin typeface="맑은 고딕" charset="0"/>
+              <a:ea typeface="맑은 고딕" charset="0"/>
+            </a:endParaRPr>
+          </a:p>
+        </p:txBody>
+      </p:sp>
+      <p:sp>
+        <p:nvSpPr>
+          <p:cNvPr id="1235" name="Rect 0"/>
+          <p:cNvSpPr txBox="1">
+            <a:spLocks/>
+          </p:cNvSpPr>
+          <p:nvPr/>
+        </p:nvSpPr>
+        <p:spPr>
+          <a:xfrm rot="0">
+            <a:off x="6833870" y="5532755"/>
+            <a:ext cx="4115435" cy="643890"/>
+          </a:xfrm>
+          <a:prstGeom prst="rect"/>
+          <a:noFill/>
+        </p:spPr>
+        <p:txBody>
+          <a:bodyPr wrap="square" lIns="0" tIns="0" rIns="0" bIns="0" numCol="1" vert="horz" anchor="t">
+            <a:noAutofit/>
+          </a:bodyPr>
+          <a:lstStyle/>
+          <a:p>
+            <a:pPr marL="0" indent="0" rtl="0" algn="l" defTabSz="914400" eaLnBrk="1" latinLnBrk="0" hangingPunct="1">
+              <a:buFontTx/>
+              <a:buNone/>
+            </a:pPr>
+            <a:r>
+              <a:rPr sz="2000" b="1">
+                <a:solidFill>
+                  <a:srgbClr val="0611F2"/>
+                </a:solidFill>
+                <a:latin typeface="맑은 고딕" charset="0"/>
+                <a:ea typeface="맑은 고딕" charset="0"/>
+              </a:rPr>
+              <a:t>4</a:t>
+            </a:r>
+            <a:r>
+              <a:rPr lang="ko-KR" sz="2000" b="1">
+                <a:solidFill>
+                  <a:srgbClr val="0611F2"/>
+                </a:solidFill>
+                <a:latin typeface="맑은 고딕" charset="0"/>
+                <a:ea typeface="맑은 고딕" charset="0"/>
+              </a:rPr>
+              <a:t>6</a:t>
+            </a:r>
+            <a:r>
+              <a:rPr sz="2000" b="1">
+                <a:solidFill>
+                  <a:srgbClr val="0611F2"/>
+                </a:solidFill>
+                <a:latin typeface="맑은 고딕" charset="0"/>
+                <a:ea typeface="맑은 고딕" charset="0"/>
+              </a:rPr>
+              <a:t>.</a:t>
+            </a:r>
+            <a:r>
+              <a:rPr sz="2000" b="1">
+                <a:solidFill>
+                  <a:srgbClr val="0611F2"/>
+                </a:solidFill>
+                <a:latin typeface="맑은 고딕" charset="0"/>
+                <a:ea typeface="맑은 고딕" charset="0"/>
+              </a:rPr>
+              <a:t> </a:t>
+            </a:r>
+            <a:r>
+              <a:rPr sz="1800">
+                <a:latin typeface="맑은 고딕" charset="0"/>
+                <a:ea typeface="맑은 고딕" charset="0"/>
+              </a:rPr>
+              <a:t>그다음 Idle 애니메이션을 선택하고 </a:t>
+            </a:r>
+            <a:r>
+              <a:rPr lang="ko-KR" sz="1800">
+                <a:latin typeface="맑은 고딕" charset="0"/>
+                <a:ea typeface="맑은 고딕" charset="0"/>
+              </a:rPr>
+              <a:t>Ani</a:t>
+            </a:r>
+            <a:r>
+              <a:rPr lang="ko-KR" sz="1800">
+                <a:latin typeface="맑은 고딕" charset="0"/>
+                <a:ea typeface="맑은 고딕" charset="0"/>
+              </a:rPr>
+              <a:t>mation</a:t>
+            </a:r>
+            <a:r>
+              <a:rPr lang="ko-KR" sz="1800">
+                <a:latin typeface="맑은 고딕" charset="0"/>
+                <a:ea typeface="맑은 고딕" charset="0"/>
+              </a:rPr>
+              <a:t>에</a:t>
+            </a:r>
+            <a:r>
+              <a:rPr lang="ko-KR" sz="1800">
+                <a:latin typeface="맑은 고딕" charset="0"/>
+                <a:ea typeface="맑은 고딕" charset="0"/>
+              </a:rPr>
+              <a:t> </a:t>
+            </a:r>
+            <a:r>
+              <a:rPr lang="ko-KR" sz="1800">
+                <a:latin typeface="맑은 고딕" charset="0"/>
+                <a:ea typeface="맑은 고딕" charset="0"/>
+              </a:rPr>
+              <a:t>Events를 추가합니다.</a:t>
+            </a:r>
+            <a:endParaRPr lang="ko-KR" altLang="en-US" sz="1800">
+              <a:latin typeface="맑은 고딕" charset="0"/>
+              <a:ea typeface="맑은 고딕" charset="0"/>
+            </a:endParaRPr>
+          </a:p>
+        </p:txBody>
+      </p:sp>
+      <p:pic>
+        <p:nvPicPr>
+          <p:cNvPr id="1237" name="그림 52" descr="C:/Users/Admin1/AppData/Roaming/PolarisOffice/ETemp/4316_14940424/fImage10580352491.png"/>
+          <p:cNvPicPr>
+            <a:picLocks noChangeAspect="1"/>
+          </p:cNvPicPr>
+          <p:nvPr/>
+        </p:nvPicPr>
+        <p:blipFill rotWithShape="1">
+          <a:blip r:embed="rId2" cstate="print">
+            <a:extLst>
+              <a:ext uri="{28A0092B-C50C-407E-A947-70E740481C1C}">
+                <a14:useLocalDpi xmlns:a14="http://schemas.microsoft.com/office/drawing/2010/main" val="0"/>
+              </a:ext>
+            </a:extLst>
+          </a:blip>
+          <a:stretch>
+            <a:fillRect/>
+          </a:stretch>
+        </p:blipFill>
+        <p:spPr>
+          <a:xfrm rot="0">
+            <a:off x="6823075" y="1438275"/>
+            <a:ext cx="4126230" cy="3859530"/>
+          </a:xfrm>
+          <a:prstGeom prst="roundRect"/>
+          <a:solidFill>
+            <a:srgbClr val="EDEDED"/>
+          </a:solidFill>
+        </p:spPr>
+      </p:pic>
+      <p:pic>
+        <p:nvPicPr>
+          <p:cNvPr id="1238" name="그림 64" descr="C:/Users/Admin1/AppData/Roaming/PolarisOffice/ETemp/4316_14940424/fImage402753562995.png"/>
+          <p:cNvPicPr>
+            <a:picLocks noChangeAspect="1"/>
+          </p:cNvPicPr>
+          <p:nvPr/>
+        </p:nvPicPr>
+        <p:blipFill rotWithShape="1">
+          <a:blip r:embed="rId3" cstate="print">
+            <a:extLst>
+              <a:ext uri="{28A0092B-C50C-407E-A947-70E740481C1C}">
+                <a14:useLocalDpi xmlns:a14="http://schemas.microsoft.com/office/drawing/2010/main" val="0"/>
+              </a:ext>
+            </a:extLst>
+          </a:blip>
+          <a:stretch>
+            <a:fillRect/>
+          </a:stretch>
+        </p:blipFill>
+        <p:spPr>
+          <a:xfrm rot="0">
+            <a:off x="1240790" y="1437640"/>
+            <a:ext cx="4135120" cy="2516505"/>
+          </a:xfrm>
+          <a:prstGeom prst="roundRect"/>
+          <a:solidFill>
+            <a:srgbClr val="EDEDED"/>
+          </a:solidFill>
+        </p:spPr>
+      </p:pic>
+    </p:spTree>
+  </p:cSld>
+  <p:clrMapOvr>
+    <a:masterClrMapping/>
+  </p:clrMapOvr>
+  <mc:AlternateContent xmlns:mc="http://schemas.openxmlformats.org/markup-compatibility/2006">
+    <mc:Choice xmlns:p14="http://schemas.microsoft.com/office/powerpoint/2010/main" Requires="p14">
+      <p:transition spd="slow" p14:dur="2000"/>
+    </mc:Choice>
+    <mc:Fallback>
+      <p:transition spd="slow"/>
+    </mc:Fallback>
+  </mc:AlternateContent>
+  <p:timing>
+    <p:tnLst>
+      <p:par>
+        <p:cTn id="1" dur="indefinite" restart="never" nodeType="tmRoot"/>
+      </p:par>
+    </p:tnLst>
+  </p:timing>
+</p:sld>
+</file>
+
+<file path=ppt/slides/slide18.xml><?xml version="1.0" encoding="utf-8"?>
+<p:sld xmlns:a="http://schemas.openxmlformats.org/drawingml/2006/main" xmlns:r="http://schemas.openxmlformats.org/officeDocument/2006/relationships" xmlns:p="http://schemas.openxmlformats.org/presentationml/2006/main">
+  <p:cSld>
+    <p:spTree>
+      <p:nvGrpSpPr>
+        <p:cNvPr id="1" name=""/>
+        <p:cNvGrpSpPr/>
+        <p:nvPr/>
+      </p:nvGrpSpPr>
+      <p:grpSpPr>
+        <a:xfrm>
+          <a:off x="0" y="0"/>
+          <a:ext cx="0" cy="0"/>
+          <a:chOff x="0" y="0"/>
+          <a:chExt cx="0" cy="0"/>
+        </a:xfrm>
+      </p:grpSpPr>
+      <p:sp>
+        <p:nvSpPr>
+          <p:cNvPr id="1154" name="Rect 0"/>
+          <p:cNvSpPr txBox="1">
+            <a:spLocks/>
+          </p:cNvSpPr>
+          <p:nvPr/>
+        </p:nvSpPr>
+        <p:spPr>
+          <a:xfrm rot="0">
+            <a:off x="4280535" y="405130"/>
+            <a:ext cx="3630930" cy="478155"/>
+          </a:xfrm>
+          <a:prstGeom prst="rect"/>
+          <a:noFill/>
+          <a:ln w="0">
+            <a:noFill/>
+            <a:prstDash/>
+          </a:ln>
+        </p:spPr>
+        <p:txBody>
+          <a:bodyPr wrap="square" lIns="89535" tIns="46355" rIns="89535" bIns="46355" numCol="1" vert="horz" anchor="t">
+            <a:spAutoFit/>
+          </a:bodyPr>
+          <a:lstStyle/>
+          <a:p>
+            <a:pPr marL="0" indent="0" algn="ctr" latinLnBrk="0">
+              <a:buFontTx/>
+              <a:buNone/>
+            </a:pPr>
+            <a:r>
+              <a:rPr lang="ko-KR" altLang="en-US" sz="2500" b="1">
+                <a:solidFill>
+                  <a:schemeClr val="tx1"/>
+                </a:solidFill>
+                <a:latin typeface="나눔바른고딕" charset="0"/>
+                <a:ea typeface="나눔바른고딕" charset="0"/>
+              </a:rPr>
+              <a:t>열여덟</a:t>
+            </a:r>
+            <a:r>
+              <a:rPr lang="ko-KR" altLang="en-US" sz="2500" b="1">
+                <a:solidFill>
+                  <a:schemeClr val="tx1"/>
+                </a:solidFill>
+                <a:latin typeface="나눔바른고딕" charset="0"/>
+                <a:ea typeface="나눔바른고딕" charset="0"/>
+              </a:rPr>
+              <a:t> 번째 튜토리얼</a:t>
+            </a:r>
+            <a:endParaRPr lang="ko-KR" altLang="en-US" sz="2500" b="1">
+              <a:solidFill>
+                <a:schemeClr val="tx1"/>
+              </a:solidFill>
+              <a:latin typeface="나눔바른고딕" charset="0"/>
+              <a:ea typeface="나눔바른고딕" charset="0"/>
+            </a:endParaRPr>
+          </a:p>
+        </p:txBody>
+      </p:sp>
+      <p:sp>
+        <p:nvSpPr>
+          <p:cNvPr id="1207" name="Rect 0"/>
+          <p:cNvSpPr txBox="1">
+            <a:spLocks/>
+          </p:cNvSpPr>
+          <p:nvPr/>
+        </p:nvSpPr>
+        <p:spPr>
+          <a:xfrm rot="0">
+            <a:off x="1240790" y="4413250"/>
+            <a:ext cx="4143375" cy="1763395"/>
+          </a:xfrm>
+          <a:prstGeom prst="rect"/>
+          <a:noFill/>
+        </p:spPr>
+        <p:txBody>
+          <a:bodyPr wrap="square" lIns="0" tIns="0" rIns="0" bIns="0" numCol="1" vert="horz" anchor="t">
+            <a:noAutofit/>
+          </a:bodyPr>
+          <a:lstStyle/>
+          <a:p>
+            <a:pPr marL="0" indent="0" rtl="0" algn="l" defTabSz="914400" eaLnBrk="1" latinLnBrk="0" hangingPunct="1">
+              <a:buFontTx/>
+              <a:buNone/>
+            </a:pPr>
+            <a:r>
+              <a:rPr sz="2000" b="1">
+                <a:solidFill>
+                  <a:srgbClr val="0611F2"/>
+                </a:solidFill>
+                <a:latin typeface="맑은 고딕" charset="0"/>
+                <a:ea typeface="맑은 고딕" charset="0"/>
+              </a:rPr>
+              <a:t>4</a:t>
+            </a:r>
+            <a:r>
+              <a:rPr lang="ko-KR" sz="2000" b="1">
+                <a:solidFill>
+                  <a:srgbClr val="0611F2"/>
+                </a:solidFill>
+                <a:latin typeface="맑은 고딕" charset="0"/>
+                <a:ea typeface="맑은 고딕" charset="0"/>
+              </a:rPr>
+              <a:t>7</a:t>
+            </a:r>
+            <a:r>
+              <a:rPr sz="2000" b="1">
+                <a:solidFill>
+                  <a:srgbClr val="0611F2"/>
+                </a:solidFill>
+                <a:latin typeface="맑은 고딕" charset="0"/>
+                <a:ea typeface="맑은 고딕" charset="0"/>
+              </a:rPr>
+              <a:t>.</a:t>
+            </a:r>
+            <a:r>
+              <a:rPr sz="2000" b="1">
+                <a:solidFill>
+                  <a:srgbClr val="0611F2"/>
+                </a:solidFill>
+                <a:latin typeface="맑은 고딕" charset="0"/>
+                <a:ea typeface="맑은 고딕" charset="0"/>
+              </a:rPr>
+              <a:t> </a:t>
+            </a:r>
+            <a:r>
+              <a:rPr sz="1800">
+                <a:latin typeface="맑은 고딕" charset="0"/>
+                <a:ea typeface="맑은 고딕" charset="0"/>
+              </a:rPr>
+              <a:t>그러고 나서 애니메이션 이벤트를 </a:t>
+            </a:r>
+            <a:r>
+              <a:rPr sz="1800">
+                <a:latin typeface="맑은 고딕" charset="0"/>
+                <a:ea typeface="맑은 고딕" charset="0"/>
+              </a:rPr>
+              <a:t>1</a:t>
+            </a:r>
+            <a:r>
+              <a:rPr sz="1800">
+                <a:latin typeface="맑은 고딕" charset="0"/>
+                <a:ea typeface="맑은 고딕" charset="0"/>
+              </a:rPr>
+              <a:t> </a:t>
+            </a:r>
+            <a:r>
+              <a:rPr sz="1800">
+                <a:latin typeface="맑은 고딕" charset="0"/>
+                <a:ea typeface="맑은 고딕" charset="0"/>
+              </a:rPr>
+              <a:t>:</a:t>
+            </a:r>
+            <a:r>
+              <a:rPr sz="1800">
+                <a:latin typeface="맑은 고딕" charset="0"/>
+                <a:ea typeface="맑은 고딕" charset="0"/>
+              </a:rPr>
+              <a:t> 00로 옮긴 다음 </a:t>
+            </a:r>
+            <a:r>
+              <a:rPr sz="1800">
+                <a:latin typeface="맑은 고딕" charset="0"/>
+                <a:ea typeface="맑은 고딕" charset="0"/>
+              </a:rPr>
+              <a:t>Function의</a:t>
+            </a:r>
+            <a:r>
+              <a:rPr sz="1800">
+                <a:latin typeface="맑은 고딕" charset="0"/>
+                <a:ea typeface="맑은 고딕" charset="0"/>
+              </a:rPr>
+              <a:t> 이름을 </a:t>
+            </a:r>
+            <a:r>
+              <a:rPr sz="1800">
+                <a:latin typeface="맑은 고딕" charset="0"/>
+                <a:ea typeface="맑은 고딕" charset="0"/>
+              </a:rPr>
+              <a:t>Skill</a:t>
+            </a:r>
+            <a:r>
+              <a:rPr sz="1800">
+                <a:latin typeface="맑은 고딕" charset="0"/>
+                <a:ea typeface="맑은 고딕" charset="0"/>
+              </a:rPr>
+              <a:t>로</a:t>
+            </a:r>
+            <a:r>
+              <a:rPr sz="1800">
+                <a:latin typeface="맑은 고딕" charset="0"/>
+                <a:ea typeface="맑은 고딕" charset="0"/>
+              </a:rPr>
+              <a:t> </a:t>
+            </a:r>
+            <a:r>
+              <a:rPr sz="1800">
+                <a:latin typeface="맑은 고딕" charset="0"/>
+                <a:ea typeface="맑은 고딕" charset="0"/>
+              </a:rPr>
+              <a:t>설정합니다.</a:t>
+            </a:r>
+            <a:endParaRPr lang="ko-KR" altLang="en-US" sz="1800">
+              <a:latin typeface="맑은 고딕" charset="0"/>
+              <a:ea typeface="맑은 고딕" charset="0"/>
+            </a:endParaRPr>
+          </a:p>
+          <a:p>
+            <a:pPr marL="0" indent="0" rtl="0" algn="l" defTabSz="914400" eaLnBrk="1" latinLnBrk="0" hangingPunct="1">
+              <a:buFontTx/>
+              <a:buNone/>
+            </a:pPr>
+            <a:endParaRPr lang="ko-KR" altLang="en-US" sz="1800">
+              <a:latin typeface="맑은 고딕" charset="0"/>
+              <a:ea typeface="맑은 고딕" charset="0"/>
+            </a:endParaRPr>
+          </a:p>
+          <a:p>
+            <a:pPr marL="0" indent="0" rtl="0" algn="l" defTabSz="914400" eaLnBrk="1" latinLnBrk="0" hangingPunct="1">
+              <a:buFontTx/>
+              <a:buNone/>
+            </a:pPr>
+            <a:r>
+              <a:rPr lang="ko-KR" sz="1800">
+                <a:latin typeface="맑은 고딕" charset="0"/>
+                <a:ea typeface="맑은 고딕" charset="0"/>
+              </a:rPr>
+              <a:t>마지막으로</a:t>
+            </a:r>
+            <a:r>
+              <a:rPr lang="ko-KR" sz="1800">
+                <a:latin typeface="맑은 고딕" charset="0"/>
+                <a:ea typeface="맑은 고딕" charset="0"/>
+              </a:rPr>
+              <a:t> </a:t>
+            </a:r>
+            <a:r>
+              <a:rPr lang="ko-KR" sz="1800">
+                <a:latin typeface="맑은 고딕" charset="0"/>
+                <a:ea typeface="맑은 고딕" charset="0"/>
+              </a:rPr>
+              <a:t>String에 Attack</a:t>
+            </a:r>
+            <a:r>
+              <a:rPr lang="ko-KR" sz="1800">
+                <a:latin typeface="맑은 고딕" charset="0"/>
+                <a:ea typeface="맑은 고딕" charset="0"/>
+              </a:rPr>
+              <a:t> 이라는 </a:t>
+            </a:r>
+            <a:r>
+              <a:rPr lang="ko-KR" sz="1800">
+                <a:latin typeface="맑은 고딕" charset="0"/>
+                <a:ea typeface="맑은 고딕" charset="0"/>
+              </a:rPr>
+              <a:t>문자열을</a:t>
+            </a:r>
+            <a:r>
+              <a:rPr lang="ko-KR" sz="1800">
+                <a:latin typeface="맑은 고딕" charset="0"/>
+                <a:ea typeface="맑은 고딕" charset="0"/>
+              </a:rPr>
+              <a:t> </a:t>
+            </a:r>
+            <a:r>
+              <a:rPr lang="ko-KR" sz="1800">
+                <a:latin typeface="맑은 고딕" charset="0"/>
+                <a:ea typeface="맑은 고딕" charset="0"/>
+              </a:rPr>
+              <a:t>설정하고 Apply를 선택합니다.</a:t>
+            </a:r>
+            <a:r>
+              <a:rPr lang="ko-KR" sz="1800">
+                <a:latin typeface="맑은 고딕" charset="0"/>
+                <a:ea typeface="맑은 고딕" charset="0"/>
+              </a:rPr>
+              <a:t> </a:t>
+            </a:r>
+            <a:endParaRPr lang="ko-KR" altLang="en-US" sz="1800">
+              <a:latin typeface="맑은 고딕" charset="0"/>
+              <a:ea typeface="맑은 고딕" charset="0"/>
+            </a:endParaRPr>
+          </a:p>
+        </p:txBody>
+      </p:sp>
+      <p:sp>
+        <p:nvSpPr>
+          <p:cNvPr id="1235" name="Rect 0"/>
+          <p:cNvSpPr txBox="1">
+            <a:spLocks/>
+          </p:cNvSpPr>
+          <p:nvPr/>
+        </p:nvSpPr>
+        <p:spPr>
+          <a:xfrm rot="0">
+            <a:off x="6842125" y="4413250"/>
+            <a:ext cx="4124325" cy="1771650"/>
+          </a:xfrm>
+          <a:prstGeom prst="rect"/>
+          <a:noFill/>
+        </p:spPr>
+        <p:txBody>
+          <a:bodyPr wrap="square" lIns="0" tIns="0" rIns="0" bIns="0" numCol="1" vert="horz" anchor="t">
+            <a:noAutofit/>
+          </a:bodyPr>
+          <a:lstStyle/>
+          <a:p>
+            <a:pPr marL="0" indent="0" rtl="0" algn="l" defTabSz="914400" eaLnBrk="1" latinLnBrk="0" hangingPunct="1">
+              <a:buFontTx/>
+              <a:buNone/>
+            </a:pPr>
+            <a:r>
+              <a:rPr sz="2000" b="1">
+                <a:solidFill>
+                  <a:srgbClr val="0611F2"/>
+                </a:solidFill>
+                <a:latin typeface="맑은 고딕" charset="0"/>
+                <a:ea typeface="맑은 고딕" charset="0"/>
+              </a:rPr>
+              <a:t>4</a:t>
+            </a:r>
+            <a:r>
+              <a:rPr lang="ko-KR" sz="2000" b="1">
+                <a:solidFill>
+                  <a:srgbClr val="0611F2"/>
+                </a:solidFill>
+                <a:latin typeface="맑은 고딕" charset="0"/>
+                <a:ea typeface="맑은 고딕" charset="0"/>
+              </a:rPr>
+              <a:t>8</a:t>
+            </a:r>
+            <a:r>
+              <a:rPr sz="2000" b="1">
+                <a:solidFill>
+                  <a:srgbClr val="0611F2"/>
+                </a:solidFill>
+                <a:latin typeface="맑은 고딕" charset="0"/>
+                <a:ea typeface="맑은 고딕" charset="0"/>
+              </a:rPr>
+              <a:t>.</a:t>
+            </a:r>
+            <a:r>
+              <a:rPr sz="2000" b="1">
+                <a:solidFill>
+                  <a:srgbClr val="0611F2"/>
+                </a:solidFill>
+                <a:latin typeface="맑은 고딕" charset="0"/>
+                <a:ea typeface="맑은 고딕" charset="0"/>
+              </a:rPr>
+              <a:t> </a:t>
+            </a:r>
+            <a:r>
+              <a:rPr sz="1800">
+                <a:latin typeface="맑은 고딕" charset="0"/>
+                <a:ea typeface="맑은 고딕" charset="0"/>
+              </a:rPr>
+              <a:t>이제 </a:t>
+            </a:r>
+            <a:r>
+              <a:rPr lang="ko-KR" sz="1800">
+                <a:latin typeface="맑은 고딕" charset="0"/>
+                <a:ea typeface="맑은 고딕" charset="0"/>
+              </a:rPr>
+              <a:t>New Animator Controller를 </a:t>
+            </a:r>
+            <a:r>
+              <a:rPr lang="ko-KR" sz="1800">
+                <a:latin typeface="맑은 고딕" charset="0"/>
+                <a:ea typeface="맑은 고딕" charset="0"/>
+              </a:rPr>
+              <a:t>선택</a:t>
+            </a:r>
+            <a:r>
+              <a:rPr lang="ko-KR" sz="1800">
+                <a:latin typeface="맑은 고딕" charset="0"/>
+                <a:ea typeface="맑은 고딕" charset="0"/>
+              </a:rPr>
+              <a:t>한</a:t>
+            </a:r>
+            <a:r>
+              <a:rPr lang="ko-KR" sz="1800">
+                <a:latin typeface="맑은 고딕" charset="0"/>
+                <a:ea typeface="맑은 고딕" charset="0"/>
+              </a:rPr>
+              <a:t> </a:t>
+            </a:r>
+            <a:r>
+              <a:rPr lang="ko-KR" sz="1800">
+                <a:latin typeface="맑은 고딕" charset="0"/>
+                <a:ea typeface="맑은 고딕" charset="0"/>
+              </a:rPr>
+              <a:t>다음 Attack 애니메이션에서 </a:t>
+            </a:r>
+            <a:r>
+              <a:rPr lang="ko-KR" sz="1800">
+                <a:latin typeface="맑은 고딕" charset="0"/>
+                <a:ea typeface="맑은 고딕" charset="0"/>
+              </a:rPr>
+              <a:t>Make</a:t>
+            </a:r>
+            <a:r>
+              <a:rPr lang="ko-KR" sz="1800">
+                <a:latin typeface="맑은 고딕" charset="0"/>
+                <a:ea typeface="맑은 고딕" charset="0"/>
+              </a:rPr>
+              <a:t> </a:t>
+            </a:r>
+            <a:r>
+              <a:rPr lang="ko-KR" sz="1800">
+                <a:latin typeface="맑은 고딕" charset="0"/>
+                <a:ea typeface="맑은 고딕" charset="0"/>
+              </a:rPr>
+              <a:t>T</a:t>
+            </a:r>
+            <a:r>
+              <a:rPr lang="ko-KR" sz="1800">
+                <a:latin typeface="맑은 고딕" charset="0"/>
+                <a:ea typeface="맑은 고딕" charset="0"/>
+              </a:rPr>
+              <a:t>ransition</a:t>
+            </a:r>
+            <a:r>
+              <a:rPr lang="ko-KR" sz="1800">
+                <a:latin typeface="맑은 고딕" charset="0"/>
+                <a:ea typeface="맑은 고딕" charset="0"/>
+              </a:rPr>
+              <a:t>을 </a:t>
+            </a:r>
+            <a:r>
+              <a:rPr lang="ko-KR" sz="1800">
+                <a:latin typeface="맑은 고딕" charset="0"/>
+                <a:ea typeface="맑은 고딕" charset="0"/>
+              </a:rPr>
+              <a:t>생성합니다.</a:t>
+            </a:r>
+            <a:endParaRPr lang="ko-KR" altLang="en-US" sz="1800">
+              <a:latin typeface="맑은 고딕" charset="0"/>
+              <a:ea typeface="맑은 고딕" charset="0"/>
+            </a:endParaRPr>
+          </a:p>
+          <a:p>
+            <a:pPr marL="0" indent="0" rtl="0" algn="l" defTabSz="914400" eaLnBrk="1" latinLnBrk="0" hangingPunct="1">
+              <a:buFontTx/>
+              <a:buNone/>
+            </a:pPr>
+            <a:endParaRPr lang="ko-KR" altLang="en-US" sz="1800">
+              <a:latin typeface="맑은 고딕" charset="0"/>
+              <a:ea typeface="맑은 고딕" charset="0"/>
+            </a:endParaRPr>
+          </a:p>
+          <a:p>
+            <a:pPr marL="0" indent="0" rtl="0" algn="l" defTabSz="914400" eaLnBrk="1" latinLnBrk="0" hangingPunct="1">
+              <a:buFontTx/>
+              <a:buNone/>
+            </a:pPr>
+            <a:r>
+              <a:rPr sz="1800">
+                <a:latin typeface="맑은 고딕" charset="0"/>
+                <a:ea typeface="맑은 고딕" charset="0"/>
+              </a:rPr>
+              <a:t>그리</a:t>
+            </a:r>
+            <a:r>
+              <a:rPr sz="1800">
+                <a:latin typeface="맑은 고딕" charset="0"/>
+                <a:ea typeface="맑은 고딕" charset="0"/>
+              </a:rPr>
+              <a:t>고</a:t>
+            </a:r>
+            <a:r>
+              <a:rPr sz="1800">
+                <a:latin typeface="맑은 고딕" charset="0"/>
+                <a:ea typeface="맑은 고딕" charset="0"/>
+              </a:rPr>
+              <a:t> Attack 애니메이션에서 Exit로 </a:t>
+            </a:r>
+            <a:r>
+              <a:rPr sz="1800">
+                <a:latin typeface="맑은 고딕" charset="0"/>
+                <a:ea typeface="맑은 고딕" charset="0"/>
+              </a:rPr>
+              <a:t>연결합니</a:t>
+            </a:r>
+            <a:r>
+              <a:rPr lang="ko-KR" sz="1800">
+                <a:latin typeface="맑은 고딕" charset="0"/>
+                <a:ea typeface="맑은 고딕" charset="0"/>
+              </a:rPr>
+              <a:t>다.</a:t>
+            </a:r>
+            <a:endParaRPr lang="ko-KR" altLang="en-US" sz="1800">
+              <a:latin typeface="맑은 고딕" charset="0"/>
+              <a:ea typeface="맑은 고딕" charset="0"/>
+            </a:endParaRPr>
+          </a:p>
+        </p:txBody>
+      </p:sp>
+      <p:pic>
+        <p:nvPicPr>
+          <p:cNvPr id="1238" name="그림 67" descr="C:/Users/Admin1/AppData/Roaming/PolarisOffice/ETemp/4316_14940424/fImage120873651942.png"/>
+          <p:cNvPicPr>
+            <a:picLocks noChangeAspect="1"/>
+          </p:cNvPicPr>
+          <p:nvPr/>
+        </p:nvPicPr>
+        <p:blipFill rotWithShape="1">
+          <a:blip r:embed="rId2" cstate="print">
+            <a:extLst>
+              <a:ext uri="{28A0092B-C50C-407E-A947-70E740481C1C}">
+                <a14:useLocalDpi xmlns:a14="http://schemas.microsoft.com/office/drawing/2010/main" val="0"/>
+              </a:ext>
+            </a:extLst>
+          </a:blip>
+          <a:stretch>
+            <a:fillRect/>
+          </a:stretch>
+        </p:blipFill>
+        <p:spPr>
+          <a:xfrm rot="0">
+            <a:off x="1240790" y="1447165"/>
+            <a:ext cx="4152265" cy="2731135"/>
+          </a:xfrm>
+          <a:prstGeom prst="roundRect"/>
+          <a:solidFill>
+            <a:srgbClr val="EDEDED"/>
+          </a:solidFill>
+        </p:spPr>
+      </p:pic>
+      <p:pic>
+        <p:nvPicPr>
+          <p:cNvPr id="1239" name="그림 78" descr="C:/Users/Admin1/AppData/Roaming/PolarisOffice/ETemp/4316_14940424/fImage324273784827.png"/>
+          <p:cNvPicPr>
+            <a:picLocks noChangeAspect="1"/>
+          </p:cNvPicPr>
+          <p:nvPr/>
+        </p:nvPicPr>
+        <p:blipFill rotWithShape="1">
+          <a:blip r:embed="rId3" cstate="print">
+            <a:extLst>
+              <a:ext uri="{28A0092B-C50C-407E-A947-70E740481C1C}">
+                <a14:useLocalDpi xmlns:a14="http://schemas.microsoft.com/office/drawing/2010/main" val="0"/>
+              </a:ext>
+            </a:extLst>
+          </a:blip>
+          <a:stretch>
+            <a:fillRect/>
+          </a:stretch>
+        </p:blipFill>
+        <p:spPr>
+          <a:xfrm rot="0">
+            <a:off x="6830695" y="1446530"/>
+            <a:ext cx="4126865" cy="2731770"/>
+          </a:xfrm>
+          <a:prstGeom prst="roundRect"/>
+          <a:solidFill>
+            <a:srgbClr val="EDEDED"/>
+          </a:solidFill>
+        </p:spPr>
+      </p:pic>
+    </p:spTree>
+  </p:cSld>
+  <p:clrMapOvr>
+    <a:masterClrMapping/>
+  </p:clrMapOvr>
+  <mc:AlternateContent xmlns:mc="http://schemas.openxmlformats.org/markup-compatibility/2006">
+    <mc:Choice xmlns:p14="http://schemas.microsoft.com/office/powerpoint/2010/main" Requires="p14">
+      <p:transition spd="slow" p14:dur="2000"/>
+    </mc:Choice>
+    <mc:Fallback>
+      <p:transition spd="slow"/>
+    </mc:Fallback>
+  </mc:AlternateContent>
+  <p:timing>
+    <p:tnLst>
+      <p:par>
+        <p:cTn id="1" dur="indefinite" restart="never" nodeType="tmRoot"/>
+      </p:par>
+    </p:tnLst>
+  </p:timing>
+</p:sld>
+</file>
+
+<file path=ppt/slides/slide19.xml><?xml version="1.0" encoding="utf-8"?>
+<p:sld xmlns:a="http://schemas.openxmlformats.org/drawingml/2006/main" xmlns:r="http://schemas.openxmlformats.org/officeDocument/2006/relationships" xmlns:p="http://schemas.openxmlformats.org/presentationml/2006/main">
+  <p:cSld>
+    <p:spTree>
+      <p:nvGrpSpPr>
+        <p:cNvPr id="1" name=""/>
+        <p:cNvGrpSpPr/>
+        <p:nvPr/>
+      </p:nvGrpSpPr>
+      <p:grpSpPr>
+        <a:xfrm>
+          <a:off x="0" y="0"/>
+          <a:ext cx="0" cy="0"/>
+          <a:chOff x="0" y="0"/>
+          <a:chExt cx="0" cy="0"/>
+        </a:xfrm>
+      </p:grpSpPr>
+      <p:sp>
+        <p:nvSpPr>
+          <p:cNvPr id="1154" name="Rect 0"/>
+          <p:cNvSpPr txBox="1">
+            <a:spLocks/>
+          </p:cNvSpPr>
+          <p:nvPr/>
+        </p:nvSpPr>
+        <p:spPr>
+          <a:xfrm rot="0">
+            <a:off x="4280535" y="405130"/>
+            <a:ext cx="3630930" cy="478155"/>
+          </a:xfrm>
+          <a:prstGeom prst="rect"/>
+          <a:noFill/>
+          <a:ln w="0">
+            <a:noFill/>
+            <a:prstDash/>
+          </a:ln>
+        </p:spPr>
+        <p:txBody>
+          <a:bodyPr wrap="square" lIns="89535" tIns="46355" rIns="89535" bIns="46355" numCol="1" vert="horz" anchor="t">
+            <a:spAutoFit/>
+          </a:bodyPr>
+          <a:lstStyle/>
+          <a:p>
+            <a:pPr marL="0" indent="0" algn="ctr" latinLnBrk="0">
+              <a:buFontTx/>
+              <a:buNone/>
+            </a:pPr>
+            <a:r>
+              <a:rPr lang="ko-KR" altLang="en-US" sz="2500" b="1">
+                <a:solidFill>
+                  <a:schemeClr val="tx1"/>
+                </a:solidFill>
+                <a:latin typeface="나눔바른고딕" charset="0"/>
+                <a:ea typeface="나눔바른고딕" charset="0"/>
+              </a:rPr>
+              <a:t>열아홉</a:t>
+            </a:r>
+            <a:r>
+              <a:rPr lang="ko-KR" altLang="en-US" sz="2500" b="1">
+                <a:solidFill>
+                  <a:schemeClr val="tx1"/>
+                </a:solidFill>
+                <a:latin typeface="나눔바른고딕" charset="0"/>
+                <a:ea typeface="나눔바른고딕" charset="0"/>
+              </a:rPr>
+              <a:t> 번째 튜토리얼</a:t>
+            </a:r>
+            <a:endParaRPr lang="ko-KR" altLang="en-US" sz="2500" b="1">
+              <a:solidFill>
+                <a:schemeClr val="tx1"/>
+              </a:solidFill>
+              <a:latin typeface="나눔바른고딕" charset="0"/>
+              <a:ea typeface="나눔바른고딕" charset="0"/>
+            </a:endParaRPr>
+          </a:p>
+        </p:txBody>
+      </p:sp>
+      <p:sp>
+        <p:nvSpPr>
+          <p:cNvPr id="1235" name="Rect 0"/>
+          <p:cNvSpPr txBox="1">
+            <a:spLocks/>
+          </p:cNvSpPr>
+          <p:nvPr/>
+        </p:nvSpPr>
+        <p:spPr>
+          <a:xfrm rot="0">
+            <a:off x="1243330" y="5222875"/>
+            <a:ext cx="4115435" cy="944880"/>
+          </a:xfrm>
+          <a:prstGeom prst="rect"/>
+          <a:noFill/>
+        </p:spPr>
+        <p:txBody>
+          <a:bodyPr wrap="square" lIns="0" tIns="0" rIns="0" bIns="0" numCol="1" vert="horz" anchor="t">
+            <a:noAutofit/>
+          </a:bodyPr>
+          <a:lstStyle/>
+          <a:p>
+            <a:pPr marL="0" indent="0" rtl="0" algn="l" defTabSz="914400" eaLnBrk="1" latinLnBrk="0" hangingPunct="1">
+              <a:buFontTx/>
+              <a:buNone/>
+            </a:pPr>
+            <a:r>
+              <a:rPr sz="2000" b="1">
+                <a:solidFill>
+                  <a:srgbClr val="0611F2"/>
+                </a:solidFill>
+                <a:latin typeface="맑은 고딕" charset="0"/>
+                <a:ea typeface="맑은 고딕" charset="0"/>
+              </a:rPr>
+              <a:t>4</a:t>
+            </a:r>
+            <a:r>
+              <a:rPr lang="ko-KR" sz="2000" b="1">
+                <a:solidFill>
+                  <a:srgbClr val="0611F2"/>
+                </a:solidFill>
+                <a:latin typeface="맑은 고딕" charset="0"/>
+                <a:ea typeface="맑은 고딕" charset="0"/>
+              </a:rPr>
+              <a:t>9</a:t>
+            </a:r>
+            <a:r>
+              <a:rPr sz="2000" b="1">
+                <a:solidFill>
+                  <a:srgbClr val="0611F2"/>
+                </a:solidFill>
+                <a:latin typeface="맑은 고딕" charset="0"/>
+                <a:ea typeface="맑은 고딕" charset="0"/>
+              </a:rPr>
+              <a:t>.</a:t>
+            </a:r>
+            <a:r>
+              <a:rPr sz="2000" b="1">
+                <a:solidFill>
+                  <a:srgbClr val="0611F2"/>
+                </a:solidFill>
+                <a:latin typeface="맑은 고딕" charset="0"/>
+                <a:ea typeface="맑은 고딕" charset="0"/>
+              </a:rPr>
+              <a:t> </a:t>
+            </a:r>
+            <a:r>
+              <a:rPr sz="1800">
+                <a:latin typeface="맑은 고딕" charset="0"/>
+                <a:ea typeface="맑은 고딕" charset="0"/>
+              </a:rPr>
+              <a:t>그런 다음 Attack 애니메이션을 </a:t>
+            </a:r>
+            <a:r>
+              <a:rPr sz="1800">
+                <a:latin typeface="맑은 고딕" charset="0"/>
+                <a:ea typeface="맑은 고딕" charset="0"/>
+              </a:rPr>
+              <a:t>선택하고</a:t>
+            </a:r>
+            <a:r>
+              <a:rPr sz="1800">
+                <a:latin typeface="맑은 고딕" charset="0"/>
+                <a:ea typeface="맑은 고딕" charset="0"/>
+              </a:rPr>
+              <a:t> </a:t>
+            </a:r>
+            <a:r>
+              <a:rPr lang="ko-KR" sz="1800">
+                <a:latin typeface="맑은 고딕" charset="0"/>
+                <a:ea typeface="맑은 고딕" charset="0"/>
+              </a:rPr>
+              <a:t>Ani</a:t>
+            </a:r>
+            <a:r>
+              <a:rPr lang="ko-KR" sz="1800">
+                <a:latin typeface="맑은 고딕" charset="0"/>
+                <a:ea typeface="맑은 고딕" charset="0"/>
+              </a:rPr>
+              <a:t>mation</a:t>
+            </a:r>
+            <a:r>
+              <a:rPr lang="ko-KR" sz="1800">
+                <a:latin typeface="맑은 고딕" charset="0"/>
+                <a:ea typeface="맑은 고딕" charset="0"/>
+              </a:rPr>
+              <a:t>에 </a:t>
+            </a:r>
+            <a:r>
+              <a:rPr lang="ko-KR" sz="1800">
+                <a:latin typeface="맑은 고딕" charset="0"/>
+                <a:ea typeface="맑은 고딕" charset="0"/>
+              </a:rPr>
+              <a:t>Events를 </a:t>
+            </a:r>
+            <a:r>
+              <a:rPr lang="ko-KR" sz="1800">
+                <a:latin typeface="맑은 고딕" charset="0"/>
+                <a:ea typeface="맑은 고딕" charset="0"/>
+              </a:rPr>
+              <a:t>추가합니다.</a:t>
+            </a:r>
+            <a:endParaRPr lang="ko-KR" altLang="en-US" sz="1800">
+              <a:latin typeface="맑은 고딕" charset="0"/>
+              <a:ea typeface="맑은 고딕" charset="0"/>
+            </a:endParaRPr>
+          </a:p>
+        </p:txBody>
+      </p:sp>
+      <p:pic>
+        <p:nvPicPr>
+          <p:cNvPr id="1237" name="Picture " descr="C:/Users/Admin1/AppData/Roaming/PolarisOffice/ETemp/4316_14940424/fImage105803695436.png"/>
+          <p:cNvPicPr>
+            <a:picLocks noChangeAspect="1"/>
+          </p:cNvPicPr>
+          <p:nvPr/>
+        </p:nvPicPr>
+        <p:blipFill rotWithShape="1">
+          <a:blip r:embed="rId2" cstate="print">
+            <a:extLst>
+              <a:ext uri="{28A0092B-C50C-407E-A947-70E740481C1C}">
+                <a14:useLocalDpi xmlns:a14="http://schemas.microsoft.com/office/drawing/2010/main" val="0"/>
+              </a:ext>
+            </a:extLst>
+          </a:blip>
+          <a:stretch>
+            <a:fillRect/>
+          </a:stretch>
+        </p:blipFill>
+        <p:spPr>
+          <a:xfrm rot="0">
+            <a:off x="1240790" y="1446530"/>
+            <a:ext cx="4126230" cy="3567430"/>
+          </a:xfrm>
+          <a:prstGeom prst="roundRect"/>
+          <a:solidFill>
+            <a:srgbClr val="EDEDED"/>
+          </a:solidFill>
+        </p:spPr>
+      </p:pic>
+      <p:sp>
+        <p:nvSpPr>
+          <p:cNvPr id="1238" name="텍스트 상자 73"/>
+          <p:cNvSpPr txBox="1">
+            <a:spLocks/>
+          </p:cNvSpPr>
+          <p:nvPr/>
+        </p:nvSpPr>
+        <p:spPr>
+          <a:xfrm rot="0">
+            <a:off x="6842760" y="4413250"/>
+            <a:ext cx="4123055" cy="1754505"/>
+          </a:xfrm>
+          <a:prstGeom prst="rect"/>
+          <a:noFill/>
+        </p:spPr>
+        <p:txBody>
+          <a:bodyPr wrap="square" lIns="0" tIns="0" rIns="0" bIns="0" numCol="1" vert="horz" anchor="t">
+            <a:noAutofit/>
+          </a:bodyPr>
+          <a:lstStyle/>
+          <a:p>
+            <a:pPr marL="0" indent="0" rtl="0" algn="l" defTabSz="914400" eaLnBrk="1" latinLnBrk="0" hangingPunct="1">
+              <a:buFontTx/>
+              <a:buNone/>
+            </a:pPr>
+            <a:r>
+              <a:rPr lang="ko-KR" sz="2000" b="1">
+                <a:solidFill>
+                  <a:srgbClr val="0611F2"/>
+                </a:solidFill>
+                <a:latin typeface="맑은 고딕" charset="0"/>
+                <a:ea typeface="맑은 고딕" charset="0"/>
+              </a:rPr>
+              <a:t>5</a:t>
+            </a:r>
+            <a:r>
+              <a:rPr lang="ko-KR" sz="2000" b="1">
+                <a:solidFill>
+                  <a:srgbClr val="0611F2"/>
+                </a:solidFill>
+                <a:latin typeface="맑은 고딕" charset="0"/>
+                <a:ea typeface="맑은 고딕" charset="0"/>
+              </a:rPr>
+              <a:t>0</a:t>
+            </a:r>
+            <a:r>
+              <a:rPr sz="2000" b="1">
+                <a:solidFill>
+                  <a:srgbClr val="0611F2"/>
+                </a:solidFill>
+                <a:latin typeface="맑은 고딕" charset="0"/>
+                <a:ea typeface="맑은 고딕" charset="0"/>
+              </a:rPr>
+              <a:t>.</a:t>
+            </a:r>
+            <a:r>
+              <a:rPr sz="2000" b="1">
+                <a:solidFill>
+                  <a:srgbClr val="0611F2"/>
+                </a:solidFill>
+                <a:latin typeface="맑은 고딕" charset="0"/>
+                <a:ea typeface="맑은 고딕" charset="0"/>
+              </a:rPr>
+              <a:t> </a:t>
+            </a:r>
+            <a:r>
+              <a:rPr sz="1800">
+                <a:latin typeface="맑은 고딕" charset="0"/>
+                <a:ea typeface="맑은 고딕" charset="0"/>
+              </a:rPr>
+              <a:t>그다음 애니메이션 이벤트를 </a:t>
+            </a:r>
+            <a:r>
+              <a:rPr sz="1800">
+                <a:latin typeface="맑은 고딕" charset="0"/>
+                <a:ea typeface="맑은 고딕" charset="0"/>
+              </a:rPr>
+              <a:t>특정</a:t>
+            </a:r>
+            <a:r>
+              <a:rPr sz="1800">
+                <a:latin typeface="맑은 고딕" charset="0"/>
+                <a:ea typeface="맑은 고딕" charset="0"/>
+              </a:rPr>
+              <a:t>한 </a:t>
+            </a:r>
+            <a:r>
+              <a:rPr sz="1800">
+                <a:latin typeface="맑은 고딕" charset="0"/>
+                <a:ea typeface="맑은 고딕" charset="0"/>
+              </a:rPr>
+              <a:t>영역으로</a:t>
+            </a:r>
+            <a:r>
+              <a:rPr sz="1800">
+                <a:latin typeface="맑은 고딕" charset="0"/>
+                <a:ea typeface="맑은 고딕" charset="0"/>
+              </a:rPr>
+              <a:t> </a:t>
+            </a:r>
+            <a:r>
+              <a:rPr sz="1800">
+                <a:latin typeface="맑은 고딕" charset="0"/>
+                <a:ea typeface="맑은 고딕" charset="0"/>
+              </a:rPr>
+              <a:t>옮긴</a:t>
+            </a:r>
+            <a:r>
+              <a:rPr sz="1800">
+                <a:latin typeface="맑은 고딕" charset="0"/>
+                <a:ea typeface="맑은 고딕" charset="0"/>
+              </a:rPr>
+              <a:t> </a:t>
+            </a:r>
+            <a:r>
+              <a:rPr sz="1800">
+                <a:latin typeface="맑은 고딕" charset="0"/>
+                <a:ea typeface="맑은 고딕" charset="0"/>
+              </a:rPr>
+              <a:t>다음</a:t>
+            </a:r>
+            <a:r>
+              <a:rPr sz="1800">
+                <a:latin typeface="맑은 고딕" charset="0"/>
+                <a:ea typeface="맑은 고딕" charset="0"/>
+              </a:rPr>
+              <a:t> </a:t>
+            </a:r>
+            <a:r>
+              <a:rPr sz="1800">
+                <a:latin typeface="맑은 고딕" charset="0"/>
+                <a:ea typeface="맑은 고딕" charset="0"/>
+              </a:rPr>
+              <a:t>Function의</a:t>
+            </a:r>
+            <a:r>
+              <a:rPr sz="1800">
+                <a:latin typeface="맑은 고딕" charset="0"/>
+                <a:ea typeface="맑은 고딕" charset="0"/>
+              </a:rPr>
+              <a:t> </a:t>
+            </a:r>
+            <a:r>
+              <a:rPr sz="1800">
+                <a:latin typeface="맑은 고딕" charset="0"/>
+                <a:ea typeface="맑은 고딕" charset="0"/>
+              </a:rPr>
+              <a:t>이름을</a:t>
+            </a:r>
+            <a:r>
+              <a:rPr sz="1800">
+                <a:latin typeface="맑은 고딕" charset="0"/>
+                <a:ea typeface="맑은 고딕" charset="0"/>
+              </a:rPr>
+              <a:t> </a:t>
+            </a:r>
+            <a:r>
+              <a:rPr sz="1800">
+                <a:latin typeface="맑은 고딕" charset="0"/>
+                <a:ea typeface="맑은 고딕" charset="0"/>
+              </a:rPr>
+              <a:t>Damage</a:t>
+            </a:r>
+            <a:r>
+              <a:rPr sz="1800">
+                <a:latin typeface="맑은 고딕" charset="0"/>
+                <a:ea typeface="맑은 고딕" charset="0"/>
+              </a:rPr>
+              <a:t>로</a:t>
+            </a:r>
+            <a:r>
+              <a:rPr sz="1800">
+                <a:latin typeface="맑은 고딕" charset="0"/>
+                <a:ea typeface="맑은 고딕" charset="0"/>
+              </a:rPr>
+              <a:t> </a:t>
+            </a:r>
+            <a:r>
+              <a:rPr sz="1800">
+                <a:latin typeface="맑은 고딕" charset="0"/>
+                <a:ea typeface="맑은 고딕" charset="0"/>
+              </a:rPr>
+              <a:t>설정합니다.</a:t>
+            </a:r>
+            <a:endParaRPr lang="ko-KR" altLang="en-US" sz="1800">
+              <a:latin typeface="맑은 고딕" charset="0"/>
+              <a:ea typeface="맑은 고딕" charset="0"/>
+            </a:endParaRPr>
+          </a:p>
+          <a:p>
+            <a:pPr marL="0" indent="0" rtl="0" algn="l" defTabSz="914400" eaLnBrk="1" latinLnBrk="0" hangingPunct="1">
+              <a:buFontTx/>
+              <a:buNone/>
+            </a:pPr>
+            <a:endParaRPr lang="ko-KR" altLang="en-US" sz="1800">
+              <a:latin typeface="맑은 고딕" charset="0"/>
+              <a:ea typeface="맑은 고딕" charset="0"/>
+            </a:endParaRPr>
+          </a:p>
+          <a:p>
+            <a:pPr marL="0" indent="0" rtl="0" algn="l" defTabSz="914400" eaLnBrk="1" latinLnBrk="0" hangingPunct="1">
+              <a:buFontTx/>
+              <a:buNone/>
+            </a:pPr>
+            <a:r>
+              <a:rPr lang="ko-KR" sz="1800">
+                <a:latin typeface="맑은 고딕" charset="0"/>
+                <a:ea typeface="맑은 고딕" charset="0"/>
+              </a:rPr>
+              <a:t>그러고</a:t>
+            </a:r>
+            <a:r>
+              <a:rPr lang="ko-KR" sz="1800">
+                <a:latin typeface="맑은 고딕" charset="0"/>
+                <a:ea typeface="맑은 고딕" charset="0"/>
+              </a:rPr>
+              <a:t> </a:t>
+            </a:r>
+            <a:r>
+              <a:rPr lang="ko-KR" sz="1800">
+                <a:latin typeface="맑은 고딕" charset="0"/>
+                <a:ea typeface="맑은 고딕" charset="0"/>
+              </a:rPr>
+              <a:t>나서</a:t>
+            </a:r>
+            <a:r>
+              <a:rPr lang="ko-KR" sz="1800">
+                <a:latin typeface="맑은 고딕" charset="0"/>
+                <a:ea typeface="맑은 고딕" charset="0"/>
+              </a:rPr>
+              <a:t> </a:t>
+            </a:r>
+            <a:r>
+              <a:rPr lang="ko-KR" sz="1800">
+                <a:latin typeface="맑은 고딕" charset="0"/>
+                <a:ea typeface="맑은 고딕" charset="0"/>
+              </a:rPr>
+              <a:t>Float에 0.125 </a:t>
+            </a:r>
+            <a:r>
+              <a:rPr lang="ko-KR" sz="1800">
+                <a:latin typeface="맑은 고딕" charset="0"/>
+                <a:ea typeface="맑은 고딕" charset="0"/>
+              </a:rPr>
+              <a:t>라는 값을  </a:t>
+            </a:r>
+            <a:r>
+              <a:rPr lang="ko-KR" sz="1800">
+                <a:latin typeface="맑은 고딕" charset="0"/>
+                <a:ea typeface="맑은 고딕" charset="0"/>
+              </a:rPr>
+              <a:t>설정하고</a:t>
+            </a:r>
+            <a:r>
+              <a:rPr lang="ko-KR" sz="1800">
+                <a:latin typeface="맑은 고딕" charset="0"/>
+                <a:ea typeface="맑은 고딕" charset="0"/>
+              </a:rPr>
+              <a:t> Apply를 선택합니다.</a:t>
+            </a:r>
+            <a:endParaRPr lang="ko-KR" altLang="en-US" sz="1800">
+              <a:latin typeface="맑은 고딕" charset="0"/>
+              <a:ea typeface="맑은 고딕" charset="0"/>
+            </a:endParaRPr>
+          </a:p>
+        </p:txBody>
+      </p:sp>
+      <p:pic>
+        <p:nvPicPr>
+          <p:cNvPr id="1239" name="그림 75" descr="C:/Users/Admin1/AppData/Roaming/PolarisOffice/ETemp/4316_14940424/fImage121363772391.png"/>
+          <p:cNvPicPr>
+            <a:picLocks noChangeAspect="1"/>
+          </p:cNvPicPr>
+          <p:nvPr/>
+        </p:nvPicPr>
+        <p:blipFill rotWithShape="1">
+          <a:blip r:embed="rId3" cstate="print">
+            <a:extLst>
+              <a:ext uri="{28A0092B-C50C-407E-A947-70E740481C1C}">
+                <a14:useLocalDpi xmlns:a14="http://schemas.microsoft.com/office/drawing/2010/main" val="0"/>
+              </a:ext>
+            </a:extLst>
+          </a:blip>
+          <a:stretch>
+            <a:fillRect/>
+          </a:stretch>
+        </p:blipFill>
+        <p:spPr>
+          <a:xfrm rot="0">
+            <a:off x="6830695" y="1449070"/>
+            <a:ext cx="4126865" cy="2755265"/>
+          </a:xfrm>
+          <a:prstGeom prst="roundRect"/>
+          <a:solidFill>
+            <a:srgbClr val="EDEDED"/>
+          </a:solidFill>
+        </p:spPr>
+      </p:pic>
     </p:spTree>
   </p:cSld>
   <p:clrMapOvr>

--- a/Assets/Animation Retargeting/PPT Data/Animation Retargeting Example.pptx
+++ b/Assets/Animation Retargeting/PPT Data/Animation Retargeting Example.pptx
@@ -2,7 +2,7 @@
 <file path=ppt/presentation.xml><?xml version="1.0" encoding="utf-8"?>
 <p:presentation xmlns:a="http://schemas.openxmlformats.org/drawingml/2006/main" xmlns:r="http://schemas.openxmlformats.org/officeDocument/2006/relationships" xmlns:p="http://schemas.openxmlformats.org/presentationml/2006/main" xmlns:p14="http://schemas.microsoft.com/office/powerpoint/2010/main" saveSubsetFonts="1" firstSlideNum="0">
   <p:sldMasterIdLst>
-    <p:sldMasterId id="2147486465" r:id="rId12"/>
+    <p:sldMasterId id="2147486476" r:id="rId12"/>
   </p:sldMasterIdLst>
   <p:notesMasterIdLst>
     <p:notesMasterId r:id="rId14"/>
@@ -17,16 +17,17 @@
     <p:sldId id="322" r:id="rId28"/>
     <p:sldId id="323" r:id="rId30"/>
     <p:sldId id="324" r:id="rId32"/>
-    <p:sldId id="325" r:id="rId34"/>
+    <p:sldId id="325" r:id="rId33"/>
     <p:sldId id="326" r:id="rId35"/>
     <p:sldId id="327" r:id="rId37"/>
     <p:sldId id="328" r:id="rId39"/>
     <p:sldId id="329" r:id="rId41"/>
-    <p:sldId id="330" r:id="rId42"/>
-    <p:sldId id="331" r:id="rId43"/>
-    <p:sldId id="332" r:id="rId44"/>
-    <p:sldId id="333" r:id="rId45"/>
-    <p:sldId id="334" r:id="rId46"/>
+    <p:sldId id="330" r:id="rId43"/>
+    <p:sldId id="331" r:id="rId45"/>
+    <p:sldId id="332" r:id="rId46"/>
+    <p:sldId id="333" r:id="rId48"/>
+    <p:sldId id="334" r:id="rId49"/>
+    <p:sldId id="335" r:id="rId50"/>
   </p:sldIdLst>
   <p:sldSz cx="12192000" cy="6858000"/>
   <p:notesSz cx="6858000" cy="9144000"/>
@@ -2189,6 +2190,148 @@
 </p:notes>
 </file>
 
+<file path=ppt/notesSlides/notesSlide20.xml><?xml version="1.0" encoding="utf-8"?>
+<p:notes xmlns:a="http://schemas.openxmlformats.org/drawingml/2006/main" xmlns:r="http://schemas.openxmlformats.org/officeDocument/2006/relationships" xmlns:p="http://schemas.openxmlformats.org/presentationml/2006/main">
+  <p:cSld>
+    <p:spTree>
+      <p:nvGrpSpPr>
+        <p:cNvPr id="1" name=""/>
+        <p:cNvGrpSpPr/>
+        <p:nvPr/>
+      </p:nvGrpSpPr>
+      <p:grpSpPr>
+        <a:xfrm>
+          <a:off x="0" y="0"/>
+          <a:ext cx="0" cy="0"/>
+          <a:chOff x="0" y="0"/>
+          <a:chExt cx="0" cy="0"/>
+        </a:xfrm>
+      </p:grpSpPr>
+      <p:sp>
+        <p:nvSpPr>
+          <p:cNvPr id="2" name="슬라이드 이미지 개체 틀 3"/>
+          <p:cNvSpPr>
+            <a:spLocks noChangeAspect="1"/>
+          </p:cNvSpPr>
+          <p:nvPr>
+            <p:ph type="sldImg" idx="2"/>
+          </p:nvPr>
+        </p:nvSpPr>
+        <p:spPr>
+          <a:xfrm rot="0">
+            <a:off x="685800" y="1143000"/>
+            <a:ext cx="5495925" cy="3095625"/>
+          </a:xfrm>
+          <a:prstGeom prst="rect"/>
+          <a:noFill/>
+          <a:ln w="12700" cap="flat" cmpd="sng">
+            <a:solidFill>
+              <a:srgbClr val="000000">
+                <a:alpha val="100000"/>
+              </a:srgbClr>
+            </a:solidFill>
+            <a:prstDash val="solid"/>
+          </a:ln>
+        </p:spPr>
+        <p:txBody>
+          <a:bodyPr wrap="square" lIns="91440" tIns="45720" rIns="91440" bIns="45720" numCol="1" vert="horz" anchor="ctr">
+            <a:noAutofit/>
+          </a:bodyPr>
+          <a:lstStyle/>
+          <a:p>
+            <a:pPr marL="0" indent="0" latinLnBrk="0">
+              <a:buFontTx/>
+              <a:buNone/>
+            </a:pPr>
+          </a:p>
+        </p:txBody>
+      </p:sp>
+      <p:sp>
+        <p:nvSpPr>
+          <p:cNvPr id="3" name="슬라이드 노트 개체 틀 4"/>
+          <p:cNvSpPr txBox="1">
+            <a:spLocks/>
+          </p:cNvSpPr>
+          <p:nvPr>
+            <p:ph type="body" idx="3"/>
+          </p:nvPr>
+        </p:nvSpPr>
+        <p:spPr>
+          <a:xfrm rot="0">
+            <a:off x="685800" y="4400550"/>
+            <a:ext cx="5495925" cy="3609975"/>
+          </a:xfrm>
+          <a:prstGeom prst="rect"/>
+        </p:spPr>
+        <p:txBody>
+          <a:bodyPr wrap="square" lIns="91440" tIns="45720" rIns="91440" bIns="45720" numCol="1" vert="horz" anchor="t">
+            <a:noAutofit/>
+          </a:bodyPr>
+          <a:lstStyle/>
+          <a:p>
+            <a:pPr marL="0" indent="0" latinLnBrk="0">
+              <a:buFontTx/>
+              <a:buNone/>
+            </a:pPr>
+          </a:p>
+        </p:txBody>
+      </p:sp>
+      <p:sp>
+        <p:nvSpPr>
+          <p:cNvPr id="4" name="슬라이드 번호 개체 틀 6"/>
+          <p:cNvSpPr txBox="1">
+            <a:spLocks/>
+          </p:cNvSpPr>
+          <p:nvPr>
+            <p:ph type="sldNum" idx="5"/>
+          </p:nvPr>
+        </p:nvSpPr>
+        <p:spPr>
+          <a:xfrm rot="0">
+            <a:off x="3884930" y="8685530"/>
+            <a:ext cx="2981325" cy="467995"/>
+          </a:xfrm>
+          <a:prstGeom prst="rect"/>
+        </p:spPr>
+        <p:txBody>
+          <a:bodyPr wrap="square" lIns="91440" tIns="45720" rIns="91440" bIns="45720" numCol="1" vert="horz" anchor="b">
+            <a:noAutofit/>
+          </a:bodyPr>
+          <a:lstStyle>
+            <a:lvl1pPr marL="0" indent="0" algn="r" latinLnBrk="0">
+              <a:buFontTx/>
+              <a:buNone/>
+              <a:defRPr lang="en-GB" altLang="en-US" sz="1200"/>
+            </a:lvl1pPr>
+          </a:lstStyle>
+          <a:p>
+            <a:pPr marL="0" indent="0" latinLnBrk="0">
+              <a:buFontTx/>
+              <a:buNone/>
+            </a:pPr>
+            <a:fld id="{B9320F77-B9A0-41C5-862A-B4B631284C64}" type="slidenum">
+              <a:rPr lang="ko-KR" altLang="en-US"/>
+              <a:t>‹#›</a:t>
+            </a:fld>
+          </a:p>
+        </p:txBody>
+      </p:sp>
+    </p:spTree>
+  </p:cSld>
+  <p:clrMapOvr>
+    <a:masterClrMapping/>
+  </p:clrMapOvr>
+  <mc:AlternateContent xmlns:mc="http://schemas.openxmlformats.org/markup-compatibility/2006">
+    <mc:Choice xmlns:p14="http://schemas.microsoft.com/office/powerpoint/2010/main" Requires="p14">
+      <p:transition spd="slow" p14:dur="0"/>
+    </mc:Choice>
+    <mc:Fallback>
+      <p:transition spd="slow"/>
+    </mc:Fallback>
+  </mc:AlternateContent>
+</p:notes>
+</file>
+
 <file path=ppt/notesSlides/notesSlide3.xml><?xml version="1.0" encoding="utf-8"?>
 <p:notes xmlns:a="http://schemas.openxmlformats.org/drawingml/2006/main" xmlns:r="http://schemas.openxmlformats.org/officeDocument/2006/relationships" xmlns:p="http://schemas.openxmlformats.org/presentationml/2006/main">
   <p:cSld>
@@ -12728,7 +12871,7 @@
 </file>
 
 <file path=ppt/slides/slide16.xml><?xml version="1.0" encoding="utf-8"?>
-<p:sld xmlns:a="http://schemas.openxmlformats.org/drawingml/2006/main" xmlns:r="http://schemas.openxmlformats.org/officeDocument/2006/relationships" xmlns:p="http://schemas.openxmlformats.org/presentationml/2006/main">
+<p:sld xmlns:a="http://schemas.openxmlformats.org/drawingml/2006/main" xmlns:r="http://schemas.openxmlformats.org/officeDocument/2006/relationships" xmlns:p="http://schemas.openxmlformats.org/presentationml/2006/main" xmlns:p14="http://schemas.microsoft.com/office/powerpoint/2010/main">
   <p:cSld>
     <p:spTree>
       <p:nvGrpSpPr>
@@ -12956,7 +13099,7 @@
       </p:sp>
       <p:pic>
         <p:nvPicPr>
-          <p:cNvPr id="1229" name="Picture " descr="C:/Users/Admin1/AppData/Roaming/PolarisOffice/ETemp/4316_14940424/fImage234843278145.png"/>
+          <p:cNvPr id="1229" name="Picture "/>
           <p:cNvPicPr>
             <a:picLocks noChangeAspect="1"/>
           </p:cNvPicPr>
@@ -12995,8 +13138,8 @@
         </p:nvSpPr>
         <p:spPr>
           <a:xfrm rot="0">
-            <a:off x="6822440" y="2704465"/>
-            <a:ext cx="4131945" cy="974090"/>
+            <a:off x="6822440" y="2721610"/>
+            <a:ext cx="4132580" cy="948055"/>
           </a:xfrm>
           <a:prstGeom prst="rect"/>
           <a:noFill/>
@@ -13063,35 +13206,14 @@
                 <a:latin typeface="맑은 고딕" charset="0"/>
                 <a:ea typeface="맑은 고딕" charset="0"/>
               </a:rPr>
-              <a:t>스크립트에</a:t>
-            </a:r>
-            <a:r>
-              <a:rPr sz="1800">
-                <a:latin typeface="맑은 고딕" charset="0"/>
-                <a:ea typeface="맑은 고딕" charset="0"/>
-              </a:rPr>
-              <a:t>서</a:t>
-            </a:r>
-            <a:r>
-              <a:rPr sz="1800">
-                <a:latin typeface="맑은 고딕" charset="0"/>
-                <a:ea typeface="맑은 고딕" charset="0"/>
-              </a:rPr>
-              <a:t> </a:t>
-            </a:r>
-            <a:r>
-              <a:rPr sz="1800">
-                <a:latin typeface="맑은 고딕" charset="0"/>
-                <a:ea typeface="맑은 고딕" charset="0"/>
-              </a:rPr>
-              <a:t>Skeleton</a:t>
-            </a:r>
-            <a:r>
-              <a:rPr sz="1800">
-                <a:latin typeface="맑은 고딕" charset="0"/>
-                <a:ea typeface="맑은 고딕" charset="0"/>
-              </a:rPr>
-              <a:t> 변수를 </a:t>
+              <a:t>스크립트에서</a:t>
+            </a:r>
+            <a:r>
+              <a:rPr sz="1800">
+                <a:latin typeface="맑은 고딕" charset="0"/>
+                <a:ea typeface="맑은 고딕" charset="0"/>
+              </a:rPr>
+              <a:t> Skeleton 변수를 </a:t>
             </a:r>
             <a:r>
               <a:rPr sz="1800">
@@ -13109,7 +13231,7 @@
       </p:sp>
       <p:pic>
         <p:nvPicPr>
-          <p:cNvPr id="1231" name="그림 40" descr="C:/Users/Admin1/AppData/Roaming/PolarisOffice/ETemp/4316_14940424/fImage46883343281.png"/>
+          <p:cNvPr id="1231" name="그림 40"/>
           <p:cNvPicPr>
             <a:picLocks noChangeAspect="1"/>
           </p:cNvPicPr>
@@ -13269,7 +13391,7 @@
       </p:sp>
       <p:pic>
         <p:nvPicPr>
-          <p:cNvPr id="1233" name="그림 42" descr="C:/Users/Admin1/AppData/Roaming/PolarisOffice/ETemp/4316_14940424/fImage265713366827.png"/>
+          <p:cNvPr id="1233" name="그림 42"/>
           <p:cNvPicPr>
             <a:picLocks noChangeAspect="1"/>
           </p:cNvPicPr>
@@ -13300,17 +13422,17 @@
       </p:pic>
       <p:pic>
         <p:nvPicPr>
-          <p:cNvPr id="1234" name="그림 45" descr="C:/Users/Admin1/AppData/Roaming/PolarisOffice/ETemp/4316_14940424/fImage289263379961.png"/>
+          <p:cNvPr id="1234" name="그림 45" descr="C:/Users/Admin1/AppData/Roaming/PolarisOffice/ETemp/31124_19537320/fImage289263379961.png"/>
           <p:cNvPicPr>
             <a:picLocks noChangeAspect="1"/>
           </p:cNvPicPr>
           <p:nvPr/>
         </p:nvPicPr>
         <p:blipFill rotWithShape="1">
-          <a:blip r:embed="rId5" cstate="print">
+          <a:blip r:embed="rId5" cstate="hqprint">
             <a:extLst>
               <a:ext uri="{28A0092B-C50C-407E-A947-70E740481C1C}">
-                <a14:useLocalDpi xmlns:a14="http://schemas.microsoft.com/office/drawing/2010/main" val="0"/>
+                <a14:useLocalDpi xmlns:a14="http://schemas.microsoft.com/office/drawing/2010/main"/>
               </a:ext>
             </a:extLst>
           </a:blip>
@@ -13321,7 +13443,7 @@
         <p:spPr>
           <a:xfrm rot="0">
             <a:off x="6831330" y="3772535"/>
-            <a:ext cx="4126230" cy="1370330"/>
+            <a:ext cx="4126865" cy="1336040"/>
           </a:xfrm>
           <a:prstGeom prst="roundRect"/>
           <a:solidFill>
@@ -13338,9 +13460,9 @@
           <p:nvPr/>
         </p:nvSpPr>
         <p:spPr>
-          <a:xfrm rot="0">
+          <a:xfrm>
             <a:off x="6824980" y="5265420"/>
-            <a:ext cx="4140835" cy="911225"/>
+            <a:ext cx="4141470" cy="911860"/>
           </a:xfrm>
           <a:prstGeom prst="rect"/>
           <a:noFill/>
@@ -13400,42 +13522,21 @@
                 <a:latin typeface="맑은 고딕" charset="0"/>
                 <a:ea typeface="맑은 고딕" charset="0"/>
               </a:rPr>
-              <a:t>이제 Damage(float) 함수를 </a:t>
-            </a:r>
-            <a:r>
-              <a:rPr sz="1800">
-                <a:latin typeface="맑은 고딕" charset="0"/>
-                <a:ea typeface="맑은 고딕" charset="0"/>
-              </a:rPr>
-              <a:t>선언한 </a:t>
-            </a:r>
-            <a:r>
-              <a:rPr sz="1800">
-                <a:latin typeface="맑은 고딕" charset="0"/>
-                <a:ea typeface="맑은 고딕" charset="0"/>
-              </a:rPr>
-              <a:t>다</a:t>
-            </a:r>
-            <a:r>
-              <a:rPr sz="1800">
-                <a:latin typeface="맑은 고딕" charset="0"/>
-                <a:ea typeface="맑은 고딕" charset="0"/>
-              </a:rPr>
-              <a:t>음</a:t>
-            </a:r>
-            <a:r>
-              <a:rPr sz="1800">
-                <a:latin typeface="맑은 고딕" charset="0"/>
-                <a:ea typeface="맑은 고딕" charset="0"/>
-              </a:rPr>
-              <a:t> </a:t>
-            </a:r>
-            <a:r>
-              <a:rPr sz="1800">
-                <a:latin typeface="맑은 고딕" charset="0"/>
-                <a:ea typeface="맑은 고딕" charset="0"/>
-              </a:rPr>
-              <a:t>Skeleton 클래스에 있는 State( ) </a:t>
+              <a:t>이제 Damage(float) 함수를 선언한 </a:t>
+            </a:r>
+            <a:r>
+              <a:rPr sz="1800">
+                <a:latin typeface="맑은 고딕" charset="0"/>
+                <a:ea typeface="맑은 고딕" charset="0"/>
+              </a:rPr>
+              <a:t>다음</a:t>
+            </a:r>
+            <a:r>
+              <a:rPr sz="1800">
+                <a:latin typeface="맑은 고딕" charset="0"/>
+                <a:ea typeface="맑은 고딕" charset="0"/>
+              </a:rPr>
+              <a:t> Skeleton 클래스에 있는 State( ) </a:t>
             </a:r>
             <a:r>
               <a:rPr sz="1800">
@@ -13449,21 +13550,14 @@
                 <a:latin typeface="맑은 고딕" charset="0"/>
                 <a:ea typeface="맑은 고딕" charset="0"/>
               </a:rPr>
-              <a:t>의</a:t>
-            </a:r>
-            <a:r>
-              <a:rPr lang="ko-KR" sz="1800">
-                <a:latin typeface="맑은 고딕" charset="0"/>
-                <a:ea typeface="맑은 고딕" charset="0"/>
-              </a:rPr>
-              <a:t> </a:t>
-            </a:r>
-            <a:r>
-              <a:rPr lang="ko-KR" sz="1800">
-                <a:latin typeface="맑은 고딕" charset="0"/>
-                <a:ea typeface="맑은 고딕" charset="0"/>
-              </a:rPr>
-              <a:t>인수로 매개 변수를 넣어줍니다.</a:t>
+              <a:t>를</a:t>
+            </a:r>
+            <a:r>
+              <a:rPr lang="ko-KR" sz="1800">
+                <a:latin typeface="맑은 고딕" charset="0"/>
+                <a:ea typeface="맑은 고딕" charset="0"/>
+              </a:rPr>
+              <a:t> 호출합니다.</a:t>
             </a:r>
             <a:endParaRPr lang="ko-KR" altLang="en-US" sz="1800">
               <a:latin typeface="맑은 고딕" charset="0"/>
@@ -14006,7 +14100,7 @@
 </file>
 
 <file path=ppt/slides/slide18.xml><?xml version="1.0" encoding="utf-8"?>
-<p:sld xmlns:a="http://schemas.openxmlformats.org/drawingml/2006/main" xmlns:r="http://schemas.openxmlformats.org/officeDocument/2006/relationships" xmlns:p="http://schemas.openxmlformats.org/presentationml/2006/main">
+<p:sld xmlns:a="http://schemas.openxmlformats.org/drawingml/2006/main" xmlns:r="http://schemas.openxmlformats.org/officeDocument/2006/relationships" xmlns:p="http://schemas.openxmlformats.org/presentationml/2006/main" xmlns:p14="http://schemas.microsoft.com/office/powerpoint/2010/main">
   <p:cSld>
     <p:spTree>
       <p:nvGrpSpPr>
@@ -14091,9 +14185,9 @@
           <p:nvPr/>
         </p:nvSpPr>
         <p:spPr>
-          <a:xfrm rot="0">
+          <a:xfrm>
             <a:off x="1240790" y="4413250"/>
-            <a:ext cx="4143375" cy="1763395"/>
+            <a:ext cx="4144010" cy="1764030"/>
           </a:xfrm>
           <a:prstGeom prst="rect"/>
           <a:noFill/>
@@ -14181,49 +14275,21 @@
                 <a:latin typeface="맑은 고딕" charset="0"/>
                 <a:ea typeface="맑은 고딕" charset="0"/>
               </a:rPr>
-              <a:t> 00로 옮긴 다음 </a:t>
-            </a:r>
-            <a:r>
-              <a:rPr sz="1800">
-                <a:latin typeface="맑은 고딕" charset="0"/>
-                <a:ea typeface="맑은 고딕" charset="0"/>
-              </a:rPr>
-              <a:t>Function의</a:t>
-            </a:r>
-            <a:r>
-              <a:rPr sz="1800">
-                <a:latin typeface="맑은 고딕" charset="0"/>
-                <a:ea typeface="맑은 고딕" charset="0"/>
-              </a:rPr>
-              <a:t> 이름을 </a:t>
-            </a:r>
-            <a:r>
-              <a:rPr sz="1800">
-                <a:latin typeface="맑은 고딕" charset="0"/>
-                <a:ea typeface="맑은 고딕" charset="0"/>
-              </a:rPr>
-              <a:t>Skill</a:t>
-            </a:r>
-            <a:r>
-              <a:rPr sz="1800">
-                <a:latin typeface="맑은 고딕" charset="0"/>
-                <a:ea typeface="맑은 고딕" charset="0"/>
-              </a:rPr>
-              <a:t>로</a:t>
-            </a:r>
-            <a:r>
-              <a:rPr sz="1800">
-                <a:latin typeface="맑은 고딕" charset="0"/>
-                <a:ea typeface="맑은 고딕" charset="0"/>
-              </a:rPr>
-              <a:t> </a:t>
-            </a:r>
-            <a:r>
-              <a:rPr sz="1800">
-                <a:latin typeface="맑은 고딕" charset="0"/>
-                <a:ea typeface="맑은 고딕" charset="0"/>
-              </a:rPr>
-              <a:t>설정합니다.</a:t>
+              <a:t> 00로 옮긴 다음 Function의 이름을 </a:t>
+            </a:r>
+            <a:r>
+              <a:rPr sz="1800">
+                <a:latin typeface="맑은 고딕" charset="0"/>
+                <a:ea typeface="맑은 고딕" charset="0"/>
+              </a:rPr>
+              <a:t>Skill로</a:t>
+            </a:r>
+            <a:r>
+              <a:rPr sz="1800">
+                <a:latin typeface="맑은 고딕" charset="0"/>
+                <a:ea typeface="맑은 고딕" charset="0"/>
+              </a:rPr>
+              <a:t> 설정합니다.</a:t>
             </a:r>
             <a:endParaRPr lang="ko-KR" altLang="en-US" sz="1800">
               <a:latin typeface="맑은 고딕" charset="0"/>
@@ -14257,21 +14323,7 @@
                 <a:latin typeface="맑은 고딕" charset="0"/>
                 <a:ea typeface="맑은 고딕" charset="0"/>
               </a:rPr>
-              <a:t> </a:t>
-            </a:r>
-            <a:r>
-              <a:rPr lang="ko-KR" sz="1800">
-                <a:latin typeface="맑은 고딕" charset="0"/>
-                <a:ea typeface="맑은 고딕" charset="0"/>
-              </a:rPr>
-              <a:t>String에 Attack</a:t>
-            </a:r>
-            <a:r>
-              <a:rPr lang="ko-KR" sz="1800">
-                <a:latin typeface="맑은 고딕" charset="0"/>
-                <a:ea typeface="맑은 고딕" charset="0"/>
-              </a:rPr>
-              <a:t> 이라는 </a:t>
+              <a:t> String에 Attack 이라는 </a:t>
             </a:r>
             <a:r>
               <a:rPr lang="ko-KR" sz="1800">
@@ -14285,21 +14337,7 @@
                 <a:latin typeface="맑은 고딕" charset="0"/>
                 <a:ea typeface="맑은 고딕" charset="0"/>
               </a:rPr>
-              <a:t> </a:t>
-            </a:r>
-            <a:r>
-              <a:rPr lang="ko-KR" sz="1800">
-                <a:latin typeface="맑은 고딕" charset="0"/>
-                <a:ea typeface="맑은 고딕" charset="0"/>
-              </a:rPr>
-              <a:t>설정하고 Apply를 선택합니다.</a:t>
-            </a:r>
-            <a:r>
-              <a:rPr lang="ko-KR" sz="1800">
-                <a:latin typeface="맑은 고딕" charset="0"/>
-                <a:ea typeface="맑은 고딕" charset="0"/>
-              </a:rPr>
-              <a:t> </a:t>
+              <a:t> 지정하고 Apply를 선택합니다. </a:t>
             </a:r>
             <a:endParaRPr lang="ko-KR" altLang="en-US" sz="1800">
               <a:latin typeface="맑은 고딕" charset="0"/>
@@ -14522,7 +14560,7 @@
       </p:sp>
       <p:pic>
         <p:nvPicPr>
-          <p:cNvPr id="1238" name="그림 67" descr="C:/Users/Admin1/AppData/Roaming/PolarisOffice/ETemp/4316_14940424/fImage120873651942.png"/>
+          <p:cNvPr id="1238" name="그림 67"/>
           <p:cNvPicPr>
             <a:picLocks noChangeAspect="1"/>
           </p:cNvPicPr>
@@ -14553,7 +14591,7 @@
       </p:pic>
       <p:pic>
         <p:nvPicPr>
-          <p:cNvPr id="1239" name="그림 78" descr="C:/Users/Admin1/AppData/Roaming/PolarisOffice/ETemp/4316_14940424/fImage324273784827.png"/>
+          <p:cNvPr id="1239" name="그림 78"/>
           <p:cNvPicPr>
             <a:picLocks noChangeAspect="1"/>
           </p:cNvPicPr>
@@ -14606,7 +14644,7 @@
 </file>
 
 <file path=ppt/slides/slide19.xml><?xml version="1.0" encoding="utf-8"?>
-<p:sld xmlns:a="http://schemas.openxmlformats.org/drawingml/2006/main" xmlns:r="http://schemas.openxmlformats.org/officeDocument/2006/relationships" xmlns:p="http://schemas.openxmlformats.org/presentationml/2006/main">
+<p:sld xmlns:a="http://schemas.openxmlformats.org/drawingml/2006/main" xmlns:r="http://schemas.openxmlformats.org/officeDocument/2006/relationships" xmlns:p="http://schemas.openxmlformats.org/presentationml/2006/main" xmlns:p14="http://schemas.microsoft.com/office/powerpoint/2010/main">
   <p:cSld>
     <p:spTree>
       <p:nvGrpSpPr>
@@ -14813,7 +14851,7 @@
       </p:sp>
       <p:pic>
         <p:nvPicPr>
-          <p:cNvPr id="1237" name="Picture " descr="C:/Users/Admin1/AppData/Roaming/PolarisOffice/ETemp/4316_14940424/fImage105803695436.png"/>
+          <p:cNvPr id="1237" name="Picture "/>
           <p:cNvPicPr>
             <a:picLocks noChangeAspect="1"/>
           </p:cNvPicPr>
@@ -14851,9 +14889,9 @@
           <p:nvPr/>
         </p:nvSpPr>
         <p:spPr>
-          <a:xfrm rot="0">
+          <a:xfrm>
             <a:off x="6842760" y="4413250"/>
-            <a:ext cx="4123055" cy="1754505"/>
+            <a:ext cx="4123690" cy="1755140"/>
           </a:xfrm>
           <a:prstGeom prst="rect"/>
           <a:noFill/>
@@ -14876,17 +14914,7 @@
                 <a:latin typeface="맑은 고딕" charset="0"/>
                 <a:ea typeface="맑은 고딕" charset="0"/>
               </a:rPr>
-              <a:t>5</a:t>
-            </a:r>
-            <a:r>
-              <a:rPr lang="ko-KR" sz="2000" b="1">
-                <a:solidFill>
-                  <a:srgbClr val="0611F2"/>
-                </a:solidFill>
-                <a:latin typeface="맑은 고딕" charset="0"/>
-                <a:ea typeface="맑은 고딕" charset="0"/>
-              </a:rPr>
-              <a:t>0</a:t>
+              <a:t>50</a:t>
             </a:r>
             <a:r>
               <a:rPr sz="2000" b="1">
@@ -14913,21 +14941,7 @@
                 <a:latin typeface="맑은 고딕" charset="0"/>
                 <a:ea typeface="맑은 고딕" charset="0"/>
               </a:rPr>
-              <a:t>그다음 애니메이션 이벤트를 </a:t>
-            </a:r>
-            <a:r>
-              <a:rPr sz="1800">
-                <a:latin typeface="맑은 고딕" charset="0"/>
-                <a:ea typeface="맑은 고딕" charset="0"/>
-              </a:rPr>
-              <a:t>특정</a:t>
-            </a:r>
-            <a:r>
-              <a:rPr sz="1800">
-                <a:latin typeface="맑은 고딕" charset="0"/>
-                <a:ea typeface="맑은 고딕" charset="0"/>
-              </a:rPr>
-              <a:t>한 </a:t>
+              <a:t>그다음 애니메이션 이벤트를 특정한 </a:t>
             </a:r>
             <a:r>
               <a:rPr sz="1800">
@@ -14941,91 +14955,21 @@
                 <a:latin typeface="맑은 고딕" charset="0"/>
                 <a:ea typeface="맑은 고딕" charset="0"/>
               </a:rPr>
-              <a:t> </a:t>
-            </a:r>
-            <a:r>
-              <a:rPr sz="1800">
-                <a:latin typeface="맑은 고딕" charset="0"/>
-                <a:ea typeface="맑은 고딕" charset="0"/>
-              </a:rPr>
-              <a:t>옮긴</a:t>
-            </a:r>
-            <a:r>
-              <a:rPr sz="1800">
-                <a:latin typeface="맑은 고딕" charset="0"/>
-                <a:ea typeface="맑은 고딕" charset="0"/>
-              </a:rPr>
-              <a:t> </a:t>
-            </a:r>
-            <a:r>
-              <a:rPr sz="1800">
-                <a:latin typeface="맑은 고딕" charset="0"/>
-                <a:ea typeface="맑은 고딕" charset="0"/>
-              </a:rPr>
-              <a:t>다음</a:t>
-            </a:r>
-            <a:r>
-              <a:rPr sz="1800">
-                <a:latin typeface="맑은 고딕" charset="0"/>
-                <a:ea typeface="맑은 고딕" charset="0"/>
-              </a:rPr>
-              <a:t> </a:t>
-            </a:r>
-            <a:r>
-              <a:rPr sz="1800">
-                <a:latin typeface="맑은 고딕" charset="0"/>
-                <a:ea typeface="맑은 고딕" charset="0"/>
-              </a:rPr>
-              <a:t>Function의</a:t>
-            </a:r>
-            <a:r>
-              <a:rPr sz="1800">
-                <a:latin typeface="맑은 고딕" charset="0"/>
-                <a:ea typeface="맑은 고딕" charset="0"/>
-              </a:rPr>
-              <a:t> </a:t>
-            </a:r>
-            <a:r>
-              <a:rPr sz="1800">
-                <a:latin typeface="맑은 고딕" charset="0"/>
-                <a:ea typeface="맑은 고딕" charset="0"/>
-              </a:rPr>
-              <a:t>이름을</a:t>
-            </a:r>
-            <a:r>
-              <a:rPr sz="1800">
-                <a:latin typeface="맑은 고딕" charset="0"/>
-                <a:ea typeface="맑은 고딕" charset="0"/>
-              </a:rPr>
-              <a:t> </a:t>
-            </a:r>
-            <a:r>
-              <a:rPr sz="1800">
-                <a:latin typeface="맑은 고딕" charset="0"/>
-                <a:ea typeface="맑은 고딕" charset="0"/>
-              </a:rPr>
-              <a:t>Damage</a:t>
-            </a:r>
-            <a:r>
-              <a:rPr sz="1800">
-                <a:latin typeface="맑은 고딕" charset="0"/>
-                <a:ea typeface="맑은 고딕" charset="0"/>
-              </a:rPr>
-              <a:t>로</a:t>
-            </a:r>
-            <a:r>
-              <a:rPr sz="1800">
-                <a:latin typeface="맑은 고딕" charset="0"/>
-                <a:ea typeface="맑은 고딕" charset="0"/>
-              </a:rPr>
-              <a:t> </a:t>
-            </a:r>
-            <a:r>
-              <a:rPr sz="1800">
-                <a:latin typeface="맑은 고딕" charset="0"/>
-                <a:ea typeface="맑은 고딕" charset="0"/>
-              </a:rPr>
-              <a:t>설정합니다.</a:t>
+              <a:t> 옮긴 다음 Function의 이름을 </a:t>
+            </a:r>
+            <a:r>
+              <a:rPr sz="1800">
+                <a:latin typeface="맑은 고딕" charset="0"/>
+                <a:ea typeface="맑은 고딕" charset="0"/>
+              </a:rPr>
+              <a:t>Damage로</a:t>
+            </a:r>
+            <a:r>
+              <a:rPr sz="1800">
+                <a:latin typeface="맑은 고딕" charset="0"/>
+                <a:ea typeface="맑은 고딕" charset="0"/>
+              </a:rPr>
+              <a:t> 설정합니다.</a:t>
             </a:r>
             <a:endParaRPr lang="ko-KR" altLang="en-US" sz="1800">
               <a:latin typeface="맑은 고딕" charset="0"/>
@@ -15059,42 +15003,14 @@
                 <a:latin typeface="맑은 고딕" charset="0"/>
                 <a:ea typeface="맑은 고딕" charset="0"/>
               </a:rPr>
-              <a:t> </a:t>
-            </a:r>
-            <a:r>
-              <a:rPr lang="ko-KR" sz="1800">
-                <a:latin typeface="맑은 고딕" charset="0"/>
-                <a:ea typeface="맑은 고딕" charset="0"/>
-              </a:rPr>
-              <a:t>나서</a:t>
-            </a:r>
-            <a:r>
-              <a:rPr lang="ko-KR" sz="1800">
-                <a:latin typeface="맑은 고딕" charset="0"/>
-                <a:ea typeface="맑은 고딕" charset="0"/>
-              </a:rPr>
-              <a:t> </a:t>
-            </a:r>
-            <a:r>
-              <a:rPr lang="ko-KR" sz="1800">
-                <a:latin typeface="맑은 고딕" charset="0"/>
-                <a:ea typeface="맑은 고딕" charset="0"/>
-              </a:rPr>
-              <a:t>Float에 0.125 </a:t>
-            </a:r>
-            <a:r>
-              <a:rPr lang="ko-KR" sz="1800">
-                <a:latin typeface="맑은 고딕" charset="0"/>
-                <a:ea typeface="맑은 고딕" charset="0"/>
-              </a:rPr>
-              <a:t>라는 값을  </a:t>
-            </a:r>
-            <a:r>
-              <a:rPr lang="ko-KR" sz="1800">
-                <a:latin typeface="맑은 고딕" charset="0"/>
-                <a:ea typeface="맑은 고딕" charset="0"/>
-              </a:rPr>
-              <a:t>설정하고</a:t>
+              <a:t> 나서 Float에 0.125 라는 값을  </a:t>
+            </a:r>
+            <a:r>
+              <a:rPr lang="ko-KR" sz="1800">
+                <a:latin typeface="맑은 고딕" charset="0"/>
+                <a:ea typeface="맑은 고딕" charset="0"/>
+              </a:rPr>
+              <a:t>지정하고</a:t>
             </a:r>
             <a:r>
               <a:rPr lang="ko-KR" sz="1800">
@@ -15112,7 +15028,7 @@
       </p:sp>
       <p:pic>
         <p:nvPicPr>
-          <p:cNvPr id="1239" name="그림 75" descr="C:/Users/Admin1/AppData/Roaming/PolarisOffice/ETemp/4316_14940424/fImage121363772391.png"/>
+          <p:cNvPr id="1239" name="그림 75"/>
           <p:cNvPicPr>
             <a:picLocks noChangeAspect="1"/>
           </p:cNvPicPr>
@@ -15680,6 +15596,561 @@
           <a:noFill/>
         </p:spPr>
       </p:pic>
+    </p:spTree>
+  </p:cSld>
+  <p:clrMapOvr>
+    <a:masterClrMapping/>
+  </p:clrMapOvr>
+  <mc:AlternateContent xmlns:mc="http://schemas.openxmlformats.org/markup-compatibility/2006">
+    <mc:Choice xmlns:p14="http://schemas.microsoft.com/office/powerpoint/2010/main" Requires="p14">
+      <p:transition spd="slow" p14:dur="2000"/>
+    </mc:Choice>
+    <mc:Fallback>
+      <p:transition spd="slow"/>
+    </mc:Fallback>
+  </mc:AlternateContent>
+  <p:timing>
+    <p:tnLst>
+      <p:par>
+        <p:cTn id="1" dur="indefinite" restart="never" nodeType="tmRoot"/>
+      </p:par>
+    </p:tnLst>
+  </p:timing>
+</p:sld>
+</file>
+
+<file path=ppt/slides/slide20.xml><?xml version="1.0" encoding="utf-8"?>
+<p:sld xmlns:a="http://schemas.openxmlformats.org/drawingml/2006/main" xmlns:r="http://schemas.openxmlformats.org/officeDocument/2006/relationships" xmlns:p="http://schemas.openxmlformats.org/presentationml/2006/main">
+  <p:cSld>
+    <p:spTree>
+      <p:nvGrpSpPr>
+        <p:cNvPr id="1" name=""/>
+        <p:cNvGrpSpPr/>
+        <p:nvPr/>
+      </p:nvGrpSpPr>
+      <p:grpSpPr>
+        <a:xfrm>
+          <a:off x="0" y="0"/>
+          <a:ext cx="0" cy="0"/>
+          <a:chOff x="0" y="0"/>
+          <a:chExt cx="0" cy="0"/>
+        </a:xfrm>
+      </p:grpSpPr>
+      <p:sp>
+        <p:nvSpPr>
+          <p:cNvPr id="1154" name="Rect 0"/>
+          <p:cNvSpPr txBox="1">
+            <a:spLocks/>
+          </p:cNvSpPr>
+          <p:nvPr/>
+        </p:nvSpPr>
+        <p:spPr>
+          <a:xfrm rot="0">
+            <a:off x="4280535" y="405130"/>
+            <a:ext cx="3631565" cy="478155"/>
+          </a:xfrm>
+          <a:prstGeom prst="rect"/>
+          <a:noFill/>
+          <a:ln w="0">
+            <a:noFill/>
+            <a:prstDash/>
+          </a:ln>
+        </p:spPr>
+        <p:txBody>
+          <a:bodyPr wrap="square" lIns="89535" tIns="46355" rIns="89535" bIns="46355" numCol="1" vert="horz" anchor="t">
+            <a:spAutoFit/>
+          </a:bodyPr>
+          <a:lstStyle/>
+          <a:p>
+            <a:pPr marL="0" indent="0" algn="ctr" latinLnBrk="0">
+              <a:buFontTx/>
+              <a:buNone/>
+            </a:pPr>
+            <a:r>
+              <a:rPr lang="ko-KR" altLang="en-US" sz="2500" b="1">
+                <a:solidFill>
+                  <a:schemeClr val="tx1"/>
+                </a:solidFill>
+                <a:latin typeface="나눔바른고딕" charset="0"/>
+                <a:ea typeface="나눔바른고딕" charset="0"/>
+              </a:rPr>
+              <a:t>스물</a:t>
+            </a:r>
+            <a:r>
+              <a:rPr lang="ko-KR" altLang="en-US" sz="2500" b="1">
+                <a:solidFill>
+                  <a:schemeClr val="tx1"/>
+                </a:solidFill>
+                <a:latin typeface="나눔바른고딕" charset="0"/>
+                <a:ea typeface="나눔바른고딕" charset="0"/>
+              </a:rPr>
+              <a:t> 번째 튜토리얼</a:t>
+            </a:r>
+            <a:endParaRPr lang="ko-KR" altLang="en-US" sz="2500" b="1">
+              <a:solidFill>
+                <a:schemeClr val="tx1"/>
+              </a:solidFill>
+              <a:latin typeface="나눔바른고딕" charset="0"/>
+              <a:ea typeface="나눔바른고딕" charset="0"/>
+            </a:endParaRPr>
+          </a:p>
+        </p:txBody>
+      </p:sp>
+      <p:sp>
+        <p:nvSpPr>
+          <p:cNvPr id="1235" name="Rect 0"/>
+          <p:cNvSpPr txBox="1">
+            <a:spLocks/>
+          </p:cNvSpPr>
+          <p:nvPr/>
+        </p:nvSpPr>
+        <p:spPr>
+          <a:xfrm rot="0">
+            <a:off x="1252220" y="5222875"/>
+            <a:ext cx="4116070" cy="945515"/>
+          </a:xfrm>
+          <a:prstGeom prst="rect"/>
+          <a:noFill/>
+        </p:spPr>
+        <p:txBody>
+          <a:bodyPr wrap="square" lIns="0" tIns="0" rIns="0" bIns="0" numCol="1" vert="horz" anchor="t">
+            <a:noAutofit/>
+          </a:bodyPr>
+          <a:lstStyle/>
+          <a:p>
+            <a:pPr marL="0" indent="0" rtl="0" algn="l" defTabSz="914400" eaLnBrk="1" latinLnBrk="0" hangingPunct="1">
+              <a:buFontTx/>
+              <a:buNone/>
+            </a:pPr>
+            <a:r>
+              <a:rPr sz="2000" b="1">
+                <a:solidFill>
+                  <a:srgbClr val="0611F2"/>
+                </a:solidFill>
+                <a:latin typeface="맑은 고딕" charset="0"/>
+                <a:ea typeface="맑은 고딕" charset="0"/>
+              </a:rPr>
+              <a:t>5</a:t>
+            </a:r>
+            <a:r>
+              <a:rPr sz="2000" b="1">
+                <a:solidFill>
+                  <a:srgbClr val="0611F2"/>
+                </a:solidFill>
+                <a:latin typeface="맑은 고딕" charset="0"/>
+                <a:ea typeface="맑은 고딕" charset="0"/>
+              </a:rPr>
+              <a:t>2</a:t>
+            </a:r>
+            <a:r>
+              <a:rPr sz="2000" b="1">
+                <a:solidFill>
+                  <a:srgbClr val="0611F2"/>
+                </a:solidFill>
+                <a:latin typeface="맑은 고딕" charset="0"/>
+                <a:ea typeface="맑은 고딕" charset="0"/>
+              </a:rPr>
+              <a:t>.</a:t>
+            </a:r>
+            <a:r>
+              <a:rPr sz="2000" b="1">
+                <a:solidFill>
+                  <a:srgbClr val="0611F2"/>
+                </a:solidFill>
+                <a:latin typeface="맑은 고딕" charset="0"/>
+                <a:ea typeface="맑은 고딕" charset="0"/>
+              </a:rPr>
+              <a:t> </a:t>
+            </a:r>
+            <a:r>
+              <a:rPr sz="1800">
+                <a:latin typeface="맑은 고딕" charset="0"/>
+                <a:ea typeface="맑은 고딕" charset="0"/>
+              </a:rPr>
+              <a:t>그리고 Skeleton 오브젝트의 Health </a:t>
+            </a:r>
+            <a:r>
+              <a:rPr sz="1800">
+                <a:latin typeface="맑은 고딕" charset="0"/>
+                <a:ea typeface="맑은 고딕" charset="0"/>
+              </a:rPr>
+              <a:t>Gauge</a:t>
+            </a:r>
+            <a:r>
+              <a:rPr sz="1800">
+                <a:latin typeface="맑은 고딕" charset="0"/>
+                <a:ea typeface="맑은 고딕" charset="0"/>
+              </a:rPr>
+              <a:t> 변수에 Skeleton Health Gauge </a:t>
+            </a:r>
+            <a:r>
+              <a:rPr sz="1800">
+                <a:latin typeface="맑은 고딕" charset="0"/>
+                <a:ea typeface="맑은 고딕" charset="0"/>
+              </a:rPr>
+              <a:t>오브</a:t>
+            </a:r>
+            <a:r>
+              <a:rPr sz="1800">
+                <a:latin typeface="맑은 고딕" charset="0"/>
+                <a:ea typeface="맑은 고딕" charset="0"/>
+              </a:rPr>
+              <a:t>젝트</a:t>
+            </a:r>
+            <a:r>
+              <a:rPr lang="ko-KR" sz="1800">
+                <a:latin typeface="맑은 고딕" charset="0"/>
+                <a:ea typeface="맑은 고딕" charset="0"/>
+              </a:rPr>
+              <a:t>를</a:t>
+            </a:r>
+            <a:r>
+              <a:rPr lang="ko-KR" sz="1800">
+                <a:latin typeface="맑은 고딕" charset="0"/>
+                <a:ea typeface="맑은 고딕" charset="0"/>
+              </a:rPr>
+              <a:t> </a:t>
+            </a:r>
+            <a:r>
+              <a:rPr lang="ko-KR" sz="1800">
+                <a:latin typeface="맑은 고딕" charset="0"/>
+                <a:ea typeface="맑은 고딕" charset="0"/>
+              </a:rPr>
+              <a:t>넣어줍니다.</a:t>
+            </a:r>
+            <a:endParaRPr lang="ko-KR" altLang="en-US" sz="1800">
+              <a:latin typeface="맑은 고딕" charset="0"/>
+              <a:ea typeface="맑은 고딕" charset="0"/>
+            </a:endParaRPr>
+          </a:p>
+        </p:txBody>
+      </p:sp>
+      <p:pic>
+        <p:nvPicPr>
+          <p:cNvPr id="1240" name="그림 1" descr="C:/Users/Admin1/AppData/Roaming/PolarisOffice/ETemp/31124_19537320/fImage655035241.png"/>
+          <p:cNvPicPr>
+            <a:picLocks noChangeAspect="1"/>
+          </p:cNvPicPr>
+          <p:nvPr/>
+        </p:nvPicPr>
+        <p:blipFill rotWithShape="1">
+          <a:blip r:embed="rId2" cstate="print">
+            <a:extLst>
+              <a:ext uri="{28A0092B-C50C-407E-A947-70E740481C1C}">
+                <a14:useLocalDpi xmlns:a14="http://schemas.microsoft.com/office/drawing/2010/main" val="0"/>
+              </a:ext>
+            </a:extLst>
+          </a:blip>
+          <a:stretch>
+            <a:fillRect/>
+          </a:stretch>
+        </p:blipFill>
+        <p:spPr>
+          <a:xfrm rot="0">
+            <a:off x="2903220" y="1438275"/>
+            <a:ext cx="2454275" cy="1266825"/>
+          </a:xfrm>
+          <a:prstGeom prst="roundRect"/>
+          <a:solidFill>
+            <a:srgbClr val="EDEDED"/>
+          </a:solidFill>
+        </p:spPr>
+      </p:pic>
+      <p:pic>
+        <p:nvPicPr>
+          <p:cNvPr id="1241" name="그림 4" descr="C:/Users/Admin1/AppData/Roaming/PolarisOffice/ETemp/31124_19537320/fImage105063538467.png"/>
+          <p:cNvPicPr>
+            <a:picLocks noChangeAspect="1"/>
+          </p:cNvPicPr>
+          <p:nvPr/>
+        </p:nvPicPr>
+        <p:blipFill rotWithShape="1">
+          <a:blip r:embed="rId3" cstate="print">
+            <a:extLst>
+              <a:ext uri="{28A0092B-C50C-407E-A947-70E740481C1C}">
+                <a14:useLocalDpi xmlns:a14="http://schemas.microsoft.com/office/drawing/2010/main" val="0"/>
+              </a:ext>
+            </a:extLst>
+          </a:blip>
+          <a:stretch>
+            <a:fillRect/>
+          </a:stretch>
+        </p:blipFill>
+        <p:spPr>
+          <a:xfrm rot="0">
+            <a:off x="1249045" y="1447165"/>
+            <a:ext cx="1551305" cy="1249680"/>
+          </a:xfrm>
+          <a:prstGeom prst="roundRect"/>
+          <a:solidFill>
+            <a:srgbClr val="EDEDED"/>
+          </a:solidFill>
+        </p:spPr>
+      </p:pic>
+      <p:cxnSp>
+        <p:nvCxnSpPr>
+          <p:cNvPr id="1242" name="도형 8"/>
+          <p:cNvCxnSpPr/>
+          <p:nvPr/>
+        </p:nvCxnSpPr>
+        <p:spPr>
+          <a:xfrm rot="0" flipV="1">
+            <a:off x="1938020" y="2386330"/>
+            <a:ext cx="3325495" cy="189865"/>
+          </a:xfrm>
+          <a:prstGeom prst="straightConnector1"/>
+          <a:ln w="6350" cap="flat" cmpd="sng">
+            <a:prstDash/>
+            <a:headEnd type="none" w="med" len="med"/>
+            <a:tailEnd type="triangle" w="med" len="med"/>
+          </a:ln>
+        </p:spPr>
+        <p:style>
+          <a:lnRef idx="1">
+            <a:schemeClr val="accent1"/>
+          </a:lnRef>
+          <a:fillRef idx="0">
+            <a:schemeClr val="accent1"/>
+          </a:fillRef>
+          <a:effectRef idx="0">
+            <a:schemeClr val="accent1"/>
+          </a:effectRef>
+          <a:fontRef idx="minor">
+            <a:schemeClr val="tx1"/>
+          </a:fontRef>
+        </p:style>
+      </p:cxnSp>
+      <p:sp>
+        <p:nvSpPr>
+          <p:cNvPr id="1243" name="텍스트 상자 9"/>
+          <p:cNvSpPr txBox="1">
+            <a:spLocks/>
+          </p:cNvSpPr>
+          <p:nvPr/>
+        </p:nvSpPr>
+        <p:spPr>
+          <a:xfrm rot="0">
+            <a:off x="1245870" y="2796540"/>
+            <a:ext cx="4116070" cy="945515"/>
+          </a:xfrm>
+          <a:prstGeom prst="rect"/>
+          <a:noFill/>
+        </p:spPr>
+        <p:txBody>
+          <a:bodyPr wrap="square" lIns="0" tIns="0" rIns="0" bIns="0" numCol="1" vert="horz" anchor="t">
+            <a:noAutofit/>
+          </a:bodyPr>
+          <a:lstStyle/>
+          <a:p>
+            <a:pPr marL="0" indent="0" rtl="0" algn="l" defTabSz="914400" eaLnBrk="1" latinLnBrk="0" hangingPunct="1">
+              <a:buFontTx/>
+              <a:buNone/>
+            </a:pPr>
+            <a:r>
+              <a:rPr sz="2000" b="1">
+                <a:solidFill>
+                  <a:srgbClr val="0611F2"/>
+                </a:solidFill>
+                <a:latin typeface="맑은 고딕" charset="0"/>
+                <a:ea typeface="맑은 고딕" charset="0"/>
+              </a:rPr>
+              <a:t>5</a:t>
+            </a:r>
+            <a:r>
+              <a:rPr sz="2000" b="1">
+                <a:solidFill>
+                  <a:srgbClr val="0611F2"/>
+                </a:solidFill>
+                <a:latin typeface="맑은 고딕" charset="0"/>
+                <a:ea typeface="맑은 고딕" charset="0"/>
+              </a:rPr>
+              <a:t>1</a:t>
+            </a:r>
+            <a:r>
+              <a:rPr sz="2000" b="1">
+                <a:solidFill>
+                  <a:srgbClr val="0611F2"/>
+                </a:solidFill>
+                <a:latin typeface="맑은 고딕" charset="0"/>
+                <a:ea typeface="맑은 고딕" charset="0"/>
+              </a:rPr>
+              <a:t>.</a:t>
+            </a:r>
+            <a:r>
+              <a:rPr sz="2000" b="1">
+                <a:solidFill>
+                  <a:srgbClr val="0611F2"/>
+                </a:solidFill>
+                <a:latin typeface="맑은 고딕" charset="0"/>
+                <a:ea typeface="맑은 고딕" charset="0"/>
+              </a:rPr>
+              <a:t> </a:t>
+            </a:r>
+            <a:r>
+              <a:rPr sz="1800">
+                <a:latin typeface="맑은 고딕" charset="0"/>
+                <a:ea typeface="맑은 고딕" charset="0"/>
+              </a:rPr>
+              <a:t>이제 Ely By K.Atienza </a:t>
+            </a:r>
+            <a:r>
+              <a:rPr sz="1800">
+                <a:latin typeface="맑은 고딕" charset="0"/>
+                <a:ea typeface="맑은 고딕" charset="0"/>
+              </a:rPr>
+              <a:t>오브젝트</a:t>
+            </a:r>
+            <a:r>
+              <a:rPr sz="1800">
+                <a:latin typeface="맑은 고딕" charset="0"/>
+                <a:ea typeface="맑은 고딕" charset="0"/>
+              </a:rPr>
+              <a:t>의</a:t>
+            </a:r>
+            <a:r>
+              <a:rPr sz="1800">
+                <a:latin typeface="맑은 고딕" charset="0"/>
+                <a:ea typeface="맑은 고딕" charset="0"/>
+              </a:rPr>
+              <a:t> </a:t>
+            </a:r>
+            <a:r>
+              <a:rPr sz="1800">
+                <a:latin typeface="맑은 고딕" charset="0"/>
+                <a:ea typeface="맑은 고딕" charset="0"/>
+              </a:rPr>
+              <a:t>Skeleton</a:t>
+            </a:r>
+            <a:r>
+              <a:rPr sz="1800">
+                <a:latin typeface="맑은 고딕" charset="0"/>
+                <a:ea typeface="맑은 고딕" charset="0"/>
+              </a:rPr>
+              <a:t> 변수</a:t>
+            </a:r>
+            <a:r>
+              <a:rPr lang="ko-KR" sz="1800">
+                <a:latin typeface="맑은 고딕" charset="0"/>
+                <a:ea typeface="맑은 고딕" charset="0"/>
+              </a:rPr>
+              <a:t>에 </a:t>
+            </a:r>
+            <a:r>
+              <a:rPr lang="ko-KR" sz="1800">
+                <a:latin typeface="맑은 고딕" charset="0"/>
+                <a:ea typeface="맑은 고딕" charset="0"/>
+              </a:rPr>
+              <a:t>Skeleton 오브젝트를 </a:t>
+            </a:r>
+            <a:r>
+              <a:rPr lang="ko-KR" sz="1800">
+                <a:latin typeface="맑은 고딕" charset="0"/>
+                <a:ea typeface="맑은 고딕" charset="0"/>
+              </a:rPr>
+              <a:t>넣어줍니다.</a:t>
+            </a:r>
+            <a:endParaRPr lang="ko-KR" altLang="en-US" sz="1800">
+              <a:latin typeface="맑은 고딕" charset="0"/>
+              <a:ea typeface="맑은 고딕" charset="0"/>
+            </a:endParaRPr>
+          </a:p>
+        </p:txBody>
+      </p:sp>
+      <p:pic>
+        <p:nvPicPr>
+          <p:cNvPr id="1244" name="그림 10" descr="C:/Users/Admin1/AppData/Roaming/PolarisOffice/ETemp/31124_19537320/fImage72773566334.png"/>
+          <p:cNvPicPr>
+            <a:picLocks noChangeAspect="1"/>
+          </p:cNvPicPr>
+          <p:nvPr/>
+        </p:nvPicPr>
+        <p:blipFill rotWithShape="1">
+          <a:blip r:embed="rId4" cstate="print">
+            <a:extLst>
+              <a:ext uri="{28A0092B-C50C-407E-A947-70E740481C1C}">
+                <a14:useLocalDpi xmlns:a14="http://schemas.microsoft.com/office/drawing/2010/main" val="0"/>
+              </a:ext>
+            </a:extLst>
+          </a:blip>
+          <a:stretch>
+            <a:fillRect/>
+          </a:stretch>
+        </p:blipFill>
+        <p:spPr>
+          <a:xfrm rot="0">
+            <a:off x="2894330" y="3849370"/>
+            <a:ext cx="2464435" cy="1250950"/>
+          </a:xfrm>
+          <a:prstGeom prst="roundRect"/>
+          <a:solidFill>
+            <a:srgbClr val="EDEDED"/>
+          </a:solidFill>
+        </p:spPr>
+      </p:pic>
+      <p:pic>
+        <p:nvPicPr>
+          <p:cNvPr id="1245" name="그림 13" descr="C:/Users/Admin1/AppData/Roaming/PolarisOffice/ETemp/31124_19537320/fImage127983576500.png"/>
+          <p:cNvPicPr>
+            <a:picLocks noChangeAspect="1"/>
+          </p:cNvPicPr>
+          <p:nvPr/>
+        </p:nvPicPr>
+        <p:blipFill rotWithShape="1">
+          <a:blip r:embed="rId5" cstate="print">
+            <a:extLst>
+              <a:ext uri="{28A0092B-C50C-407E-A947-70E740481C1C}">
+                <a14:useLocalDpi xmlns:a14="http://schemas.microsoft.com/office/drawing/2010/main" val="0"/>
+              </a:ext>
+            </a:extLst>
+          </a:blip>
+          <a:stretch>
+            <a:fillRect/>
+          </a:stretch>
+        </p:blipFill>
+        <p:spPr>
+          <a:xfrm rot="0">
+            <a:off x="1238885" y="3850005"/>
+            <a:ext cx="1561465" cy="1249680"/>
+          </a:xfrm>
+          <a:prstGeom prst="roundRect"/>
+          <a:solidFill>
+            <a:srgbClr val="EDEDED"/>
+          </a:solidFill>
+        </p:spPr>
+      </p:pic>
+      <p:cxnSp>
+        <p:nvCxnSpPr>
+          <p:cNvPr id="1246" name="도형 16"/>
+          <p:cNvCxnSpPr/>
+          <p:nvPr/>
+        </p:nvCxnSpPr>
+        <p:spPr>
+          <a:xfrm rot="0">
+            <a:off x="2592705" y="4772025"/>
+            <a:ext cx="2687955" cy="26670"/>
+          </a:xfrm>
+          <a:prstGeom prst="straightConnector1"/>
+          <a:ln w="6350" cap="flat" cmpd="sng">
+            <a:prstDash/>
+            <a:headEnd type="none" w="med" len="med"/>
+            <a:tailEnd type="triangle" w="med" len="med"/>
+          </a:ln>
+        </p:spPr>
+        <p:style>
+          <a:lnRef idx="1">
+            <a:schemeClr val="accent1"/>
+          </a:lnRef>
+          <a:fillRef idx="0">
+            <a:schemeClr val="accent1"/>
+          </a:fillRef>
+          <a:effectRef idx="0">
+            <a:schemeClr val="accent1"/>
+          </a:effectRef>
+          <a:fontRef idx="minor">
+            <a:schemeClr val="tx1"/>
+          </a:fontRef>
+        </p:style>
+      </p:cxnSp>
     </p:spTree>
   </p:cSld>
   <p:clrMapOvr>
@@ -19245,7 +19716,7 @@
       </p:sp>
       <p:pic>
         <p:nvPicPr>
-          <p:cNvPr id="1202" name="그림 7" descr="C:/Users/Admin1/AppData/Roaming/PolarisOffice/ETemp/22404_22534112/fImage206162166334.png"/>
+          <p:cNvPr id="1202" name="그림 7"/>
           <p:cNvPicPr>
             <a:picLocks noChangeAspect="1"/>
           </p:cNvPicPr>
@@ -19284,8 +19755,8 @@
         </p:nvSpPr>
         <p:spPr>
           <a:xfrm rot="0">
-            <a:off x="6822440" y="3123565"/>
-            <a:ext cx="4143375" cy="659130"/>
+            <a:off x="6822440" y="3089275"/>
+            <a:ext cx="4126230" cy="659765"/>
           </a:xfrm>
           <a:prstGeom prst="rect"/>
           <a:noFill/>
@@ -19359,28 +19830,7 @@
                 <a:latin typeface="맑은 고딕" charset="0"/>
                 <a:ea typeface="맑은 고딕" charset="0"/>
               </a:rPr>
-              <a:t> </a:t>
-            </a:r>
-            <a:r>
-              <a:rPr sz="1800">
-                <a:latin typeface="맑은 고딕" charset="0"/>
-                <a:ea typeface="맑은 고딕" charset="0"/>
-              </a:rPr>
-              <a:t>앵커</a:t>
-            </a:r>
-            <a:r>
-              <a:rPr sz="1800">
-                <a:latin typeface="맑은 고딕" charset="0"/>
-                <a:ea typeface="맑은 고딕" charset="0"/>
-              </a:rPr>
-              <a:t>를 </a:t>
-            </a:r>
-            <a:r>
-              <a:rPr sz="1800">
-                <a:latin typeface="맑은 고딕" charset="0"/>
-                <a:ea typeface="맑은 고딕" charset="0"/>
-              </a:rPr>
-              <a:t>지정합니다.</a:t>
+              <a:t> 앵커를 지정합니다.</a:t>
             </a:r>
             <a:endParaRPr lang="ko-KR" altLang="en-US" sz="1800">
               <a:latin typeface="맑은 고딕" charset="0"/>
@@ -19391,17 +19841,17 @@
       </p:sp>
       <p:pic>
         <p:nvPicPr>
-          <p:cNvPr id="1206" name="그림 3" descr="C:/Users/Admin1/AppData/Roaming/PolarisOffice/ETemp/22404_22534112/fImage1191318041.png"/>
+          <p:cNvPr id="1206" name="그림 3" descr="C:/Users/Admin1/AppData/Roaming/PolarisOffice/ETemp/31124_19537320/fImage1191318041.png"/>
           <p:cNvPicPr>
             <a:picLocks noChangeAspect="1"/>
           </p:cNvPicPr>
           <p:nvPr/>
         </p:nvPicPr>
         <p:blipFill rotWithShape="1">
-          <a:blip r:embed="rId6" cstate="print">
+          <a:blip r:embed="rId6" cstate="hqprint">
             <a:extLst>
               <a:ext uri="{28A0092B-C50C-407E-A947-70E740481C1C}">
-                <a14:useLocalDpi xmlns:a14="http://schemas.microsoft.com/office/drawing/2010/main" val="0"/>
+                <a14:useLocalDpi xmlns:a14="http://schemas.microsoft.com/office/drawing/2010/main"/>
               </a:ext>
             </a:extLst>
           </a:blip>
@@ -19411,8 +19861,8 @@
         </p:blipFill>
         <p:spPr>
           <a:xfrm rot="0">
-            <a:off x="6813550" y="3884930"/>
-            <a:ext cx="4144010" cy="1499235"/>
+            <a:off x="6822440" y="1447165"/>
+            <a:ext cx="4126865" cy="1550670"/>
           </a:xfrm>
           <a:prstGeom prst="roundRect"/>
           <a:solidFill>
@@ -19422,17 +19872,17 @@
       </p:pic>
       <p:pic>
         <p:nvPicPr>
-          <p:cNvPr id="1207" name="그림 6" descr="C:/Users/Admin1/AppData/Roaming/PolarisOffice/ETemp/22404_22534112/fImage117371818467.png"/>
+          <p:cNvPr id="1207" name="그림 6" descr="C:/Users/Admin1/AppData/Roaming/PolarisOffice/ETemp/31124_19537320/fImage117371818467.png"/>
           <p:cNvPicPr>
             <a:picLocks noChangeAspect="1"/>
           </p:cNvPicPr>
           <p:nvPr/>
         </p:nvPicPr>
         <p:blipFill rotWithShape="1">
-          <a:blip r:embed="rId7" cstate="print">
+          <a:blip r:embed="rId7" cstate="hqprint">
             <a:extLst>
               <a:ext uri="{28A0092B-C50C-407E-A947-70E740481C1C}">
-                <a14:useLocalDpi xmlns:a14="http://schemas.microsoft.com/office/drawing/2010/main" val="0"/>
+                <a14:useLocalDpi xmlns:a14="http://schemas.microsoft.com/office/drawing/2010/main"/>
               </a:ext>
             </a:extLst>
           </a:blip>
@@ -19442,8 +19892,8 @@
         </p:blipFill>
         <p:spPr>
           <a:xfrm rot="0">
-            <a:off x="6819265" y="1456055"/>
-            <a:ext cx="4138295" cy="1567815"/>
+            <a:off x="6811010" y="3825240"/>
+            <a:ext cx="4138930" cy="1593215"/>
           </a:xfrm>
           <a:prstGeom prst="roundRect"/>
           <a:solidFill>
